--- a/files/Development1CAVEC.pptx
+++ b/files/Development1CAVEC.pptx
@@ -114,7 +114,18 @@
   </p:defaultTextStyle>
   <p:extLst>
     <p:ext uri="{EFAFB233-063F-42B5-8137-9DF3F51BA10A}">
-      <p15:sldGuideLst xmlns:p15="http://schemas.microsoft.com/office/powerpoint/2012/main" xmlns=""/>
+      <p15:sldGuideLst xmlns:p15="http://schemas.microsoft.com/office/powerpoint/2012/main">
+        <p15:guide id="1" orient="horz" pos="2160">
+          <p15:clr>
+            <a:srgbClr val="A4A3A4"/>
+          </p15:clr>
+        </p15:guide>
+        <p15:guide id="2" pos="3840">
+          <p15:clr>
+            <a:srgbClr val="A4A3A4"/>
+          </p15:clr>
+        </p15:guide>
+      </p15:sldGuideLst>
     </p:ext>
   </p:extLst>
 </p:presentation>
@@ -1980,16 +1991,12 @@
         <a:lstStyle/>
         <a:p>
           <a:r>
-            <a:rPr lang="ru-RU" sz="2800" dirty="0" smtClean="0">
+            <a:rPr lang="ru-RU" sz="2800" dirty="0">
               <a:latin typeface="Arial" panose="020B0604020202020204" pitchFamily="34" charset="0"/>
               <a:cs typeface="Arial" panose="020B0604020202020204" pitchFamily="34" charset="0"/>
             </a:rPr>
             <a:t>УТП БИТ Аренда</a:t>
           </a:r>
-          <a:endParaRPr lang="ru-RU" sz="2800" dirty="0">
-            <a:latin typeface="Arial" panose="020B0604020202020204" pitchFamily="34" charset="0"/>
-            <a:cs typeface="Arial" panose="020B0604020202020204" pitchFamily="34" charset="0"/>
-          </a:endParaRPr>
         </a:p>
       </dgm:t>
     </dgm:pt>
@@ -2023,14 +2030,14 @@
         <a:lstStyle/>
         <a:p>
           <a:r>
-            <a:rPr lang="ru-RU" sz="2800" dirty="0" smtClean="0">
+            <a:rPr lang="ru-RU" sz="2800" dirty="0">
               <a:latin typeface="Arial" panose="020B0604020202020204" pitchFamily="34" charset="0"/>
               <a:cs typeface="Arial" panose="020B0604020202020204" pitchFamily="34" charset="0"/>
             </a:rPr>
             <a:t>УТП  </a:t>
           </a:r>
           <a:r>
-            <a:rPr lang="ru-RU" sz="2800" dirty="0" err="1" smtClean="0">
+            <a:rPr lang="ru-RU" sz="2800" dirty="0" err="1">
               <a:latin typeface="Arial" panose="020B0604020202020204" pitchFamily="34" charset="0"/>
               <a:cs typeface="Arial" panose="020B0604020202020204" pitchFamily="34" charset="0"/>
             </a:rPr>
@@ -2073,16 +2080,12 @@
         <a:lstStyle/>
         <a:p>
           <a:r>
-            <a:rPr lang="ru-RU" sz="2800" dirty="0" smtClean="0">
+            <a:rPr lang="ru-RU" sz="2800" dirty="0">
               <a:latin typeface="Arial" panose="020B0604020202020204" pitchFamily="34" charset="0"/>
               <a:cs typeface="Arial" panose="020B0604020202020204" pitchFamily="34" charset="0"/>
             </a:rPr>
             <a:t>ЗУП</a:t>
           </a:r>
-          <a:endParaRPr lang="ru-RU" sz="2800" dirty="0">
-            <a:latin typeface="Arial" panose="020B0604020202020204" pitchFamily="34" charset="0"/>
-            <a:cs typeface="Arial" panose="020B0604020202020204" pitchFamily="34" charset="0"/>
-          </a:endParaRPr>
         </a:p>
       </dgm:t>
     </dgm:pt>
@@ -2116,7 +2119,7 @@
         <a:lstStyle/>
         <a:p>
           <a:r>
-            <a:rPr lang="ru-RU" sz="2800" dirty="0" smtClean="0">
+            <a:rPr lang="ru-RU" sz="2800" dirty="0">
               <a:latin typeface="Arial" panose="020B0604020202020204" pitchFamily="34" charset="0"/>
               <a:cs typeface="Arial" panose="020B0604020202020204" pitchFamily="34" charset="0"/>
             </a:rPr>
@@ -2159,16 +2162,12 @@
         <a:lstStyle/>
         <a:p>
           <a:r>
-            <a:rPr lang="ru-RU" sz="2800" dirty="0" smtClean="0">
+            <a:rPr lang="ru-RU" sz="2800" dirty="0">
               <a:latin typeface="Arial" panose="020B0604020202020204" pitchFamily="34" charset="0"/>
               <a:cs typeface="Arial" panose="020B0604020202020204" pitchFamily="34" charset="0"/>
             </a:rPr>
             <a:t>УАТ</a:t>
           </a:r>
-          <a:endParaRPr lang="ru-RU" sz="2800" dirty="0">
-            <a:latin typeface="Arial" panose="020B0604020202020204" pitchFamily="34" charset="0"/>
-            <a:cs typeface="Arial" panose="020B0604020202020204" pitchFamily="34" charset="0"/>
-          </a:endParaRPr>
         </a:p>
       </dgm:t>
     </dgm:pt>
@@ -2202,13 +2201,6 @@
         </dgm:presLayoutVars>
       </dgm:prSet>
       <dgm:spPr/>
-      <dgm:t>
-        <a:bodyPr/>
-        <a:lstStyle/>
-        <a:p>
-          <a:endParaRPr lang="ru-RU"/>
-        </a:p>
-      </dgm:t>
     </dgm:pt>
     <dgm:pt modelId="{49AFE1D8-248D-4FAD-9DDA-F23F806338FE}" type="pres">
       <dgm:prSet presAssocID="{45F98D66-9802-47DF-A22E-EA0CE47FD900}" presName="node" presStyleLbl="node1" presStyleIdx="0" presStyleCnt="5" custLinFactNeighborX="-9633" custLinFactNeighborY="-18">
@@ -2217,13 +2209,6 @@
         </dgm:presLayoutVars>
       </dgm:prSet>
       <dgm:spPr/>
-      <dgm:t>
-        <a:bodyPr/>
-        <a:lstStyle/>
-        <a:p>
-          <a:endParaRPr lang="ru-RU"/>
-        </a:p>
-      </dgm:t>
     </dgm:pt>
     <dgm:pt modelId="{5EF56D42-9515-4B73-9BF7-4153D28AE742}" type="pres">
       <dgm:prSet presAssocID="{09DAE5D8-C813-4B23-9B4C-7D4EA69F10E2}" presName="sibTrans" presStyleCnt="0"/>
@@ -2236,13 +2221,6 @@
         </dgm:presLayoutVars>
       </dgm:prSet>
       <dgm:spPr/>
-      <dgm:t>
-        <a:bodyPr/>
-        <a:lstStyle/>
-        <a:p>
-          <a:endParaRPr lang="ru-RU"/>
-        </a:p>
-      </dgm:t>
     </dgm:pt>
     <dgm:pt modelId="{E6DC9794-7683-474B-B843-A3B8102F4EDA}" type="pres">
       <dgm:prSet presAssocID="{7E158500-48FF-47C6-8820-996D5B76E070}" presName="sibTrans" presStyleCnt="0"/>
@@ -2255,13 +2233,6 @@
         </dgm:presLayoutVars>
       </dgm:prSet>
       <dgm:spPr/>
-      <dgm:t>
-        <a:bodyPr/>
-        <a:lstStyle/>
-        <a:p>
-          <a:endParaRPr lang="ru-RU"/>
-        </a:p>
-      </dgm:t>
     </dgm:pt>
     <dgm:pt modelId="{DEECDD76-6D6B-40B7-99F7-C35C9F0BD0BE}" type="pres">
       <dgm:prSet presAssocID="{7D31F90D-23E2-4083-A1DA-6D8B124829AA}" presName="sibTrans" presStyleCnt="0"/>
@@ -2274,13 +2245,6 @@
         </dgm:presLayoutVars>
       </dgm:prSet>
       <dgm:spPr/>
-      <dgm:t>
-        <a:bodyPr/>
-        <a:lstStyle/>
-        <a:p>
-          <a:endParaRPr lang="ru-RU"/>
-        </a:p>
-      </dgm:t>
     </dgm:pt>
     <dgm:pt modelId="{0E1E1F33-2D24-41F1-B7CB-72D8ECD681A1}" type="pres">
       <dgm:prSet presAssocID="{3F8D5A34-1F58-480B-AE7D-CE3D4CA9A0A7}" presName="sibTrans" presStyleCnt="0"/>
@@ -2293,26 +2257,19 @@
         </dgm:presLayoutVars>
       </dgm:prSet>
       <dgm:spPr/>
-      <dgm:t>
-        <a:bodyPr/>
-        <a:lstStyle/>
-        <a:p>
-          <a:endParaRPr lang="ru-RU"/>
-        </a:p>
-      </dgm:t>
     </dgm:pt>
   </dgm:ptLst>
   <dgm:cxnLst>
     <dgm:cxn modelId="{FC97DB05-F785-4659-A827-E8CDE6D25EDE}" type="presOf" srcId="{DAD11457-03D3-4C9D-BE27-E354FDD1E2E8}" destId="{08E2E911-4FCA-4FD1-80B4-A47D4C9B2056}" srcOrd="0" destOrd="0" presId="urn:microsoft.com/office/officeart/2005/8/layout/default"/>
+    <dgm:cxn modelId="{C6647F1B-4163-4586-8CF8-2777E9065AFA}" srcId="{D499EC4F-D7DA-4285-894A-7BC21FCAF2CC}" destId="{45F98D66-9802-47DF-A22E-EA0CE47FD900}" srcOrd="0" destOrd="0" parTransId="{CBA99D3D-01E5-4459-9A10-3D94407B0301}" sibTransId="{09DAE5D8-C813-4B23-9B4C-7D4EA69F10E2}"/>
+    <dgm:cxn modelId="{479EA926-FEC6-4091-94E9-663D4292E570}" type="presOf" srcId="{C0C1A9F8-7A16-4150-B46D-D92389F35EA0}" destId="{0B8D1F26-387E-4F4C-AAE8-C131F6B73A19}" srcOrd="0" destOrd="0" presId="urn:microsoft.com/office/officeart/2005/8/layout/default"/>
+    <dgm:cxn modelId="{5B7C145C-3FD5-4013-96DB-F3455D9EF7B2}" type="presOf" srcId="{7143FC7C-1A6B-4071-80B5-883473B5C7D0}" destId="{D8C8FEB9-278D-4A17-95A9-31AA2D645409}" srcOrd="0" destOrd="0" presId="urn:microsoft.com/office/officeart/2005/8/layout/default"/>
+    <dgm:cxn modelId="{48842E46-7BF4-4154-BC28-BC6CA3F41C61}" srcId="{D499EC4F-D7DA-4285-894A-7BC21FCAF2CC}" destId="{7143FC7C-1A6B-4071-80B5-883473B5C7D0}" srcOrd="4" destOrd="0" parTransId="{DB51D8E4-F8CF-4DA4-AC81-7D4B49FFF02F}" sibTransId="{6A1D9FA1-2E6B-4BB4-94D4-45B6042E0930}"/>
+    <dgm:cxn modelId="{48DEA2AC-D3AC-4037-85D5-60777F6BEB99}" type="presOf" srcId="{80C85C55-B790-449F-BDE8-6365A6A5725A}" destId="{D2ED130B-E255-4CA7-914F-F860F9C3E9BA}" srcOrd="0" destOrd="0" presId="urn:microsoft.com/office/officeart/2005/8/layout/default"/>
+    <dgm:cxn modelId="{1FCC73AF-FBAA-41FB-AD3A-7FBCE8BD37D8}" type="presOf" srcId="{D499EC4F-D7DA-4285-894A-7BC21FCAF2CC}" destId="{0BCA0F29-24C5-4A6E-98C3-963AE53172E3}" srcOrd="0" destOrd="0" presId="urn:microsoft.com/office/officeart/2005/8/layout/default"/>
+    <dgm:cxn modelId="{76499EB6-1AB7-428D-A288-07B3A678CD24}" srcId="{D499EC4F-D7DA-4285-894A-7BC21FCAF2CC}" destId="{C0C1A9F8-7A16-4150-B46D-D92389F35EA0}" srcOrd="3" destOrd="0" parTransId="{E40E0C9D-6C7F-4739-A64F-F9A019E36239}" sibTransId="{3F8D5A34-1F58-480B-AE7D-CE3D4CA9A0A7}"/>
+    <dgm:cxn modelId="{CA42F1B7-DE90-4F30-ADD2-C790F932080A}" srcId="{D499EC4F-D7DA-4285-894A-7BC21FCAF2CC}" destId="{DAD11457-03D3-4C9D-BE27-E354FDD1E2E8}" srcOrd="2" destOrd="0" parTransId="{880033B7-FB4C-4A67-BDB9-811A9A3ED98B}" sibTransId="{7D31F90D-23E2-4083-A1DA-6D8B124829AA}"/>
     <dgm:cxn modelId="{6859FDD7-0EB6-4C33-A794-AD90D685CB19}" type="presOf" srcId="{45F98D66-9802-47DF-A22E-EA0CE47FD900}" destId="{49AFE1D8-248D-4FAD-9DDA-F23F806338FE}" srcOrd="0" destOrd="0" presId="urn:microsoft.com/office/officeart/2005/8/layout/default"/>
-    <dgm:cxn modelId="{C6647F1B-4163-4586-8CF8-2777E9065AFA}" srcId="{D499EC4F-D7DA-4285-894A-7BC21FCAF2CC}" destId="{45F98D66-9802-47DF-A22E-EA0CE47FD900}" srcOrd="0" destOrd="0" parTransId="{CBA99D3D-01E5-4459-9A10-3D94407B0301}" sibTransId="{09DAE5D8-C813-4B23-9B4C-7D4EA69F10E2}"/>
-    <dgm:cxn modelId="{48842E46-7BF4-4154-BC28-BC6CA3F41C61}" srcId="{D499EC4F-D7DA-4285-894A-7BC21FCAF2CC}" destId="{7143FC7C-1A6B-4071-80B5-883473B5C7D0}" srcOrd="4" destOrd="0" parTransId="{DB51D8E4-F8CF-4DA4-AC81-7D4B49FFF02F}" sibTransId="{6A1D9FA1-2E6B-4BB4-94D4-45B6042E0930}"/>
-    <dgm:cxn modelId="{479EA926-FEC6-4091-94E9-663D4292E570}" type="presOf" srcId="{C0C1A9F8-7A16-4150-B46D-D92389F35EA0}" destId="{0B8D1F26-387E-4F4C-AAE8-C131F6B73A19}" srcOrd="0" destOrd="0" presId="urn:microsoft.com/office/officeart/2005/8/layout/default"/>
-    <dgm:cxn modelId="{CA42F1B7-DE90-4F30-ADD2-C790F932080A}" srcId="{D499EC4F-D7DA-4285-894A-7BC21FCAF2CC}" destId="{DAD11457-03D3-4C9D-BE27-E354FDD1E2E8}" srcOrd="2" destOrd="0" parTransId="{880033B7-FB4C-4A67-BDB9-811A9A3ED98B}" sibTransId="{7D31F90D-23E2-4083-A1DA-6D8B124829AA}"/>
-    <dgm:cxn modelId="{48DEA2AC-D3AC-4037-85D5-60777F6BEB99}" type="presOf" srcId="{80C85C55-B790-449F-BDE8-6365A6A5725A}" destId="{D2ED130B-E255-4CA7-914F-F860F9C3E9BA}" srcOrd="0" destOrd="0" presId="urn:microsoft.com/office/officeart/2005/8/layout/default"/>
-    <dgm:cxn modelId="{76499EB6-1AB7-428D-A288-07B3A678CD24}" srcId="{D499EC4F-D7DA-4285-894A-7BC21FCAF2CC}" destId="{C0C1A9F8-7A16-4150-B46D-D92389F35EA0}" srcOrd="3" destOrd="0" parTransId="{E40E0C9D-6C7F-4739-A64F-F9A019E36239}" sibTransId="{3F8D5A34-1F58-480B-AE7D-CE3D4CA9A0A7}"/>
-    <dgm:cxn modelId="{5B7C145C-3FD5-4013-96DB-F3455D9EF7B2}" type="presOf" srcId="{7143FC7C-1A6B-4071-80B5-883473B5C7D0}" destId="{D8C8FEB9-278D-4A17-95A9-31AA2D645409}" srcOrd="0" destOrd="0" presId="urn:microsoft.com/office/officeart/2005/8/layout/default"/>
-    <dgm:cxn modelId="{1FCC73AF-FBAA-41FB-AD3A-7FBCE8BD37D8}" type="presOf" srcId="{D499EC4F-D7DA-4285-894A-7BC21FCAF2CC}" destId="{0BCA0F29-24C5-4A6E-98C3-963AE53172E3}" srcOrd="0" destOrd="0" presId="urn:microsoft.com/office/officeart/2005/8/layout/default"/>
     <dgm:cxn modelId="{7DCD44E5-79C0-400A-BE74-064E45069FAE}" srcId="{D499EC4F-D7DA-4285-894A-7BC21FCAF2CC}" destId="{80C85C55-B790-449F-BDE8-6365A6A5725A}" srcOrd="1" destOrd="0" parTransId="{F2E7FDB4-C1FE-43BA-89DF-642591656E87}" sibTransId="{7E158500-48FF-47C6-8820-996D5B76E070}"/>
     <dgm:cxn modelId="{E27268BA-975E-409A-9A5E-547E14CEA7DB}" type="presParOf" srcId="{0BCA0F29-24C5-4A6E-98C3-963AE53172E3}" destId="{49AFE1D8-248D-4FAD-9DDA-F23F806338FE}" srcOrd="0" destOrd="0" presId="urn:microsoft.com/office/officeart/2005/8/layout/default"/>
     <dgm:cxn modelId="{7058C847-2437-4677-A517-F669515D1C4B}" type="presParOf" srcId="{0BCA0F29-24C5-4A6E-98C3-963AE53172E3}" destId="{5EF56D42-9515-4B73-9BF7-4153D28AE742}" srcOrd="1" destOrd="0" presId="urn:microsoft.com/office/officeart/2005/8/layout/default"/>
@@ -2718,13 +2675,6 @@
         </dgm:presLayoutVars>
       </dgm:prSet>
       <dgm:spPr/>
-      <dgm:t>
-        <a:bodyPr/>
-        <a:lstStyle/>
-        <a:p>
-          <a:endParaRPr lang="ru-RU"/>
-        </a:p>
-      </dgm:t>
     </dgm:pt>
     <dgm:pt modelId="{F63AE52E-4EC3-4773-969F-EFD908F76D2C}" type="pres">
       <dgm:prSet presAssocID="{ED91F051-8592-47BE-8DBC-C7B3E3D4EC85}" presName="compNode" presStyleCnt="0"/>
@@ -2741,24 +2691,10 @@
         </dgm:presLayoutVars>
       </dgm:prSet>
       <dgm:spPr/>
-      <dgm:t>
-        <a:bodyPr/>
-        <a:lstStyle/>
-        <a:p>
-          <a:endParaRPr lang="ru-RU"/>
-        </a:p>
-      </dgm:t>
     </dgm:pt>
     <dgm:pt modelId="{956864DF-117B-4C5C-A418-C54E9FBD1E5B}" type="pres">
       <dgm:prSet presAssocID="{745EC707-1B17-492F-9A4C-3DFA39AFEDE0}" presName="sibTrans" presStyleLbl="bgSibTrans2D1" presStyleIdx="0" presStyleCnt="8"/>
       <dgm:spPr/>
-      <dgm:t>
-        <a:bodyPr/>
-        <a:lstStyle/>
-        <a:p>
-          <a:endParaRPr lang="ru-RU"/>
-        </a:p>
-      </dgm:t>
     </dgm:pt>
     <dgm:pt modelId="{92805E80-35E1-4AE2-AD77-21C162F7D3EA}" type="pres">
       <dgm:prSet presAssocID="{2D47AA27-BC66-4035-9695-D35FAF8FF36A}" presName="compNode" presStyleCnt="0"/>
@@ -2775,24 +2711,10 @@
         </dgm:presLayoutVars>
       </dgm:prSet>
       <dgm:spPr/>
-      <dgm:t>
-        <a:bodyPr/>
-        <a:lstStyle/>
-        <a:p>
-          <a:endParaRPr lang="ru-RU"/>
-        </a:p>
-      </dgm:t>
     </dgm:pt>
     <dgm:pt modelId="{A379B04A-683D-464F-9CED-E47DBED868EE}" type="pres">
       <dgm:prSet presAssocID="{8A14D7F0-FA14-420F-8021-725688B3CB96}" presName="sibTrans" presStyleLbl="bgSibTrans2D1" presStyleIdx="1" presStyleCnt="8"/>
       <dgm:spPr/>
-      <dgm:t>
-        <a:bodyPr/>
-        <a:lstStyle/>
-        <a:p>
-          <a:endParaRPr lang="ru-RU"/>
-        </a:p>
-      </dgm:t>
     </dgm:pt>
     <dgm:pt modelId="{792854EF-B23B-46C6-95A9-D00294FCB4B6}" type="pres">
       <dgm:prSet presAssocID="{DFB03E44-D359-495B-8ADD-CA5961CD5FF3}" presName="compNode" presStyleCnt="0"/>
@@ -2809,24 +2731,10 @@
         </dgm:presLayoutVars>
       </dgm:prSet>
       <dgm:spPr/>
-      <dgm:t>
-        <a:bodyPr/>
-        <a:lstStyle/>
-        <a:p>
-          <a:endParaRPr lang="ru-RU"/>
-        </a:p>
-      </dgm:t>
     </dgm:pt>
     <dgm:pt modelId="{1406FB6F-2FC8-4CB0-8CFC-1A7BC22033E4}" type="pres">
       <dgm:prSet presAssocID="{6860E388-4226-4065-AE40-B262A565B478}" presName="sibTrans" presStyleLbl="bgSibTrans2D1" presStyleIdx="2" presStyleCnt="8"/>
       <dgm:spPr/>
-      <dgm:t>
-        <a:bodyPr/>
-        <a:lstStyle/>
-        <a:p>
-          <a:endParaRPr lang="ru-RU"/>
-        </a:p>
-      </dgm:t>
     </dgm:pt>
     <dgm:pt modelId="{9B3144D9-39A2-4C00-AEAD-B42BDF78ABD7}" type="pres">
       <dgm:prSet presAssocID="{2A36C5A1-A57F-429C-A987-9BEA472F4728}" presName="compNode" presStyleCnt="0"/>
@@ -2843,24 +2751,10 @@
         </dgm:presLayoutVars>
       </dgm:prSet>
       <dgm:spPr/>
-      <dgm:t>
-        <a:bodyPr/>
-        <a:lstStyle/>
-        <a:p>
-          <a:endParaRPr lang="ru-RU"/>
-        </a:p>
-      </dgm:t>
     </dgm:pt>
     <dgm:pt modelId="{968B738F-90D6-4D87-97A6-0CF1D67080D2}" type="pres">
       <dgm:prSet presAssocID="{81F084DD-59C0-4051-A0A9-3F344E03F9F9}" presName="sibTrans" presStyleLbl="bgSibTrans2D1" presStyleIdx="3" presStyleCnt="8"/>
       <dgm:spPr/>
-      <dgm:t>
-        <a:bodyPr/>
-        <a:lstStyle/>
-        <a:p>
-          <a:endParaRPr lang="ru-RU"/>
-        </a:p>
-      </dgm:t>
     </dgm:pt>
     <dgm:pt modelId="{4F6ACE71-9F46-448A-B261-C69675DC6490}" type="pres">
       <dgm:prSet presAssocID="{D426F72B-C302-4A4C-A828-2C4FF1ED2697}" presName="compNode" presStyleCnt="0"/>
@@ -2877,24 +2771,10 @@
         </dgm:presLayoutVars>
       </dgm:prSet>
       <dgm:spPr/>
-      <dgm:t>
-        <a:bodyPr/>
-        <a:lstStyle/>
-        <a:p>
-          <a:endParaRPr lang="ru-RU"/>
-        </a:p>
-      </dgm:t>
     </dgm:pt>
     <dgm:pt modelId="{8C5A0BDB-5EAE-45C4-9B99-71268E45EB09}" type="pres">
       <dgm:prSet presAssocID="{88617056-1BC7-4D45-B5A8-2D79DD79B9BE}" presName="sibTrans" presStyleLbl="bgSibTrans2D1" presStyleIdx="4" presStyleCnt="8"/>
       <dgm:spPr/>
-      <dgm:t>
-        <a:bodyPr/>
-        <a:lstStyle/>
-        <a:p>
-          <a:endParaRPr lang="ru-RU"/>
-        </a:p>
-      </dgm:t>
     </dgm:pt>
     <dgm:pt modelId="{2BDBD1F4-F087-456B-B104-265CA779B09A}" type="pres">
       <dgm:prSet presAssocID="{11682877-4C00-4D07-94CA-592F0FC92E53}" presName="compNode" presStyleCnt="0"/>
@@ -2911,24 +2791,10 @@
         </dgm:presLayoutVars>
       </dgm:prSet>
       <dgm:spPr/>
-      <dgm:t>
-        <a:bodyPr/>
-        <a:lstStyle/>
-        <a:p>
-          <a:endParaRPr lang="ru-RU"/>
-        </a:p>
-      </dgm:t>
     </dgm:pt>
     <dgm:pt modelId="{21A0CD21-9764-48B3-9806-98E68A6B7397}" type="pres">
       <dgm:prSet presAssocID="{9F7C795B-1608-41F0-88AB-664D9BA9DF50}" presName="sibTrans" presStyleLbl="bgSibTrans2D1" presStyleIdx="5" presStyleCnt="8"/>
       <dgm:spPr/>
-      <dgm:t>
-        <a:bodyPr/>
-        <a:lstStyle/>
-        <a:p>
-          <a:endParaRPr lang="ru-RU"/>
-        </a:p>
-      </dgm:t>
     </dgm:pt>
     <dgm:pt modelId="{BC12869F-467D-43A1-B637-26E34E96E81C}" type="pres">
       <dgm:prSet presAssocID="{06AB3622-27DD-4776-8657-2A003A8E2725}" presName="compNode" presStyleCnt="0"/>
@@ -2945,24 +2811,10 @@
         </dgm:presLayoutVars>
       </dgm:prSet>
       <dgm:spPr/>
-      <dgm:t>
-        <a:bodyPr/>
-        <a:lstStyle/>
-        <a:p>
-          <a:endParaRPr lang="ru-RU"/>
-        </a:p>
-      </dgm:t>
     </dgm:pt>
     <dgm:pt modelId="{31F0744D-FFEF-41DD-BB6B-840096F20434}" type="pres">
       <dgm:prSet presAssocID="{F7AC82E0-C433-47CF-9228-F1A9DBCF319B}" presName="sibTrans" presStyleLbl="bgSibTrans2D1" presStyleIdx="6" presStyleCnt="8"/>
       <dgm:spPr/>
-      <dgm:t>
-        <a:bodyPr/>
-        <a:lstStyle/>
-        <a:p>
-          <a:endParaRPr lang="ru-RU"/>
-        </a:p>
-      </dgm:t>
     </dgm:pt>
     <dgm:pt modelId="{01F945A2-F4DF-4FD5-9AB9-C8FE13C9E27F}" type="pres">
       <dgm:prSet presAssocID="{8CBFFA8B-90AF-4380-889D-7AE8992E6521}" presName="compNode" presStyleCnt="0"/>
@@ -2979,24 +2831,10 @@
         </dgm:presLayoutVars>
       </dgm:prSet>
       <dgm:spPr/>
-      <dgm:t>
-        <a:bodyPr/>
-        <a:lstStyle/>
-        <a:p>
-          <a:endParaRPr lang="ru-RU"/>
-        </a:p>
-      </dgm:t>
     </dgm:pt>
     <dgm:pt modelId="{2998AD23-1642-4098-AB33-AB50CFB25119}" type="pres">
       <dgm:prSet presAssocID="{0AA99090-DB50-40B9-AB6C-2DD42C8C827C}" presName="sibTrans" presStyleLbl="bgSibTrans2D1" presStyleIdx="7" presStyleCnt="8"/>
       <dgm:spPr/>
-      <dgm:t>
-        <a:bodyPr/>
-        <a:lstStyle/>
-        <a:p>
-          <a:endParaRPr lang="ru-RU"/>
-        </a:p>
-      </dgm:t>
     </dgm:pt>
     <dgm:pt modelId="{F34921A2-ACBF-4BD3-B691-F0CACABC1290}" type="pres">
       <dgm:prSet presAssocID="{B2B07C10-D2A3-4A1B-8834-A8F4F2A1A26F}" presName="compNode" presStyleCnt="0"/>
@@ -3013,43 +2851,36 @@
         </dgm:presLayoutVars>
       </dgm:prSet>
       <dgm:spPr/>
-      <dgm:t>
-        <a:bodyPr/>
-        <a:lstStyle/>
-        <a:p>
-          <a:endParaRPr lang="ru-RU"/>
-        </a:p>
-      </dgm:t>
     </dgm:pt>
   </dgm:ptLst>
   <dgm:cxnLst>
+    <dgm:cxn modelId="{0FDA7900-DEAF-404E-857C-FD9D33D073B2}" type="presOf" srcId="{2D47AA27-BC66-4035-9695-D35FAF8FF36A}" destId="{DD2E1E03-E34D-4E1E-8374-10A0B7B6DDDF}" srcOrd="0" destOrd="0" presId="urn:microsoft.com/office/officeart/2005/8/layout/bProcess4"/>
+    <dgm:cxn modelId="{69A2450F-E797-4DD8-8451-3F0D2EE9DE3F}" srcId="{CB318EB8-47DF-4601-B469-D3AA399AA9E6}" destId="{2A36C5A1-A57F-429C-A987-9BEA472F4728}" srcOrd="3" destOrd="0" parTransId="{0DCFE5C1-619F-4EB5-B6C0-FFD8D53A8663}" sibTransId="{81F084DD-59C0-4051-A0A9-3F344E03F9F9}"/>
+    <dgm:cxn modelId="{9B285510-615D-484A-8AEF-5166E8A222D3}" srcId="{CB318EB8-47DF-4601-B469-D3AA399AA9E6}" destId="{8CBFFA8B-90AF-4380-889D-7AE8992E6521}" srcOrd="7" destOrd="0" parTransId="{2BE00A02-7EFF-4D6A-8935-D89DBE6605D9}" sibTransId="{0AA99090-DB50-40B9-AB6C-2DD42C8C827C}"/>
+    <dgm:cxn modelId="{47BD1520-3581-46BE-A1D6-E13987AEBE70}" type="presOf" srcId="{DFB03E44-D359-495B-8ADD-CA5961CD5FF3}" destId="{FE83AF00-C910-4E82-8B09-766A7DD0FB0E}" srcOrd="0" destOrd="0" presId="urn:microsoft.com/office/officeart/2005/8/layout/bProcess4"/>
+    <dgm:cxn modelId="{859CB627-264E-4876-A491-6198F3600D23}" type="presOf" srcId="{745EC707-1B17-492F-9A4C-3DFA39AFEDE0}" destId="{956864DF-117B-4C5C-A418-C54E9FBD1E5B}" srcOrd="0" destOrd="0" presId="urn:microsoft.com/office/officeart/2005/8/layout/bProcess4"/>
+    <dgm:cxn modelId="{56023932-061E-4170-828F-4FC445F133C8}" type="presOf" srcId="{8CBFFA8B-90AF-4380-889D-7AE8992E6521}" destId="{60A1BFB2-231D-43DB-969E-E9ADA46E5003}" srcOrd="0" destOrd="0" presId="urn:microsoft.com/office/officeart/2005/8/layout/bProcess4"/>
+    <dgm:cxn modelId="{67C75C33-1EDB-4F34-9023-CEEB3AA5A311}" type="presOf" srcId="{D426F72B-C302-4A4C-A828-2C4FF1ED2697}" destId="{69149619-889E-4D49-B2F9-835A26ECAD2C}" srcOrd="0" destOrd="0" presId="urn:microsoft.com/office/officeart/2005/8/layout/bProcess4"/>
     <dgm:cxn modelId="{312A833E-F410-48EB-904E-CD8830546855}" srcId="{CB318EB8-47DF-4601-B469-D3AA399AA9E6}" destId="{11682877-4C00-4D07-94CA-592F0FC92E53}" srcOrd="5" destOrd="0" parTransId="{74ED6884-4C5B-46D5-85F8-19828135BF76}" sibTransId="{9F7C795B-1608-41F0-88AB-664D9BA9DF50}"/>
-    <dgm:cxn modelId="{9B285510-615D-484A-8AEF-5166E8A222D3}" srcId="{CB318EB8-47DF-4601-B469-D3AA399AA9E6}" destId="{8CBFFA8B-90AF-4380-889D-7AE8992E6521}" srcOrd="7" destOrd="0" parTransId="{2BE00A02-7EFF-4D6A-8935-D89DBE6605D9}" sibTransId="{0AA99090-DB50-40B9-AB6C-2DD42C8C827C}"/>
-    <dgm:cxn modelId="{859CB627-264E-4876-A491-6198F3600D23}" type="presOf" srcId="{745EC707-1B17-492F-9A4C-3DFA39AFEDE0}" destId="{956864DF-117B-4C5C-A418-C54E9FBD1E5B}" srcOrd="0" destOrd="0" presId="urn:microsoft.com/office/officeart/2005/8/layout/bProcess4"/>
-    <dgm:cxn modelId="{47BD1520-3581-46BE-A1D6-E13987AEBE70}" type="presOf" srcId="{DFB03E44-D359-495B-8ADD-CA5961CD5FF3}" destId="{FE83AF00-C910-4E82-8B09-766A7DD0FB0E}" srcOrd="0" destOrd="0" presId="urn:microsoft.com/office/officeart/2005/8/layout/bProcess4"/>
+    <dgm:cxn modelId="{993E3160-742D-437C-B9D9-9C6C8AA3F89F}" type="presOf" srcId="{9F7C795B-1608-41F0-88AB-664D9BA9DF50}" destId="{21A0CD21-9764-48B3-9806-98E68A6B7397}" srcOrd="0" destOrd="0" presId="urn:microsoft.com/office/officeart/2005/8/layout/bProcess4"/>
+    <dgm:cxn modelId="{A4D2486B-6070-4C52-BCC2-1D9E2F556CEC}" type="presOf" srcId="{F7AC82E0-C433-47CF-9228-F1A9DBCF319B}" destId="{31F0744D-FFEF-41DD-BB6B-840096F20434}" srcOrd="0" destOrd="0" presId="urn:microsoft.com/office/officeart/2005/8/layout/bProcess4"/>
+    <dgm:cxn modelId="{368F2354-53D4-4693-BFD3-1D8783E60838}" srcId="{CB318EB8-47DF-4601-B469-D3AA399AA9E6}" destId="{B2B07C10-D2A3-4A1B-8834-A8F4F2A1A26F}" srcOrd="8" destOrd="0" parTransId="{7C98918B-51CB-4584-B5EA-7C383F4CECF2}" sibTransId="{BFFF9FF8-A578-45CA-8817-8E8DCF996A74}"/>
+    <dgm:cxn modelId="{24700E75-6678-4BE4-8525-96F7FB699F62}" type="presOf" srcId="{CB318EB8-47DF-4601-B469-D3AA399AA9E6}" destId="{3636945D-7D87-490A-8396-5EBCA2C2B95B}" srcOrd="0" destOrd="0" presId="urn:microsoft.com/office/officeart/2005/8/layout/bProcess4"/>
+    <dgm:cxn modelId="{6C93BD75-5424-4E12-93F7-F53169E7863C}" type="presOf" srcId="{0AA99090-DB50-40B9-AB6C-2DD42C8C827C}" destId="{2998AD23-1642-4098-AB33-AB50CFB25119}" srcOrd="0" destOrd="0" presId="urn:microsoft.com/office/officeart/2005/8/layout/bProcess4"/>
+    <dgm:cxn modelId="{E46B0456-3A2D-47FE-88BA-6F478D552FE3}" type="presOf" srcId="{6860E388-4226-4065-AE40-B262A565B478}" destId="{1406FB6F-2FC8-4CB0-8CFC-1A7BC22033E4}" srcOrd="0" destOrd="0" presId="urn:microsoft.com/office/officeart/2005/8/layout/bProcess4"/>
+    <dgm:cxn modelId="{93B04D76-8DA0-4232-B17C-E15D34BBA63A}" type="presOf" srcId="{2A36C5A1-A57F-429C-A987-9BEA472F4728}" destId="{BE13FA6A-C49D-487D-B0D5-A425098941EC}" srcOrd="0" destOrd="0" presId="urn:microsoft.com/office/officeart/2005/8/layout/bProcess4"/>
+    <dgm:cxn modelId="{17A8C17B-268E-415D-8B26-A49F56047C70}" type="presOf" srcId="{ED91F051-8592-47BE-8DBC-C7B3E3D4EC85}" destId="{92EE9E56-AA92-4207-A56D-651654B7662D}" srcOrd="0" destOrd="0" presId="urn:microsoft.com/office/officeart/2005/8/layout/bProcess4"/>
+    <dgm:cxn modelId="{B4E2EF87-0B90-430F-980B-E4322462177B}" type="presOf" srcId="{81F084DD-59C0-4051-A0A9-3F344E03F9F9}" destId="{968B738F-90D6-4D87-97A6-0CF1D67080D2}" srcOrd="0" destOrd="0" presId="urn:microsoft.com/office/officeart/2005/8/layout/bProcess4"/>
+    <dgm:cxn modelId="{3808E39E-74B7-4C23-AFE4-63041415536B}" srcId="{CB318EB8-47DF-4601-B469-D3AA399AA9E6}" destId="{ED91F051-8592-47BE-8DBC-C7B3E3D4EC85}" srcOrd="0" destOrd="0" parTransId="{84AF89DA-DD62-4347-99AA-3B1BE5D6C95C}" sibTransId="{745EC707-1B17-492F-9A4C-3DFA39AFEDE0}"/>
+    <dgm:cxn modelId="{D4C6F3A1-2F79-449E-ABA5-D10C82827032}" type="presOf" srcId="{11682877-4C00-4D07-94CA-592F0FC92E53}" destId="{E9A74DCC-AD8D-4A18-8794-9EB98D4C8087}" srcOrd="0" destOrd="0" presId="urn:microsoft.com/office/officeart/2005/8/layout/bProcess4"/>
+    <dgm:cxn modelId="{B15296A4-FA27-4621-8AB0-C34F743EC0E1}" type="presOf" srcId="{B2B07C10-D2A3-4A1B-8834-A8F4F2A1A26F}" destId="{03C31353-0D1A-4BC8-87A2-222CB1ED2FD9}" srcOrd="0" destOrd="0" presId="urn:microsoft.com/office/officeart/2005/8/layout/bProcess4"/>
+    <dgm:cxn modelId="{5C36DFA4-260B-4B3A-BFE1-ACC4A63D8230}" type="presOf" srcId="{8A14D7F0-FA14-420F-8021-725688B3CB96}" destId="{A379B04A-683D-464F-9CED-E47DBED868EE}" srcOrd="0" destOrd="0" presId="urn:microsoft.com/office/officeart/2005/8/layout/bProcess4"/>
+    <dgm:cxn modelId="{C9C189A9-A62A-4B09-8228-8251697B0F01}" srcId="{CB318EB8-47DF-4601-B469-D3AA399AA9E6}" destId="{06AB3622-27DD-4776-8657-2A003A8E2725}" srcOrd="6" destOrd="0" parTransId="{8B026D44-9AB3-47AC-A2EF-F42F681F35A4}" sibTransId="{F7AC82E0-C433-47CF-9228-F1A9DBCF319B}"/>
+    <dgm:cxn modelId="{A8D65FAF-ADC8-4F43-9D09-F1F5E31E88CB}" srcId="{CB318EB8-47DF-4601-B469-D3AA399AA9E6}" destId="{D426F72B-C302-4A4C-A828-2C4FF1ED2697}" srcOrd="4" destOrd="0" parTransId="{3629B4D0-99D3-454D-A83B-AB800A6DCCFC}" sibTransId="{88617056-1BC7-4D45-B5A8-2D79DD79B9BE}"/>
+    <dgm:cxn modelId="{17DC8CC1-30E7-4AA6-89B1-ECD913EA442F}" type="presOf" srcId="{88617056-1BC7-4D45-B5A8-2D79DD79B9BE}" destId="{8C5A0BDB-5EAE-45C4-9B99-71268E45EB09}" srcOrd="0" destOrd="0" presId="urn:microsoft.com/office/officeart/2005/8/layout/bProcess4"/>
     <dgm:cxn modelId="{F4D97FC6-D5C9-46BA-9DD5-BEF91642B43F}" srcId="{CB318EB8-47DF-4601-B469-D3AA399AA9E6}" destId="{2D47AA27-BC66-4035-9695-D35FAF8FF36A}" srcOrd="1" destOrd="0" parTransId="{B218B782-E9B0-48C8-A0DB-CC89FE823148}" sibTransId="{8A14D7F0-FA14-420F-8021-725688B3CB96}"/>
-    <dgm:cxn modelId="{B15296A4-FA27-4621-8AB0-C34F743EC0E1}" type="presOf" srcId="{B2B07C10-D2A3-4A1B-8834-A8F4F2A1A26F}" destId="{03C31353-0D1A-4BC8-87A2-222CB1ED2FD9}" srcOrd="0" destOrd="0" presId="urn:microsoft.com/office/officeart/2005/8/layout/bProcess4"/>
-    <dgm:cxn modelId="{B4E2EF87-0B90-430F-980B-E4322462177B}" type="presOf" srcId="{81F084DD-59C0-4051-A0A9-3F344E03F9F9}" destId="{968B738F-90D6-4D87-97A6-0CF1D67080D2}" srcOrd="0" destOrd="0" presId="urn:microsoft.com/office/officeart/2005/8/layout/bProcess4"/>
-    <dgm:cxn modelId="{24700E75-6678-4BE4-8525-96F7FB699F62}" type="presOf" srcId="{CB318EB8-47DF-4601-B469-D3AA399AA9E6}" destId="{3636945D-7D87-490A-8396-5EBCA2C2B95B}" srcOrd="0" destOrd="0" presId="urn:microsoft.com/office/officeart/2005/8/layout/bProcess4"/>
-    <dgm:cxn modelId="{A8D65FAF-ADC8-4F43-9D09-F1F5E31E88CB}" srcId="{CB318EB8-47DF-4601-B469-D3AA399AA9E6}" destId="{D426F72B-C302-4A4C-A828-2C4FF1ED2697}" srcOrd="4" destOrd="0" parTransId="{3629B4D0-99D3-454D-A83B-AB800A6DCCFC}" sibTransId="{88617056-1BC7-4D45-B5A8-2D79DD79B9BE}"/>
-    <dgm:cxn modelId="{E46B0456-3A2D-47FE-88BA-6F478D552FE3}" type="presOf" srcId="{6860E388-4226-4065-AE40-B262A565B478}" destId="{1406FB6F-2FC8-4CB0-8CFC-1A7BC22033E4}" srcOrd="0" destOrd="0" presId="urn:microsoft.com/office/officeart/2005/8/layout/bProcess4"/>
-    <dgm:cxn modelId="{17A8C17B-268E-415D-8B26-A49F56047C70}" type="presOf" srcId="{ED91F051-8592-47BE-8DBC-C7B3E3D4EC85}" destId="{92EE9E56-AA92-4207-A56D-651654B7662D}" srcOrd="0" destOrd="0" presId="urn:microsoft.com/office/officeart/2005/8/layout/bProcess4"/>
-    <dgm:cxn modelId="{368F2354-53D4-4693-BFD3-1D8783E60838}" srcId="{CB318EB8-47DF-4601-B469-D3AA399AA9E6}" destId="{B2B07C10-D2A3-4A1B-8834-A8F4F2A1A26F}" srcOrd="8" destOrd="0" parTransId="{7C98918B-51CB-4584-B5EA-7C383F4CECF2}" sibTransId="{BFFF9FF8-A578-45CA-8817-8E8DCF996A74}"/>
-    <dgm:cxn modelId="{6C93BD75-5424-4E12-93F7-F53169E7863C}" type="presOf" srcId="{0AA99090-DB50-40B9-AB6C-2DD42C8C827C}" destId="{2998AD23-1642-4098-AB33-AB50CFB25119}" srcOrd="0" destOrd="0" presId="urn:microsoft.com/office/officeart/2005/8/layout/bProcess4"/>
     <dgm:cxn modelId="{E7FA14E2-FFAC-448C-A8B1-96F3B00787C1}" srcId="{CB318EB8-47DF-4601-B469-D3AA399AA9E6}" destId="{DFB03E44-D359-495B-8ADD-CA5961CD5FF3}" srcOrd="2" destOrd="0" parTransId="{758D124B-C0A6-469C-BE6D-1696A48803B5}" sibTransId="{6860E388-4226-4065-AE40-B262A565B478}"/>
-    <dgm:cxn modelId="{56023932-061E-4170-828F-4FC445F133C8}" type="presOf" srcId="{8CBFFA8B-90AF-4380-889D-7AE8992E6521}" destId="{60A1BFB2-231D-43DB-969E-E9ADA46E5003}" srcOrd="0" destOrd="0" presId="urn:microsoft.com/office/officeart/2005/8/layout/bProcess4"/>
-    <dgm:cxn modelId="{17DC8CC1-30E7-4AA6-89B1-ECD913EA442F}" type="presOf" srcId="{88617056-1BC7-4D45-B5A8-2D79DD79B9BE}" destId="{8C5A0BDB-5EAE-45C4-9B99-71268E45EB09}" srcOrd="0" destOrd="0" presId="urn:microsoft.com/office/officeart/2005/8/layout/bProcess4"/>
-    <dgm:cxn modelId="{69A2450F-E797-4DD8-8451-3F0D2EE9DE3F}" srcId="{CB318EB8-47DF-4601-B469-D3AA399AA9E6}" destId="{2A36C5A1-A57F-429C-A987-9BEA472F4728}" srcOrd="3" destOrd="0" parTransId="{0DCFE5C1-619F-4EB5-B6C0-FFD8D53A8663}" sibTransId="{81F084DD-59C0-4051-A0A9-3F344E03F9F9}"/>
-    <dgm:cxn modelId="{993E3160-742D-437C-B9D9-9C6C8AA3F89F}" type="presOf" srcId="{9F7C795B-1608-41F0-88AB-664D9BA9DF50}" destId="{21A0CD21-9764-48B3-9806-98E68A6B7397}" srcOrd="0" destOrd="0" presId="urn:microsoft.com/office/officeart/2005/8/layout/bProcess4"/>
-    <dgm:cxn modelId="{C9C189A9-A62A-4B09-8228-8251697B0F01}" srcId="{CB318EB8-47DF-4601-B469-D3AA399AA9E6}" destId="{06AB3622-27DD-4776-8657-2A003A8E2725}" srcOrd="6" destOrd="0" parTransId="{8B026D44-9AB3-47AC-A2EF-F42F681F35A4}" sibTransId="{F7AC82E0-C433-47CF-9228-F1A9DBCF319B}"/>
-    <dgm:cxn modelId="{0FDA7900-DEAF-404E-857C-FD9D33D073B2}" type="presOf" srcId="{2D47AA27-BC66-4035-9695-D35FAF8FF36A}" destId="{DD2E1E03-E34D-4E1E-8374-10A0B7B6DDDF}" srcOrd="0" destOrd="0" presId="urn:microsoft.com/office/officeart/2005/8/layout/bProcess4"/>
     <dgm:cxn modelId="{8AD962FA-9F56-4781-9143-BFE59A644D28}" type="presOf" srcId="{06AB3622-27DD-4776-8657-2A003A8E2725}" destId="{52050AB5-19E9-467B-B4F8-9EBF62E25587}" srcOrd="0" destOrd="0" presId="urn:microsoft.com/office/officeart/2005/8/layout/bProcess4"/>
-    <dgm:cxn modelId="{3808E39E-74B7-4C23-AFE4-63041415536B}" srcId="{CB318EB8-47DF-4601-B469-D3AA399AA9E6}" destId="{ED91F051-8592-47BE-8DBC-C7B3E3D4EC85}" srcOrd="0" destOrd="0" parTransId="{84AF89DA-DD62-4347-99AA-3B1BE5D6C95C}" sibTransId="{745EC707-1B17-492F-9A4C-3DFA39AFEDE0}"/>
-    <dgm:cxn modelId="{5C36DFA4-260B-4B3A-BFE1-ACC4A63D8230}" type="presOf" srcId="{8A14D7F0-FA14-420F-8021-725688B3CB96}" destId="{A379B04A-683D-464F-9CED-E47DBED868EE}" srcOrd="0" destOrd="0" presId="urn:microsoft.com/office/officeart/2005/8/layout/bProcess4"/>
-    <dgm:cxn modelId="{93B04D76-8DA0-4232-B17C-E15D34BBA63A}" type="presOf" srcId="{2A36C5A1-A57F-429C-A987-9BEA472F4728}" destId="{BE13FA6A-C49D-487D-B0D5-A425098941EC}" srcOrd="0" destOrd="0" presId="urn:microsoft.com/office/officeart/2005/8/layout/bProcess4"/>
-    <dgm:cxn modelId="{A4D2486B-6070-4C52-BCC2-1D9E2F556CEC}" type="presOf" srcId="{F7AC82E0-C433-47CF-9228-F1A9DBCF319B}" destId="{31F0744D-FFEF-41DD-BB6B-840096F20434}" srcOrd="0" destOrd="0" presId="urn:microsoft.com/office/officeart/2005/8/layout/bProcess4"/>
-    <dgm:cxn modelId="{67C75C33-1EDB-4F34-9023-CEEB3AA5A311}" type="presOf" srcId="{D426F72B-C302-4A4C-A828-2C4FF1ED2697}" destId="{69149619-889E-4D49-B2F9-835A26ECAD2C}" srcOrd="0" destOrd="0" presId="urn:microsoft.com/office/officeart/2005/8/layout/bProcess4"/>
-    <dgm:cxn modelId="{D4C6F3A1-2F79-449E-ABA5-D10C82827032}" type="presOf" srcId="{11682877-4C00-4D07-94CA-592F0FC92E53}" destId="{E9A74DCC-AD8D-4A18-8794-9EB98D4C8087}" srcOrd="0" destOrd="0" presId="urn:microsoft.com/office/officeart/2005/8/layout/bProcess4"/>
     <dgm:cxn modelId="{FE9E7983-02FD-4A6E-8D03-6A6D996AB59E}" type="presParOf" srcId="{3636945D-7D87-490A-8396-5EBCA2C2B95B}" destId="{F63AE52E-4EC3-4773-969F-EFD908F76D2C}" srcOrd="0" destOrd="0" presId="urn:microsoft.com/office/officeart/2005/8/layout/bProcess4"/>
     <dgm:cxn modelId="{6C2D32D4-F3D8-4933-9606-E9F36E5FED74}" type="presParOf" srcId="{F63AE52E-4EC3-4773-969F-EFD908F76D2C}" destId="{83702479-1E94-4068-9D37-0A00F687D647}" srcOrd="0" destOrd="0" presId="urn:microsoft.com/office/officeart/2005/8/layout/bProcess4"/>
     <dgm:cxn modelId="{D4FCD99C-E02E-4AB2-9C33-84DB9D99F7E9}" type="presParOf" srcId="{F63AE52E-4EC3-4773-969F-EFD908F76D2C}" destId="{92EE9E56-AA92-4207-A56D-651654B7662D}" srcOrd="1" destOrd="0" presId="urn:microsoft.com/office/officeart/2005/8/layout/bProcess4"/>
@@ -3159,7 +2990,7 @@
         </a:bodyPr>
         <a:lstStyle/>
         <a:p>
-          <a:pPr lvl="0" algn="ctr" defTabSz="1244600">
+          <a:pPr marL="0" lvl="0" indent="0" algn="ctr" defTabSz="1244600">
             <a:lnSpc>
               <a:spcPct val="90000"/>
             </a:lnSpc>
@@ -3169,18 +3000,15 @@
             <a:spcAft>
               <a:spcPct val="35000"/>
             </a:spcAft>
+            <a:buNone/>
           </a:pPr>
           <a:r>
-            <a:rPr lang="ru-RU" sz="2800" kern="1200" dirty="0" smtClean="0">
+            <a:rPr lang="ru-RU" sz="2800" kern="1200" dirty="0">
               <a:latin typeface="Arial" panose="020B0604020202020204" pitchFamily="34" charset="0"/>
               <a:cs typeface="Arial" panose="020B0604020202020204" pitchFamily="34" charset="0"/>
             </a:rPr>
             <a:t>УТП БИТ Аренда</a:t>
           </a:r>
-          <a:endParaRPr lang="ru-RU" sz="2800" kern="1200" dirty="0">
-            <a:latin typeface="Arial" panose="020B0604020202020204" pitchFamily="34" charset="0"/>
-            <a:cs typeface="Arial" panose="020B0604020202020204" pitchFamily="34" charset="0"/>
-          </a:endParaRPr>
         </a:p>
       </dsp:txBody>
       <dsp:txXfrm>
@@ -3243,7 +3071,7 @@
         </a:bodyPr>
         <a:lstStyle/>
         <a:p>
-          <a:pPr lvl="0" algn="ctr" defTabSz="1244600">
+          <a:pPr marL="0" lvl="0" indent="0" algn="ctr" defTabSz="1244600">
             <a:lnSpc>
               <a:spcPct val="90000"/>
             </a:lnSpc>
@@ -3253,16 +3081,17 @@
             <a:spcAft>
               <a:spcPct val="35000"/>
             </a:spcAft>
+            <a:buNone/>
           </a:pPr>
           <a:r>
-            <a:rPr lang="ru-RU" sz="2800" kern="1200" dirty="0" smtClean="0">
+            <a:rPr lang="ru-RU" sz="2800" kern="1200" dirty="0">
               <a:latin typeface="Arial" panose="020B0604020202020204" pitchFamily="34" charset="0"/>
               <a:cs typeface="Arial" panose="020B0604020202020204" pitchFamily="34" charset="0"/>
             </a:rPr>
             <a:t>УТП  </a:t>
           </a:r>
           <a:r>
-            <a:rPr lang="ru-RU" sz="2800" kern="1200" dirty="0" err="1" smtClean="0">
+            <a:rPr lang="ru-RU" sz="2800" kern="1200" dirty="0" err="1">
               <a:latin typeface="Arial" panose="020B0604020202020204" pitchFamily="34" charset="0"/>
               <a:cs typeface="Arial" panose="020B0604020202020204" pitchFamily="34" charset="0"/>
             </a:rPr>
@@ -3334,7 +3163,7 @@
         </a:bodyPr>
         <a:lstStyle/>
         <a:p>
-          <a:pPr lvl="0" algn="ctr" defTabSz="1244600">
+          <a:pPr marL="0" lvl="0" indent="0" algn="ctr" defTabSz="1244600">
             <a:lnSpc>
               <a:spcPct val="90000"/>
             </a:lnSpc>
@@ -3344,18 +3173,15 @@
             <a:spcAft>
               <a:spcPct val="35000"/>
             </a:spcAft>
+            <a:buNone/>
           </a:pPr>
           <a:r>
-            <a:rPr lang="ru-RU" sz="2800" kern="1200" dirty="0" smtClean="0">
+            <a:rPr lang="ru-RU" sz="2800" kern="1200" dirty="0">
               <a:latin typeface="Arial" panose="020B0604020202020204" pitchFamily="34" charset="0"/>
               <a:cs typeface="Arial" panose="020B0604020202020204" pitchFamily="34" charset="0"/>
             </a:rPr>
             <a:t>ЗУП</a:t>
           </a:r>
-          <a:endParaRPr lang="ru-RU" sz="2800" kern="1200" dirty="0">
-            <a:latin typeface="Arial" panose="020B0604020202020204" pitchFamily="34" charset="0"/>
-            <a:cs typeface="Arial" panose="020B0604020202020204" pitchFamily="34" charset="0"/>
-          </a:endParaRPr>
         </a:p>
       </dsp:txBody>
       <dsp:txXfrm>
@@ -3418,7 +3244,7 @@
         </a:bodyPr>
         <a:lstStyle/>
         <a:p>
-          <a:pPr lvl="0" algn="ctr" defTabSz="1244600">
+          <a:pPr marL="0" lvl="0" indent="0" algn="ctr" defTabSz="1244600">
             <a:lnSpc>
               <a:spcPct val="90000"/>
             </a:lnSpc>
@@ -3428,9 +3254,10 @@
             <a:spcAft>
               <a:spcPct val="35000"/>
             </a:spcAft>
+            <a:buNone/>
           </a:pPr>
           <a:r>
-            <a:rPr lang="ru-RU" sz="2800" kern="1200" dirty="0" smtClean="0">
+            <a:rPr lang="ru-RU" sz="2800" kern="1200" dirty="0">
               <a:latin typeface="Arial" panose="020B0604020202020204" pitchFamily="34" charset="0"/>
               <a:cs typeface="Arial" panose="020B0604020202020204" pitchFamily="34" charset="0"/>
             </a:rPr>
@@ -3502,7 +3329,7 @@
         </a:bodyPr>
         <a:lstStyle/>
         <a:p>
-          <a:pPr lvl="0" algn="ctr" defTabSz="1244600">
+          <a:pPr marL="0" lvl="0" indent="0" algn="ctr" defTabSz="1244600">
             <a:lnSpc>
               <a:spcPct val="90000"/>
             </a:lnSpc>
@@ -3512,18 +3339,15 @@
             <a:spcAft>
               <a:spcPct val="35000"/>
             </a:spcAft>
+            <a:buNone/>
           </a:pPr>
           <a:r>
-            <a:rPr lang="ru-RU" sz="2800" kern="1200" dirty="0" smtClean="0">
+            <a:rPr lang="ru-RU" sz="2800" kern="1200" dirty="0">
               <a:latin typeface="Arial" panose="020B0604020202020204" pitchFamily="34" charset="0"/>
               <a:cs typeface="Arial" panose="020B0604020202020204" pitchFamily="34" charset="0"/>
             </a:rPr>
             <a:t>УАТ</a:t>
           </a:r>
-          <a:endParaRPr lang="ru-RU" sz="2800" kern="1200" dirty="0">
-            <a:latin typeface="Arial" panose="020B0604020202020204" pitchFamily="34" charset="0"/>
-            <a:cs typeface="Arial" panose="020B0604020202020204" pitchFamily="34" charset="0"/>
-          </a:endParaRPr>
         </a:p>
       </dsp:txBody>
       <dsp:txXfrm>
@@ -3641,7 +3465,7 @@
         </a:bodyPr>
         <a:lstStyle/>
         <a:p>
-          <a:pPr lvl="0" algn="ctr" defTabSz="1111250">
+          <a:pPr marL="0" lvl="0" indent="0" algn="ctr" defTabSz="1111250">
             <a:lnSpc>
               <a:spcPct val="90000"/>
             </a:lnSpc>
@@ -3651,6 +3475,7 @@
             <a:spcAft>
               <a:spcPct val="35000"/>
             </a:spcAft>
+            <a:buNone/>
           </a:pPr>
           <a:r>
             <a:rPr lang="ru-RU" sz="2500" kern="1200" dirty="0">
@@ -3764,7 +3589,7 @@
         </a:bodyPr>
         <a:lstStyle/>
         <a:p>
-          <a:pPr lvl="0" algn="ctr" defTabSz="1111250">
+          <a:pPr marL="0" lvl="0" indent="0" algn="ctr" defTabSz="1111250">
             <a:lnSpc>
               <a:spcPct val="90000"/>
             </a:lnSpc>
@@ -3774,6 +3599,7 @@
             <a:spcAft>
               <a:spcPct val="35000"/>
             </a:spcAft>
+            <a:buNone/>
           </a:pPr>
           <a:r>
             <a:rPr lang="ru-RU" sz="2500" kern="1200" dirty="0">
@@ -3887,7 +3713,7 @@
         </a:bodyPr>
         <a:lstStyle/>
         <a:p>
-          <a:pPr lvl="0" algn="ctr" defTabSz="1111250">
+          <a:pPr marL="0" lvl="0" indent="0" algn="ctr" defTabSz="1111250">
             <a:lnSpc>
               <a:spcPct val="90000"/>
             </a:lnSpc>
@@ -3897,6 +3723,7 @@
             <a:spcAft>
               <a:spcPct val="35000"/>
             </a:spcAft>
+            <a:buNone/>
           </a:pPr>
           <a:r>
             <a:rPr lang="ru-RU" sz="2500" kern="1200" dirty="0">
@@ -4010,7 +3837,7 @@
         </a:bodyPr>
         <a:lstStyle/>
         <a:p>
-          <a:pPr lvl="0" algn="ctr" defTabSz="1111250">
+          <a:pPr marL="0" lvl="0" indent="0" algn="ctr" defTabSz="1111250">
             <a:lnSpc>
               <a:spcPct val="90000"/>
             </a:lnSpc>
@@ -4020,6 +3847,7 @@
             <a:spcAft>
               <a:spcPct val="35000"/>
             </a:spcAft>
+            <a:buNone/>
           </a:pPr>
           <a:r>
             <a:rPr lang="ru-RU" sz="2500" kern="1200" dirty="0">
@@ -4133,7 +3961,7 @@
         </a:bodyPr>
         <a:lstStyle/>
         <a:p>
-          <a:pPr lvl="0" algn="ctr" defTabSz="1111250">
+          <a:pPr marL="0" lvl="0" indent="0" algn="ctr" defTabSz="1111250">
             <a:lnSpc>
               <a:spcPct val="90000"/>
             </a:lnSpc>
@@ -4143,6 +3971,7 @@
             <a:spcAft>
               <a:spcPct val="35000"/>
             </a:spcAft>
+            <a:buNone/>
           </a:pPr>
           <a:r>
             <a:rPr lang="ru-RU" sz="2500" kern="1200" dirty="0">
@@ -4256,7 +4085,7 @@
         </a:bodyPr>
         <a:lstStyle/>
         <a:p>
-          <a:pPr lvl="0" algn="ctr" defTabSz="1111250">
+          <a:pPr marL="0" lvl="0" indent="0" algn="ctr" defTabSz="1111250">
             <a:lnSpc>
               <a:spcPct val="90000"/>
             </a:lnSpc>
@@ -4266,6 +4095,7 @@
             <a:spcAft>
               <a:spcPct val="35000"/>
             </a:spcAft>
+            <a:buNone/>
           </a:pPr>
           <a:r>
             <a:rPr lang="ru-RU" sz="2500" kern="1200" dirty="0">
@@ -4379,7 +4209,7 @@
         </a:bodyPr>
         <a:lstStyle/>
         <a:p>
-          <a:pPr lvl="0" algn="ctr" defTabSz="1111250">
+          <a:pPr marL="0" lvl="0" indent="0" algn="ctr" defTabSz="1111250">
             <a:lnSpc>
               <a:spcPct val="90000"/>
             </a:lnSpc>
@@ -4389,6 +4219,7 @@
             <a:spcAft>
               <a:spcPct val="35000"/>
             </a:spcAft>
+            <a:buNone/>
           </a:pPr>
           <a:r>
             <a:rPr lang="ru-RU" sz="2500" kern="1200" dirty="0">
@@ -4502,7 +4333,7 @@
         </a:bodyPr>
         <a:lstStyle/>
         <a:p>
-          <a:pPr lvl="0" algn="ctr" defTabSz="1111250">
+          <a:pPr marL="0" lvl="0" indent="0" algn="ctr" defTabSz="1111250">
             <a:lnSpc>
               <a:spcPct val="90000"/>
             </a:lnSpc>
@@ -4512,6 +4343,7 @@
             <a:spcAft>
               <a:spcPct val="35000"/>
             </a:spcAft>
+            <a:buNone/>
           </a:pPr>
           <a:r>
             <a:rPr lang="ru-RU" sz="2500" kern="1200" dirty="0">
@@ -4584,7 +4416,7 @@
         </a:bodyPr>
         <a:lstStyle/>
         <a:p>
-          <a:pPr lvl="0" algn="ctr" defTabSz="1111250">
+          <a:pPr marL="0" lvl="0" indent="0" algn="ctr" defTabSz="1111250">
             <a:lnSpc>
               <a:spcPct val="90000"/>
             </a:lnSpc>
@@ -4594,6 +4426,7 @@
             <a:spcAft>
               <a:spcPct val="35000"/>
             </a:spcAft>
+            <a:buNone/>
           </a:pPr>
           <a:r>
             <a:rPr lang="ru-RU" sz="2500" kern="1200" dirty="0">
@@ -7093,7 +6926,7 @@
           <p:cNvPr id="2" name="Заголовок 1">
             <a:extLst>
               <a:ext uri="{FF2B5EF4-FFF2-40B4-BE49-F238E27FC236}">
-                <a16:creationId xmlns:a16="http://schemas.microsoft.com/office/drawing/2014/main" xmlns="" id="{5CB2B8FD-89A6-48EF-BD1F-100F0110C498}"/>
+                <a16:creationId xmlns:a16="http://schemas.microsoft.com/office/drawing/2014/main" id="{5CB2B8FD-89A6-48EF-BD1F-100F0110C498}"/>
               </a:ext>
             </a:extLst>
           </p:cNvPr>
@@ -7130,7 +6963,7 @@
           <p:cNvPr id="3" name="Подзаголовок 2">
             <a:extLst>
               <a:ext uri="{FF2B5EF4-FFF2-40B4-BE49-F238E27FC236}">
-                <a16:creationId xmlns:a16="http://schemas.microsoft.com/office/drawing/2014/main" xmlns="" id="{D745B12E-2E98-4BDC-95AB-35A02ECEFC49}"/>
+                <a16:creationId xmlns:a16="http://schemas.microsoft.com/office/drawing/2014/main" id="{D745B12E-2E98-4BDC-95AB-35A02ECEFC49}"/>
               </a:ext>
             </a:extLst>
           </p:cNvPr>
@@ -7200,7 +7033,7 @@
           <p:cNvPr id="4" name="Дата 3">
             <a:extLst>
               <a:ext uri="{FF2B5EF4-FFF2-40B4-BE49-F238E27FC236}">
-                <a16:creationId xmlns:a16="http://schemas.microsoft.com/office/drawing/2014/main" xmlns="" id="{009DB014-2D7D-48F0-A2C7-6D752D631DFE}"/>
+                <a16:creationId xmlns:a16="http://schemas.microsoft.com/office/drawing/2014/main" id="{009DB014-2D7D-48F0-A2C7-6D752D631DFE}"/>
               </a:ext>
             </a:extLst>
           </p:cNvPr>
@@ -7218,7 +7051,7 @@
           <a:p>
             <a:fld id="{ED21298E-1584-4BFF-A14E-BBA9BE444C70}" type="datetimeFigureOut">
               <a:rPr lang="ru-RU" smtClean="0"/>
-              <a:t>06.02.2020</a:t>
+              <a:t>09.02.2020</a:t>
             </a:fld>
             <a:endParaRPr lang="ru-RU"/>
           </a:p>
@@ -7229,7 +7062,7 @@
           <p:cNvPr id="5" name="Нижний колонтитул 4">
             <a:extLst>
               <a:ext uri="{FF2B5EF4-FFF2-40B4-BE49-F238E27FC236}">
-                <a16:creationId xmlns:a16="http://schemas.microsoft.com/office/drawing/2014/main" xmlns="" id="{0571F26E-6BAD-4DEB-B052-576A9E6D13F4}"/>
+                <a16:creationId xmlns:a16="http://schemas.microsoft.com/office/drawing/2014/main" id="{0571F26E-6BAD-4DEB-B052-576A9E6D13F4}"/>
               </a:ext>
             </a:extLst>
           </p:cNvPr>
@@ -7254,7 +7087,7 @@
           <p:cNvPr id="6" name="Номер слайда 5">
             <a:extLst>
               <a:ext uri="{FF2B5EF4-FFF2-40B4-BE49-F238E27FC236}">
-                <a16:creationId xmlns:a16="http://schemas.microsoft.com/office/drawing/2014/main" xmlns="" id="{37A7C60D-F91B-4F30-A3D0-46862723949C}"/>
+                <a16:creationId xmlns:a16="http://schemas.microsoft.com/office/drawing/2014/main" id="{37A7C60D-F91B-4F30-A3D0-46862723949C}"/>
               </a:ext>
             </a:extLst>
           </p:cNvPr>
@@ -7313,7 +7146,7 @@
           <p:cNvPr id="2" name="Заголовок 1">
             <a:extLst>
               <a:ext uri="{FF2B5EF4-FFF2-40B4-BE49-F238E27FC236}">
-                <a16:creationId xmlns:a16="http://schemas.microsoft.com/office/drawing/2014/main" xmlns="" id="{96781BF7-B0EF-40B1-8777-DD02D1AF10A0}"/>
+                <a16:creationId xmlns:a16="http://schemas.microsoft.com/office/drawing/2014/main" id="{96781BF7-B0EF-40B1-8777-DD02D1AF10A0}"/>
               </a:ext>
             </a:extLst>
           </p:cNvPr>
@@ -7341,7 +7174,7 @@
           <p:cNvPr id="3" name="Вертикальный текст 2">
             <a:extLst>
               <a:ext uri="{FF2B5EF4-FFF2-40B4-BE49-F238E27FC236}">
-                <a16:creationId xmlns:a16="http://schemas.microsoft.com/office/drawing/2014/main" xmlns="" id="{478F3499-F852-488B-A961-F9384F10734D}"/>
+                <a16:creationId xmlns:a16="http://schemas.microsoft.com/office/drawing/2014/main" id="{478F3499-F852-488B-A961-F9384F10734D}"/>
               </a:ext>
             </a:extLst>
           </p:cNvPr>
@@ -7398,7 +7231,7 @@
           <p:cNvPr id="4" name="Дата 3">
             <a:extLst>
               <a:ext uri="{FF2B5EF4-FFF2-40B4-BE49-F238E27FC236}">
-                <a16:creationId xmlns:a16="http://schemas.microsoft.com/office/drawing/2014/main" xmlns="" id="{EA69375C-9D5B-4FB9-8EFC-55797D79031B}"/>
+                <a16:creationId xmlns:a16="http://schemas.microsoft.com/office/drawing/2014/main" id="{EA69375C-9D5B-4FB9-8EFC-55797D79031B}"/>
               </a:ext>
             </a:extLst>
           </p:cNvPr>
@@ -7416,7 +7249,7 @@
           <a:p>
             <a:fld id="{ED21298E-1584-4BFF-A14E-BBA9BE444C70}" type="datetimeFigureOut">
               <a:rPr lang="ru-RU" smtClean="0"/>
-              <a:t>06.02.2020</a:t>
+              <a:t>09.02.2020</a:t>
             </a:fld>
             <a:endParaRPr lang="ru-RU"/>
           </a:p>
@@ -7427,7 +7260,7 @@
           <p:cNvPr id="5" name="Нижний колонтитул 4">
             <a:extLst>
               <a:ext uri="{FF2B5EF4-FFF2-40B4-BE49-F238E27FC236}">
-                <a16:creationId xmlns:a16="http://schemas.microsoft.com/office/drawing/2014/main" xmlns="" id="{3E6E4084-911B-439C-8769-7EBDC8BE8F1D}"/>
+                <a16:creationId xmlns:a16="http://schemas.microsoft.com/office/drawing/2014/main" id="{3E6E4084-911B-439C-8769-7EBDC8BE8F1D}"/>
               </a:ext>
             </a:extLst>
           </p:cNvPr>
@@ -7452,7 +7285,7 @@
           <p:cNvPr id="6" name="Номер слайда 5">
             <a:extLst>
               <a:ext uri="{FF2B5EF4-FFF2-40B4-BE49-F238E27FC236}">
-                <a16:creationId xmlns:a16="http://schemas.microsoft.com/office/drawing/2014/main" xmlns="" id="{32949BC1-329A-4E88-9DAA-E69A9FC63F5A}"/>
+                <a16:creationId xmlns:a16="http://schemas.microsoft.com/office/drawing/2014/main" id="{32949BC1-329A-4E88-9DAA-E69A9FC63F5A}"/>
               </a:ext>
             </a:extLst>
           </p:cNvPr>
@@ -7511,7 +7344,7 @@
           <p:cNvPr id="2" name="Вертикальный заголовок 1">
             <a:extLst>
               <a:ext uri="{FF2B5EF4-FFF2-40B4-BE49-F238E27FC236}">
-                <a16:creationId xmlns:a16="http://schemas.microsoft.com/office/drawing/2014/main" xmlns="" id="{DDD4AC77-C08F-4E46-A26A-267D52419B49}"/>
+                <a16:creationId xmlns:a16="http://schemas.microsoft.com/office/drawing/2014/main" id="{DDD4AC77-C08F-4E46-A26A-267D52419B49}"/>
               </a:ext>
             </a:extLst>
           </p:cNvPr>
@@ -7544,7 +7377,7 @@
           <p:cNvPr id="3" name="Вертикальный текст 2">
             <a:extLst>
               <a:ext uri="{FF2B5EF4-FFF2-40B4-BE49-F238E27FC236}">
-                <a16:creationId xmlns:a16="http://schemas.microsoft.com/office/drawing/2014/main" xmlns="" id="{3E91E481-D1C7-48AB-A4B7-5D766BF655C7}"/>
+                <a16:creationId xmlns:a16="http://schemas.microsoft.com/office/drawing/2014/main" id="{3E91E481-D1C7-48AB-A4B7-5D766BF655C7}"/>
               </a:ext>
             </a:extLst>
           </p:cNvPr>
@@ -7606,7 +7439,7 @@
           <p:cNvPr id="4" name="Дата 3">
             <a:extLst>
               <a:ext uri="{FF2B5EF4-FFF2-40B4-BE49-F238E27FC236}">
-                <a16:creationId xmlns:a16="http://schemas.microsoft.com/office/drawing/2014/main" xmlns="" id="{C7464A65-8020-4A9E-B943-B267BE822100}"/>
+                <a16:creationId xmlns:a16="http://schemas.microsoft.com/office/drawing/2014/main" id="{C7464A65-8020-4A9E-B943-B267BE822100}"/>
               </a:ext>
             </a:extLst>
           </p:cNvPr>
@@ -7624,7 +7457,7 @@
           <a:p>
             <a:fld id="{ED21298E-1584-4BFF-A14E-BBA9BE444C70}" type="datetimeFigureOut">
               <a:rPr lang="ru-RU" smtClean="0"/>
-              <a:t>06.02.2020</a:t>
+              <a:t>09.02.2020</a:t>
             </a:fld>
             <a:endParaRPr lang="ru-RU"/>
           </a:p>
@@ -7635,7 +7468,7 @@
           <p:cNvPr id="5" name="Нижний колонтитул 4">
             <a:extLst>
               <a:ext uri="{FF2B5EF4-FFF2-40B4-BE49-F238E27FC236}">
-                <a16:creationId xmlns:a16="http://schemas.microsoft.com/office/drawing/2014/main" xmlns="" id="{D2D5AE1F-2D76-452E-91DA-2C8D2579C054}"/>
+                <a16:creationId xmlns:a16="http://schemas.microsoft.com/office/drawing/2014/main" id="{D2D5AE1F-2D76-452E-91DA-2C8D2579C054}"/>
               </a:ext>
             </a:extLst>
           </p:cNvPr>
@@ -7660,7 +7493,7 @@
           <p:cNvPr id="6" name="Номер слайда 5">
             <a:extLst>
               <a:ext uri="{FF2B5EF4-FFF2-40B4-BE49-F238E27FC236}">
-                <a16:creationId xmlns:a16="http://schemas.microsoft.com/office/drawing/2014/main" xmlns="" id="{A51195D5-2BC1-454C-BE89-15914F8DB9C1}"/>
+                <a16:creationId xmlns:a16="http://schemas.microsoft.com/office/drawing/2014/main" id="{A51195D5-2BC1-454C-BE89-15914F8DB9C1}"/>
               </a:ext>
             </a:extLst>
           </p:cNvPr>
@@ -7719,7 +7552,7 @@
           <p:cNvPr id="2" name="Заголовок 1">
             <a:extLst>
               <a:ext uri="{FF2B5EF4-FFF2-40B4-BE49-F238E27FC236}">
-                <a16:creationId xmlns:a16="http://schemas.microsoft.com/office/drawing/2014/main" xmlns="" id="{BAADA8EA-7327-4FBF-BCEB-5A50AFAE23D5}"/>
+                <a16:creationId xmlns:a16="http://schemas.microsoft.com/office/drawing/2014/main" id="{BAADA8EA-7327-4FBF-BCEB-5A50AFAE23D5}"/>
               </a:ext>
             </a:extLst>
           </p:cNvPr>
@@ -7747,7 +7580,7 @@
           <p:cNvPr id="3" name="Объект 2">
             <a:extLst>
               <a:ext uri="{FF2B5EF4-FFF2-40B4-BE49-F238E27FC236}">
-                <a16:creationId xmlns:a16="http://schemas.microsoft.com/office/drawing/2014/main" xmlns="" id="{C2CD8544-95DE-4D6C-9497-A5C4C6F8589F}"/>
+                <a16:creationId xmlns:a16="http://schemas.microsoft.com/office/drawing/2014/main" id="{C2CD8544-95DE-4D6C-9497-A5C4C6F8589F}"/>
               </a:ext>
             </a:extLst>
           </p:cNvPr>
@@ -7804,7 +7637,7 @@
           <p:cNvPr id="4" name="Дата 3">
             <a:extLst>
               <a:ext uri="{FF2B5EF4-FFF2-40B4-BE49-F238E27FC236}">
-                <a16:creationId xmlns:a16="http://schemas.microsoft.com/office/drawing/2014/main" xmlns="" id="{8AEF3278-D0DE-415A-87A1-E433BBD70267}"/>
+                <a16:creationId xmlns:a16="http://schemas.microsoft.com/office/drawing/2014/main" id="{8AEF3278-D0DE-415A-87A1-E433BBD70267}"/>
               </a:ext>
             </a:extLst>
           </p:cNvPr>
@@ -7822,7 +7655,7 @@
           <a:p>
             <a:fld id="{ED21298E-1584-4BFF-A14E-BBA9BE444C70}" type="datetimeFigureOut">
               <a:rPr lang="ru-RU" smtClean="0"/>
-              <a:t>06.02.2020</a:t>
+              <a:t>09.02.2020</a:t>
             </a:fld>
             <a:endParaRPr lang="ru-RU"/>
           </a:p>
@@ -7833,7 +7666,7 @@
           <p:cNvPr id="5" name="Нижний колонтитул 4">
             <a:extLst>
               <a:ext uri="{FF2B5EF4-FFF2-40B4-BE49-F238E27FC236}">
-                <a16:creationId xmlns:a16="http://schemas.microsoft.com/office/drawing/2014/main" xmlns="" id="{599D35D6-2A2D-422E-9200-7025ADA70781}"/>
+                <a16:creationId xmlns:a16="http://schemas.microsoft.com/office/drawing/2014/main" id="{599D35D6-2A2D-422E-9200-7025ADA70781}"/>
               </a:ext>
             </a:extLst>
           </p:cNvPr>
@@ -7858,7 +7691,7 @@
           <p:cNvPr id="6" name="Номер слайда 5">
             <a:extLst>
               <a:ext uri="{FF2B5EF4-FFF2-40B4-BE49-F238E27FC236}">
-                <a16:creationId xmlns:a16="http://schemas.microsoft.com/office/drawing/2014/main" xmlns="" id="{AE12B28E-9133-4291-A388-A1EF419D6259}"/>
+                <a16:creationId xmlns:a16="http://schemas.microsoft.com/office/drawing/2014/main" id="{AE12B28E-9133-4291-A388-A1EF419D6259}"/>
               </a:ext>
             </a:extLst>
           </p:cNvPr>
@@ -7917,7 +7750,7 @@
           <p:cNvPr id="2" name="Заголовок 1">
             <a:extLst>
               <a:ext uri="{FF2B5EF4-FFF2-40B4-BE49-F238E27FC236}">
-                <a16:creationId xmlns:a16="http://schemas.microsoft.com/office/drawing/2014/main" xmlns="" id="{AAF6CA97-7B85-46CE-A992-582E5C5882FA}"/>
+                <a16:creationId xmlns:a16="http://schemas.microsoft.com/office/drawing/2014/main" id="{AAF6CA97-7B85-46CE-A992-582E5C5882FA}"/>
               </a:ext>
             </a:extLst>
           </p:cNvPr>
@@ -7954,7 +7787,7 @@
           <p:cNvPr id="3" name="Текст 2">
             <a:extLst>
               <a:ext uri="{FF2B5EF4-FFF2-40B4-BE49-F238E27FC236}">
-                <a16:creationId xmlns:a16="http://schemas.microsoft.com/office/drawing/2014/main" xmlns="" id="{9746A688-76CF-410C-98BE-BF1561DF9408}"/>
+                <a16:creationId xmlns:a16="http://schemas.microsoft.com/office/drawing/2014/main" id="{9746A688-76CF-410C-98BE-BF1561DF9408}"/>
               </a:ext>
             </a:extLst>
           </p:cNvPr>
@@ -8079,7 +7912,7 @@
           <p:cNvPr id="4" name="Дата 3">
             <a:extLst>
               <a:ext uri="{FF2B5EF4-FFF2-40B4-BE49-F238E27FC236}">
-                <a16:creationId xmlns:a16="http://schemas.microsoft.com/office/drawing/2014/main" xmlns="" id="{89C6B761-E6B7-4EA4-9431-86FEA9C30E67}"/>
+                <a16:creationId xmlns:a16="http://schemas.microsoft.com/office/drawing/2014/main" id="{89C6B761-E6B7-4EA4-9431-86FEA9C30E67}"/>
               </a:ext>
             </a:extLst>
           </p:cNvPr>
@@ -8097,7 +7930,7 @@
           <a:p>
             <a:fld id="{ED21298E-1584-4BFF-A14E-BBA9BE444C70}" type="datetimeFigureOut">
               <a:rPr lang="ru-RU" smtClean="0"/>
-              <a:t>06.02.2020</a:t>
+              <a:t>09.02.2020</a:t>
             </a:fld>
             <a:endParaRPr lang="ru-RU"/>
           </a:p>
@@ -8108,7 +7941,7 @@
           <p:cNvPr id="5" name="Нижний колонтитул 4">
             <a:extLst>
               <a:ext uri="{FF2B5EF4-FFF2-40B4-BE49-F238E27FC236}">
-                <a16:creationId xmlns:a16="http://schemas.microsoft.com/office/drawing/2014/main" xmlns="" id="{26E6707E-F432-4FD3-9814-140B792DDB51}"/>
+                <a16:creationId xmlns:a16="http://schemas.microsoft.com/office/drawing/2014/main" id="{26E6707E-F432-4FD3-9814-140B792DDB51}"/>
               </a:ext>
             </a:extLst>
           </p:cNvPr>
@@ -8133,7 +7966,7 @@
           <p:cNvPr id="6" name="Номер слайда 5">
             <a:extLst>
               <a:ext uri="{FF2B5EF4-FFF2-40B4-BE49-F238E27FC236}">
-                <a16:creationId xmlns:a16="http://schemas.microsoft.com/office/drawing/2014/main" xmlns="" id="{D1454FD1-12DA-493E-8E85-F3968FCAE91F}"/>
+                <a16:creationId xmlns:a16="http://schemas.microsoft.com/office/drawing/2014/main" id="{D1454FD1-12DA-493E-8E85-F3968FCAE91F}"/>
               </a:ext>
             </a:extLst>
           </p:cNvPr>
@@ -8192,7 +8025,7 @@
           <p:cNvPr id="2" name="Заголовок 1">
             <a:extLst>
               <a:ext uri="{FF2B5EF4-FFF2-40B4-BE49-F238E27FC236}">
-                <a16:creationId xmlns:a16="http://schemas.microsoft.com/office/drawing/2014/main" xmlns="" id="{315444EB-DD27-4ACF-84A4-27458DDA5B72}"/>
+                <a16:creationId xmlns:a16="http://schemas.microsoft.com/office/drawing/2014/main" id="{315444EB-DD27-4ACF-84A4-27458DDA5B72}"/>
               </a:ext>
             </a:extLst>
           </p:cNvPr>
@@ -8220,7 +8053,7 @@
           <p:cNvPr id="3" name="Объект 2">
             <a:extLst>
               <a:ext uri="{FF2B5EF4-FFF2-40B4-BE49-F238E27FC236}">
-                <a16:creationId xmlns:a16="http://schemas.microsoft.com/office/drawing/2014/main" xmlns="" id="{F9C95FE1-AF2F-473D-9233-4F735F0E8C57}"/>
+                <a16:creationId xmlns:a16="http://schemas.microsoft.com/office/drawing/2014/main" id="{F9C95FE1-AF2F-473D-9233-4F735F0E8C57}"/>
               </a:ext>
             </a:extLst>
           </p:cNvPr>
@@ -8282,7 +8115,7 @@
           <p:cNvPr id="4" name="Объект 3">
             <a:extLst>
               <a:ext uri="{FF2B5EF4-FFF2-40B4-BE49-F238E27FC236}">
-                <a16:creationId xmlns:a16="http://schemas.microsoft.com/office/drawing/2014/main" xmlns="" id="{C6683C0C-0E65-4D7E-84F4-4128719911E8}"/>
+                <a16:creationId xmlns:a16="http://schemas.microsoft.com/office/drawing/2014/main" id="{C6683C0C-0E65-4D7E-84F4-4128719911E8}"/>
               </a:ext>
             </a:extLst>
           </p:cNvPr>
@@ -8344,7 +8177,7 @@
           <p:cNvPr id="5" name="Дата 4">
             <a:extLst>
               <a:ext uri="{FF2B5EF4-FFF2-40B4-BE49-F238E27FC236}">
-                <a16:creationId xmlns:a16="http://schemas.microsoft.com/office/drawing/2014/main" xmlns="" id="{107041D5-E0DA-4ECB-B757-C60F78E2C029}"/>
+                <a16:creationId xmlns:a16="http://schemas.microsoft.com/office/drawing/2014/main" id="{107041D5-E0DA-4ECB-B757-C60F78E2C029}"/>
               </a:ext>
             </a:extLst>
           </p:cNvPr>
@@ -8362,7 +8195,7 @@
           <a:p>
             <a:fld id="{ED21298E-1584-4BFF-A14E-BBA9BE444C70}" type="datetimeFigureOut">
               <a:rPr lang="ru-RU" smtClean="0"/>
-              <a:t>06.02.2020</a:t>
+              <a:t>09.02.2020</a:t>
             </a:fld>
             <a:endParaRPr lang="ru-RU"/>
           </a:p>
@@ -8373,7 +8206,7 @@
           <p:cNvPr id="6" name="Нижний колонтитул 5">
             <a:extLst>
               <a:ext uri="{FF2B5EF4-FFF2-40B4-BE49-F238E27FC236}">
-                <a16:creationId xmlns:a16="http://schemas.microsoft.com/office/drawing/2014/main" xmlns="" id="{BC732B48-D48B-4442-A52E-FAC6087CCB73}"/>
+                <a16:creationId xmlns:a16="http://schemas.microsoft.com/office/drawing/2014/main" id="{BC732B48-D48B-4442-A52E-FAC6087CCB73}"/>
               </a:ext>
             </a:extLst>
           </p:cNvPr>
@@ -8398,7 +8231,7 @@
           <p:cNvPr id="7" name="Номер слайда 6">
             <a:extLst>
               <a:ext uri="{FF2B5EF4-FFF2-40B4-BE49-F238E27FC236}">
-                <a16:creationId xmlns:a16="http://schemas.microsoft.com/office/drawing/2014/main" xmlns="" id="{0351752F-388B-415C-A5D6-142ABF1D423C}"/>
+                <a16:creationId xmlns:a16="http://schemas.microsoft.com/office/drawing/2014/main" id="{0351752F-388B-415C-A5D6-142ABF1D423C}"/>
               </a:ext>
             </a:extLst>
           </p:cNvPr>
@@ -8457,7 +8290,7 @@
           <p:cNvPr id="2" name="Заголовок 1">
             <a:extLst>
               <a:ext uri="{FF2B5EF4-FFF2-40B4-BE49-F238E27FC236}">
-                <a16:creationId xmlns:a16="http://schemas.microsoft.com/office/drawing/2014/main" xmlns="" id="{8D6D9773-EAB7-4522-B083-A853D079228F}"/>
+                <a16:creationId xmlns:a16="http://schemas.microsoft.com/office/drawing/2014/main" id="{8D6D9773-EAB7-4522-B083-A853D079228F}"/>
               </a:ext>
             </a:extLst>
           </p:cNvPr>
@@ -8490,7 +8323,7 @@
           <p:cNvPr id="3" name="Текст 2">
             <a:extLst>
               <a:ext uri="{FF2B5EF4-FFF2-40B4-BE49-F238E27FC236}">
-                <a16:creationId xmlns:a16="http://schemas.microsoft.com/office/drawing/2014/main" xmlns="" id="{3308A4B2-14C4-4253-A7B4-3DABB9CD962F}"/>
+                <a16:creationId xmlns:a16="http://schemas.microsoft.com/office/drawing/2014/main" id="{3308A4B2-14C4-4253-A7B4-3DABB9CD962F}"/>
               </a:ext>
             </a:extLst>
           </p:cNvPr>
@@ -8561,7 +8394,7 @@
           <p:cNvPr id="4" name="Объект 3">
             <a:extLst>
               <a:ext uri="{FF2B5EF4-FFF2-40B4-BE49-F238E27FC236}">
-                <a16:creationId xmlns:a16="http://schemas.microsoft.com/office/drawing/2014/main" xmlns="" id="{6CD4AABE-86EC-43A7-A57A-617EE2C5E28E}"/>
+                <a16:creationId xmlns:a16="http://schemas.microsoft.com/office/drawing/2014/main" id="{6CD4AABE-86EC-43A7-A57A-617EE2C5E28E}"/>
               </a:ext>
             </a:extLst>
           </p:cNvPr>
@@ -8623,7 +8456,7 @@
           <p:cNvPr id="5" name="Текст 4">
             <a:extLst>
               <a:ext uri="{FF2B5EF4-FFF2-40B4-BE49-F238E27FC236}">
-                <a16:creationId xmlns:a16="http://schemas.microsoft.com/office/drawing/2014/main" xmlns="" id="{A8A47B22-AB87-4A14-90F0-872B0A15B4C2}"/>
+                <a16:creationId xmlns:a16="http://schemas.microsoft.com/office/drawing/2014/main" id="{A8A47B22-AB87-4A14-90F0-872B0A15B4C2}"/>
               </a:ext>
             </a:extLst>
           </p:cNvPr>
@@ -8694,7 +8527,7 @@
           <p:cNvPr id="6" name="Объект 5">
             <a:extLst>
               <a:ext uri="{FF2B5EF4-FFF2-40B4-BE49-F238E27FC236}">
-                <a16:creationId xmlns:a16="http://schemas.microsoft.com/office/drawing/2014/main" xmlns="" id="{DBFDFAFC-07B1-4821-8994-5D93BE5B8E9F}"/>
+                <a16:creationId xmlns:a16="http://schemas.microsoft.com/office/drawing/2014/main" id="{DBFDFAFC-07B1-4821-8994-5D93BE5B8E9F}"/>
               </a:ext>
             </a:extLst>
           </p:cNvPr>
@@ -8756,7 +8589,7 @@
           <p:cNvPr id="7" name="Дата 6">
             <a:extLst>
               <a:ext uri="{FF2B5EF4-FFF2-40B4-BE49-F238E27FC236}">
-                <a16:creationId xmlns:a16="http://schemas.microsoft.com/office/drawing/2014/main" xmlns="" id="{48CB04EB-A325-4A7A-94D3-A47681E13F19}"/>
+                <a16:creationId xmlns:a16="http://schemas.microsoft.com/office/drawing/2014/main" id="{48CB04EB-A325-4A7A-94D3-A47681E13F19}"/>
               </a:ext>
             </a:extLst>
           </p:cNvPr>
@@ -8774,7 +8607,7 @@
           <a:p>
             <a:fld id="{ED21298E-1584-4BFF-A14E-BBA9BE444C70}" type="datetimeFigureOut">
               <a:rPr lang="ru-RU" smtClean="0"/>
-              <a:t>06.02.2020</a:t>
+              <a:t>09.02.2020</a:t>
             </a:fld>
             <a:endParaRPr lang="ru-RU"/>
           </a:p>
@@ -8785,7 +8618,7 @@
           <p:cNvPr id="8" name="Нижний колонтитул 7">
             <a:extLst>
               <a:ext uri="{FF2B5EF4-FFF2-40B4-BE49-F238E27FC236}">
-                <a16:creationId xmlns:a16="http://schemas.microsoft.com/office/drawing/2014/main" xmlns="" id="{32242198-4708-4F79-8F13-C19DF2C7430C}"/>
+                <a16:creationId xmlns:a16="http://schemas.microsoft.com/office/drawing/2014/main" id="{32242198-4708-4F79-8F13-C19DF2C7430C}"/>
               </a:ext>
             </a:extLst>
           </p:cNvPr>
@@ -8810,7 +8643,7 @@
           <p:cNvPr id="9" name="Номер слайда 8">
             <a:extLst>
               <a:ext uri="{FF2B5EF4-FFF2-40B4-BE49-F238E27FC236}">
-                <a16:creationId xmlns:a16="http://schemas.microsoft.com/office/drawing/2014/main" xmlns="" id="{C0E194B7-CE46-4178-B910-DB128D53B2E2}"/>
+                <a16:creationId xmlns:a16="http://schemas.microsoft.com/office/drawing/2014/main" id="{C0E194B7-CE46-4178-B910-DB128D53B2E2}"/>
               </a:ext>
             </a:extLst>
           </p:cNvPr>
@@ -8869,7 +8702,7 @@
           <p:cNvPr id="2" name="Заголовок 1">
             <a:extLst>
               <a:ext uri="{FF2B5EF4-FFF2-40B4-BE49-F238E27FC236}">
-                <a16:creationId xmlns:a16="http://schemas.microsoft.com/office/drawing/2014/main" xmlns="" id="{2CF5E7D6-0917-4860-9C58-0359231040B4}"/>
+                <a16:creationId xmlns:a16="http://schemas.microsoft.com/office/drawing/2014/main" id="{2CF5E7D6-0917-4860-9C58-0359231040B4}"/>
               </a:ext>
             </a:extLst>
           </p:cNvPr>
@@ -8897,7 +8730,7 @@
           <p:cNvPr id="3" name="Дата 2">
             <a:extLst>
               <a:ext uri="{FF2B5EF4-FFF2-40B4-BE49-F238E27FC236}">
-                <a16:creationId xmlns:a16="http://schemas.microsoft.com/office/drawing/2014/main" xmlns="" id="{2F984C76-693E-4DB3-AE05-489C09C63839}"/>
+                <a16:creationId xmlns:a16="http://schemas.microsoft.com/office/drawing/2014/main" id="{2F984C76-693E-4DB3-AE05-489C09C63839}"/>
               </a:ext>
             </a:extLst>
           </p:cNvPr>
@@ -8915,7 +8748,7 @@
           <a:p>
             <a:fld id="{ED21298E-1584-4BFF-A14E-BBA9BE444C70}" type="datetimeFigureOut">
               <a:rPr lang="ru-RU" smtClean="0"/>
-              <a:t>06.02.2020</a:t>
+              <a:t>09.02.2020</a:t>
             </a:fld>
             <a:endParaRPr lang="ru-RU"/>
           </a:p>
@@ -8926,7 +8759,7 @@
           <p:cNvPr id="4" name="Нижний колонтитул 3">
             <a:extLst>
               <a:ext uri="{FF2B5EF4-FFF2-40B4-BE49-F238E27FC236}">
-                <a16:creationId xmlns:a16="http://schemas.microsoft.com/office/drawing/2014/main" xmlns="" id="{2B077F28-BAB7-4146-B5AF-E60ADEC0E10D}"/>
+                <a16:creationId xmlns:a16="http://schemas.microsoft.com/office/drawing/2014/main" id="{2B077F28-BAB7-4146-B5AF-E60ADEC0E10D}"/>
               </a:ext>
             </a:extLst>
           </p:cNvPr>
@@ -8951,7 +8784,7 @@
           <p:cNvPr id="5" name="Номер слайда 4">
             <a:extLst>
               <a:ext uri="{FF2B5EF4-FFF2-40B4-BE49-F238E27FC236}">
-                <a16:creationId xmlns:a16="http://schemas.microsoft.com/office/drawing/2014/main" xmlns="" id="{BE0716BA-273D-4581-9419-2895637E3434}"/>
+                <a16:creationId xmlns:a16="http://schemas.microsoft.com/office/drawing/2014/main" id="{BE0716BA-273D-4581-9419-2895637E3434}"/>
               </a:ext>
             </a:extLst>
           </p:cNvPr>
@@ -9010,7 +8843,7 @@
           <p:cNvPr id="2" name="Дата 1">
             <a:extLst>
               <a:ext uri="{FF2B5EF4-FFF2-40B4-BE49-F238E27FC236}">
-                <a16:creationId xmlns:a16="http://schemas.microsoft.com/office/drawing/2014/main" xmlns="" id="{F745297F-2B38-427A-9214-A0110FA3C3C2}"/>
+                <a16:creationId xmlns:a16="http://schemas.microsoft.com/office/drawing/2014/main" id="{F745297F-2B38-427A-9214-A0110FA3C3C2}"/>
               </a:ext>
             </a:extLst>
           </p:cNvPr>
@@ -9028,7 +8861,7 @@
           <a:p>
             <a:fld id="{ED21298E-1584-4BFF-A14E-BBA9BE444C70}" type="datetimeFigureOut">
               <a:rPr lang="ru-RU" smtClean="0"/>
-              <a:t>06.02.2020</a:t>
+              <a:t>09.02.2020</a:t>
             </a:fld>
             <a:endParaRPr lang="ru-RU"/>
           </a:p>
@@ -9039,7 +8872,7 @@
           <p:cNvPr id="3" name="Нижний колонтитул 2">
             <a:extLst>
               <a:ext uri="{FF2B5EF4-FFF2-40B4-BE49-F238E27FC236}">
-                <a16:creationId xmlns:a16="http://schemas.microsoft.com/office/drawing/2014/main" xmlns="" id="{1C34CDC4-4628-4192-89D4-EDA290A6799C}"/>
+                <a16:creationId xmlns:a16="http://schemas.microsoft.com/office/drawing/2014/main" id="{1C34CDC4-4628-4192-89D4-EDA290A6799C}"/>
               </a:ext>
             </a:extLst>
           </p:cNvPr>
@@ -9064,7 +8897,7 @@
           <p:cNvPr id="4" name="Номер слайда 3">
             <a:extLst>
               <a:ext uri="{FF2B5EF4-FFF2-40B4-BE49-F238E27FC236}">
-                <a16:creationId xmlns:a16="http://schemas.microsoft.com/office/drawing/2014/main" xmlns="" id="{98B43B16-3740-4D09-9547-78F5F15F318E}"/>
+                <a16:creationId xmlns:a16="http://schemas.microsoft.com/office/drawing/2014/main" id="{98B43B16-3740-4D09-9547-78F5F15F318E}"/>
               </a:ext>
             </a:extLst>
           </p:cNvPr>
@@ -9123,7 +8956,7 @@
           <p:cNvPr id="2" name="Заголовок 1">
             <a:extLst>
               <a:ext uri="{FF2B5EF4-FFF2-40B4-BE49-F238E27FC236}">
-                <a16:creationId xmlns:a16="http://schemas.microsoft.com/office/drawing/2014/main" xmlns="" id="{C96D2549-DEDC-4013-A512-B905D2AE43A1}"/>
+                <a16:creationId xmlns:a16="http://schemas.microsoft.com/office/drawing/2014/main" id="{C96D2549-DEDC-4013-A512-B905D2AE43A1}"/>
               </a:ext>
             </a:extLst>
           </p:cNvPr>
@@ -9160,7 +8993,7 @@
           <p:cNvPr id="3" name="Объект 2">
             <a:extLst>
               <a:ext uri="{FF2B5EF4-FFF2-40B4-BE49-F238E27FC236}">
-                <a16:creationId xmlns:a16="http://schemas.microsoft.com/office/drawing/2014/main" xmlns="" id="{BF5C350E-D072-48EB-B558-FCA5258B1C22}"/>
+                <a16:creationId xmlns:a16="http://schemas.microsoft.com/office/drawing/2014/main" id="{BF5C350E-D072-48EB-B558-FCA5258B1C22}"/>
               </a:ext>
             </a:extLst>
           </p:cNvPr>
@@ -9250,7 +9083,7 @@
           <p:cNvPr id="4" name="Текст 3">
             <a:extLst>
               <a:ext uri="{FF2B5EF4-FFF2-40B4-BE49-F238E27FC236}">
-                <a16:creationId xmlns:a16="http://schemas.microsoft.com/office/drawing/2014/main" xmlns="" id="{B2F6ACF9-9E8A-4192-A7BA-08596229C639}"/>
+                <a16:creationId xmlns:a16="http://schemas.microsoft.com/office/drawing/2014/main" id="{B2F6ACF9-9E8A-4192-A7BA-08596229C639}"/>
               </a:ext>
             </a:extLst>
           </p:cNvPr>
@@ -9321,7 +9154,7 @@
           <p:cNvPr id="5" name="Дата 4">
             <a:extLst>
               <a:ext uri="{FF2B5EF4-FFF2-40B4-BE49-F238E27FC236}">
-                <a16:creationId xmlns:a16="http://schemas.microsoft.com/office/drawing/2014/main" xmlns="" id="{3226A306-1C5A-407A-9ABE-104B62A127E2}"/>
+                <a16:creationId xmlns:a16="http://schemas.microsoft.com/office/drawing/2014/main" id="{3226A306-1C5A-407A-9ABE-104B62A127E2}"/>
               </a:ext>
             </a:extLst>
           </p:cNvPr>
@@ -9339,7 +9172,7 @@
           <a:p>
             <a:fld id="{ED21298E-1584-4BFF-A14E-BBA9BE444C70}" type="datetimeFigureOut">
               <a:rPr lang="ru-RU" smtClean="0"/>
-              <a:t>06.02.2020</a:t>
+              <a:t>09.02.2020</a:t>
             </a:fld>
             <a:endParaRPr lang="ru-RU"/>
           </a:p>
@@ -9350,7 +9183,7 @@
           <p:cNvPr id="6" name="Нижний колонтитул 5">
             <a:extLst>
               <a:ext uri="{FF2B5EF4-FFF2-40B4-BE49-F238E27FC236}">
-                <a16:creationId xmlns:a16="http://schemas.microsoft.com/office/drawing/2014/main" xmlns="" id="{5772BD78-21E3-4605-AE07-A1868AB0BEE9}"/>
+                <a16:creationId xmlns:a16="http://schemas.microsoft.com/office/drawing/2014/main" id="{5772BD78-21E3-4605-AE07-A1868AB0BEE9}"/>
               </a:ext>
             </a:extLst>
           </p:cNvPr>
@@ -9375,7 +9208,7 @@
           <p:cNvPr id="7" name="Номер слайда 6">
             <a:extLst>
               <a:ext uri="{FF2B5EF4-FFF2-40B4-BE49-F238E27FC236}">
-                <a16:creationId xmlns:a16="http://schemas.microsoft.com/office/drawing/2014/main" xmlns="" id="{181A7450-C2FE-4965-B7D1-89B08401ED11}"/>
+                <a16:creationId xmlns:a16="http://schemas.microsoft.com/office/drawing/2014/main" id="{181A7450-C2FE-4965-B7D1-89B08401ED11}"/>
               </a:ext>
             </a:extLst>
           </p:cNvPr>
@@ -9434,7 +9267,7 @@
           <p:cNvPr id="2" name="Заголовок 1">
             <a:extLst>
               <a:ext uri="{FF2B5EF4-FFF2-40B4-BE49-F238E27FC236}">
-                <a16:creationId xmlns:a16="http://schemas.microsoft.com/office/drawing/2014/main" xmlns="" id="{A0FFD11B-7A24-4309-8051-45A39FFB4A74}"/>
+                <a16:creationId xmlns:a16="http://schemas.microsoft.com/office/drawing/2014/main" id="{A0FFD11B-7A24-4309-8051-45A39FFB4A74}"/>
               </a:ext>
             </a:extLst>
           </p:cNvPr>
@@ -9471,7 +9304,7 @@
           <p:cNvPr id="3" name="Рисунок 2">
             <a:extLst>
               <a:ext uri="{FF2B5EF4-FFF2-40B4-BE49-F238E27FC236}">
-                <a16:creationId xmlns:a16="http://schemas.microsoft.com/office/drawing/2014/main" xmlns="" id="{2E6DD73F-D75B-40D4-AC65-1FDE7263D794}"/>
+                <a16:creationId xmlns:a16="http://schemas.microsoft.com/office/drawing/2014/main" id="{2E6DD73F-D75B-40D4-AC65-1FDE7263D794}"/>
               </a:ext>
             </a:extLst>
           </p:cNvPr>
@@ -9538,7 +9371,7 @@
           <p:cNvPr id="4" name="Текст 3">
             <a:extLst>
               <a:ext uri="{FF2B5EF4-FFF2-40B4-BE49-F238E27FC236}">
-                <a16:creationId xmlns:a16="http://schemas.microsoft.com/office/drawing/2014/main" xmlns="" id="{2A4543F0-0876-48B0-8053-AAA9CA6C4762}"/>
+                <a16:creationId xmlns:a16="http://schemas.microsoft.com/office/drawing/2014/main" id="{2A4543F0-0876-48B0-8053-AAA9CA6C4762}"/>
               </a:ext>
             </a:extLst>
           </p:cNvPr>
@@ -9609,7 +9442,7 @@
           <p:cNvPr id="5" name="Дата 4">
             <a:extLst>
               <a:ext uri="{FF2B5EF4-FFF2-40B4-BE49-F238E27FC236}">
-                <a16:creationId xmlns:a16="http://schemas.microsoft.com/office/drawing/2014/main" xmlns="" id="{EB931A98-D2B9-425B-AF00-0FFA0CC0E5E5}"/>
+                <a16:creationId xmlns:a16="http://schemas.microsoft.com/office/drawing/2014/main" id="{EB931A98-D2B9-425B-AF00-0FFA0CC0E5E5}"/>
               </a:ext>
             </a:extLst>
           </p:cNvPr>
@@ -9627,7 +9460,7 @@
           <a:p>
             <a:fld id="{ED21298E-1584-4BFF-A14E-BBA9BE444C70}" type="datetimeFigureOut">
               <a:rPr lang="ru-RU" smtClean="0"/>
-              <a:t>06.02.2020</a:t>
+              <a:t>09.02.2020</a:t>
             </a:fld>
             <a:endParaRPr lang="ru-RU"/>
           </a:p>
@@ -9638,7 +9471,7 @@
           <p:cNvPr id="6" name="Нижний колонтитул 5">
             <a:extLst>
               <a:ext uri="{FF2B5EF4-FFF2-40B4-BE49-F238E27FC236}">
-                <a16:creationId xmlns:a16="http://schemas.microsoft.com/office/drawing/2014/main" xmlns="" id="{47C0A16F-63E9-4115-9395-B29068B7A8A3}"/>
+                <a16:creationId xmlns:a16="http://schemas.microsoft.com/office/drawing/2014/main" id="{47C0A16F-63E9-4115-9395-B29068B7A8A3}"/>
               </a:ext>
             </a:extLst>
           </p:cNvPr>
@@ -9663,7 +9496,7 @@
           <p:cNvPr id="7" name="Номер слайда 6">
             <a:extLst>
               <a:ext uri="{FF2B5EF4-FFF2-40B4-BE49-F238E27FC236}">
-                <a16:creationId xmlns:a16="http://schemas.microsoft.com/office/drawing/2014/main" xmlns="" id="{945770D7-65A2-46CA-857E-2DA881F20F02}"/>
+                <a16:creationId xmlns:a16="http://schemas.microsoft.com/office/drawing/2014/main" id="{945770D7-65A2-46CA-857E-2DA881F20F02}"/>
               </a:ext>
             </a:extLst>
           </p:cNvPr>
@@ -9727,7 +9560,7 @@
           <p:cNvPr id="2" name="Заголовок 1">
             <a:extLst>
               <a:ext uri="{FF2B5EF4-FFF2-40B4-BE49-F238E27FC236}">
-                <a16:creationId xmlns:a16="http://schemas.microsoft.com/office/drawing/2014/main" xmlns="" id="{416FE616-8803-4E0B-90E3-0E2F05F79CD5}"/>
+                <a16:creationId xmlns:a16="http://schemas.microsoft.com/office/drawing/2014/main" id="{416FE616-8803-4E0B-90E3-0E2F05F79CD5}"/>
               </a:ext>
             </a:extLst>
           </p:cNvPr>
@@ -9765,7 +9598,7 @@
           <p:cNvPr id="3" name="Текст 2">
             <a:extLst>
               <a:ext uri="{FF2B5EF4-FFF2-40B4-BE49-F238E27FC236}">
-                <a16:creationId xmlns:a16="http://schemas.microsoft.com/office/drawing/2014/main" xmlns="" id="{D5B0B920-2706-47C7-B0E4-2D5D2E93C388}"/>
+                <a16:creationId xmlns:a16="http://schemas.microsoft.com/office/drawing/2014/main" id="{D5B0B920-2706-47C7-B0E4-2D5D2E93C388}"/>
               </a:ext>
             </a:extLst>
           </p:cNvPr>
@@ -9832,7 +9665,7 @@
           <p:cNvPr id="4" name="Дата 3">
             <a:extLst>
               <a:ext uri="{FF2B5EF4-FFF2-40B4-BE49-F238E27FC236}">
-                <a16:creationId xmlns:a16="http://schemas.microsoft.com/office/drawing/2014/main" xmlns="" id="{F6FCD97E-E867-4604-BF5D-868E5608AFBC}"/>
+                <a16:creationId xmlns:a16="http://schemas.microsoft.com/office/drawing/2014/main" id="{F6FCD97E-E867-4604-BF5D-868E5608AFBC}"/>
               </a:ext>
             </a:extLst>
           </p:cNvPr>
@@ -9868,7 +9701,7 @@
           <a:p>
             <a:fld id="{ED21298E-1584-4BFF-A14E-BBA9BE444C70}" type="datetimeFigureOut">
               <a:rPr lang="ru-RU" smtClean="0"/>
-              <a:t>06.02.2020</a:t>
+              <a:t>09.02.2020</a:t>
             </a:fld>
             <a:endParaRPr lang="ru-RU"/>
           </a:p>
@@ -9879,7 +9712,7 @@
           <p:cNvPr id="5" name="Нижний колонтитул 4">
             <a:extLst>
               <a:ext uri="{FF2B5EF4-FFF2-40B4-BE49-F238E27FC236}">
-                <a16:creationId xmlns:a16="http://schemas.microsoft.com/office/drawing/2014/main" xmlns="" id="{CBF1E823-50D2-44E5-85DF-965C41F75E3A}"/>
+                <a16:creationId xmlns:a16="http://schemas.microsoft.com/office/drawing/2014/main" id="{CBF1E823-50D2-44E5-85DF-965C41F75E3A}"/>
               </a:ext>
             </a:extLst>
           </p:cNvPr>
@@ -9922,7 +9755,7 @@
           <p:cNvPr id="6" name="Номер слайда 5">
             <a:extLst>
               <a:ext uri="{FF2B5EF4-FFF2-40B4-BE49-F238E27FC236}">
-                <a16:creationId xmlns:a16="http://schemas.microsoft.com/office/drawing/2014/main" xmlns="" id="{809ECC74-582D-49A6-B26C-A3FDC73C7160}"/>
+                <a16:creationId xmlns:a16="http://schemas.microsoft.com/office/drawing/2014/main" id="{809ECC74-582D-49A6-B26C-A3FDC73C7160}"/>
               </a:ext>
             </a:extLst>
           </p:cNvPr>
@@ -10290,7 +10123,7 @@
           <p:cNvPr id="2" name="Заголовок 1">
             <a:extLst>
               <a:ext uri="{FF2B5EF4-FFF2-40B4-BE49-F238E27FC236}">
-                <a16:creationId xmlns:a16="http://schemas.microsoft.com/office/drawing/2014/main" xmlns="" id="{F59A4DD0-CCFF-4B71-AF45-855836A86CC2}"/>
+                <a16:creationId xmlns:a16="http://schemas.microsoft.com/office/drawing/2014/main" id="{F59A4DD0-CCFF-4B71-AF45-855836A86CC2}"/>
               </a:ext>
             </a:extLst>
           </p:cNvPr>
@@ -10331,7 +10164,7 @@
           <p:cNvPr id="3" name="Подзаголовок 2">
             <a:extLst>
               <a:ext uri="{FF2B5EF4-FFF2-40B4-BE49-F238E27FC236}">
-                <a16:creationId xmlns:a16="http://schemas.microsoft.com/office/drawing/2014/main" xmlns="" id="{074F9221-22A8-409F-83C0-67033755B425}"/>
+                <a16:creationId xmlns:a16="http://schemas.microsoft.com/office/drawing/2014/main" id="{074F9221-22A8-409F-83C0-67033755B425}"/>
               </a:ext>
             </a:extLst>
           </p:cNvPr>
@@ -10360,23 +10193,7 @@
                   <a:srgbClr val="636262"/>
                 </a:solidFill>
               </a:rPr>
-              <a:t>(</a:t>
-            </a:r>
-            <a:r>
-              <a:rPr lang="ru-RU" sz="2800" b="1" dirty="0" smtClean="0">
-                <a:solidFill>
-                  <a:srgbClr val="636262"/>
-                </a:solidFill>
-              </a:rPr>
-              <a:t>управляемые и обычные </a:t>
-            </a:r>
-            <a:r>
-              <a:rPr lang="ru-RU" sz="2800" b="1" dirty="0">
-                <a:solidFill>
-                  <a:srgbClr val="636262"/>
-                </a:solidFill>
-              </a:rPr>
-              <a:t>формы)</a:t>
+              <a:t>(управляемые и обычные формы)</a:t>
             </a:r>
           </a:p>
         </p:txBody>
@@ -10386,7 +10203,7 @@
           <p:cNvPr id="4" name="TextBox 3">
             <a:extLst>
               <a:ext uri="{FF2B5EF4-FFF2-40B4-BE49-F238E27FC236}">
-                <a16:creationId xmlns:a16="http://schemas.microsoft.com/office/drawing/2014/main" xmlns="" id="{E448FE7B-3184-4D48-A61A-0ADAFD94BF58}"/>
+                <a16:creationId xmlns:a16="http://schemas.microsoft.com/office/drawing/2014/main" id="{E448FE7B-3184-4D48-A61A-0ADAFD94BF58}"/>
               </a:ext>
             </a:extLst>
           </p:cNvPr>
@@ -10418,7 +10235,7 @@
           <p:cNvPr id="10" name="Таблица 9">
             <a:extLst>
               <a:ext uri="{FF2B5EF4-FFF2-40B4-BE49-F238E27FC236}">
-                <a16:creationId xmlns:a16="http://schemas.microsoft.com/office/drawing/2014/main" xmlns="" id="{A2168945-1777-4E74-B1AA-7513C24E8C94}"/>
+                <a16:creationId xmlns:a16="http://schemas.microsoft.com/office/drawing/2014/main" id="{A2168945-1777-4E74-B1AA-7513C24E8C94}"/>
               </a:ext>
             </a:extLst>
           </p:cNvPr>
@@ -10428,14 +10245,14 @@
           <p:nvPr>
             <p:extLst>
               <p:ext uri="{D42A27DB-BD31-4B8C-83A1-F6EECF244321}">
-                <p14:modId xmlns:p14="http://schemas.microsoft.com/office/powerpoint/2010/main" val="573429942"/>
+                <p14:modId xmlns:p14="http://schemas.microsoft.com/office/powerpoint/2010/main" val="3721564495"/>
               </p:ext>
             </p:extLst>
           </p:nvPr>
         </p:nvGraphicFramePr>
         <p:xfrm>
-          <a:off x="653332" y="6329045"/>
-          <a:ext cx="10430786" cy="527495"/>
+          <a:off x="0" y="6329045"/>
+          <a:ext cx="12192000" cy="528955"/>
         </p:xfrm>
         <a:graphic>
           <a:graphicData uri="http://schemas.openxmlformats.org/drawingml/2006/table">
@@ -10444,10 +10261,10 @@
                 <a:tableStyleId>{5C22544A-7EE6-4342-B048-85BDC9FD1C3A}</a:tableStyleId>
               </a:tblPr>
               <a:tblGrid>
-                <a:gridCol w="10430786">
+                <a:gridCol w="12192000">
                   <a:extLst>
                     <a:ext uri="{9D8B030D-6E8A-4147-A177-3AD203B41FA5}">
-                      <a16:colId xmlns:a16="http://schemas.microsoft.com/office/drawing/2014/main" xmlns="" val="3945925805"/>
+                      <a16:colId xmlns:a16="http://schemas.microsoft.com/office/drawing/2014/main" val="3945925805"/>
                     </a:ext>
                   </a:extLst>
                 </a:gridCol>
@@ -10458,7 +10275,7 @@
                     <a:bodyPr/>
                     <a:lstStyle/>
                     <a:p>
-                      <a:pPr lvl="1" algn="ctr">
+                      <a:pPr lvl="0" algn="ctr">
                         <a:lnSpc>
                           <a:spcPct val="250000"/>
                         </a:lnSpc>
@@ -10488,7 +10305,7 @@
                           <a:hlinkClick r:id="rId2">
                             <a:extLst>
                               <a:ext uri="{A12FA001-AC4F-418D-AE19-62706E023703}">
-                                <ahyp:hlinkClr xmlns:ahyp="http://schemas.microsoft.com/office/drawing/2018/hyperlinkcolor" xmlns="" val="tx"/>
+                                <ahyp:hlinkClr xmlns:ahyp="http://schemas.microsoft.com/office/drawing/2018/hyperlinkcolor" val="tx"/>
                               </a:ext>
                             </a:extLst>
                           </a:hlinkClick>
@@ -10507,7 +10324,7 @@
                           <a:hlinkClick r:id="rId2">
                             <a:extLst>
                               <a:ext uri="{A12FA001-AC4F-418D-AE19-62706E023703}">
-                                <ahyp:hlinkClr xmlns:ahyp="http://schemas.microsoft.com/office/drawing/2018/hyperlinkcolor" xmlns="" val="tx"/>
+                                <ahyp:hlinkClr xmlns:ahyp="http://schemas.microsoft.com/office/drawing/2018/hyperlinkcolor" val="tx"/>
                               </a:ext>
                             </a:extLst>
                           </a:hlinkClick>
@@ -10538,7 +10355,7 @@
                           <a:hlinkClick r:id="rId3">
                             <a:extLst>
                               <a:ext uri="{A12FA001-AC4F-418D-AE19-62706E023703}">
-                                <ahyp:hlinkClr xmlns:ahyp="http://schemas.microsoft.com/office/drawing/2018/hyperlinkcolor" xmlns="" val="tx"/>
+                                <ahyp:hlinkClr xmlns:ahyp="http://schemas.microsoft.com/office/drawing/2018/hyperlinkcolor" val="tx"/>
                               </a:ext>
                             </a:extLst>
                           </a:hlinkClick>
@@ -10557,7 +10374,7 @@
                           <a:hlinkClick r:id="rId3">
                             <a:extLst>
                               <a:ext uri="{A12FA001-AC4F-418D-AE19-62706E023703}">
-                                <ahyp:hlinkClr xmlns:ahyp="http://schemas.microsoft.com/office/drawing/2018/hyperlinkcolor" xmlns="" val="tx"/>
+                                <ahyp:hlinkClr xmlns:ahyp="http://schemas.microsoft.com/office/drawing/2018/hyperlinkcolor" val="tx"/>
                               </a:ext>
                             </a:extLst>
                           </a:hlinkClick>
@@ -10576,7 +10393,7 @@
                           <a:hlinkClick r:id="rId3">
                             <a:extLst>
                               <a:ext uri="{A12FA001-AC4F-418D-AE19-62706E023703}">
-                                <ahyp:hlinkClr xmlns:ahyp="http://schemas.microsoft.com/office/drawing/2018/hyperlinkcolor" xmlns="" val="tx"/>
+                                <ahyp:hlinkClr xmlns:ahyp="http://schemas.microsoft.com/office/drawing/2018/hyperlinkcolor" val="tx"/>
                               </a:ext>
                             </a:extLst>
                           </a:hlinkClick>
@@ -10643,7 +10460,7 @@
                           <a:hlinkClick r:id="rId4">
                             <a:extLst>
                               <a:ext uri="{A12FA001-AC4F-418D-AE19-62706E023703}">
-                                <ahyp:hlinkClr xmlns:ahyp="http://schemas.microsoft.com/office/drawing/2018/hyperlinkcolor" xmlns="" val="tx"/>
+                                <ahyp:hlinkClr xmlns:ahyp="http://schemas.microsoft.com/office/drawing/2018/hyperlinkcolor" val="tx"/>
                               </a:ext>
                             </a:extLst>
                           </a:hlinkClick>
@@ -10662,7 +10479,7 @@
                           <a:hlinkClick r:id="rId4">
                             <a:extLst>
                               <a:ext uri="{A12FA001-AC4F-418D-AE19-62706E023703}">
-                                <ahyp:hlinkClr xmlns:ahyp="http://schemas.microsoft.com/office/drawing/2018/hyperlinkcolor" xmlns="" val="tx"/>
+                                <ahyp:hlinkClr xmlns:ahyp="http://schemas.microsoft.com/office/drawing/2018/hyperlinkcolor" val="tx"/>
                               </a:ext>
                             </a:extLst>
                           </a:hlinkClick>
@@ -10681,7 +10498,7 @@
                           <a:hlinkClick r:id="rId4">
                             <a:extLst>
                               <a:ext uri="{A12FA001-AC4F-418D-AE19-62706E023703}">
-                                <ahyp:hlinkClr xmlns:ahyp="http://schemas.microsoft.com/office/drawing/2018/hyperlinkcolor" xmlns="" val="tx"/>
+                                <ahyp:hlinkClr xmlns:ahyp="http://schemas.microsoft.com/office/drawing/2018/hyperlinkcolor" val="tx"/>
                               </a:ext>
                             </a:extLst>
                           </a:hlinkClick>
@@ -10700,7 +10517,7 @@
                           <a:hlinkClick r:id="rId4">
                             <a:extLst>
                               <a:ext uri="{A12FA001-AC4F-418D-AE19-62706E023703}">
-                                <ahyp:hlinkClr xmlns:ahyp="http://schemas.microsoft.com/office/drawing/2018/hyperlinkcolor" xmlns="" val="tx"/>
+                                <ahyp:hlinkClr xmlns:ahyp="http://schemas.microsoft.com/office/drawing/2018/hyperlinkcolor" val="tx"/>
                               </a:ext>
                             </a:extLst>
                           </a:hlinkClick>
@@ -10719,7 +10536,7 @@
                           <a:hlinkClick r:id="rId4">
                             <a:extLst>
                               <a:ext uri="{A12FA001-AC4F-418D-AE19-62706E023703}">
-                                <ahyp:hlinkClr xmlns:ahyp="http://schemas.microsoft.com/office/drawing/2018/hyperlinkcolor" xmlns="" val="tx"/>
+                                <ahyp:hlinkClr xmlns:ahyp="http://schemas.microsoft.com/office/drawing/2018/hyperlinkcolor" val="tx"/>
                               </a:ext>
                             </a:extLst>
                           </a:hlinkClick>
@@ -10743,7 +10560,7 @@
                 </a:tc>
                 <a:extLst>
                   <a:ext uri="{0D108BD9-81ED-4DB2-BD59-A6C34878D82A}">
-                    <a16:rowId xmlns:a16="http://schemas.microsoft.com/office/drawing/2014/main" xmlns="" val="2829935568"/>
+                    <a16:rowId xmlns:a16="http://schemas.microsoft.com/office/drawing/2014/main" val="2829935568"/>
                   </a:ext>
                 </a:extLst>
               </a:tr>
@@ -10753,15 +10570,15 @@
       </p:graphicFrame>
       <p:pic>
         <p:nvPicPr>
-          <p:cNvPr id="11" name="Рисунок 1" descr="skype-logo-png-5a3a1a4934c5d5">
+          <p:cNvPr id="12" name="Рисунок 11">
             <a:extLst>
               <a:ext uri="{FF2B5EF4-FFF2-40B4-BE49-F238E27FC236}">
-                <a16:creationId xmlns:a16="http://schemas.microsoft.com/office/drawing/2014/main" xmlns="" id="{0A7929E3-7D90-4CB8-AD1B-B34BD941FA26}"/>
+                <a16:creationId xmlns:a16="http://schemas.microsoft.com/office/drawing/2014/main" id="{75826DE2-1B10-4A33-9F87-BF161E337942}"/>
               </a:ext>
             </a:extLst>
           </p:cNvPr>
           <p:cNvPicPr>
-            <a:picLocks noChangeAspect="1" noChangeArrowheads="1"/>
+            <a:picLocks noChangeAspect="1"/>
           </p:cNvPicPr>
           <p:nvPr/>
         </p:nvPicPr>
@@ -10773,40 +10590,23 @@
               </a:ext>
             </a:extLst>
           </a:blip>
-          <a:srcRect/>
           <a:stretch>
             <a:fillRect/>
           </a:stretch>
         </p:blipFill>
-        <p:spPr bwMode="auto">
+        <p:spPr>
           <a:xfrm>
-            <a:off x="6767950" y="6509219"/>
-            <a:ext cx="294735" cy="189158"/>
+            <a:off x="11303935" y="278699"/>
+            <a:ext cx="544664" cy="544664"/>
           </a:xfrm>
           <a:prstGeom prst="rect">
             <a:avLst/>
           </a:prstGeom>
-          <a:noFill/>
-          <a:extLst>
-            <a:ext uri="{909E8E84-426E-40DD-AFC4-6F175D3DCCD1}">
-              <a14:hiddenFill xmlns:a14="http://schemas.microsoft.com/office/drawing/2010/main">
-                <a:solidFill>
-                  <a:srgbClr val="FFFFFF"/>
-                </a:solidFill>
-              </a14:hiddenFill>
-            </a:ext>
-          </a:extLst>
         </p:spPr>
       </p:pic>
       <p:pic>
         <p:nvPicPr>
-          <p:cNvPr id="12" name="Рисунок 11">
-            <a:extLst>
-              <a:ext uri="{FF2B5EF4-FFF2-40B4-BE49-F238E27FC236}">
-                <a16:creationId xmlns:a16="http://schemas.microsoft.com/office/drawing/2014/main" xmlns="" id="{75826DE2-1B10-4A33-9F87-BF161E337942}"/>
-              </a:ext>
-            </a:extLst>
-          </p:cNvPr>
+          <p:cNvPr id="5" name="Рисунок 4"/>
           <p:cNvPicPr>
             <a:picLocks noChangeAspect="1"/>
           </p:cNvPicPr>
@@ -10826,8 +10626,8 @@
         </p:blipFill>
         <p:spPr>
           <a:xfrm>
-            <a:off x="653332" y="6329238"/>
-            <a:ext cx="544664" cy="544664"/>
+            <a:off x="346051" y="278699"/>
+            <a:ext cx="1325995" cy="304826"/>
           </a:xfrm>
           <a:prstGeom prst="rect">
             <a:avLst/>
@@ -10836,9 +10636,15 @@
       </p:pic>
       <p:pic>
         <p:nvPicPr>
-          <p:cNvPr id="5" name="Рисунок 4"/>
+          <p:cNvPr id="9" name="Рисунок 1" descr="skype-logo-png-5a3a1a4934c5d5">
+            <a:extLst>
+              <a:ext uri="{FF2B5EF4-FFF2-40B4-BE49-F238E27FC236}">
+                <a16:creationId xmlns:a16="http://schemas.microsoft.com/office/drawing/2014/main" id="{0688CB8F-0984-402F-A185-BF021E57E60D}"/>
+              </a:ext>
+            </a:extLst>
+          </p:cNvPr>
           <p:cNvPicPr>
-            <a:picLocks noChangeAspect="1"/>
+            <a:picLocks noChangeAspect="1" noChangeArrowheads="1"/>
           </p:cNvPicPr>
           <p:nvPr/>
         </p:nvPicPr>
@@ -10850,18 +10656,29 @@
               </a:ext>
             </a:extLst>
           </a:blip>
+          <a:srcRect/>
           <a:stretch>
             <a:fillRect/>
           </a:stretch>
         </p:blipFill>
-        <p:spPr>
+        <p:spPr bwMode="auto">
           <a:xfrm>
-            <a:off x="198005" y="182321"/>
-            <a:ext cx="1325995" cy="304826"/>
+            <a:off x="6785355" y="6509219"/>
+            <a:ext cx="294735" cy="189158"/>
           </a:xfrm>
           <a:prstGeom prst="rect">
             <a:avLst/>
           </a:prstGeom>
+          <a:noFill/>
+          <a:extLst>
+            <a:ext uri="{909E8E84-426E-40DD-AFC4-6F175D3DCCD1}">
+              <a14:hiddenFill xmlns:a14="http://schemas.microsoft.com/office/drawing/2010/main">
+                <a:solidFill>
+                  <a:srgbClr val="FFFFFF"/>
+                </a:solidFill>
+              </a14:hiddenFill>
+            </a:ext>
+          </a:extLst>
         </p:spPr>
       </p:pic>
     </p:spTree>
@@ -10877,7 +10694,129 @@
   <p:timing>
     <p:tnLst>
       <p:par>
-        <p:cTn id="1" dur="indefinite" restart="never" nodeType="tmRoot"/>
+        <p:cTn id="1" dur="indefinite" restart="never" nodeType="tmRoot">
+          <p:childTnLst>
+            <p:seq concurrent="1" nextAc="seek">
+              <p:cTn id="2" dur="indefinite" nodeType="mainSeq">
+                <p:childTnLst>
+                  <p:par>
+                    <p:cTn id="3" fill="hold">
+                      <p:stCondLst>
+                        <p:cond delay="indefinite"/>
+                      </p:stCondLst>
+                      <p:childTnLst>
+                        <p:par>
+                          <p:cTn id="4" fill="hold">
+                            <p:stCondLst>
+                              <p:cond delay="0"/>
+                            </p:stCondLst>
+                            <p:childTnLst>
+                              <p:par>
+                                <p:cTn id="5" presetID="45" presetClass="entr" presetSubtype="0" fill="hold" nodeType="clickEffect">
+                                  <p:stCondLst>
+                                    <p:cond delay="0"/>
+                                  </p:stCondLst>
+                                  <p:childTnLst>
+                                    <p:set>
+                                      <p:cBhvr>
+                                        <p:cTn id="6" dur="1" fill="hold">
+                                          <p:stCondLst>
+                                            <p:cond delay="0"/>
+                                          </p:stCondLst>
+                                        </p:cTn>
+                                        <p:tgtEl>
+                                          <p:spTgt spid="12"/>
+                                        </p:tgtEl>
+                                        <p:attrNameLst>
+                                          <p:attrName>style.visibility</p:attrName>
+                                        </p:attrNameLst>
+                                      </p:cBhvr>
+                                      <p:to>
+                                        <p:strVal val="visible"/>
+                                      </p:to>
+                                    </p:set>
+                                    <p:animEffect transition="in" filter="fade">
+                                      <p:cBhvr>
+                                        <p:cTn id="7" dur="2000"/>
+                                        <p:tgtEl>
+                                          <p:spTgt spid="12"/>
+                                        </p:tgtEl>
+                                      </p:cBhvr>
+                                    </p:animEffect>
+                                    <p:anim calcmode="lin" valueType="num">
+                                      <p:cBhvr>
+                                        <p:cTn id="8" dur="2000" fill="hold"/>
+                                        <p:tgtEl>
+                                          <p:spTgt spid="12"/>
+                                        </p:tgtEl>
+                                        <p:attrNameLst>
+                                          <p:attrName>ppt_w</p:attrName>
+                                        </p:attrNameLst>
+                                      </p:cBhvr>
+                                      <p:tavLst>
+                                        <p:tav tm="0" fmla="#ppt_w*sin(2.5*pi*$)">
+                                          <p:val>
+                                            <p:fltVal val="0"/>
+                                          </p:val>
+                                        </p:tav>
+                                        <p:tav tm="100000">
+                                          <p:val>
+                                            <p:fltVal val="1"/>
+                                          </p:val>
+                                        </p:tav>
+                                      </p:tavLst>
+                                    </p:anim>
+                                    <p:anim calcmode="lin" valueType="num">
+                                      <p:cBhvr>
+                                        <p:cTn id="9" dur="2000" fill="hold"/>
+                                        <p:tgtEl>
+                                          <p:spTgt spid="12"/>
+                                        </p:tgtEl>
+                                        <p:attrNameLst>
+                                          <p:attrName>ppt_h</p:attrName>
+                                        </p:attrNameLst>
+                                      </p:cBhvr>
+                                      <p:tavLst>
+                                        <p:tav tm="0">
+                                          <p:val>
+                                            <p:strVal val="#ppt_h"/>
+                                          </p:val>
+                                        </p:tav>
+                                        <p:tav tm="100000">
+                                          <p:val>
+                                            <p:strVal val="#ppt_h"/>
+                                          </p:val>
+                                        </p:tav>
+                                      </p:tavLst>
+                                    </p:anim>
+                                  </p:childTnLst>
+                                </p:cTn>
+                              </p:par>
+                            </p:childTnLst>
+                          </p:cTn>
+                        </p:par>
+                      </p:childTnLst>
+                    </p:cTn>
+                  </p:par>
+                </p:childTnLst>
+              </p:cTn>
+              <p:prevCondLst>
+                <p:cond evt="onPrev" delay="0">
+                  <p:tgtEl>
+                    <p:sldTgt/>
+                  </p:tgtEl>
+                </p:cond>
+              </p:prevCondLst>
+              <p:nextCondLst>
+                <p:cond evt="onNext" delay="0">
+                  <p:tgtEl>
+                    <p:sldTgt/>
+                  </p:tgtEl>
+                </p:cond>
+              </p:nextCondLst>
+            </p:seq>
+          </p:childTnLst>
+        </p:cTn>
       </p:par>
     </p:tnLst>
   </p:timing>
@@ -10906,7 +10845,7 @@
           <p:cNvPr id="2" name="Заголовок 1">
             <a:extLst>
               <a:ext uri="{FF2B5EF4-FFF2-40B4-BE49-F238E27FC236}">
-                <a16:creationId xmlns:a16="http://schemas.microsoft.com/office/drawing/2014/main" xmlns="" id="{4705A66D-D520-445F-A6E0-556C64E25308}"/>
+                <a16:creationId xmlns:a16="http://schemas.microsoft.com/office/drawing/2014/main" id="{4705A66D-D520-445F-A6E0-556C64E25308}"/>
               </a:ext>
             </a:extLst>
           </p:cNvPr>
@@ -10955,7 +10894,7 @@
           <p:cNvPr id="8" name="Схема 7">
             <a:extLst>
               <a:ext uri="{FF2B5EF4-FFF2-40B4-BE49-F238E27FC236}">
-                <a16:creationId xmlns:a16="http://schemas.microsoft.com/office/drawing/2014/main" xmlns="" id="{421E8922-36F5-4CD1-B19B-85F0FBFBD275}"/>
+                <a16:creationId xmlns:a16="http://schemas.microsoft.com/office/drawing/2014/main" id="{421E8922-36F5-4CD1-B19B-85F0FBFBD275}"/>
               </a:ext>
             </a:extLst>
           </p:cNvPr>
@@ -10983,7 +10922,7 @@
           <p:cNvPr id="10" name="Рисунок 9">
             <a:extLst>
               <a:ext uri="{FF2B5EF4-FFF2-40B4-BE49-F238E27FC236}">
-                <a16:creationId xmlns:a16="http://schemas.microsoft.com/office/drawing/2014/main" xmlns="" id="{3651A48F-36AA-4871-9C0C-D4C3CF98D8B1}"/>
+                <a16:creationId xmlns:a16="http://schemas.microsoft.com/office/drawing/2014/main" id="{3651A48F-36AA-4871-9C0C-D4C3CF98D8B1}"/>
               </a:ext>
             </a:extLst>
           </p:cNvPr>
@@ -11006,459 +10945,8 @@
         </p:blipFill>
         <p:spPr>
           <a:xfrm>
-            <a:off x="7753689" y="813185"/>
+            <a:off x="8067207" y="813185"/>
             <a:ext cx="1062722" cy="590846"/>
-          </a:xfrm>
-          <a:prstGeom prst="rect">
-            <a:avLst/>
-          </a:prstGeom>
-        </p:spPr>
-      </p:pic>
-      <p:graphicFrame>
-        <p:nvGraphicFramePr>
-          <p:cNvPr id="11" name="Таблица 10">
-            <a:extLst>
-              <a:ext uri="{FF2B5EF4-FFF2-40B4-BE49-F238E27FC236}">
-                <a16:creationId xmlns:a16="http://schemas.microsoft.com/office/drawing/2014/main" xmlns="" id="{E8FA924B-96A7-4C06-8025-440475D13C57}"/>
-              </a:ext>
-            </a:extLst>
-          </p:cNvPr>
-          <p:cNvGraphicFramePr>
-            <a:graphicFrameLocks noGrp="1"/>
-          </p:cNvGraphicFramePr>
-          <p:nvPr>
-            <p:extLst>
-              <p:ext uri="{D42A27DB-BD31-4B8C-83A1-F6EECF244321}">
-                <p14:modId xmlns:p14="http://schemas.microsoft.com/office/powerpoint/2010/main" val="3209234516"/>
-              </p:ext>
-            </p:extLst>
-          </p:nvPr>
-        </p:nvGraphicFramePr>
-        <p:xfrm>
-          <a:off x="653332" y="6329045"/>
-          <a:ext cx="10430786" cy="527495"/>
-        </p:xfrm>
-        <a:graphic>
-          <a:graphicData uri="http://schemas.openxmlformats.org/drawingml/2006/table">
-            <a:tbl>
-              <a:tblPr>
-                <a:tableStyleId>{5C22544A-7EE6-4342-B048-85BDC9FD1C3A}</a:tableStyleId>
-              </a:tblPr>
-              <a:tblGrid>
-                <a:gridCol w="10430786">
-                  <a:extLst>
-                    <a:ext uri="{9D8B030D-6E8A-4147-A177-3AD203B41FA5}">
-                      <a16:colId xmlns:a16="http://schemas.microsoft.com/office/drawing/2014/main" xmlns="" val="3945925805"/>
-                    </a:ext>
-                  </a:extLst>
-                </a:gridCol>
-              </a:tblGrid>
-              <a:tr h="261544">
-                <a:tc>
-                  <a:txBody>
-                    <a:bodyPr/>
-                    <a:lstStyle/>
-                    <a:p>
-                      <a:pPr lvl="1" algn="ctr">
-                        <a:lnSpc>
-                          <a:spcPct val="250000"/>
-                        </a:lnSpc>
-                        <a:spcAft>
-                          <a:spcPts val="0"/>
-                        </a:spcAft>
-                      </a:pPr>
-                      <a:r>
-                        <a:rPr lang="ru-RU" sz="1100" b="1" cap="all" spc="150" dirty="0">
-                          <a:solidFill>
-                            <a:srgbClr val="006699"/>
-                          </a:solidFill>
-                          <a:effectLst/>
-                          <a:latin typeface="Arial" panose="020B0604020202020204" pitchFamily="34" charset="0"/>
-                          <a:cs typeface="Arial" panose="020B0604020202020204" pitchFamily="34" charset="0"/>
-                        </a:rPr>
-                        <a:t>🌍 г. Харьков, ул. Пермская, 15/56  ☎</a:t>
-                      </a:r>
-                      <a:r>
-                        <a:rPr lang="ru-RU" sz="1100" b="1" u="sng" cap="all" spc="150" dirty="0">
-                          <a:solidFill>
-                            <a:srgbClr val="006699"/>
-                          </a:solidFill>
-                          <a:effectLst/>
-                          <a:latin typeface="Arial" panose="020B0604020202020204" pitchFamily="34" charset="0"/>
-                          <a:cs typeface="Arial" panose="020B0604020202020204" pitchFamily="34" charset="0"/>
-                          <a:hlinkClick r:id="rId8">
-                            <a:extLst>
-                              <a:ext uri="{A12FA001-AC4F-418D-AE19-62706E023703}">
-                                <ahyp:hlinkClr xmlns:ahyp="http://schemas.microsoft.com/office/drawing/2018/hyperlinkcolor" xmlns="" val="tx"/>
-                              </a:ext>
-                            </a:extLst>
-                          </a:hlinkClick>
-                        </a:rPr>
-                        <a:t>+</a:t>
-                      </a:r>
-                      <a:r>
-                        <a:rPr lang="ru-RU" sz="1100" b="1" kern="1200" cap="all" spc="150" dirty="0">
-                          <a:solidFill>
-                            <a:srgbClr val="006699"/>
-                          </a:solidFill>
-                          <a:effectLst/>
-                          <a:latin typeface="Arial" panose="020B0604020202020204" pitchFamily="34" charset="0"/>
-                          <a:ea typeface="+mn-ea"/>
-                          <a:cs typeface="Arial" panose="020B0604020202020204" pitchFamily="34" charset="0"/>
-                          <a:hlinkClick r:id="rId8">
-                            <a:extLst>
-                              <a:ext uri="{A12FA001-AC4F-418D-AE19-62706E023703}">
-                                <ahyp:hlinkClr xmlns:ahyp="http://schemas.microsoft.com/office/drawing/2018/hyperlinkcolor" xmlns="" val="tx"/>
-                              </a:ext>
-                            </a:extLst>
-                          </a:hlinkClick>
-                        </a:rPr>
-                        <a:t>38(093)5820327</a:t>
-                      </a:r>
-                      <a:r>
-                        <a:rPr lang="ru-RU" sz="1100" b="1" kern="1200" cap="all" spc="150" dirty="0">
-                          <a:solidFill>
-                            <a:srgbClr val="006699"/>
-                          </a:solidFill>
-                          <a:effectLst/>
-                          <a:latin typeface="Arial" panose="020B0604020202020204" pitchFamily="34" charset="0"/>
-                          <a:ea typeface="+mn-ea"/>
-                          <a:cs typeface="Arial" panose="020B0604020202020204" pitchFamily="34" charset="0"/>
-                        </a:rPr>
-                        <a:t>        </a:t>
-                      </a:r>
-                      <a:r>
-                        <a:rPr lang="en-US" sz="1100" b="1" kern="1200" cap="all" spc="150" dirty="0" err="1">
-                          <a:solidFill>
-                            <a:srgbClr val="006699"/>
-                          </a:solidFill>
-                          <a:effectLst/>
-                          <a:latin typeface="Arial" panose="020B0604020202020204" pitchFamily="34" charset="0"/>
-                          <a:ea typeface="+mn-ea"/>
-                          <a:cs typeface="Arial" panose="020B0604020202020204" pitchFamily="34" charset="0"/>
-                          <a:hlinkClick r:id="rId9">
-                            <a:extLst>
-                              <a:ext uri="{A12FA001-AC4F-418D-AE19-62706E023703}">
-                                <ahyp:hlinkClr xmlns:ahyp="http://schemas.microsoft.com/office/drawing/2018/hyperlinkcolor" xmlns="" val="tx"/>
-                              </a:ext>
-                            </a:extLst>
-                          </a:hlinkClick>
-                        </a:rPr>
-                        <a:t>valery</a:t>
-                      </a:r>
-                      <a:r>
-                        <a:rPr lang="ru-RU" sz="1100" b="1" kern="1200" cap="all" spc="150" dirty="0">
-                          <a:solidFill>
-                            <a:srgbClr val="006699"/>
-                          </a:solidFill>
-                          <a:effectLst/>
-                          <a:latin typeface="Arial" panose="020B0604020202020204" pitchFamily="34" charset="0"/>
-                          <a:ea typeface="+mn-ea"/>
-                          <a:cs typeface="Arial" panose="020B0604020202020204" pitchFamily="34" charset="0"/>
-                          <a:hlinkClick r:id="rId9">
-                            <a:extLst>
-                              <a:ext uri="{A12FA001-AC4F-418D-AE19-62706E023703}">
-                                <ahyp:hlinkClr xmlns:ahyp="http://schemas.microsoft.com/office/drawing/2018/hyperlinkcolor" xmlns="" val="tx"/>
-                              </a:ext>
-                            </a:extLst>
-                          </a:hlinkClick>
-                        </a:rPr>
-                        <a:t>_</a:t>
-                      </a:r>
-                      <a:r>
-                        <a:rPr lang="en-US" sz="1100" b="1" kern="1200" cap="all" spc="150" dirty="0" err="1">
-                          <a:solidFill>
-                            <a:srgbClr val="006699"/>
-                          </a:solidFill>
-                          <a:effectLst/>
-                          <a:latin typeface="Arial" panose="020B0604020202020204" pitchFamily="34" charset="0"/>
-                          <a:ea typeface="+mn-ea"/>
-                          <a:cs typeface="Arial" panose="020B0604020202020204" pitchFamily="34" charset="0"/>
-                          <a:hlinkClick r:id="rId9">
-                            <a:extLst>
-                              <a:ext uri="{A12FA001-AC4F-418D-AE19-62706E023703}">
-                                <ahyp:hlinkClr xmlns:ahyp="http://schemas.microsoft.com/office/drawing/2018/hyperlinkcolor" xmlns="" val="tx"/>
-                              </a:ext>
-                            </a:extLst>
-                          </a:hlinkClick>
-                        </a:rPr>
-                        <a:t>mobil</a:t>
-                      </a:r>
-                      <a:r>
-                        <a:rPr lang="en-US" sz="1100" b="1" kern="1200" cap="all" spc="150" dirty="0">
-                          <a:solidFill>
-                            <a:srgbClr val="006699"/>
-                          </a:solidFill>
-                          <a:effectLst/>
-                          <a:latin typeface="Arial" panose="020B0604020202020204" pitchFamily="34" charset="0"/>
-                          <a:ea typeface="+mn-ea"/>
-                          <a:cs typeface="Arial" panose="020B0604020202020204" pitchFamily="34" charset="0"/>
-                        </a:rPr>
-                        <a:t> </a:t>
-                      </a:r>
-                      <a:r>
-                        <a:rPr lang="ru-RU" sz="1100" b="1" kern="1200" cap="all" spc="150" dirty="0">
-                          <a:solidFill>
-                            <a:srgbClr val="006699"/>
-                          </a:solidFill>
-                          <a:effectLst/>
-                          <a:latin typeface="Arial" panose="020B0604020202020204" pitchFamily="34" charset="0"/>
-                          <a:ea typeface="+mn-ea"/>
-                          <a:cs typeface="Arial" panose="020B0604020202020204" pitchFamily="34" charset="0"/>
-                        </a:rPr>
-                        <a:t>  </a:t>
-                      </a:r>
-                      <a:r>
-                        <a:rPr lang="en-US" sz="1100" b="1" kern="1200" cap="all" spc="150" dirty="0">
-                          <a:solidFill>
-                            <a:srgbClr val="006699"/>
-                          </a:solidFill>
-                          <a:effectLst/>
-                          <a:latin typeface="Arial" panose="020B0604020202020204" pitchFamily="34" charset="0"/>
-                          <a:ea typeface="+mn-ea"/>
-                          <a:cs typeface="Arial" panose="020B0604020202020204" pitchFamily="34" charset="0"/>
-                        </a:rPr>
-                        <a:t>📧</a:t>
-                      </a:r>
-                      <a:r>
-                        <a:rPr lang="ru-RU" sz="1100" b="1" kern="1200" cap="all" spc="150" dirty="0">
-                          <a:solidFill>
-                            <a:srgbClr val="006699"/>
-                          </a:solidFill>
-                          <a:effectLst/>
-                          <a:latin typeface="Arial" panose="020B0604020202020204" pitchFamily="34" charset="0"/>
-                          <a:ea typeface="+mn-ea"/>
-                          <a:cs typeface="Arial" panose="020B0604020202020204" pitchFamily="34" charset="0"/>
-                        </a:rPr>
-                        <a:t> </a:t>
-                      </a:r>
-                      <a:r>
-                        <a:rPr lang="en-US" sz="1100" b="1" kern="1200" cap="all" spc="150" dirty="0" err="1">
-                          <a:solidFill>
-                            <a:srgbClr val="006699"/>
-                          </a:solidFill>
-                          <a:effectLst/>
-                          <a:latin typeface="Arial" panose="020B0604020202020204" pitchFamily="34" charset="0"/>
-                          <a:ea typeface="+mn-ea"/>
-                          <a:cs typeface="Arial" panose="020B0604020202020204" pitchFamily="34" charset="0"/>
-                          <a:hlinkClick r:id="rId10">
-                            <a:extLst>
-                              <a:ext uri="{A12FA001-AC4F-418D-AE19-62706E023703}">
-                                <ahyp:hlinkClr xmlns:ahyp="http://schemas.microsoft.com/office/drawing/2018/hyperlinkcolor" xmlns="" val="tx"/>
-                              </a:ext>
-                            </a:extLst>
-                          </a:hlinkClick>
-                        </a:rPr>
-                        <a:t>mvn</a:t>
-                      </a:r>
-                      <a:r>
-                        <a:rPr lang="ru-RU" sz="1100" b="1" kern="1200" cap="all" spc="150" dirty="0">
-                          <a:solidFill>
-                            <a:srgbClr val="006699"/>
-                          </a:solidFill>
-                          <a:effectLst/>
-                          <a:latin typeface="Arial" panose="020B0604020202020204" pitchFamily="34" charset="0"/>
-                          <a:ea typeface="+mn-ea"/>
-                          <a:cs typeface="Arial" panose="020B0604020202020204" pitchFamily="34" charset="0"/>
-                          <a:hlinkClick r:id="rId10">
-                            <a:extLst>
-                              <a:ext uri="{A12FA001-AC4F-418D-AE19-62706E023703}">
-                                <ahyp:hlinkClr xmlns:ahyp="http://schemas.microsoft.com/office/drawing/2018/hyperlinkcolor" xmlns="" val="tx"/>
-                              </a:ext>
-                            </a:extLst>
-                          </a:hlinkClick>
-                        </a:rPr>
-                        <a:t>2004@</a:t>
-                      </a:r>
-                      <a:r>
-                        <a:rPr lang="en-US" sz="1100" b="1" kern="1200" cap="all" spc="150" dirty="0">
-                          <a:solidFill>
-                            <a:srgbClr val="006699"/>
-                          </a:solidFill>
-                          <a:effectLst/>
-                          <a:latin typeface="Arial" panose="020B0604020202020204" pitchFamily="34" charset="0"/>
-                          <a:ea typeface="+mn-ea"/>
-                          <a:cs typeface="Arial" panose="020B0604020202020204" pitchFamily="34" charset="0"/>
-                          <a:hlinkClick r:id="rId10">
-                            <a:extLst>
-                              <a:ext uri="{A12FA001-AC4F-418D-AE19-62706E023703}">
-                                <ahyp:hlinkClr xmlns:ahyp="http://schemas.microsoft.com/office/drawing/2018/hyperlinkcolor" xmlns="" val="tx"/>
-                              </a:ext>
-                            </a:extLst>
-                          </a:hlinkClick>
-                        </a:rPr>
-                        <a:t>mail</a:t>
-                      </a:r>
-                      <a:r>
-                        <a:rPr lang="ru-RU" sz="1100" b="1" kern="1200" cap="all" spc="150" dirty="0">
-                          <a:solidFill>
-                            <a:srgbClr val="006699"/>
-                          </a:solidFill>
-                          <a:effectLst/>
-                          <a:latin typeface="Arial" panose="020B0604020202020204" pitchFamily="34" charset="0"/>
-                          <a:ea typeface="+mn-ea"/>
-                          <a:cs typeface="Arial" panose="020B0604020202020204" pitchFamily="34" charset="0"/>
-                          <a:hlinkClick r:id="rId10">
-                            <a:extLst>
-                              <a:ext uri="{A12FA001-AC4F-418D-AE19-62706E023703}">
-                                <ahyp:hlinkClr xmlns:ahyp="http://schemas.microsoft.com/office/drawing/2018/hyperlinkcolor" xmlns="" val="tx"/>
-                              </a:ext>
-                            </a:extLst>
-                          </a:hlinkClick>
-                        </a:rPr>
-                        <a:t>.</a:t>
-                      </a:r>
-                      <a:r>
-                        <a:rPr lang="en-US" sz="1100" b="1" kern="1200" cap="all" spc="150" dirty="0" err="1">
-                          <a:solidFill>
-                            <a:srgbClr val="006699"/>
-                          </a:solidFill>
-                          <a:effectLst/>
-                          <a:latin typeface="Arial" panose="020B0604020202020204" pitchFamily="34" charset="0"/>
-                          <a:ea typeface="+mn-ea"/>
-                          <a:cs typeface="Arial" panose="020B0604020202020204" pitchFamily="34" charset="0"/>
-                          <a:hlinkClick r:id="rId10">
-                            <a:extLst>
-                              <a:ext uri="{A12FA001-AC4F-418D-AE19-62706E023703}">
-                                <ahyp:hlinkClr xmlns:ahyp="http://schemas.microsoft.com/office/drawing/2018/hyperlinkcolor" xmlns="" val="tx"/>
-                              </a:ext>
-                            </a:extLst>
-                          </a:hlinkClick>
-                        </a:rPr>
-                        <a:t>ru</a:t>
-                      </a:r>
-                      <a:endParaRPr lang="ru-RU" sz="1100" b="1" kern="1200" cap="all" spc="150" dirty="0">
-                        <a:solidFill>
-                          <a:srgbClr val="006699"/>
-                        </a:solidFill>
-                        <a:effectLst/>
-                        <a:latin typeface="Arial" panose="020B0604020202020204" pitchFamily="34" charset="0"/>
-                        <a:ea typeface="+mn-ea"/>
-                        <a:cs typeface="Arial" panose="020B0604020202020204" pitchFamily="34" charset="0"/>
-                      </a:endParaRPr>
-                    </a:p>
-                  </a:txBody>
-                  <a:tcPr marL="68580" marR="68580" marT="0" marB="182880" anchor="ctr">
-                    <a:noFill/>
-                  </a:tcPr>
-                </a:tc>
-                <a:extLst>
-                  <a:ext uri="{0D108BD9-81ED-4DB2-BD59-A6C34878D82A}">
-                    <a16:rowId xmlns:a16="http://schemas.microsoft.com/office/drawing/2014/main" xmlns="" val="2829935568"/>
-                  </a:ext>
-                </a:extLst>
-              </a:tr>
-            </a:tbl>
-          </a:graphicData>
-        </a:graphic>
-      </p:graphicFrame>
-      <p:pic>
-        <p:nvPicPr>
-          <p:cNvPr id="12" name="Рисунок 1" descr="skype-logo-png-5a3a1a4934c5d5">
-            <a:extLst>
-              <a:ext uri="{FF2B5EF4-FFF2-40B4-BE49-F238E27FC236}">
-                <a16:creationId xmlns:a16="http://schemas.microsoft.com/office/drawing/2014/main" xmlns="" id="{62DA62C4-1AC6-464D-B4CB-00C4FC9ECDB9}"/>
-              </a:ext>
-            </a:extLst>
-          </p:cNvPr>
-          <p:cNvPicPr>
-            <a:picLocks noChangeAspect="1" noChangeArrowheads="1"/>
-          </p:cNvPicPr>
-          <p:nvPr/>
-        </p:nvPicPr>
-        <p:blipFill>
-          <a:blip r:embed="rId11">
-            <a:extLst>
-              <a:ext uri="{28A0092B-C50C-407E-A947-70E740481C1C}">
-                <a14:useLocalDpi xmlns:a14="http://schemas.microsoft.com/office/drawing/2010/main" val="0"/>
-              </a:ext>
-            </a:extLst>
-          </a:blip>
-          <a:srcRect/>
-          <a:stretch>
-            <a:fillRect/>
-          </a:stretch>
-        </p:blipFill>
-        <p:spPr bwMode="auto">
-          <a:xfrm>
-            <a:off x="6767950" y="6509219"/>
-            <a:ext cx="294735" cy="189158"/>
-          </a:xfrm>
-          <a:prstGeom prst="rect">
-            <a:avLst/>
-          </a:prstGeom>
-          <a:noFill/>
-          <a:extLst>
-            <a:ext uri="{909E8E84-426E-40DD-AFC4-6F175D3DCCD1}">
-              <a14:hiddenFill xmlns:a14="http://schemas.microsoft.com/office/drawing/2010/main">
-                <a:solidFill>
-                  <a:srgbClr val="FFFFFF"/>
-                </a:solidFill>
-              </a14:hiddenFill>
-            </a:ext>
-          </a:extLst>
-        </p:spPr>
-      </p:pic>
-      <p:pic>
-        <p:nvPicPr>
-          <p:cNvPr id="14" name="Рисунок 13">
-            <a:extLst>
-              <a:ext uri="{FF2B5EF4-FFF2-40B4-BE49-F238E27FC236}">
-                <a16:creationId xmlns:a16="http://schemas.microsoft.com/office/drawing/2014/main" xmlns="" id="{7F67CAB3-4613-46A0-9449-2E28AB1906CC}"/>
-              </a:ext>
-            </a:extLst>
-          </p:cNvPr>
-          <p:cNvPicPr>
-            <a:picLocks noChangeAspect="1"/>
-          </p:cNvPicPr>
-          <p:nvPr/>
-        </p:nvPicPr>
-        <p:blipFill>
-          <a:blip r:embed="rId12">
-            <a:extLst>
-              <a:ext uri="{28A0092B-C50C-407E-A947-70E740481C1C}">
-                <a14:useLocalDpi xmlns:a14="http://schemas.microsoft.com/office/drawing/2010/main" val="0"/>
-              </a:ext>
-            </a:extLst>
-          </a:blip>
-          <a:stretch>
-            <a:fillRect/>
-          </a:stretch>
-        </p:blipFill>
-        <p:spPr>
-          <a:xfrm>
-            <a:off x="653332" y="6329238"/>
-            <a:ext cx="544664" cy="544664"/>
-          </a:xfrm>
-          <a:prstGeom prst="rect">
-            <a:avLst/>
-          </a:prstGeom>
-        </p:spPr>
-      </p:pic>
-      <p:pic>
-        <p:nvPicPr>
-          <p:cNvPr id="9" name="Рисунок 8"/>
-          <p:cNvPicPr>
-            <a:picLocks noChangeAspect="1"/>
-          </p:cNvPicPr>
-          <p:nvPr/>
-        </p:nvPicPr>
-        <p:blipFill>
-          <a:blip r:embed="rId13">
-            <a:extLst>
-              <a:ext uri="{28A0092B-C50C-407E-A947-70E740481C1C}">
-                <a14:useLocalDpi xmlns:a14="http://schemas.microsoft.com/office/drawing/2010/main" val="0"/>
-              </a:ext>
-            </a:extLst>
-          </a:blip>
-          <a:stretch>
-            <a:fillRect/>
-          </a:stretch>
-        </p:blipFill>
-        <p:spPr>
-          <a:xfrm>
-            <a:off x="198005" y="182321"/>
-            <a:ext cx="1325995" cy="304826"/>
           </a:xfrm>
           <a:prstGeom prst="rect">
             <a:avLst/>
@@ -11576,122 +11064,32 @@
                 </a:spcAft>
               </a:pPr>
               <a:r>
-                <a:rPr lang="ru-RU" sz="2800" kern="1200" dirty="0" smtClean="0">
+                <a:rPr lang="ru-RU" sz="2800" kern="1200" dirty="0">
                   <a:latin typeface="Arial" panose="020B0604020202020204" pitchFamily="34" charset="0"/>
                   <a:cs typeface="Arial" panose="020B0604020202020204" pitchFamily="34" charset="0"/>
                 </a:rPr>
                 <a:t>Управление задачами</a:t>
               </a:r>
-              <a:endParaRPr lang="ru-RU" sz="2800" kern="1200" dirty="0">
-                <a:latin typeface="Arial" panose="020B0604020202020204" pitchFamily="34" charset="0"/>
-                <a:cs typeface="Arial" panose="020B0604020202020204" pitchFamily="34" charset="0"/>
-              </a:endParaRPr>
             </a:p>
           </p:txBody>
         </p:sp>
       </p:grpSp>
-    </p:spTree>
-    <p:extLst>
-      <p:ext uri="{BB962C8B-B14F-4D97-AF65-F5344CB8AC3E}">
-        <p14:creationId xmlns:p14="http://schemas.microsoft.com/office/powerpoint/2010/main" val="3826940854"/>
-      </p:ext>
-    </p:extLst>
-  </p:cSld>
-  <p:clrMapOvr>
-    <a:masterClrMapping/>
-  </p:clrMapOvr>
-  <p:timing>
-    <p:tnLst>
-      <p:par>
-        <p:cTn id="1" dur="indefinite" restart="never" nodeType="tmRoot"/>
-      </p:par>
-    </p:tnLst>
-  </p:timing>
-</p:sld>
-</file>
-
-<file path=ppt/slides/slide3.xml><?xml version="1.0" encoding="utf-8"?>
-<p:sld xmlns:a="http://schemas.openxmlformats.org/drawingml/2006/main" xmlns:r="http://schemas.openxmlformats.org/officeDocument/2006/relationships" xmlns:p="http://schemas.openxmlformats.org/presentationml/2006/main">
-  <p:cSld>
-    <p:spTree>
-      <p:nvGrpSpPr>
-        <p:cNvPr id="1" name=""/>
-        <p:cNvGrpSpPr/>
-        <p:nvPr/>
-      </p:nvGrpSpPr>
-      <p:grpSpPr>
-        <a:xfrm>
-          <a:off x="0" y="0"/>
-          <a:ext cx="0" cy="0"/>
-          <a:chOff x="0" y="0"/>
-          <a:chExt cx="0" cy="0"/>
-        </a:xfrm>
-      </p:grpSpPr>
-      <p:sp>
-        <p:nvSpPr>
-          <p:cNvPr id="2" name="Заголовок 1">
+      <p:pic>
+        <p:nvPicPr>
+          <p:cNvPr id="19" name="Рисунок 18">
             <a:extLst>
               <a:ext uri="{FF2B5EF4-FFF2-40B4-BE49-F238E27FC236}">
-                <a16:creationId xmlns:a16="http://schemas.microsoft.com/office/drawing/2014/main" xmlns="" id="{7DB0EF1E-52E7-411E-B79F-03BDEB72A9B5}"/>
-              </a:ext>
-            </a:extLst>
-          </p:cNvPr>
-          <p:cNvSpPr>
-            <a:spLocks noGrp="1"/>
-          </p:cNvSpPr>
-          <p:nvPr>
-            <p:ph type="title"/>
-          </p:nvPr>
-        </p:nvSpPr>
-        <p:spPr>
-          <a:xfrm>
-            <a:off x="5617031" y="365125"/>
-            <a:ext cx="4776106" cy="880201"/>
-          </a:xfrm>
-        </p:spPr>
-        <p:txBody>
-          <a:bodyPr>
-            <a:normAutofit/>
-          </a:bodyPr>
-          <a:lstStyle/>
-          <a:p>
-            <a:pPr algn="r"/>
-            <a:r>
-              <a:rPr lang="ru-RU" sz="3600" b="1" dirty="0" smtClean="0">
-                <a:solidFill>
-                  <a:srgbClr val="006699"/>
-                </a:solidFill>
-                <a:latin typeface="Arial" panose="020B0604020202020204" pitchFamily="34" charset="0"/>
-                <a:cs typeface="Arial" panose="020B0604020202020204" pitchFamily="34" charset="0"/>
-              </a:rPr>
-              <a:t>УТП БИТ Аренда</a:t>
-            </a:r>
-            <a:endParaRPr lang="ru-RU" b="1" dirty="0">
-              <a:solidFill>
-                <a:srgbClr val="006699"/>
-              </a:solidFill>
-            </a:endParaRPr>
-          </a:p>
-        </p:txBody>
-      </p:sp>
-      <p:pic>
-        <p:nvPicPr>
-          <p:cNvPr id="6" name="Объект 5">
-            <a:extLst>
-              <a:ext uri="{FF2B5EF4-FFF2-40B4-BE49-F238E27FC236}">
-                <a16:creationId xmlns:a16="http://schemas.microsoft.com/office/drawing/2014/main" xmlns="" id="{C8C0528A-481D-4CE1-8B05-996BF1AC2F00}"/>
+                <a16:creationId xmlns:a16="http://schemas.microsoft.com/office/drawing/2014/main" id="{C4E2A5DD-8F26-473E-B79E-BAFD5DFE4AC5}"/>
               </a:ext>
             </a:extLst>
           </p:cNvPr>
           <p:cNvPicPr>
-            <a:picLocks noGrp="1" noChangeAspect="1"/>
+            <a:picLocks noChangeAspect="1"/>
           </p:cNvPicPr>
-          <p:nvPr>
-            <p:ph idx="1"/>
-          </p:nvPr>
+          <p:nvPr/>
         </p:nvPicPr>
         <p:blipFill>
-          <a:blip r:embed="rId2">
+          <a:blip r:embed="rId8">
             <a:extLst>
               <a:ext uri="{28A0092B-C50C-407E-A947-70E740481C1C}">
                 <a14:useLocalDpi xmlns:a14="http://schemas.microsoft.com/office/drawing/2010/main" val="0"/>
@@ -11704,17 +11102,56 @@
         </p:blipFill>
         <p:spPr>
           <a:xfrm>
-            <a:off x="1843193" y="1245327"/>
-            <a:ext cx="8559792" cy="5104270"/>
+            <a:off x="11303935" y="278699"/>
+            <a:ext cx="544664" cy="544664"/>
           </a:xfrm>
+          <a:prstGeom prst="rect">
+            <a:avLst/>
+          </a:prstGeom>
+        </p:spPr>
+      </p:pic>
+      <p:pic>
+        <p:nvPicPr>
+          <p:cNvPr id="20" name="Рисунок 19">
+            <a:extLst>
+              <a:ext uri="{FF2B5EF4-FFF2-40B4-BE49-F238E27FC236}">
+                <a16:creationId xmlns:a16="http://schemas.microsoft.com/office/drawing/2014/main" id="{8C7C9ABF-47E5-45AF-8514-F79073316628}"/>
+              </a:ext>
+            </a:extLst>
+          </p:cNvPr>
+          <p:cNvPicPr>
+            <a:picLocks noChangeAspect="1"/>
+          </p:cNvPicPr>
+          <p:nvPr/>
+        </p:nvPicPr>
+        <p:blipFill>
+          <a:blip r:embed="rId9">
+            <a:extLst>
+              <a:ext uri="{28A0092B-C50C-407E-A947-70E740481C1C}">
+                <a14:useLocalDpi xmlns:a14="http://schemas.microsoft.com/office/drawing/2010/main" val="0"/>
+              </a:ext>
+            </a:extLst>
+          </a:blip>
+          <a:stretch>
+            <a:fillRect/>
+          </a:stretch>
+        </p:blipFill>
+        <p:spPr>
+          <a:xfrm>
+            <a:off x="346051" y="278699"/>
+            <a:ext cx="1325995" cy="304826"/>
+          </a:xfrm>
+          <a:prstGeom prst="rect">
+            <a:avLst/>
+          </a:prstGeom>
         </p:spPr>
       </p:pic>
       <p:graphicFrame>
         <p:nvGraphicFramePr>
-          <p:cNvPr id="10" name="Таблица 9">
+          <p:cNvPr id="21" name="Таблица 20">
             <a:extLst>
               <a:ext uri="{FF2B5EF4-FFF2-40B4-BE49-F238E27FC236}">
-                <a16:creationId xmlns:a16="http://schemas.microsoft.com/office/drawing/2014/main" xmlns="" id="{3C6FFF47-68A2-4526-ACD4-5ED52CB18323}"/>
+                <a16:creationId xmlns:a16="http://schemas.microsoft.com/office/drawing/2014/main" id="{20F82A3D-0149-45A7-B634-74C367A24CFB}"/>
               </a:ext>
             </a:extLst>
           </p:cNvPr>
@@ -11724,14 +11161,14 @@
           <p:nvPr>
             <p:extLst>
               <p:ext uri="{D42A27DB-BD31-4B8C-83A1-F6EECF244321}">
-                <p14:modId xmlns:p14="http://schemas.microsoft.com/office/powerpoint/2010/main" val="2798843333"/>
+                <p14:modId xmlns:p14="http://schemas.microsoft.com/office/powerpoint/2010/main" val="346322459"/>
               </p:ext>
             </p:extLst>
           </p:nvPr>
         </p:nvGraphicFramePr>
         <p:xfrm>
-          <a:off x="653332" y="6329045"/>
-          <a:ext cx="10430786" cy="527495"/>
+          <a:off x="0" y="6329045"/>
+          <a:ext cx="12192000" cy="528955"/>
         </p:xfrm>
         <a:graphic>
           <a:graphicData uri="http://schemas.openxmlformats.org/drawingml/2006/table">
@@ -11740,10 +11177,10 @@
                 <a:tableStyleId>{5C22544A-7EE6-4342-B048-85BDC9FD1C3A}</a:tableStyleId>
               </a:tblPr>
               <a:tblGrid>
-                <a:gridCol w="10430786">
+                <a:gridCol w="12192000">
                   <a:extLst>
                     <a:ext uri="{9D8B030D-6E8A-4147-A177-3AD203B41FA5}">
-                      <a16:colId xmlns:a16="http://schemas.microsoft.com/office/drawing/2014/main" xmlns="" val="3945925805"/>
+                      <a16:colId xmlns:a16="http://schemas.microsoft.com/office/drawing/2014/main" val="3945925805"/>
                     </a:ext>
                   </a:extLst>
                 </a:gridCol>
@@ -11754,7 +11191,7 @@
                     <a:bodyPr/>
                     <a:lstStyle/>
                     <a:p>
-                      <a:pPr lvl="1" algn="ctr">
+                      <a:pPr lvl="0" algn="ctr">
                         <a:lnSpc>
                           <a:spcPct val="250000"/>
                         </a:lnSpc>
@@ -11781,7 +11218,13 @@
                           <a:effectLst/>
                           <a:latin typeface="Arial" panose="020B0604020202020204" pitchFamily="34" charset="0"/>
                           <a:cs typeface="Arial" panose="020B0604020202020204" pitchFamily="34" charset="0"/>
-                          <a:hlinkClick r:id="rId3"/>
+                          <a:hlinkClick r:id="rId10">
+                            <a:extLst>
+                              <a:ext uri="{A12FA001-AC4F-418D-AE19-62706E023703}">
+                                <ahyp:hlinkClr xmlns:ahyp="http://schemas.microsoft.com/office/drawing/2018/hyperlinkcolor" val="tx"/>
+                              </a:ext>
+                            </a:extLst>
+                          </a:hlinkClick>
                         </a:rPr>
                         <a:t>+</a:t>
                       </a:r>
@@ -11794,10 +11237,10 @@
                           <a:latin typeface="Arial" panose="020B0604020202020204" pitchFamily="34" charset="0"/>
                           <a:ea typeface="+mn-ea"/>
                           <a:cs typeface="Arial" panose="020B0604020202020204" pitchFamily="34" charset="0"/>
-                          <a:hlinkClick r:id="rId3">
+                          <a:hlinkClick r:id="rId10">
                             <a:extLst>
                               <a:ext uri="{A12FA001-AC4F-418D-AE19-62706E023703}">
-                                <ahyp:hlinkClr xmlns:ahyp="http://schemas.microsoft.com/office/drawing/2018/hyperlinkcolor" xmlns="" val="tx"/>
+                                <ahyp:hlinkClr xmlns:ahyp="http://schemas.microsoft.com/office/drawing/2018/hyperlinkcolor" val="tx"/>
                               </a:ext>
                             </a:extLst>
                           </a:hlinkClick>
@@ -11825,10 +11268,10 @@
                           <a:latin typeface="Arial" panose="020B0604020202020204" pitchFamily="34" charset="0"/>
                           <a:ea typeface="+mn-ea"/>
                           <a:cs typeface="Arial" panose="020B0604020202020204" pitchFamily="34" charset="0"/>
-                          <a:hlinkClick r:id="rId4">
+                          <a:hlinkClick r:id="rId11">
                             <a:extLst>
                               <a:ext uri="{A12FA001-AC4F-418D-AE19-62706E023703}">
-                                <ahyp:hlinkClr xmlns:ahyp="http://schemas.microsoft.com/office/drawing/2018/hyperlinkcolor" xmlns="" val="tx"/>
+                                <ahyp:hlinkClr xmlns:ahyp="http://schemas.microsoft.com/office/drawing/2018/hyperlinkcolor" val="tx"/>
                               </a:ext>
                             </a:extLst>
                           </a:hlinkClick>
@@ -11844,10 +11287,10 @@
                           <a:latin typeface="Arial" panose="020B0604020202020204" pitchFamily="34" charset="0"/>
                           <a:ea typeface="+mn-ea"/>
                           <a:cs typeface="Arial" panose="020B0604020202020204" pitchFamily="34" charset="0"/>
-                          <a:hlinkClick r:id="rId4">
+                          <a:hlinkClick r:id="rId11">
                             <a:extLst>
                               <a:ext uri="{A12FA001-AC4F-418D-AE19-62706E023703}">
-                                <ahyp:hlinkClr xmlns:ahyp="http://schemas.microsoft.com/office/drawing/2018/hyperlinkcolor" xmlns="" val="tx"/>
+                                <ahyp:hlinkClr xmlns:ahyp="http://schemas.microsoft.com/office/drawing/2018/hyperlinkcolor" val="tx"/>
                               </a:ext>
                             </a:extLst>
                           </a:hlinkClick>
@@ -11863,10 +11306,10 @@
                           <a:latin typeface="Arial" panose="020B0604020202020204" pitchFamily="34" charset="0"/>
                           <a:ea typeface="+mn-ea"/>
                           <a:cs typeface="Arial" panose="020B0604020202020204" pitchFamily="34" charset="0"/>
-                          <a:hlinkClick r:id="rId4">
+                          <a:hlinkClick r:id="rId11">
                             <a:extLst>
                               <a:ext uri="{A12FA001-AC4F-418D-AE19-62706E023703}">
-                                <ahyp:hlinkClr xmlns:ahyp="http://schemas.microsoft.com/office/drawing/2018/hyperlinkcolor" xmlns="" val="tx"/>
+                                <ahyp:hlinkClr xmlns:ahyp="http://schemas.microsoft.com/office/drawing/2018/hyperlinkcolor" val="tx"/>
                               </a:ext>
                             </a:extLst>
                           </a:hlinkClick>
@@ -11930,10 +11373,10 @@
                           <a:latin typeface="Arial" panose="020B0604020202020204" pitchFamily="34" charset="0"/>
                           <a:ea typeface="+mn-ea"/>
                           <a:cs typeface="Arial" panose="020B0604020202020204" pitchFamily="34" charset="0"/>
-                          <a:hlinkClick r:id="rId5">
+                          <a:hlinkClick r:id="rId12">
                             <a:extLst>
                               <a:ext uri="{A12FA001-AC4F-418D-AE19-62706E023703}">
-                                <ahyp:hlinkClr xmlns:ahyp="http://schemas.microsoft.com/office/drawing/2018/hyperlinkcolor" xmlns="" val="tx"/>
+                                <ahyp:hlinkClr xmlns:ahyp="http://schemas.microsoft.com/office/drawing/2018/hyperlinkcolor" val="tx"/>
                               </a:ext>
                             </a:extLst>
                           </a:hlinkClick>
@@ -11949,10 +11392,10 @@
                           <a:latin typeface="Arial" panose="020B0604020202020204" pitchFamily="34" charset="0"/>
                           <a:ea typeface="+mn-ea"/>
                           <a:cs typeface="Arial" panose="020B0604020202020204" pitchFamily="34" charset="0"/>
-                          <a:hlinkClick r:id="rId5">
+                          <a:hlinkClick r:id="rId12">
                             <a:extLst>
                               <a:ext uri="{A12FA001-AC4F-418D-AE19-62706E023703}">
-                                <ahyp:hlinkClr xmlns:ahyp="http://schemas.microsoft.com/office/drawing/2018/hyperlinkcolor" xmlns="" val="tx"/>
+                                <ahyp:hlinkClr xmlns:ahyp="http://schemas.microsoft.com/office/drawing/2018/hyperlinkcolor" val="tx"/>
                               </a:ext>
                             </a:extLst>
                           </a:hlinkClick>
@@ -11968,10 +11411,10 @@
                           <a:latin typeface="Arial" panose="020B0604020202020204" pitchFamily="34" charset="0"/>
                           <a:ea typeface="+mn-ea"/>
                           <a:cs typeface="Arial" panose="020B0604020202020204" pitchFamily="34" charset="0"/>
-                          <a:hlinkClick r:id="rId5">
+                          <a:hlinkClick r:id="rId12">
                             <a:extLst>
                               <a:ext uri="{A12FA001-AC4F-418D-AE19-62706E023703}">
-                                <ahyp:hlinkClr xmlns:ahyp="http://schemas.microsoft.com/office/drawing/2018/hyperlinkcolor" xmlns="" val="tx"/>
+                                <ahyp:hlinkClr xmlns:ahyp="http://schemas.microsoft.com/office/drawing/2018/hyperlinkcolor" val="tx"/>
                               </a:ext>
                             </a:extLst>
                           </a:hlinkClick>
@@ -11987,10 +11430,10 @@
                           <a:latin typeface="Arial" panose="020B0604020202020204" pitchFamily="34" charset="0"/>
                           <a:ea typeface="+mn-ea"/>
                           <a:cs typeface="Arial" panose="020B0604020202020204" pitchFamily="34" charset="0"/>
-                          <a:hlinkClick r:id="rId5">
+                          <a:hlinkClick r:id="rId12">
                             <a:extLst>
                               <a:ext uri="{A12FA001-AC4F-418D-AE19-62706E023703}">
-                                <ahyp:hlinkClr xmlns:ahyp="http://schemas.microsoft.com/office/drawing/2018/hyperlinkcolor" xmlns="" val="tx"/>
+                                <ahyp:hlinkClr xmlns:ahyp="http://schemas.microsoft.com/office/drawing/2018/hyperlinkcolor" val="tx"/>
                               </a:ext>
                             </a:extLst>
                           </a:hlinkClick>
@@ -12006,10 +11449,10 @@
                           <a:latin typeface="Arial" panose="020B0604020202020204" pitchFamily="34" charset="0"/>
                           <a:ea typeface="+mn-ea"/>
                           <a:cs typeface="Arial" panose="020B0604020202020204" pitchFamily="34" charset="0"/>
-                          <a:hlinkClick r:id="rId5">
+                          <a:hlinkClick r:id="rId12">
                             <a:extLst>
                               <a:ext uri="{A12FA001-AC4F-418D-AE19-62706E023703}">
-                                <ahyp:hlinkClr xmlns:ahyp="http://schemas.microsoft.com/office/drawing/2018/hyperlinkcolor" xmlns="" val="tx"/>
+                                <ahyp:hlinkClr xmlns:ahyp="http://schemas.microsoft.com/office/drawing/2018/hyperlinkcolor" val="tx"/>
                               </a:ext>
                             </a:extLst>
                           </a:hlinkClick>
@@ -12033,7 +11476,7 @@
                 </a:tc>
                 <a:extLst>
                   <a:ext uri="{0D108BD9-81ED-4DB2-BD59-A6C34878D82A}">
-                    <a16:rowId xmlns:a16="http://schemas.microsoft.com/office/drawing/2014/main" xmlns="" val="2829935568"/>
+                    <a16:rowId xmlns:a16="http://schemas.microsoft.com/office/drawing/2014/main" val="2829935568"/>
                   </a:ext>
                 </a:extLst>
               </a:tr>
@@ -12043,10 +11486,10 @@
       </p:graphicFrame>
       <p:pic>
         <p:nvPicPr>
-          <p:cNvPr id="11" name="Рисунок 1" descr="skype-logo-png-5a3a1a4934c5d5">
+          <p:cNvPr id="22" name="Рисунок 1" descr="skype-logo-png-5a3a1a4934c5d5">
             <a:extLst>
               <a:ext uri="{FF2B5EF4-FFF2-40B4-BE49-F238E27FC236}">
-                <a16:creationId xmlns:a16="http://schemas.microsoft.com/office/drawing/2014/main" xmlns="" id="{C9C89C50-F287-4A17-8481-8C7960E0168D}"/>
+                <a16:creationId xmlns:a16="http://schemas.microsoft.com/office/drawing/2014/main" id="{C79F30B7-F10C-40D2-9876-3E4CFE1D4FC9}"/>
               </a:ext>
             </a:extLst>
           </p:cNvPr>
@@ -12056,7 +11499,7 @@
           <p:nvPr/>
         </p:nvPicPr>
         <p:blipFill>
-          <a:blip r:embed="rId6">
+          <a:blip r:embed="rId13">
             <a:extLst>
               <a:ext uri="{28A0092B-C50C-407E-A947-70E740481C1C}">
                 <a14:useLocalDpi xmlns:a14="http://schemas.microsoft.com/office/drawing/2010/main" val="0"/>
@@ -12070,7 +11513,7 @@
         </p:blipFill>
         <p:spPr bwMode="auto">
           <a:xfrm>
-            <a:off x="6767950" y="6509219"/>
+            <a:off x="6785355" y="6509219"/>
             <a:ext cx="294735" cy="189158"/>
           </a:xfrm>
           <a:prstGeom prst="rect">
@@ -12088,76 +11531,10 @@
           </a:extLst>
         </p:spPr>
       </p:pic>
-      <p:pic>
-        <p:nvPicPr>
-          <p:cNvPr id="12" name="Рисунок 11">
-            <a:extLst>
-              <a:ext uri="{FF2B5EF4-FFF2-40B4-BE49-F238E27FC236}">
-                <a16:creationId xmlns:a16="http://schemas.microsoft.com/office/drawing/2014/main" xmlns="" id="{AA969A93-A084-4FDF-80EB-EB22650444CC}"/>
-              </a:ext>
-            </a:extLst>
-          </p:cNvPr>
-          <p:cNvPicPr>
-            <a:picLocks noChangeAspect="1"/>
-          </p:cNvPicPr>
-          <p:nvPr/>
-        </p:nvPicPr>
-        <p:blipFill>
-          <a:blip r:embed="rId7">
-            <a:extLst>
-              <a:ext uri="{28A0092B-C50C-407E-A947-70E740481C1C}">
-                <a14:useLocalDpi xmlns:a14="http://schemas.microsoft.com/office/drawing/2010/main" val="0"/>
-              </a:ext>
-            </a:extLst>
-          </a:blip>
-          <a:stretch>
-            <a:fillRect/>
-          </a:stretch>
-        </p:blipFill>
-        <p:spPr>
-          <a:xfrm>
-            <a:off x="653332" y="6329238"/>
-            <a:ext cx="544664" cy="544664"/>
-          </a:xfrm>
-          <a:prstGeom prst="rect">
-            <a:avLst/>
-          </a:prstGeom>
-        </p:spPr>
-      </p:pic>
-      <p:pic>
-        <p:nvPicPr>
-          <p:cNvPr id="8" name="Рисунок 7"/>
-          <p:cNvPicPr>
-            <a:picLocks noChangeAspect="1"/>
-          </p:cNvPicPr>
-          <p:nvPr/>
-        </p:nvPicPr>
-        <p:blipFill>
-          <a:blip r:embed="rId8">
-            <a:extLst>
-              <a:ext uri="{28A0092B-C50C-407E-A947-70E740481C1C}">
-                <a14:useLocalDpi xmlns:a14="http://schemas.microsoft.com/office/drawing/2010/main" val="0"/>
-              </a:ext>
-            </a:extLst>
-          </a:blip>
-          <a:stretch>
-            <a:fillRect/>
-          </a:stretch>
-        </p:blipFill>
-        <p:spPr>
-          <a:xfrm>
-            <a:off x="198005" y="182321"/>
-            <a:ext cx="1325995" cy="304826"/>
-          </a:xfrm>
-          <a:prstGeom prst="rect">
-            <a:avLst/>
-          </a:prstGeom>
-        </p:spPr>
-      </p:pic>
     </p:spTree>
     <p:extLst>
       <p:ext uri="{BB962C8B-B14F-4D97-AF65-F5344CB8AC3E}">
-        <p14:creationId xmlns:p14="http://schemas.microsoft.com/office/powerpoint/2010/main" val="2204897132"/>
+        <p14:creationId xmlns:p14="http://schemas.microsoft.com/office/powerpoint/2010/main" val="3826940854"/>
       </p:ext>
     </p:extLst>
   </p:cSld>
@@ -12167,14 +11544,136 @@
   <p:timing>
     <p:tnLst>
       <p:par>
-        <p:cTn id="1" dur="indefinite" restart="never" nodeType="tmRoot"/>
+        <p:cTn id="1" dur="indefinite" restart="never" nodeType="tmRoot">
+          <p:childTnLst>
+            <p:seq concurrent="1" nextAc="seek">
+              <p:cTn id="2" dur="indefinite" nodeType="mainSeq">
+                <p:childTnLst>
+                  <p:par>
+                    <p:cTn id="3" fill="hold">
+                      <p:stCondLst>
+                        <p:cond delay="indefinite"/>
+                      </p:stCondLst>
+                      <p:childTnLst>
+                        <p:par>
+                          <p:cTn id="4" fill="hold">
+                            <p:stCondLst>
+                              <p:cond delay="0"/>
+                            </p:stCondLst>
+                            <p:childTnLst>
+                              <p:par>
+                                <p:cTn id="5" presetID="45" presetClass="entr" presetSubtype="0" fill="hold" nodeType="clickEffect">
+                                  <p:stCondLst>
+                                    <p:cond delay="0"/>
+                                  </p:stCondLst>
+                                  <p:childTnLst>
+                                    <p:set>
+                                      <p:cBhvr>
+                                        <p:cTn id="6" dur="1" fill="hold">
+                                          <p:stCondLst>
+                                            <p:cond delay="0"/>
+                                          </p:stCondLst>
+                                        </p:cTn>
+                                        <p:tgtEl>
+                                          <p:spTgt spid="19"/>
+                                        </p:tgtEl>
+                                        <p:attrNameLst>
+                                          <p:attrName>style.visibility</p:attrName>
+                                        </p:attrNameLst>
+                                      </p:cBhvr>
+                                      <p:to>
+                                        <p:strVal val="visible"/>
+                                      </p:to>
+                                    </p:set>
+                                    <p:animEffect transition="in" filter="fade">
+                                      <p:cBhvr>
+                                        <p:cTn id="7" dur="2000"/>
+                                        <p:tgtEl>
+                                          <p:spTgt spid="19"/>
+                                        </p:tgtEl>
+                                      </p:cBhvr>
+                                    </p:animEffect>
+                                    <p:anim calcmode="lin" valueType="num">
+                                      <p:cBhvr>
+                                        <p:cTn id="8" dur="2000" fill="hold"/>
+                                        <p:tgtEl>
+                                          <p:spTgt spid="19"/>
+                                        </p:tgtEl>
+                                        <p:attrNameLst>
+                                          <p:attrName>ppt_w</p:attrName>
+                                        </p:attrNameLst>
+                                      </p:cBhvr>
+                                      <p:tavLst>
+                                        <p:tav tm="0" fmla="#ppt_w*sin(2.5*pi*$)">
+                                          <p:val>
+                                            <p:fltVal val="0"/>
+                                          </p:val>
+                                        </p:tav>
+                                        <p:tav tm="100000">
+                                          <p:val>
+                                            <p:fltVal val="1"/>
+                                          </p:val>
+                                        </p:tav>
+                                      </p:tavLst>
+                                    </p:anim>
+                                    <p:anim calcmode="lin" valueType="num">
+                                      <p:cBhvr>
+                                        <p:cTn id="9" dur="2000" fill="hold"/>
+                                        <p:tgtEl>
+                                          <p:spTgt spid="19"/>
+                                        </p:tgtEl>
+                                        <p:attrNameLst>
+                                          <p:attrName>ppt_h</p:attrName>
+                                        </p:attrNameLst>
+                                      </p:cBhvr>
+                                      <p:tavLst>
+                                        <p:tav tm="0">
+                                          <p:val>
+                                            <p:strVal val="#ppt_h"/>
+                                          </p:val>
+                                        </p:tav>
+                                        <p:tav tm="100000">
+                                          <p:val>
+                                            <p:strVal val="#ppt_h"/>
+                                          </p:val>
+                                        </p:tav>
+                                      </p:tavLst>
+                                    </p:anim>
+                                  </p:childTnLst>
+                                </p:cTn>
+                              </p:par>
+                            </p:childTnLst>
+                          </p:cTn>
+                        </p:par>
+                      </p:childTnLst>
+                    </p:cTn>
+                  </p:par>
+                </p:childTnLst>
+              </p:cTn>
+              <p:prevCondLst>
+                <p:cond evt="onPrev" delay="0">
+                  <p:tgtEl>
+                    <p:sldTgt/>
+                  </p:tgtEl>
+                </p:cond>
+              </p:prevCondLst>
+              <p:nextCondLst>
+                <p:cond evt="onNext" delay="0">
+                  <p:tgtEl>
+                    <p:sldTgt/>
+                  </p:tgtEl>
+                </p:cond>
+              </p:nextCondLst>
+            </p:seq>
+          </p:childTnLst>
+        </p:cTn>
       </p:par>
     </p:tnLst>
   </p:timing>
 </p:sld>
 </file>
 
-<file path=ppt/slides/slide4.xml><?xml version="1.0" encoding="utf-8"?>
+<file path=ppt/slides/slide3.xml><?xml version="1.0" encoding="utf-8"?>
 <p:sld xmlns:a="http://schemas.openxmlformats.org/drawingml/2006/main" xmlns:r="http://schemas.openxmlformats.org/officeDocument/2006/relationships" xmlns:p="http://schemas.openxmlformats.org/presentationml/2006/main">
   <p:cSld>
     <p:spTree>
@@ -12196,7 +11695,7 @@
           <p:cNvPr id="2" name="Заголовок 1">
             <a:extLst>
               <a:ext uri="{FF2B5EF4-FFF2-40B4-BE49-F238E27FC236}">
-                <a16:creationId xmlns:a16="http://schemas.microsoft.com/office/drawing/2014/main" xmlns="" id="{77B42213-02ED-4FE3-9CB9-6CC979841D23}"/>
+                <a16:creationId xmlns:a16="http://schemas.microsoft.com/office/drawing/2014/main" id="{7DB0EF1E-52E7-411E-B79F-03BDEB72A9B5}"/>
               </a:ext>
             </a:extLst>
           </p:cNvPr>
@@ -12209,8 +11708,8 @@
         </p:nvSpPr>
         <p:spPr>
           <a:xfrm>
-            <a:off x="6055180" y="334734"/>
-            <a:ext cx="4484913" cy="906327"/>
+            <a:off x="5617031" y="365125"/>
+            <a:ext cx="4785954" cy="880201"/>
           </a:xfrm>
         </p:spPr>
         <p:txBody>
@@ -12221,31 +11720,19 @@
           <a:p>
             <a:pPr algn="r"/>
             <a:r>
-              <a:rPr lang="ru-RU" sz="3600" b="1" dirty="0" smtClean="0">
+              <a:rPr lang="ru-RU" sz="3600" b="1" dirty="0">
                 <a:solidFill>
                   <a:srgbClr val="006699"/>
                 </a:solidFill>
                 <a:latin typeface="Arial" panose="020B0604020202020204" pitchFamily="34" charset="0"/>
                 <a:cs typeface="Arial" panose="020B0604020202020204" pitchFamily="34" charset="0"/>
               </a:rPr>
-              <a:t>УТП </a:t>
+              <a:t>УТП БИТ Аренда</a:t>
             </a:r>
-            <a:r>
-              <a:rPr lang="ru-RU" sz="3600" b="1" dirty="0" err="1" smtClean="0">
-                <a:solidFill>
-                  <a:srgbClr val="006699"/>
-                </a:solidFill>
-                <a:latin typeface="Arial" panose="020B0604020202020204" pitchFamily="34" charset="0"/>
-                <a:cs typeface="Arial" panose="020B0604020202020204" pitchFamily="34" charset="0"/>
-              </a:rPr>
-              <a:t>Инталев</a:t>
-            </a:r>
-            <a:endParaRPr lang="ru-RU" sz="3600" b="1" dirty="0">
+            <a:endParaRPr lang="ru-RU" b="1" dirty="0">
               <a:solidFill>
                 <a:srgbClr val="006699"/>
               </a:solidFill>
-              <a:latin typeface="Arial" panose="020B0604020202020204" pitchFamily="34" charset="0"/>
-              <a:cs typeface="Arial" panose="020B0604020202020204" pitchFamily="34" charset="0"/>
             </a:endParaRPr>
           </a:p>
         </p:txBody>
@@ -12255,7 +11742,7 @@
           <p:cNvPr id="6" name="Объект 5">
             <a:extLst>
               <a:ext uri="{FF2B5EF4-FFF2-40B4-BE49-F238E27FC236}">
-                <a16:creationId xmlns:a16="http://schemas.microsoft.com/office/drawing/2014/main" xmlns="" id="{3BDFBFA1-ACD3-4A5B-BBCE-489E3C8A0727}"/>
+                <a16:creationId xmlns:a16="http://schemas.microsoft.com/office/drawing/2014/main" id="{C8C0528A-481D-4CE1-8B05-996BF1AC2F00}"/>
               </a:ext>
             </a:extLst>
           </p:cNvPr>
@@ -12280,17 +11767,89 @@
         </p:blipFill>
         <p:spPr>
           <a:xfrm>
-            <a:off x="1832840" y="1271452"/>
-            <a:ext cx="8698471" cy="5057593"/>
+            <a:off x="1843193" y="1245327"/>
+            <a:ext cx="8559792" cy="5104270"/>
           </a:xfrm>
+        </p:spPr>
+      </p:pic>
+      <p:pic>
+        <p:nvPicPr>
+          <p:cNvPr id="14" name="Рисунок 13">
+            <a:extLst>
+              <a:ext uri="{FF2B5EF4-FFF2-40B4-BE49-F238E27FC236}">
+                <a16:creationId xmlns:a16="http://schemas.microsoft.com/office/drawing/2014/main" id="{30689C4D-2833-4F9C-B839-21BB67BD2A4D}"/>
+              </a:ext>
+            </a:extLst>
+          </p:cNvPr>
+          <p:cNvPicPr>
+            <a:picLocks noChangeAspect="1"/>
+          </p:cNvPicPr>
+          <p:nvPr/>
+        </p:nvPicPr>
+        <p:blipFill>
+          <a:blip r:embed="rId3">
+            <a:extLst>
+              <a:ext uri="{28A0092B-C50C-407E-A947-70E740481C1C}">
+                <a14:useLocalDpi xmlns:a14="http://schemas.microsoft.com/office/drawing/2010/main" val="0"/>
+              </a:ext>
+            </a:extLst>
+          </a:blip>
+          <a:stretch>
+            <a:fillRect/>
+          </a:stretch>
+        </p:blipFill>
+        <p:spPr>
+          <a:xfrm>
+            <a:off x="11303935" y="278699"/>
+            <a:ext cx="544664" cy="544664"/>
+          </a:xfrm>
+          <a:prstGeom prst="rect">
+            <a:avLst/>
+          </a:prstGeom>
+        </p:spPr>
+      </p:pic>
+      <p:pic>
+        <p:nvPicPr>
+          <p:cNvPr id="15" name="Рисунок 14">
+            <a:extLst>
+              <a:ext uri="{FF2B5EF4-FFF2-40B4-BE49-F238E27FC236}">
+                <a16:creationId xmlns:a16="http://schemas.microsoft.com/office/drawing/2014/main" id="{7BDE1FEB-FC87-46AC-A36D-96536A02154D}"/>
+              </a:ext>
+            </a:extLst>
+          </p:cNvPr>
+          <p:cNvPicPr>
+            <a:picLocks noChangeAspect="1"/>
+          </p:cNvPicPr>
+          <p:nvPr/>
+        </p:nvPicPr>
+        <p:blipFill>
+          <a:blip r:embed="rId4">
+            <a:extLst>
+              <a:ext uri="{28A0092B-C50C-407E-A947-70E740481C1C}">
+                <a14:useLocalDpi xmlns:a14="http://schemas.microsoft.com/office/drawing/2010/main" val="0"/>
+              </a:ext>
+            </a:extLst>
+          </a:blip>
+          <a:stretch>
+            <a:fillRect/>
+          </a:stretch>
+        </p:blipFill>
+        <p:spPr>
+          <a:xfrm>
+            <a:off x="346051" y="278699"/>
+            <a:ext cx="1325995" cy="304826"/>
+          </a:xfrm>
+          <a:prstGeom prst="rect">
+            <a:avLst/>
+          </a:prstGeom>
         </p:spPr>
       </p:pic>
       <p:graphicFrame>
         <p:nvGraphicFramePr>
-          <p:cNvPr id="9" name="Таблица 8">
+          <p:cNvPr id="16" name="Таблица 15">
             <a:extLst>
               <a:ext uri="{FF2B5EF4-FFF2-40B4-BE49-F238E27FC236}">
-                <a16:creationId xmlns:a16="http://schemas.microsoft.com/office/drawing/2014/main" xmlns="" id="{63935FF0-D55E-4999-AEDE-CE2CF774EE90}"/>
+                <a16:creationId xmlns:a16="http://schemas.microsoft.com/office/drawing/2014/main" id="{4C978D9B-A2DC-44FD-A3BD-15BEFE69DD88}"/>
               </a:ext>
             </a:extLst>
           </p:cNvPr>
@@ -12300,14 +11859,14 @@
           <p:nvPr>
             <p:extLst>
               <p:ext uri="{D42A27DB-BD31-4B8C-83A1-F6EECF244321}">
-                <p14:modId xmlns:p14="http://schemas.microsoft.com/office/powerpoint/2010/main" val="3653002787"/>
+                <p14:modId xmlns:p14="http://schemas.microsoft.com/office/powerpoint/2010/main" val="346322459"/>
               </p:ext>
             </p:extLst>
           </p:nvPr>
         </p:nvGraphicFramePr>
         <p:xfrm>
-          <a:off x="653332" y="6329045"/>
-          <a:ext cx="10430786" cy="527495"/>
+          <a:off x="0" y="6329045"/>
+          <a:ext cx="12192000" cy="528955"/>
         </p:xfrm>
         <a:graphic>
           <a:graphicData uri="http://schemas.openxmlformats.org/drawingml/2006/table">
@@ -12316,10 +11875,10 @@
                 <a:tableStyleId>{5C22544A-7EE6-4342-B048-85BDC9FD1C3A}</a:tableStyleId>
               </a:tblPr>
               <a:tblGrid>
-                <a:gridCol w="10430786">
+                <a:gridCol w="12192000">
                   <a:extLst>
                     <a:ext uri="{9D8B030D-6E8A-4147-A177-3AD203B41FA5}">
-                      <a16:colId xmlns:a16="http://schemas.microsoft.com/office/drawing/2014/main" xmlns="" val="3945925805"/>
+                      <a16:colId xmlns:a16="http://schemas.microsoft.com/office/drawing/2014/main" val="3945925805"/>
                     </a:ext>
                   </a:extLst>
                 </a:gridCol>
@@ -12330,7 +11889,7 @@
                     <a:bodyPr/>
                     <a:lstStyle/>
                     <a:p>
-                      <a:pPr lvl="1" algn="ctr">
+                      <a:pPr lvl="0" algn="ctr">
                         <a:lnSpc>
                           <a:spcPct val="250000"/>
                         </a:lnSpc>
@@ -12357,7 +11916,13 @@
                           <a:effectLst/>
                           <a:latin typeface="Arial" panose="020B0604020202020204" pitchFamily="34" charset="0"/>
                           <a:cs typeface="Arial" panose="020B0604020202020204" pitchFamily="34" charset="0"/>
-                          <a:hlinkClick r:id="rId3"/>
+                          <a:hlinkClick r:id="rId5">
+                            <a:extLst>
+                              <a:ext uri="{A12FA001-AC4F-418D-AE19-62706E023703}">
+                                <ahyp:hlinkClr xmlns:ahyp="http://schemas.microsoft.com/office/drawing/2018/hyperlinkcolor" val="tx"/>
+                              </a:ext>
+                            </a:extLst>
+                          </a:hlinkClick>
                         </a:rPr>
                         <a:t>+</a:t>
                       </a:r>
@@ -12370,10 +11935,10 @@
                           <a:latin typeface="Arial" panose="020B0604020202020204" pitchFamily="34" charset="0"/>
                           <a:ea typeface="+mn-ea"/>
                           <a:cs typeface="Arial" panose="020B0604020202020204" pitchFamily="34" charset="0"/>
-                          <a:hlinkClick r:id="rId3">
+                          <a:hlinkClick r:id="rId5">
                             <a:extLst>
                               <a:ext uri="{A12FA001-AC4F-418D-AE19-62706E023703}">
-                                <ahyp:hlinkClr xmlns:ahyp="http://schemas.microsoft.com/office/drawing/2018/hyperlinkcolor" xmlns="" val="tx"/>
+                                <ahyp:hlinkClr xmlns:ahyp="http://schemas.microsoft.com/office/drawing/2018/hyperlinkcolor" val="tx"/>
                               </a:ext>
                             </a:extLst>
                           </a:hlinkClick>
@@ -12401,10 +11966,10 @@
                           <a:latin typeface="Arial" panose="020B0604020202020204" pitchFamily="34" charset="0"/>
                           <a:ea typeface="+mn-ea"/>
                           <a:cs typeface="Arial" panose="020B0604020202020204" pitchFamily="34" charset="0"/>
-                          <a:hlinkClick r:id="rId4">
+                          <a:hlinkClick r:id="rId6">
                             <a:extLst>
                               <a:ext uri="{A12FA001-AC4F-418D-AE19-62706E023703}">
-                                <ahyp:hlinkClr xmlns:ahyp="http://schemas.microsoft.com/office/drawing/2018/hyperlinkcolor" xmlns="" val="tx"/>
+                                <ahyp:hlinkClr xmlns:ahyp="http://schemas.microsoft.com/office/drawing/2018/hyperlinkcolor" val="tx"/>
                               </a:ext>
                             </a:extLst>
                           </a:hlinkClick>
@@ -12420,10 +11985,10 @@
                           <a:latin typeface="Arial" panose="020B0604020202020204" pitchFamily="34" charset="0"/>
                           <a:ea typeface="+mn-ea"/>
                           <a:cs typeface="Arial" panose="020B0604020202020204" pitchFamily="34" charset="0"/>
-                          <a:hlinkClick r:id="rId4">
+                          <a:hlinkClick r:id="rId6">
                             <a:extLst>
                               <a:ext uri="{A12FA001-AC4F-418D-AE19-62706E023703}">
-                                <ahyp:hlinkClr xmlns:ahyp="http://schemas.microsoft.com/office/drawing/2018/hyperlinkcolor" xmlns="" val="tx"/>
+                                <ahyp:hlinkClr xmlns:ahyp="http://schemas.microsoft.com/office/drawing/2018/hyperlinkcolor" val="tx"/>
                               </a:ext>
                             </a:extLst>
                           </a:hlinkClick>
@@ -12439,10 +12004,10 @@
                           <a:latin typeface="Arial" panose="020B0604020202020204" pitchFamily="34" charset="0"/>
                           <a:ea typeface="+mn-ea"/>
                           <a:cs typeface="Arial" panose="020B0604020202020204" pitchFamily="34" charset="0"/>
-                          <a:hlinkClick r:id="rId4">
+                          <a:hlinkClick r:id="rId6">
                             <a:extLst>
                               <a:ext uri="{A12FA001-AC4F-418D-AE19-62706E023703}">
-                                <ahyp:hlinkClr xmlns:ahyp="http://schemas.microsoft.com/office/drawing/2018/hyperlinkcolor" xmlns="" val="tx"/>
+                                <ahyp:hlinkClr xmlns:ahyp="http://schemas.microsoft.com/office/drawing/2018/hyperlinkcolor" val="tx"/>
                               </a:ext>
                             </a:extLst>
                           </a:hlinkClick>
@@ -12506,10 +12071,10 @@
                           <a:latin typeface="Arial" panose="020B0604020202020204" pitchFamily="34" charset="0"/>
                           <a:ea typeface="+mn-ea"/>
                           <a:cs typeface="Arial" panose="020B0604020202020204" pitchFamily="34" charset="0"/>
-                          <a:hlinkClick r:id="rId5">
+                          <a:hlinkClick r:id="rId7">
                             <a:extLst>
                               <a:ext uri="{A12FA001-AC4F-418D-AE19-62706E023703}">
-                                <ahyp:hlinkClr xmlns:ahyp="http://schemas.microsoft.com/office/drawing/2018/hyperlinkcolor" xmlns="" val="tx"/>
+                                <ahyp:hlinkClr xmlns:ahyp="http://schemas.microsoft.com/office/drawing/2018/hyperlinkcolor" val="tx"/>
                               </a:ext>
                             </a:extLst>
                           </a:hlinkClick>
@@ -12525,10 +12090,10 @@
                           <a:latin typeface="Arial" panose="020B0604020202020204" pitchFamily="34" charset="0"/>
                           <a:ea typeface="+mn-ea"/>
                           <a:cs typeface="Arial" panose="020B0604020202020204" pitchFamily="34" charset="0"/>
-                          <a:hlinkClick r:id="rId5">
+                          <a:hlinkClick r:id="rId7">
                             <a:extLst>
                               <a:ext uri="{A12FA001-AC4F-418D-AE19-62706E023703}">
-                                <ahyp:hlinkClr xmlns:ahyp="http://schemas.microsoft.com/office/drawing/2018/hyperlinkcolor" xmlns="" val="tx"/>
+                                <ahyp:hlinkClr xmlns:ahyp="http://schemas.microsoft.com/office/drawing/2018/hyperlinkcolor" val="tx"/>
                               </a:ext>
                             </a:extLst>
                           </a:hlinkClick>
@@ -12544,10 +12109,10 @@
                           <a:latin typeface="Arial" panose="020B0604020202020204" pitchFamily="34" charset="0"/>
                           <a:ea typeface="+mn-ea"/>
                           <a:cs typeface="Arial" panose="020B0604020202020204" pitchFamily="34" charset="0"/>
-                          <a:hlinkClick r:id="rId5">
+                          <a:hlinkClick r:id="rId7">
                             <a:extLst>
                               <a:ext uri="{A12FA001-AC4F-418D-AE19-62706E023703}">
-                                <ahyp:hlinkClr xmlns:ahyp="http://schemas.microsoft.com/office/drawing/2018/hyperlinkcolor" xmlns="" val="tx"/>
+                                <ahyp:hlinkClr xmlns:ahyp="http://schemas.microsoft.com/office/drawing/2018/hyperlinkcolor" val="tx"/>
                               </a:ext>
                             </a:extLst>
                           </a:hlinkClick>
@@ -12563,10 +12128,10 @@
                           <a:latin typeface="Arial" panose="020B0604020202020204" pitchFamily="34" charset="0"/>
                           <a:ea typeface="+mn-ea"/>
                           <a:cs typeface="Arial" panose="020B0604020202020204" pitchFamily="34" charset="0"/>
-                          <a:hlinkClick r:id="rId5">
+                          <a:hlinkClick r:id="rId7">
                             <a:extLst>
                               <a:ext uri="{A12FA001-AC4F-418D-AE19-62706E023703}">
-                                <ahyp:hlinkClr xmlns:ahyp="http://schemas.microsoft.com/office/drawing/2018/hyperlinkcolor" xmlns="" val="tx"/>
+                                <ahyp:hlinkClr xmlns:ahyp="http://schemas.microsoft.com/office/drawing/2018/hyperlinkcolor" val="tx"/>
                               </a:ext>
                             </a:extLst>
                           </a:hlinkClick>
@@ -12582,10 +12147,10 @@
                           <a:latin typeface="Arial" panose="020B0604020202020204" pitchFamily="34" charset="0"/>
                           <a:ea typeface="+mn-ea"/>
                           <a:cs typeface="Arial" panose="020B0604020202020204" pitchFamily="34" charset="0"/>
-                          <a:hlinkClick r:id="rId5">
+                          <a:hlinkClick r:id="rId7">
                             <a:extLst>
                               <a:ext uri="{A12FA001-AC4F-418D-AE19-62706E023703}">
-                                <ahyp:hlinkClr xmlns:ahyp="http://schemas.microsoft.com/office/drawing/2018/hyperlinkcolor" xmlns="" val="tx"/>
+                                <ahyp:hlinkClr xmlns:ahyp="http://schemas.microsoft.com/office/drawing/2018/hyperlinkcolor" val="tx"/>
                               </a:ext>
                             </a:extLst>
                           </a:hlinkClick>
@@ -12609,7 +12174,7 @@
                 </a:tc>
                 <a:extLst>
                   <a:ext uri="{0D108BD9-81ED-4DB2-BD59-A6C34878D82A}">
-                    <a16:rowId xmlns:a16="http://schemas.microsoft.com/office/drawing/2014/main" xmlns="" val="2829935568"/>
+                    <a16:rowId xmlns:a16="http://schemas.microsoft.com/office/drawing/2014/main" val="2829935568"/>
                   </a:ext>
                 </a:extLst>
               </a:tr>
@@ -12619,10 +12184,10 @@
       </p:graphicFrame>
       <p:pic>
         <p:nvPicPr>
-          <p:cNvPr id="10" name="Рисунок 1" descr="skype-logo-png-5a3a1a4934c5d5">
+          <p:cNvPr id="17" name="Рисунок 1" descr="skype-logo-png-5a3a1a4934c5d5">
             <a:extLst>
               <a:ext uri="{FF2B5EF4-FFF2-40B4-BE49-F238E27FC236}">
-                <a16:creationId xmlns:a16="http://schemas.microsoft.com/office/drawing/2014/main" xmlns="" id="{13B4432B-C07D-48CB-93E2-6235E9B49E60}"/>
+                <a16:creationId xmlns:a16="http://schemas.microsoft.com/office/drawing/2014/main" id="{3A1C7C24-A225-44A5-ACE3-8ABA186A814D}"/>
               </a:ext>
             </a:extLst>
           </p:cNvPr>
@@ -12632,7 +12197,7 @@
           <p:nvPr/>
         </p:nvPicPr>
         <p:blipFill>
-          <a:blip r:embed="rId6">
+          <a:blip r:embed="rId8">
             <a:extLst>
               <a:ext uri="{28A0092B-C50C-407E-A947-70E740481C1C}">
                 <a14:useLocalDpi xmlns:a14="http://schemas.microsoft.com/office/drawing/2010/main" val="0"/>
@@ -12646,7 +12211,7 @@
         </p:blipFill>
         <p:spPr bwMode="auto">
           <a:xfrm>
-            <a:off x="6767950" y="6509219"/>
+            <a:off x="6785355" y="6509219"/>
             <a:ext cx="294735" cy="189158"/>
           </a:xfrm>
           <a:prstGeom prst="rect">
@@ -12664,76 +12229,10 @@
           </a:extLst>
         </p:spPr>
       </p:pic>
-      <p:pic>
-        <p:nvPicPr>
-          <p:cNvPr id="11" name="Рисунок 10">
-            <a:extLst>
-              <a:ext uri="{FF2B5EF4-FFF2-40B4-BE49-F238E27FC236}">
-                <a16:creationId xmlns:a16="http://schemas.microsoft.com/office/drawing/2014/main" xmlns="" id="{52BA9826-6F42-4429-9B39-6F3EF8467299}"/>
-              </a:ext>
-            </a:extLst>
-          </p:cNvPr>
-          <p:cNvPicPr>
-            <a:picLocks noChangeAspect="1"/>
-          </p:cNvPicPr>
-          <p:nvPr/>
-        </p:nvPicPr>
-        <p:blipFill>
-          <a:blip r:embed="rId7">
-            <a:extLst>
-              <a:ext uri="{28A0092B-C50C-407E-A947-70E740481C1C}">
-                <a14:useLocalDpi xmlns:a14="http://schemas.microsoft.com/office/drawing/2010/main" val="0"/>
-              </a:ext>
-            </a:extLst>
-          </a:blip>
-          <a:stretch>
-            <a:fillRect/>
-          </a:stretch>
-        </p:blipFill>
-        <p:spPr>
-          <a:xfrm>
-            <a:off x="653332" y="6329238"/>
-            <a:ext cx="544664" cy="544664"/>
-          </a:xfrm>
-          <a:prstGeom prst="rect">
-            <a:avLst/>
-          </a:prstGeom>
-        </p:spPr>
-      </p:pic>
-      <p:pic>
-        <p:nvPicPr>
-          <p:cNvPr id="8" name="Рисунок 7"/>
-          <p:cNvPicPr>
-            <a:picLocks noChangeAspect="1"/>
-          </p:cNvPicPr>
-          <p:nvPr/>
-        </p:nvPicPr>
-        <p:blipFill>
-          <a:blip r:embed="rId8">
-            <a:extLst>
-              <a:ext uri="{28A0092B-C50C-407E-A947-70E740481C1C}">
-                <a14:useLocalDpi xmlns:a14="http://schemas.microsoft.com/office/drawing/2010/main" val="0"/>
-              </a:ext>
-            </a:extLst>
-          </a:blip>
-          <a:stretch>
-            <a:fillRect/>
-          </a:stretch>
-        </p:blipFill>
-        <p:spPr>
-          <a:xfrm>
-            <a:off x="198005" y="182321"/>
-            <a:ext cx="1325995" cy="304826"/>
-          </a:xfrm>
-          <a:prstGeom prst="rect">
-            <a:avLst/>
-          </a:prstGeom>
-        </p:spPr>
-      </p:pic>
     </p:spTree>
     <p:extLst>
       <p:ext uri="{BB962C8B-B14F-4D97-AF65-F5344CB8AC3E}">
-        <p14:creationId xmlns:p14="http://schemas.microsoft.com/office/powerpoint/2010/main" val="887704"/>
+        <p14:creationId xmlns:p14="http://schemas.microsoft.com/office/powerpoint/2010/main" val="2204897132"/>
       </p:ext>
     </p:extLst>
   </p:cSld>
@@ -12743,14 +12242,136 @@
   <p:timing>
     <p:tnLst>
       <p:par>
-        <p:cTn id="1" dur="indefinite" restart="never" nodeType="tmRoot"/>
+        <p:cTn id="1" dur="indefinite" restart="never" nodeType="tmRoot">
+          <p:childTnLst>
+            <p:seq concurrent="1" nextAc="seek">
+              <p:cTn id="2" dur="indefinite" nodeType="mainSeq">
+                <p:childTnLst>
+                  <p:par>
+                    <p:cTn id="3" fill="hold">
+                      <p:stCondLst>
+                        <p:cond delay="indefinite"/>
+                      </p:stCondLst>
+                      <p:childTnLst>
+                        <p:par>
+                          <p:cTn id="4" fill="hold">
+                            <p:stCondLst>
+                              <p:cond delay="0"/>
+                            </p:stCondLst>
+                            <p:childTnLst>
+                              <p:par>
+                                <p:cTn id="5" presetID="45" presetClass="entr" presetSubtype="0" fill="hold" nodeType="clickEffect">
+                                  <p:stCondLst>
+                                    <p:cond delay="0"/>
+                                  </p:stCondLst>
+                                  <p:childTnLst>
+                                    <p:set>
+                                      <p:cBhvr>
+                                        <p:cTn id="6" dur="1" fill="hold">
+                                          <p:stCondLst>
+                                            <p:cond delay="0"/>
+                                          </p:stCondLst>
+                                        </p:cTn>
+                                        <p:tgtEl>
+                                          <p:spTgt spid="14"/>
+                                        </p:tgtEl>
+                                        <p:attrNameLst>
+                                          <p:attrName>style.visibility</p:attrName>
+                                        </p:attrNameLst>
+                                      </p:cBhvr>
+                                      <p:to>
+                                        <p:strVal val="visible"/>
+                                      </p:to>
+                                    </p:set>
+                                    <p:animEffect transition="in" filter="fade">
+                                      <p:cBhvr>
+                                        <p:cTn id="7" dur="2000"/>
+                                        <p:tgtEl>
+                                          <p:spTgt spid="14"/>
+                                        </p:tgtEl>
+                                      </p:cBhvr>
+                                    </p:animEffect>
+                                    <p:anim calcmode="lin" valueType="num">
+                                      <p:cBhvr>
+                                        <p:cTn id="8" dur="2000" fill="hold"/>
+                                        <p:tgtEl>
+                                          <p:spTgt spid="14"/>
+                                        </p:tgtEl>
+                                        <p:attrNameLst>
+                                          <p:attrName>ppt_w</p:attrName>
+                                        </p:attrNameLst>
+                                      </p:cBhvr>
+                                      <p:tavLst>
+                                        <p:tav tm="0" fmla="#ppt_w*sin(2.5*pi*$)">
+                                          <p:val>
+                                            <p:fltVal val="0"/>
+                                          </p:val>
+                                        </p:tav>
+                                        <p:tav tm="100000">
+                                          <p:val>
+                                            <p:fltVal val="1"/>
+                                          </p:val>
+                                        </p:tav>
+                                      </p:tavLst>
+                                    </p:anim>
+                                    <p:anim calcmode="lin" valueType="num">
+                                      <p:cBhvr>
+                                        <p:cTn id="9" dur="2000" fill="hold"/>
+                                        <p:tgtEl>
+                                          <p:spTgt spid="14"/>
+                                        </p:tgtEl>
+                                        <p:attrNameLst>
+                                          <p:attrName>ppt_h</p:attrName>
+                                        </p:attrNameLst>
+                                      </p:cBhvr>
+                                      <p:tavLst>
+                                        <p:tav tm="0">
+                                          <p:val>
+                                            <p:strVal val="#ppt_h"/>
+                                          </p:val>
+                                        </p:tav>
+                                        <p:tav tm="100000">
+                                          <p:val>
+                                            <p:strVal val="#ppt_h"/>
+                                          </p:val>
+                                        </p:tav>
+                                      </p:tavLst>
+                                    </p:anim>
+                                  </p:childTnLst>
+                                </p:cTn>
+                              </p:par>
+                            </p:childTnLst>
+                          </p:cTn>
+                        </p:par>
+                      </p:childTnLst>
+                    </p:cTn>
+                  </p:par>
+                </p:childTnLst>
+              </p:cTn>
+              <p:prevCondLst>
+                <p:cond evt="onPrev" delay="0">
+                  <p:tgtEl>
+                    <p:sldTgt/>
+                  </p:tgtEl>
+                </p:cond>
+              </p:prevCondLst>
+              <p:nextCondLst>
+                <p:cond evt="onNext" delay="0">
+                  <p:tgtEl>
+                    <p:sldTgt/>
+                  </p:tgtEl>
+                </p:cond>
+              </p:nextCondLst>
+            </p:seq>
+          </p:childTnLst>
+        </p:cTn>
       </p:par>
     </p:tnLst>
   </p:timing>
 </p:sld>
 </file>
 
-<file path=ppt/slides/slide5.xml><?xml version="1.0" encoding="utf-8"?>
+<file path=ppt/slides/slide4.xml><?xml version="1.0" encoding="utf-8"?>
 <p:sld xmlns:a="http://schemas.openxmlformats.org/drawingml/2006/main" xmlns:r="http://schemas.openxmlformats.org/officeDocument/2006/relationships" xmlns:p="http://schemas.openxmlformats.org/presentationml/2006/main">
   <p:cSld>
     <p:spTree>
@@ -12772,7 +12393,7 @@
           <p:cNvPr id="2" name="Заголовок 1">
             <a:extLst>
               <a:ext uri="{FF2B5EF4-FFF2-40B4-BE49-F238E27FC236}">
-                <a16:creationId xmlns:a16="http://schemas.microsoft.com/office/drawing/2014/main" xmlns="" id="{BBAA2617-F259-403C-B04B-6F4BCA3C46E3}"/>
+                <a16:creationId xmlns:a16="http://schemas.microsoft.com/office/drawing/2014/main" id="{77B42213-02ED-4FE3-9CB9-6CC979841D23}"/>
               </a:ext>
             </a:extLst>
           </p:cNvPr>
@@ -12785,8 +12406,8 @@
         </p:nvSpPr>
         <p:spPr>
           <a:xfrm>
-            <a:off x="5965372" y="365126"/>
-            <a:ext cx="4974771" cy="836658"/>
+            <a:off x="6055180" y="334734"/>
+            <a:ext cx="4476131" cy="906327"/>
           </a:xfrm>
         </p:spPr>
         <p:txBody>
@@ -12797,14 +12418,24 @@
           <a:p>
             <a:pPr algn="r"/>
             <a:r>
-              <a:rPr lang="ru-RU" sz="3600" b="1" dirty="0" smtClean="0">
+              <a:rPr lang="ru-RU" sz="3600" b="1" dirty="0">
                 <a:solidFill>
                   <a:srgbClr val="006699"/>
                 </a:solidFill>
                 <a:latin typeface="Arial" panose="020B0604020202020204" pitchFamily="34" charset="0"/>
                 <a:cs typeface="Arial" panose="020B0604020202020204" pitchFamily="34" charset="0"/>
               </a:rPr>
-              <a:t>ЗУП</a:t>
+              <a:t>УТП </a:t>
+            </a:r>
+            <a:r>
+              <a:rPr lang="ru-RU" sz="3600" b="1" dirty="0" err="1">
+                <a:solidFill>
+                  <a:srgbClr val="006699"/>
+                </a:solidFill>
+                <a:latin typeface="Arial" panose="020B0604020202020204" pitchFamily="34" charset="0"/>
+                <a:cs typeface="Arial" panose="020B0604020202020204" pitchFamily="34" charset="0"/>
+              </a:rPr>
+              <a:t>Инталев</a:t>
             </a:r>
             <a:endParaRPr lang="ru-RU" sz="3600" b="1" dirty="0">
               <a:solidFill>
@@ -12821,7 +12452,7 @@
           <p:cNvPr id="6" name="Объект 5">
             <a:extLst>
               <a:ext uri="{FF2B5EF4-FFF2-40B4-BE49-F238E27FC236}">
-                <a16:creationId xmlns:a16="http://schemas.microsoft.com/office/drawing/2014/main" xmlns="" id="{2FDFD128-AAF8-46CE-9000-2247FD7D21D1}"/>
+                <a16:creationId xmlns:a16="http://schemas.microsoft.com/office/drawing/2014/main" id="{3BDFBFA1-ACD3-4A5B-BBCE-489E3C8A0727}"/>
               </a:ext>
             </a:extLst>
           </p:cNvPr>
@@ -12846,17 +12477,89 @@
         </p:blipFill>
         <p:spPr>
           <a:xfrm>
-            <a:off x="1228897" y="1208314"/>
-            <a:ext cx="9714894" cy="5120924"/>
+            <a:off x="1832840" y="1271452"/>
+            <a:ext cx="8698471" cy="5057593"/>
           </a:xfrm>
+        </p:spPr>
+      </p:pic>
+      <p:pic>
+        <p:nvPicPr>
+          <p:cNvPr id="14" name="Рисунок 13">
+            <a:extLst>
+              <a:ext uri="{FF2B5EF4-FFF2-40B4-BE49-F238E27FC236}">
+                <a16:creationId xmlns:a16="http://schemas.microsoft.com/office/drawing/2014/main" id="{530D0003-9922-4C01-9505-2A3D289905F5}"/>
+              </a:ext>
+            </a:extLst>
+          </p:cNvPr>
+          <p:cNvPicPr>
+            <a:picLocks noChangeAspect="1"/>
+          </p:cNvPicPr>
+          <p:nvPr/>
+        </p:nvPicPr>
+        <p:blipFill>
+          <a:blip r:embed="rId3">
+            <a:extLst>
+              <a:ext uri="{28A0092B-C50C-407E-A947-70E740481C1C}">
+                <a14:useLocalDpi xmlns:a14="http://schemas.microsoft.com/office/drawing/2010/main" val="0"/>
+              </a:ext>
+            </a:extLst>
+          </a:blip>
+          <a:stretch>
+            <a:fillRect/>
+          </a:stretch>
+        </p:blipFill>
+        <p:spPr>
+          <a:xfrm>
+            <a:off x="11303935" y="278699"/>
+            <a:ext cx="544664" cy="544664"/>
+          </a:xfrm>
+          <a:prstGeom prst="rect">
+            <a:avLst/>
+          </a:prstGeom>
+        </p:spPr>
+      </p:pic>
+      <p:pic>
+        <p:nvPicPr>
+          <p:cNvPr id="15" name="Рисунок 14">
+            <a:extLst>
+              <a:ext uri="{FF2B5EF4-FFF2-40B4-BE49-F238E27FC236}">
+                <a16:creationId xmlns:a16="http://schemas.microsoft.com/office/drawing/2014/main" id="{F963C05E-2821-4AAF-883E-07D203367530}"/>
+              </a:ext>
+            </a:extLst>
+          </p:cNvPr>
+          <p:cNvPicPr>
+            <a:picLocks noChangeAspect="1"/>
+          </p:cNvPicPr>
+          <p:nvPr/>
+        </p:nvPicPr>
+        <p:blipFill>
+          <a:blip r:embed="rId4">
+            <a:extLst>
+              <a:ext uri="{28A0092B-C50C-407E-A947-70E740481C1C}">
+                <a14:useLocalDpi xmlns:a14="http://schemas.microsoft.com/office/drawing/2010/main" val="0"/>
+              </a:ext>
+            </a:extLst>
+          </a:blip>
+          <a:stretch>
+            <a:fillRect/>
+          </a:stretch>
+        </p:blipFill>
+        <p:spPr>
+          <a:xfrm>
+            <a:off x="346051" y="278699"/>
+            <a:ext cx="1325995" cy="304826"/>
+          </a:xfrm>
+          <a:prstGeom prst="rect">
+            <a:avLst/>
+          </a:prstGeom>
         </p:spPr>
       </p:pic>
       <p:graphicFrame>
         <p:nvGraphicFramePr>
-          <p:cNvPr id="9" name="Таблица 8">
+          <p:cNvPr id="16" name="Таблица 15">
             <a:extLst>
               <a:ext uri="{FF2B5EF4-FFF2-40B4-BE49-F238E27FC236}">
-                <a16:creationId xmlns:a16="http://schemas.microsoft.com/office/drawing/2014/main" xmlns="" id="{12C212E2-2D8B-4597-823F-1CE150CA1692}"/>
+                <a16:creationId xmlns:a16="http://schemas.microsoft.com/office/drawing/2014/main" id="{00A5A303-3281-42B8-ABB3-91CB7EC79271}"/>
               </a:ext>
             </a:extLst>
           </p:cNvPr>
@@ -12866,14 +12569,14 @@
           <p:nvPr>
             <p:extLst>
               <p:ext uri="{D42A27DB-BD31-4B8C-83A1-F6EECF244321}">
-                <p14:modId xmlns:p14="http://schemas.microsoft.com/office/powerpoint/2010/main" val="4002117895"/>
+                <p14:modId xmlns:p14="http://schemas.microsoft.com/office/powerpoint/2010/main" val="346322459"/>
               </p:ext>
             </p:extLst>
           </p:nvPr>
         </p:nvGraphicFramePr>
         <p:xfrm>
-          <a:off x="653332" y="6329045"/>
-          <a:ext cx="10430786" cy="527495"/>
+          <a:off x="0" y="6329045"/>
+          <a:ext cx="12192000" cy="528955"/>
         </p:xfrm>
         <a:graphic>
           <a:graphicData uri="http://schemas.openxmlformats.org/drawingml/2006/table">
@@ -12882,10 +12585,10 @@
                 <a:tableStyleId>{5C22544A-7EE6-4342-B048-85BDC9FD1C3A}</a:tableStyleId>
               </a:tblPr>
               <a:tblGrid>
-                <a:gridCol w="10430786">
+                <a:gridCol w="12192000">
                   <a:extLst>
                     <a:ext uri="{9D8B030D-6E8A-4147-A177-3AD203B41FA5}">
-                      <a16:colId xmlns:a16="http://schemas.microsoft.com/office/drawing/2014/main" xmlns="" val="3945925805"/>
+                      <a16:colId xmlns:a16="http://schemas.microsoft.com/office/drawing/2014/main" val="3945925805"/>
                     </a:ext>
                   </a:extLst>
                 </a:gridCol>
@@ -12896,7 +12599,7 @@
                     <a:bodyPr/>
                     <a:lstStyle/>
                     <a:p>
-                      <a:pPr lvl="1" algn="ctr">
+                      <a:pPr lvl="0" algn="ctr">
                         <a:lnSpc>
                           <a:spcPct val="250000"/>
                         </a:lnSpc>
@@ -12923,7 +12626,13 @@
                           <a:effectLst/>
                           <a:latin typeface="Arial" panose="020B0604020202020204" pitchFamily="34" charset="0"/>
                           <a:cs typeface="Arial" panose="020B0604020202020204" pitchFamily="34" charset="0"/>
-                          <a:hlinkClick r:id="rId3"/>
+                          <a:hlinkClick r:id="rId5">
+                            <a:extLst>
+                              <a:ext uri="{A12FA001-AC4F-418D-AE19-62706E023703}">
+                                <ahyp:hlinkClr xmlns:ahyp="http://schemas.microsoft.com/office/drawing/2018/hyperlinkcolor" val="tx"/>
+                              </a:ext>
+                            </a:extLst>
+                          </a:hlinkClick>
                         </a:rPr>
                         <a:t>+</a:t>
                       </a:r>
@@ -12936,10 +12645,10 @@
                           <a:latin typeface="Arial" panose="020B0604020202020204" pitchFamily="34" charset="0"/>
                           <a:ea typeface="+mn-ea"/>
                           <a:cs typeface="Arial" panose="020B0604020202020204" pitchFamily="34" charset="0"/>
-                          <a:hlinkClick r:id="rId3">
+                          <a:hlinkClick r:id="rId5">
                             <a:extLst>
                               <a:ext uri="{A12FA001-AC4F-418D-AE19-62706E023703}">
-                                <ahyp:hlinkClr xmlns:ahyp="http://schemas.microsoft.com/office/drawing/2018/hyperlinkcolor" xmlns="" val="tx"/>
+                                <ahyp:hlinkClr xmlns:ahyp="http://schemas.microsoft.com/office/drawing/2018/hyperlinkcolor" val="tx"/>
                               </a:ext>
                             </a:extLst>
                           </a:hlinkClick>
@@ -12967,10 +12676,10 @@
                           <a:latin typeface="Arial" panose="020B0604020202020204" pitchFamily="34" charset="0"/>
                           <a:ea typeface="+mn-ea"/>
                           <a:cs typeface="Arial" panose="020B0604020202020204" pitchFamily="34" charset="0"/>
-                          <a:hlinkClick r:id="rId4">
+                          <a:hlinkClick r:id="rId6">
                             <a:extLst>
                               <a:ext uri="{A12FA001-AC4F-418D-AE19-62706E023703}">
-                                <ahyp:hlinkClr xmlns:ahyp="http://schemas.microsoft.com/office/drawing/2018/hyperlinkcolor" xmlns="" val="tx"/>
+                                <ahyp:hlinkClr xmlns:ahyp="http://schemas.microsoft.com/office/drawing/2018/hyperlinkcolor" val="tx"/>
                               </a:ext>
                             </a:extLst>
                           </a:hlinkClick>
@@ -12986,10 +12695,10 @@
                           <a:latin typeface="Arial" panose="020B0604020202020204" pitchFamily="34" charset="0"/>
                           <a:ea typeface="+mn-ea"/>
                           <a:cs typeface="Arial" panose="020B0604020202020204" pitchFamily="34" charset="0"/>
-                          <a:hlinkClick r:id="rId4">
+                          <a:hlinkClick r:id="rId6">
                             <a:extLst>
                               <a:ext uri="{A12FA001-AC4F-418D-AE19-62706E023703}">
-                                <ahyp:hlinkClr xmlns:ahyp="http://schemas.microsoft.com/office/drawing/2018/hyperlinkcolor" xmlns="" val="tx"/>
+                                <ahyp:hlinkClr xmlns:ahyp="http://schemas.microsoft.com/office/drawing/2018/hyperlinkcolor" val="tx"/>
                               </a:ext>
                             </a:extLst>
                           </a:hlinkClick>
@@ -13005,10 +12714,10 @@
                           <a:latin typeface="Arial" panose="020B0604020202020204" pitchFamily="34" charset="0"/>
                           <a:ea typeface="+mn-ea"/>
                           <a:cs typeface="Arial" panose="020B0604020202020204" pitchFamily="34" charset="0"/>
-                          <a:hlinkClick r:id="rId4">
+                          <a:hlinkClick r:id="rId6">
                             <a:extLst>
                               <a:ext uri="{A12FA001-AC4F-418D-AE19-62706E023703}">
-                                <ahyp:hlinkClr xmlns:ahyp="http://schemas.microsoft.com/office/drawing/2018/hyperlinkcolor" xmlns="" val="tx"/>
+                                <ahyp:hlinkClr xmlns:ahyp="http://schemas.microsoft.com/office/drawing/2018/hyperlinkcolor" val="tx"/>
                               </a:ext>
                             </a:extLst>
                           </a:hlinkClick>
@@ -13072,10 +12781,10 @@
                           <a:latin typeface="Arial" panose="020B0604020202020204" pitchFamily="34" charset="0"/>
                           <a:ea typeface="+mn-ea"/>
                           <a:cs typeface="Arial" panose="020B0604020202020204" pitchFamily="34" charset="0"/>
-                          <a:hlinkClick r:id="rId5">
+                          <a:hlinkClick r:id="rId7">
                             <a:extLst>
                               <a:ext uri="{A12FA001-AC4F-418D-AE19-62706E023703}">
-                                <ahyp:hlinkClr xmlns:ahyp="http://schemas.microsoft.com/office/drawing/2018/hyperlinkcolor" xmlns="" val="tx"/>
+                                <ahyp:hlinkClr xmlns:ahyp="http://schemas.microsoft.com/office/drawing/2018/hyperlinkcolor" val="tx"/>
                               </a:ext>
                             </a:extLst>
                           </a:hlinkClick>
@@ -13091,10 +12800,10 @@
                           <a:latin typeface="Arial" panose="020B0604020202020204" pitchFamily="34" charset="0"/>
                           <a:ea typeface="+mn-ea"/>
                           <a:cs typeface="Arial" panose="020B0604020202020204" pitchFamily="34" charset="0"/>
-                          <a:hlinkClick r:id="rId5">
+                          <a:hlinkClick r:id="rId7">
                             <a:extLst>
                               <a:ext uri="{A12FA001-AC4F-418D-AE19-62706E023703}">
-                                <ahyp:hlinkClr xmlns:ahyp="http://schemas.microsoft.com/office/drawing/2018/hyperlinkcolor" xmlns="" val="tx"/>
+                                <ahyp:hlinkClr xmlns:ahyp="http://schemas.microsoft.com/office/drawing/2018/hyperlinkcolor" val="tx"/>
                               </a:ext>
                             </a:extLst>
                           </a:hlinkClick>
@@ -13110,10 +12819,10 @@
                           <a:latin typeface="Arial" panose="020B0604020202020204" pitchFamily="34" charset="0"/>
                           <a:ea typeface="+mn-ea"/>
                           <a:cs typeface="Arial" panose="020B0604020202020204" pitchFamily="34" charset="0"/>
-                          <a:hlinkClick r:id="rId5">
+                          <a:hlinkClick r:id="rId7">
                             <a:extLst>
                               <a:ext uri="{A12FA001-AC4F-418D-AE19-62706E023703}">
-                                <ahyp:hlinkClr xmlns:ahyp="http://schemas.microsoft.com/office/drawing/2018/hyperlinkcolor" xmlns="" val="tx"/>
+                                <ahyp:hlinkClr xmlns:ahyp="http://schemas.microsoft.com/office/drawing/2018/hyperlinkcolor" val="tx"/>
                               </a:ext>
                             </a:extLst>
                           </a:hlinkClick>
@@ -13129,10 +12838,10 @@
                           <a:latin typeface="Arial" panose="020B0604020202020204" pitchFamily="34" charset="0"/>
                           <a:ea typeface="+mn-ea"/>
                           <a:cs typeface="Arial" panose="020B0604020202020204" pitchFamily="34" charset="0"/>
-                          <a:hlinkClick r:id="rId5">
+                          <a:hlinkClick r:id="rId7">
                             <a:extLst>
                               <a:ext uri="{A12FA001-AC4F-418D-AE19-62706E023703}">
-                                <ahyp:hlinkClr xmlns:ahyp="http://schemas.microsoft.com/office/drawing/2018/hyperlinkcolor" xmlns="" val="tx"/>
+                                <ahyp:hlinkClr xmlns:ahyp="http://schemas.microsoft.com/office/drawing/2018/hyperlinkcolor" val="tx"/>
                               </a:ext>
                             </a:extLst>
                           </a:hlinkClick>
@@ -13148,10 +12857,10 @@
                           <a:latin typeface="Arial" panose="020B0604020202020204" pitchFamily="34" charset="0"/>
                           <a:ea typeface="+mn-ea"/>
                           <a:cs typeface="Arial" panose="020B0604020202020204" pitchFamily="34" charset="0"/>
-                          <a:hlinkClick r:id="rId5">
+                          <a:hlinkClick r:id="rId7">
                             <a:extLst>
                               <a:ext uri="{A12FA001-AC4F-418D-AE19-62706E023703}">
-                                <ahyp:hlinkClr xmlns:ahyp="http://schemas.microsoft.com/office/drawing/2018/hyperlinkcolor" xmlns="" val="tx"/>
+                                <ahyp:hlinkClr xmlns:ahyp="http://schemas.microsoft.com/office/drawing/2018/hyperlinkcolor" val="tx"/>
                               </a:ext>
                             </a:extLst>
                           </a:hlinkClick>
@@ -13175,7 +12884,7 @@
                 </a:tc>
                 <a:extLst>
                   <a:ext uri="{0D108BD9-81ED-4DB2-BD59-A6C34878D82A}">
-                    <a16:rowId xmlns:a16="http://schemas.microsoft.com/office/drawing/2014/main" xmlns="" val="2829935568"/>
+                    <a16:rowId xmlns:a16="http://schemas.microsoft.com/office/drawing/2014/main" val="2829935568"/>
                   </a:ext>
                 </a:extLst>
               </a:tr>
@@ -13185,10 +12894,10 @@
       </p:graphicFrame>
       <p:pic>
         <p:nvPicPr>
-          <p:cNvPr id="10" name="Рисунок 1" descr="skype-logo-png-5a3a1a4934c5d5">
+          <p:cNvPr id="17" name="Рисунок 1" descr="skype-logo-png-5a3a1a4934c5d5">
             <a:extLst>
               <a:ext uri="{FF2B5EF4-FFF2-40B4-BE49-F238E27FC236}">
-                <a16:creationId xmlns:a16="http://schemas.microsoft.com/office/drawing/2014/main" xmlns="" id="{60E7345C-3301-49A7-9380-A534C518A3C6}"/>
+                <a16:creationId xmlns:a16="http://schemas.microsoft.com/office/drawing/2014/main" id="{50A1157E-1982-4B73-87A9-EA73E0FF7A17}"/>
               </a:ext>
             </a:extLst>
           </p:cNvPr>
@@ -13198,7 +12907,7 @@
           <p:nvPr/>
         </p:nvPicPr>
         <p:blipFill>
-          <a:blip r:embed="rId6">
+          <a:blip r:embed="rId8">
             <a:extLst>
               <a:ext uri="{28A0092B-C50C-407E-A947-70E740481C1C}">
                 <a14:useLocalDpi xmlns:a14="http://schemas.microsoft.com/office/drawing/2010/main" val="0"/>
@@ -13212,7 +12921,7 @@
         </p:blipFill>
         <p:spPr bwMode="auto">
           <a:xfrm>
-            <a:off x="6767950" y="6509219"/>
+            <a:off x="6785355" y="6509219"/>
             <a:ext cx="294735" cy="189158"/>
           </a:xfrm>
           <a:prstGeom prst="rect">
@@ -13230,76 +12939,10 @@
           </a:extLst>
         </p:spPr>
       </p:pic>
-      <p:pic>
-        <p:nvPicPr>
-          <p:cNvPr id="11" name="Рисунок 10">
-            <a:extLst>
-              <a:ext uri="{FF2B5EF4-FFF2-40B4-BE49-F238E27FC236}">
-                <a16:creationId xmlns:a16="http://schemas.microsoft.com/office/drawing/2014/main" xmlns="" id="{940BA828-920D-4806-A595-8A48D7D9788F}"/>
-              </a:ext>
-            </a:extLst>
-          </p:cNvPr>
-          <p:cNvPicPr>
-            <a:picLocks noChangeAspect="1"/>
-          </p:cNvPicPr>
-          <p:nvPr/>
-        </p:nvPicPr>
-        <p:blipFill>
-          <a:blip r:embed="rId7">
-            <a:extLst>
-              <a:ext uri="{28A0092B-C50C-407E-A947-70E740481C1C}">
-                <a14:useLocalDpi xmlns:a14="http://schemas.microsoft.com/office/drawing/2010/main" val="0"/>
-              </a:ext>
-            </a:extLst>
-          </a:blip>
-          <a:stretch>
-            <a:fillRect/>
-          </a:stretch>
-        </p:blipFill>
-        <p:spPr>
-          <a:xfrm>
-            <a:off x="653332" y="6329238"/>
-            <a:ext cx="544664" cy="544664"/>
-          </a:xfrm>
-          <a:prstGeom prst="rect">
-            <a:avLst/>
-          </a:prstGeom>
-        </p:spPr>
-      </p:pic>
-      <p:pic>
-        <p:nvPicPr>
-          <p:cNvPr id="8" name="Рисунок 7"/>
-          <p:cNvPicPr>
-            <a:picLocks noChangeAspect="1"/>
-          </p:cNvPicPr>
-          <p:nvPr/>
-        </p:nvPicPr>
-        <p:blipFill>
-          <a:blip r:embed="rId8">
-            <a:extLst>
-              <a:ext uri="{28A0092B-C50C-407E-A947-70E740481C1C}">
-                <a14:useLocalDpi xmlns:a14="http://schemas.microsoft.com/office/drawing/2010/main" val="0"/>
-              </a:ext>
-            </a:extLst>
-          </a:blip>
-          <a:stretch>
-            <a:fillRect/>
-          </a:stretch>
-        </p:blipFill>
-        <p:spPr>
-          <a:xfrm>
-            <a:off x="198005" y="182321"/>
-            <a:ext cx="1325995" cy="304826"/>
-          </a:xfrm>
-          <a:prstGeom prst="rect">
-            <a:avLst/>
-          </a:prstGeom>
-        </p:spPr>
-      </p:pic>
     </p:spTree>
     <p:extLst>
       <p:ext uri="{BB962C8B-B14F-4D97-AF65-F5344CB8AC3E}">
-        <p14:creationId xmlns:p14="http://schemas.microsoft.com/office/powerpoint/2010/main" val="2140583126"/>
+        <p14:creationId xmlns:p14="http://schemas.microsoft.com/office/powerpoint/2010/main" val="887704"/>
       </p:ext>
     </p:extLst>
   </p:cSld>
@@ -13309,14 +12952,136 @@
   <p:timing>
     <p:tnLst>
       <p:par>
-        <p:cTn id="1" dur="indefinite" restart="never" nodeType="tmRoot"/>
+        <p:cTn id="1" dur="indefinite" restart="never" nodeType="tmRoot">
+          <p:childTnLst>
+            <p:seq concurrent="1" nextAc="seek">
+              <p:cTn id="2" dur="indefinite" nodeType="mainSeq">
+                <p:childTnLst>
+                  <p:par>
+                    <p:cTn id="3" fill="hold">
+                      <p:stCondLst>
+                        <p:cond delay="indefinite"/>
+                      </p:stCondLst>
+                      <p:childTnLst>
+                        <p:par>
+                          <p:cTn id="4" fill="hold">
+                            <p:stCondLst>
+                              <p:cond delay="0"/>
+                            </p:stCondLst>
+                            <p:childTnLst>
+                              <p:par>
+                                <p:cTn id="5" presetID="45" presetClass="entr" presetSubtype="0" fill="hold" nodeType="clickEffect">
+                                  <p:stCondLst>
+                                    <p:cond delay="0"/>
+                                  </p:stCondLst>
+                                  <p:childTnLst>
+                                    <p:set>
+                                      <p:cBhvr>
+                                        <p:cTn id="6" dur="1" fill="hold">
+                                          <p:stCondLst>
+                                            <p:cond delay="0"/>
+                                          </p:stCondLst>
+                                        </p:cTn>
+                                        <p:tgtEl>
+                                          <p:spTgt spid="14"/>
+                                        </p:tgtEl>
+                                        <p:attrNameLst>
+                                          <p:attrName>style.visibility</p:attrName>
+                                        </p:attrNameLst>
+                                      </p:cBhvr>
+                                      <p:to>
+                                        <p:strVal val="visible"/>
+                                      </p:to>
+                                    </p:set>
+                                    <p:animEffect transition="in" filter="fade">
+                                      <p:cBhvr>
+                                        <p:cTn id="7" dur="2000"/>
+                                        <p:tgtEl>
+                                          <p:spTgt spid="14"/>
+                                        </p:tgtEl>
+                                      </p:cBhvr>
+                                    </p:animEffect>
+                                    <p:anim calcmode="lin" valueType="num">
+                                      <p:cBhvr>
+                                        <p:cTn id="8" dur="2000" fill="hold"/>
+                                        <p:tgtEl>
+                                          <p:spTgt spid="14"/>
+                                        </p:tgtEl>
+                                        <p:attrNameLst>
+                                          <p:attrName>ppt_w</p:attrName>
+                                        </p:attrNameLst>
+                                      </p:cBhvr>
+                                      <p:tavLst>
+                                        <p:tav tm="0" fmla="#ppt_w*sin(2.5*pi*$)">
+                                          <p:val>
+                                            <p:fltVal val="0"/>
+                                          </p:val>
+                                        </p:tav>
+                                        <p:tav tm="100000">
+                                          <p:val>
+                                            <p:fltVal val="1"/>
+                                          </p:val>
+                                        </p:tav>
+                                      </p:tavLst>
+                                    </p:anim>
+                                    <p:anim calcmode="lin" valueType="num">
+                                      <p:cBhvr>
+                                        <p:cTn id="9" dur="2000" fill="hold"/>
+                                        <p:tgtEl>
+                                          <p:spTgt spid="14"/>
+                                        </p:tgtEl>
+                                        <p:attrNameLst>
+                                          <p:attrName>ppt_h</p:attrName>
+                                        </p:attrNameLst>
+                                      </p:cBhvr>
+                                      <p:tavLst>
+                                        <p:tav tm="0">
+                                          <p:val>
+                                            <p:strVal val="#ppt_h"/>
+                                          </p:val>
+                                        </p:tav>
+                                        <p:tav tm="100000">
+                                          <p:val>
+                                            <p:strVal val="#ppt_h"/>
+                                          </p:val>
+                                        </p:tav>
+                                      </p:tavLst>
+                                    </p:anim>
+                                  </p:childTnLst>
+                                </p:cTn>
+                              </p:par>
+                            </p:childTnLst>
+                          </p:cTn>
+                        </p:par>
+                      </p:childTnLst>
+                    </p:cTn>
+                  </p:par>
+                </p:childTnLst>
+              </p:cTn>
+              <p:prevCondLst>
+                <p:cond evt="onPrev" delay="0">
+                  <p:tgtEl>
+                    <p:sldTgt/>
+                  </p:tgtEl>
+                </p:cond>
+              </p:prevCondLst>
+              <p:nextCondLst>
+                <p:cond evt="onNext" delay="0">
+                  <p:tgtEl>
+                    <p:sldTgt/>
+                  </p:tgtEl>
+                </p:cond>
+              </p:nextCondLst>
+            </p:seq>
+          </p:childTnLst>
+        </p:cTn>
       </p:par>
     </p:tnLst>
   </p:timing>
 </p:sld>
 </file>
 
-<file path=ppt/slides/slide6.xml><?xml version="1.0" encoding="utf-8"?>
+<file path=ppt/slides/slide5.xml><?xml version="1.0" encoding="utf-8"?>
 <p:sld xmlns:a="http://schemas.openxmlformats.org/drawingml/2006/main" xmlns:r="http://schemas.openxmlformats.org/officeDocument/2006/relationships" xmlns:p="http://schemas.openxmlformats.org/presentationml/2006/main">
   <p:cSld>
     <p:spTree>
@@ -13338,7 +13103,7 @@
           <p:cNvPr id="2" name="Заголовок 1">
             <a:extLst>
               <a:ext uri="{FF2B5EF4-FFF2-40B4-BE49-F238E27FC236}">
-                <a16:creationId xmlns:a16="http://schemas.microsoft.com/office/drawing/2014/main" xmlns="" id="{9922753F-A617-4523-A312-3A0684FD30A7}"/>
+                <a16:creationId xmlns:a16="http://schemas.microsoft.com/office/drawing/2014/main" id="{BBAA2617-F259-403C-B04B-6F4BCA3C46E3}"/>
               </a:ext>
             </a:extLst>
           </p:cNvPr>
@@ -13351,8 +13116,8 @@
         </p:nvSpPr>
         <p:spPr>
           <a:xfrm>
-            <a:off x="5965373" y="365126"/>
-            <a:ext cx="4729842" cy="859376"/>
+            <a:off x="5965372" y="365126"/>
+            <a:ext cx="4974771" cy="836658"/>
           </a:xfrm>
         </p:spPr>
         <p:txBody>
@@ -13363,31 +13128,24 @@
           <a:p>
             <a:pPr algn="r"/>
             <a:r>
-              <a:rPr lang="ru-RU" sz="3600" b="1" dirty="0" smtClean="0">
+              <a:rPr lang="ru-RU" sz="3600" b="1" dirty="0">
                 <a:solidFill>
                   <a:srgbClr val="006699"/>
                 </a:solidFill>
                 <a:latin typeface="Arial" panose="020B0604020202020204" pitchFamily="34" charset="0"/>
                 <a:cs typeface="Arial" panose="020B0604020202020204" pitchFamily="34" charset="0"/>
               </a:rPr>
-              <a:t>Бухгалтерия</a:t>
+              <a:t>ЗУП</a:t>
             </a:r>
-            <a:endParaRPr lang="ru-RU" sz="3600" b="1" dirty="0">
-              <a:solidFill>
-                <a:srgbClr val="006699"/>
-              </a:solidFill>
-              <a:latin typeface="Arial" panose="020B0604020202020204" pitchFamily="34" charset="0"/>
-              <a:cs typeface="Arial" panose="020B0604020202020204" pitchFamily="34" charset="0"/>
-            </a:endParaRPr>
           </a:p>
         </p:txBody>
       </p:sp>
       <p:pic>
         <p:nvPicPr>
-          <p:cNvPr id="5" name="Объект 4">
+          <p:cNvPr id="6" name="Объект 5">
             <a:extLst>
               <a:ext uri="{FF2B5EF4-FFF2-40B4-BE49-F238E27FC236}">
-                <a16:creationId xmlns:a16="http://schemas.microsoft.com/office/drawing/2014/main" xmlns="" id="{C17AAB30-90EC-4972-A3ED-751970E02A5F}"/>
+                <a16:creationId xmlns:a16="http://schemas.microsoft.com/office/drawing/2014/main" id="{2FDFD128-AAF8-46CE-9000-2247FD7D21D1}"/>
               </a:ext>
             </a:extLst>
           </p:cNvPr>
@@ -13412,17 +13170,89 @@
         </p:blipFill>
         <p:spPr>
           <a:xfrm>
-            <a:off x="1379415" y="1224501"/>
-            <a:ext cx="9323618" cy="5125095"/>
+            <a:off x="1228897" y="1208314"/>
+            <a:ext cx="9714894" cy="5120924"/>
           </a:xfrm>
+        </p:spPr>
+      </p:pic>
+      <p:pic>
+        <p:nvPicPr>
+          <p:cNvPr id="14" name="Рисунок 13">
+            <a:extLst>
+              <a:ext uri="{FF2B5EF4-FFF2-40B4-BE49-F238E27FC236}">
+                <a16:creationId xmlns:a16="http://schemas.microsoft.com/office/drawing/2014/main" id="{411AF43B-D230-4F43-9B7A-3BDEEE4FE467}"/>
+              </a:ext>
+            </a:extLst>
+          </p:cNvPr>
+          <p:cNvPicPr>
+            <a:picLocks noChangeAspect="1"/>
+          </p:cNvPicPr>
+          <p:nvPr/>
+        </p:nvPicPr>
+        <p:blipFill>
+          <a:blip r:embed="rId3">
+            <a:extLst>
+              <a:ext uri="{28A0092B-C50C-407E-A947-70E740481C1C}">
+                <a14:useLocalDpi xmlns:a14="http://schemas.microsoft.com/office/drawing/2010/main" val="0"/>
+              </a:ext>
+            </a:extLst>
+          </a:blip>
+          <a:stretch>
+            <a:fillRect/>
+          </a:stretch>
+        </p:blipFill>
+        <p:spPr>
+          <a:xfrm>
+            <a:off x="11303935" y="278699"/>
+            <a:ext cx="544664" cy="544664"/>
+          </a:xfrm>
+          <a:prstGeom prst="rect">
+            <a:avLst/>
+          </a:prstGeom>
+        </p:spPr>
+      </p:pic>
+      <p:pic>
+        <p:nvPicPr>
+          <p:cNvPr id="15" name="Рисунок 14">
+            <a:extLst>
+              <a:ext uri="{FF2B5EF4-FFF2-40B4-BE49-F238E27FC236}">
+                <a16:creationId xmlns:a16="http://schemas.microsoft.com/office/drawing/2014/main" id="{209DC30E-B6F5-43AF-A29E-2F75DFEBEED6}"/>
+              </a:ext>
+            </a:extLst>
+          </p:cNvPr>
+          <p:cNvPicPr>
+            <a:picLocks noChangeAspect="1"/>
+          </p:cNvPicPr>
+          <p:nvPr/>
+        </p:nvPicPr>
+        <p:blipFill>
+          <a:blip r:embed="rId4">
+            <a:extLst>
+              <a:ext uri="{28A0092B-C50C-407E-A947-70E740481C1C}">
+                <a14:useLocalDpi xmlns:a14="http://schemas.microsoft.com/office/drawing/2010/main" val="0"/>
+              </a:ext>
+            </a:extLst>
+          </a:blip>
+          <a:stretch>
+            <a:fillRect/>
+          </a:stretch>
+        </p:blipFill>
+        <p:spPr>
+          <a:xfrm>
+            <a:off x="346051" y="278699"/>
+            <a:ext cx="1325995" cy="304826"/>
+          </a:xfrm>
+          <a:prstGeom prst="rect">
+            <a:avLst/>
+          </a:prstGeom>
         </p:spPr>
       </p:pic>
       <p:graphicFrame>
         <p:nvGraphicFramePr>
-          <p:cNvPr id="10" name="Таблица 9">
+          <p:cNvPr id="16" name="Таблица 15">
             <a:extLst>
               <a:ext uri="{FF2B5EF4-FFF2-40B4-BE49-F238E27FC236}">
-                <a16:creationId xmlns:a16="http://schemas.microsoft.com/office/drawing/2014/main" xmlns="" id="{6B388491-66EF-44BD-8ABA-FCA34A468040}"/>
+                <a16:creationId xmlns:a16="http://schemas.microsoft.com/office/drawing/2014/main" id="{43ED6826-082B-45B0-9D8C-BA7C1859D484}"/>
               </a:ext>
             </a:extLst>
           </p:cNvPr>
@@ -13432,14 +13262,14 @@
           <p:nvPr>
             <p:extLst>
               <p:ext uri="{D42A27DB-BD31-4B8C-83A1-F6EECF244321}">
-                <p14:modId xmlns:p14="http://schemas.microsoft.com/office/powerpoint/2010/main" val="483806348"/>
+                <p14:modId xmlns:p14="http://schemas.microsoft.com/office/powerpoint/2010/main" val="346322459"/>
               </p:ext>
             </p:extLst>
           </p:nvPr>
         </p:nvGraphicFramePr>
         <p:xfrm>
-          <a:off x="653332" y="6329045"/>
-          <a:ext cx="10430786" cy="527495"/>
+          <a:off x="0" y="6329045"/>
+          <a:ext cx="12192000" cy="528955"/>
         </p:xfrm>
         <a:graphic>
           <a:graphicData uri="http://schemas.openxmlformats.org/drawingml/2006/table">
@@ -13448,10 +13278,10 @@
                 <a:tableStyleId>{5C22544A-7EE6-4342-B048-85BDC9FD1C3A}</a:tableStyleId>
               </a:tblPr>
               <a:tblGrid>
-                <a:gridCol w="10430786">
+                <a:gridCol w="12192000">
                   <a:extLst>
                     <a:ext uri="{9D8B030D-6E8A-4147-A177-3AD203B41FA5}">
-                      <a16:colId xmlns:a16="http://schemas.microsoft.com/office/drawing/2014/main" xmlns="" val="3945925805"/>
+                      <a16:colId xmlns:a16="http://schemas.microsoft.com/office/drawing/2014/main" val="3945925805"/>
                     </a:ext>
                   </a:extLst>
                 </a:gridCol>
@@ -13462,7 +13292,7 @@
                     <a:bodyPr/>
                     <a:lstStyle/>
                     <a:p>
-                      <a:pPr lvl="1" algn="ctr">
+                      <a:pPr lvl="0" algn="ctr">
                         <a:lnSpc>
                           <a:spcPct val="250000"/>
                         </a:lnSpc>
@@ -13489,7 +13319,13 @@
                           <a:effectLst/>
                           <a:latin typeface="Arial" panose="020B0604020202020204" pitchFamily="34" charset="0"/>
                           <a:cs typeface="Arial" panose="020B0604020202020204" pitchFamily="34" charset="0"/>
-                          <a:hlinkClick r:id="rId3"/>
+                          <a:hlinkClick r:id="rId5">
+                            <a:extLst>
+                              <a:ext uri="{A12FA001-AC4F-418D-AE19-62706E023703}">
+                                <ahyp:hlinkClr xmlns:ahyp="http://schemas.microsoft.com/office/drawing/2018/hyperlinkcolor" val="tx"/>
+                              </a:ext>
+                            </a:extLst>
+                          </a:hlinkClick>
                         </a:rPr>
                         <a:t>+</a:t>
                       </a:r>
@@ -13502,10 +13338,10 @@
                           <a:latin typeface="Arial" panose="020B0604020202020204" pitchFamily="34" charset="0"/>
                           <a:ea typeface="+mn-ea"/>
                           <a:cs typeface="Arial" panose="020B0604020202020204" pitchFamily="34" charset="0"/>
-                          <a:hlinkClick r:id="rId3">
+                          <a:hlinkClick r:id="rId5">
                             <a:extLst>
                               <a:ext uri="{A12FA001-AC4F-418D-AE19-62706E023703}">
-                                <ahyp:hlinkClr xmlns:ahyp="http://schemas.microsoft.com/office/drawing/2018/hyperlinkcolor" xmlns="" val="tx"/>
+                                <ahyp:hlinkClr xmlns:ahyp="http://schemas.microsoft.com/office/drawing/2018/hyperlinkcolor" val="tx"/>
                               </a:ext>
                             </a:extLst>
                           </a:hlinkClick>
@@ -13533,10 +13369,10 @@
                           <a:latin typeface="Arial" panose="020B0604020202020204" pitchFamily="34" charset="0"/>
                           <a:ea typeface="+mn-ea"/>
                           <a:cs typeface="Arial" panose="020B0604020202020204" pitchFamily="34" charset="0"/>
-                          <a:hlinkClick r:id="rId4">
+                          <a:hlinkClick r:id="rId6">
                             <a:extLst>
                               <a:ext uri="{A12FA001-AC4F-418D-AE19-62706E023703}">
-                                <ahyp:hlinkClr xmlns:ahyp="http://schemas.microsoft.com/office/drawing/2018/hyperlinkcolor" xmlns="" val="tx"/>
+                                <ahyp:hlinkClr xmlns:ahyp="http://schemas.microsoft.com/office/drawing/2018/hyperlinkcolor" val="tx"/>
                               </a:ext>
                             </a:extLst>
                           </a:hlinkClick>
@@ -13552,10 +13388,10 @@
                           <a:latin typeface="Arial" panose="020B0604020202020204" pitchFamily="34" charset="0"/>
                           <a:ea typeface="+mn-ea"/>
                           <a:cs typeface="Arial" panose="020B0604020202020204" pitchFamily="34" charset="0"/>
-                          <a:hlinkClick r:id="rId4">
+                          <a:hlinkClick r:id="rId6">
                             <a:extLst>
                               <a:ext uri="{A12FA001-AC4F-418D-AE19-62706E023703}">
-                                <ahyp:hlinkClr xmlns:ahyp="http://schemas.microsoft.com/office/drawing/2018/hyperlinkcolor" xmlns="" val="tx"/>
+                                <ahyp:hlinkClr xmlns:ahyp="http://schemas.microsoft.com/office/drawing/2018/hyperlinkcolor" val="tx"/>
                               </a:ext>
                             </a:extLst>
                           </a:hlinkClick>
@@ -13571,10 +13407,10 @@
                           <a:latin typeface="Arial" panose="020B0604020202020204" pitchFamily="34" charset="0"/>
                           <a:ea typeface="+mn-ea"/>
                           <a:cs typeface="Arial" panose="020B0604020202020204" pitchFamily="34" charset="0"/>
-                          <a:hlinkClick r:id="rId4">
+                          <a:hlinkClick r:id="rId6">
                             <a:extLst>
                               <a:ext uri="{A12FA001-AC4F-418D-AE19-62706E023703}">
-                                <ahyp:hlinkClr xmlns:ahyp="http://schemas.microsoft.com/office/drawing/2018/hyperlinkcolor" xmlns="" val="tx"/>
+                                <ahyp:hlinkClr xmlns:ahyp="http://schemas.microsoft.com/office/drawing/2018/hyperlinkcolor" val="tx"/>
                               </a:ext>
                             </a:extLst>
                           </a:hlinkClick>
@@ -13638,10 +13474,10 @@
                           <a:latin typeface="Arial" panose="020B0604020202020204" pitchFamily="34" charset="0"/>
                           <a:ea typeface="+mn-ea"/>
                           <a:cs typeface="Arial" panose="020B0604020202020204" pitchFamily="34" charset="0"/>
-                          <a:hlinkClick r:id="rId5">
+                          <a:hlinkClick r:id="rId7">
                             <a:extLst>
                               <a:ext uri="{A12FA001-AC4F-418D-AE19-62706E023703}">
-                                <ahyp:hlinkClr xmlns:ahyp="http://schemas.microsoft.com/office/drawing/2018/hyperlinkcolor" xmlns="" val="tx"/>
+                                <ahyp:hlinkClr xmlns:ahyp="http://schemas.microsoft.com/office/drawing/2018/hyperlinkcolor" val="tx"/>
                               </a:ext>
                             </a:extLst>
                           </a:hlinkClick>
@@ -13657,10 +13493,10 @@
                           <a:latin typeface="Arial" panose="020B0604020202020204" pitchFamily="34" charset="0"/>
                           <a:ea typeface="+mn-ea"/>
                           <a:cs typeface="Arial" panose="020B0604020202020204" pitchFamily="34" charset="0"/>
-                          <a:hlinkClick r:id="rId5">
+                          <a:hlinkClick r:id="rId7">
                             <a:extLst>
                               <a:ext uri="{A12FA001-AC4F-418D-AE19-62706E023703}">
-                                <ahyp:hlinkClr xmlns:ahyp="http://schemas.microsoft.com/office/drawing/2018/hyperlinkcolor" xmlns="" val="tx"/>
+                                <ahyp:hlinkClr xmlns:ahyp="http://schemas.microsoft.com/office/drawing/2018/hyperlinkcolor" val="tx"/>
                               </a:ext>
                             </a:extLst>
                           </a:hlinkClick>
@@ -13676,10 +13512,10 @@
                           <a:latin typeface="Arial" panose="020B0604020202020204" pitchFamily="34" charset="0"/>
                           <a:ea typeface="+mn-ea"/>
                           <a:cs typeface="Arial" panose="020B0604020202020204" pitchFamily="34" charset="0"/>
-                          <a:hlinkClick r:id="rId5">
+                          <a:hlinkClick r:id="rId7">
                             <a:extLst>
                               <a:ext uri="{A12FA001-AC4F-418D-AE19-62706E023703}">
-                                <ahyp:hlinkClr xmlns:ahyp="http://schemas.microsoft.com/office/drawing/2018/hyperlinkcolor" xmlns="" val="tx"/>
+                                <ahyp:hlinkClr xmlns:ahyp="http://schemas.microsoft.com/office/drawing/2018/hyperlinkcolor" val="tx"/>
                               </a:ext>
                             </a:extLst>
                           </a:hlinkClick>
@@ -13695,10 +13531,10 @@
                           <a:latin typeface="Arial" panose="020B0604020202020204" pitchFamily="34" charset="0"/>
                           <a:ea typeface="+mn-ea"/>
                           <a:cs typeface="Arial" panose="020B0604020202020204" pitchFamily="34" charset="0"/>
-                          <a:hlinkClick r:id="rId5">
+                          <a:hlinkClick r:id="rId7">
                             <a:extLst>
                               <a:ext uri="{A12FA001-AC4F-418D-AE19-62706E023703}">
-                                <ahyp:hlinkClr xmlns:ahyp="http://schemas.microsoft.com/office/drawing/2018/hyperlinkcolor" xmlns="" val="tx"/>
+                                <ahyp:hlinkClr xmlns:ahyp="http://schemas.microsoft.com/office/drawing/2018/hyperlinkcolor" val="tx"/>
                               </a:ext>
                             </a:extLst>
                           </a:hlinkClick>
@@ -13714,10 +13550,10 @@
                           <a:latin typeface="Arial" panose="020B0604020202020204" pitchFamily="34" charset="0"/>
                           <a:ea typeface="+mn-ea"/>
                           <a:cs typeface="Arial" panose="020B0604020202020204" pitchFamily="34" charset="0"/>
-                          <a:hlinkClick r:id="rId5">
+                          <a:hlinkClick r:id="rId7">
                             <a:extLst>
                               <a:ext uri="{A12FA001-AC4F-418D-AE19-62706E023703}">
-                                <ahyp:hlinkClr xmlns:ahyp="http://schemas.microsoft.com/office/drawing/2018/hyperlinkcolor" xmlns="" val="tx"/>
+                                <ahyp:hlinkClr xmlns:ahyp="http://schemas.microsoft.com/office/drawing/2018/hyperlinkcolor" val="tx"/>
                               </a:ext>
                             </a:extLst>
                           </a:hlinkClick>
@@ -13741,7 +13577,7 @@
                 </a:tc>
                 <a:extLst>
                   <a:ext uri="{0D108BD9-81ED-4DB2-BD59-A6C34878D82A}">
-                    <a16:rowId xmlns:a16="http://schemas.microsoft.com/office/drawing/2014/main" xmlns="" val="2829935568"/>
+                    <a16:rowId xmlns:a16="http://schemas.microsoft.com/office/drawing/2014/main" val="2829935568"/>
                   </a:ext>
                 </a:extLst>
               </a:tr>
@@ -13751,10 +13587,10 @@
       </p:graphicFrame>
       <p:pic>
         <p:nvPicPr>
-          <p:cNvPr id="11" name="Рисунок 1" descr="skype-logo-png-5a3a1a4934c5d5">
+          <p:cNvPr id="17" name="Рисунок 1" descr="skype-logo-png-5a3a1a4934c5d5">
             <a:extLst>
               <a:ext uri="{FF2B5EF4-FFF2-40B4-BE49-F238E27FC236}">
-                <a16:creationId xmlns:a16="http://schemas.microsoft.com/office/drawing/2014/main" xmlns="" id="{21A9F157-9F9B-4B7B-B80E-0929B1FF0DCA}"/>
+                <a16:creationId xmlns:a16="http://schemas.microsoft.com/office/drawing/2014/main" id="{2C356FDA-2511-4793-9DF6-0D6073110EA8}"/>
               </a:ext>
             </a:extLst>
           </p:cNvPr>
@@ -13764,7 +13600,7 @@
           <p:nvPr/>
         </p:nvPicPr>
         <p:blipFill>
-          <a:blip r:embed="rId6">
+          <a:blip r:embed="rId8">
             <a:extLst>
               <a:ext uri="{28A0092B-C50C-407E-A947-70E740481C1C}">
                 <a14:useLocalDpi xmlns:a14="http://schemas.microsoft.com/office/drawing/2010/main" val="0"/>
@@ -13778,7 +13614,7 @@
         </p:blipFill>
         <p:spPr bwMode="auto">
           <a:xfrm>
-            <a:off x="6767950" y="6509219"/>
+            <a:off x="6785355" y="6509219"/>
             <a:ext cx="294735" cy="189158"/>
           </a:xfrm>
           <a:prstGeom prst="rect">
@@ -13796,76 +13632,10 @@
           </a:extLst>
         </p:spPr>
       </p:pic>
-      <p:pic>
-        <p:nvPicPr>
-          <p:cNvPr id="12" name="Рисунок 11">
-            <a:extLst>
-              <a:ext uri="{FF2B5EF4-FFF2-40B4-BE49-F238E27FC236}">
-                <a16:creationId xmlns:a16="http://schemas.microsoft.com/office/drawing/2014/main" xmlns="" id="{4E16E73F-7B06-4D8D-9069-C25B6EE8FD4D}"/>
-              </a:ext>
-            </a:extLst>
-          </p:cNvPr>
-          <p:cNvPicPr>
-            <a:picLocks noChangeAspect="1"/>
-          </p:cNvPicPr>
-          <p:nvPr/>
-        </p:nvPicPr>
-        <p:blipFill>
-          <a:blip r:embed="rId7">
-            <a:extLst>
-              <a:ext uri="{28A0092B-C50C-407E-A947-70E740481C1C}">
-                <a14:useLocalDpi xmlns:a14="http://schemas.microsoft.com/office/drawing/2010/main" val="0"/>
-              </a:ext>
-            </a:extLst>
-          </a:blip>
-          <a:stretch>
-            <a:fillRect/>
-          </a:stretch>
-        </p:blipFill>
-        <p:spPr>
-          <a:xfrm>
-            <a:off x="653332" y="6329238"/>
-            <a:ext cx="544664" cy="544664"/>
-          </a:xfrm>
-          <a:prstGeom prst="rect">
-            <a:avLst/>
-          </a:prstGeom>
-        </p:spPr>
-      </p:pic>
-      <p:pic>
-        <p:nvPicPr>
-          <p:cNvPr id="8" name="Рисунок 7"/>
-          <p:cNvPicPr>
-            <a:picLocks noChangeAspect="1"/>
-          </p:cNvPicPr>
-          <p:nvPr/>
-        </p:nvPicPr>
-        <p:blipFill>
-          <a:blip r:embed="rId8">
-            <a:extLst>
-              <a:ext uri="{28A0092B-C50C-407E-A947-70E740481C1C}">
-                <a14:useLocalDpi xmlns:a14="http://schemas.microsoft.com/office/drawing/2010/main" val="0"/>
-              </a:ext>
-            </a:extLst>
-          </a:blip>
-          <a:stretch>
-            <a:fillRect/>
-          </a:stretch>
-        </p:blipFill>
-        <p:spPr>
-          <a:xfrm>
-            <a:off x="198005" y="182321"/>
-            <a:ext cx="1325995" cy="304826"/>
-          </a:xfrm>
-          <a:prstGeom prst="rect">
-            <a:avLst/>
-          </a:prstGeom>
-        </p:spPr>
-      </p:pic>
     </p:spTree>
     <p:extLst>
       <p:ext uri="{BB962C8B-B14F-4D97-AF65-F5344CB8AC3E}">
-        <p14:creationId xmlns:p14="http://schemas.microsoft.com/office/powerpoint/2010/main" val="130726259"/>
+        <p14:creationId xmlns:p14="http://schemas.microsoft.com/office/powerpoint/2010/main" val="2140583126"/>
       </p:ext>
     </p:extLst>
   </p:cSld>
@@ -13875,14 +13645,136 @@
   <p:timing>
     <p:tnLst>
       <p:par>
-        <p:cTn id="1" dur="indefinite" restart="never" nodeType="tmRoot"/>
+        <p:cTn id="1" dur="indefinite" restart="never" nodeType="tmRoot">
+          <p:childTnLst>
+            <p:seq concurrent="1" nextAc="seek">
+              <p:cTn id="2" dur="indefinite" nodeType="mainSeq">
+                <p:childTnLst>
+                  <p:par>
+                    <p:cTn id="3" fill="hold">
+                      <p:stCondLst>
+                        <p:cond delay="indefinite"/>
+                      </p:stCondLst>
+                      <p:childTnLst>
+                        <p:par>
+                          <p:cTn id="4" fill="hold">
+                            <p:stCondLst>
+                              <p:cond delay="0"/>
+                            </p:stCondLst>
+                            <p:childTnLst>
+                              <p:par>
+                                <p:cTn id="5" presetID="45" presetClass="entr" presetSubtype="0" fill="hold" nodeType="clickEffect">
+                                  <p:stCondLst>
+                                    <p:cond delay="0"/>
+                                  </p:stCondLst>
+                                  <p:childTnLst>
+                                    <p:set>
+                                      <p:cBhvr>
+                                        <p:cTn id="6" dur="1" fill="hold">
+                                          <p:stCondLst>
+                                            <p:cond delay="0"/>
+                                          </p:stCondLst>
+                                        </p:cTn>
+                                        <p:tgtEl>
+                                          <p:spTgt spid="14"/>
+                                        </p:tgtEl>
+                                        <p:attrNameLst>
+                                          <p:attrName>style.visibility</p:attrName>
+                                        </p:attrNameLst>
+                                      </p:cBhvr>
+                                      <p:to>
+                                        <p:strVal val="visible"/>
+                                      </p:to>
+                                    </p:set>
+                                    <p:animEffect transition="in" filter="fade">
+                                      <p:cBhvr>
+                                        <p:cTn id="7" dur="2000"/>
+                                        <p:tgtEl>
+                                          <p:spTgt spid="14"/>
+                                        </p:tgtEl>
+                                      </p:cBhvr>
+                                    </p:animEffect>
+                                    <p:anim calcmode="lin" valueType="num">
+                                      <p:cBhvr>
+                                        <p:cTn id="8" dur="2000" fill="hold"/>
+                                        <p:tgtEl>
+                                          <p:spTgt spid="14"/>
+                                        </p:tgtEl>
+                                        <p:attrNameLst>
+                                          <p:attrName>ppt_w</p:attrName>
+                                        </p:attrNameLst>
+                                      </p:cBhvr>
+                                      <p:tavLst>
+                                        <p:tav tm="0" fmla="#ppt_w*sin(2.5*pi*$)">
+                                          <p:val>
+                                            <p:fltVal val="0"/>
+                                          </p:val>
+                                        </p:tav>
+                                        <p:tav tm="100000">
+                                          <p:val>
+                                            <p:fltVal val="1"/>
+                                          </p:val>
+                                        </p:tav>
+                                      </p:tavLst>
+                                    </p:anim>
+                                    <p:anim calcmode="lin" valueType="num">
+                                      <p:cBhvr>
+                                        <p:cTn id="9" dur="2000" fill="hold"/>
+                                        <p:tgtEl>
+                                          <p:spTgt spid="14"/>
+                                        </p:tgtEl>
+                                        <p:attrNameLst>
+                                          <p:attrName>ppt_h</p:attrName>
+                                        </p:attrNameLst>
+                                      </p:cBhvr>
+                                      <p:tavLst>
+                                        <p:tav tm="0">
+                                          <p:val>
+                                            <p:strVal val="#ppt_h"/>
+                                          </p:val>
+                                        </p:tav>
+                                        <p:tav tm="100000">
+                                          <p:val>
+                                            <p:strVal val="#ppt_h"/>
+                                          </p:val>
+                                        </p:tav>
+                                      </p:tavLst>
+                                    </p:anim>
+                                  </p:childTnLst>
+                                </p:cTn>
+                              </p:par>
+                            </p:childTnLst>
+                          </p:cTn>
+                        </p:par>
+                      </p:childTnLst>
+                    </p:cTn>
+                  </p:par>
+                </p:childTnLst>
+              </p:cTn>
+              <p:prevCondLst>
+                <p:cond evt="onPrev" delay="0">
+                  <p:tgtEl>
+                    <p:sldTgt/>
+                  </p:tgtEl>
+                </p:cond>
+              </p:prevCondLst>
+              <p:nextCondLst>
+                <p:cond evt="onNext" delay="0">
+                  <p:tgtEl>
+                    <p:sldTgt/>
+                  </p:tgtEl>
+                </p:cond>
+              </p:nextCondLst>
+            </p:seq>
+          </p:childTnLst>
+        </p:cTn>
       </p:par>
     </p:tnLst>
   </p:timing>
 </p:sld>
 </file>
 
-<file path=ppt/slides/slide7.xml><?xml version="1.0" encoding="utf-8"?>
+<file path=ppt/slides/slide6.xml><?xml version="1.0" encoding="utf-8"?>
 <p:sld xmlns:a="http://schemas.openxmlformats.org/drawingml/2006/main" xmlns:r="http://schemas.openxmlformats.org/officeDocument/2006/relationships" xmlns:p="http://schemas.openxmlformats.org/presentationml/2006/main">
   <p:cSld>
     <p:spTree>
@@ -13904,7 +13796,7 @@
           <p:cNvPr id="2" name="Заголовок 1">
             <a:extLst>
               <a:ext uri="{FF2B5EF4-FFF2-40B4-BE49-F238E27FC236}">
-                <a16:creationId xmlns:a16="http://schemas.microsoft.com/office/drawing/2014/main" xmlns="" id="{29C8EB21-282D-47A7-BABA-6D9619069A1E}"/>
+                <a16:creationId xmlns:a16="http://schemas.microsoft.com/office/drawing/2014/main" id="{9922753F-A617-4523-A312-3A0684FD30A7}"/>
               </a:ext>
             </a:extLst>
           </p:cNvPr>
@@ -13917,43 +13809,36 @@
         </p:nvSpPr>
         <p:spPr>
           <a:xfrm>
-            <a:off x="3502479" y="365125"/>
-            <a:ext cx="7184571" cy="851425"/>
+            <a:off x="5965373" y="365126"/>
+            <a:ext cx="4729842" cy="859376"/>
           </a:xfrm>
         </p:spPr>
         <p:txBody>
           <a:bodyPr>
-            <a:noAutofit/>
+            <a:normAutofit/>
           </a:bodyPr>
           <a:lstStyle/>
           <a:p>
             <a:pPr algn="r"/>
             <a:r>
-              <a:rPr lang="ru-RU" sz="3600" b="1" dirty="0" smtClean="0">
+              <a:rPr lang="ru-RU" sz="3600" b="1" dirty="0">
                 <a:solidFill>
                   <a:srgbClr val="006699"/>
                 </a:solidFill>
                 <a:latin typeface="Arial" panose="020B0604020202020204" pitchFamily="34" charset="0"/>
                 <a:cs typeface="Arial" panose="020B0604020202020204" pitchFamily="34" charset="0"/>
               </a:rPr>
-              <a:t>Управление автотранспортом</a:t>
+              <a:t>Бухгалтерия</a:t>
             </a:r>
-            <a:endParaRPr lang="ru-RU" sz="3600" b="1" dirty="0">
-              <a:solidFill>
-                <a:srgbClr val="006699"/>
-              </a:solidFill>
-              <a:latin typeface="Arial" panose="020B0604020202020204" pitchFamily="34" charset="0"/>
-              <a:cs typeface="Arial" panose="020B0604020202020204" pitchFamily="34" charset="0"/>
-            </a:endParaRPr>
           </a:p>
         </p:txBody>
       </p:sp>
       <p:pic>
         <p:nvPicPr>
-          <p:cNvPr id="6" name="Объект 5">
+          <p:cNvPr id="5" name="Объект 4">
             <a:extLst>
               <a:ext uri="{FF2B5EF4-FFF2-40B4-BE49-F238E27FC236}">
-                <a16:creationId xmlns:a16="http://schemas.microsoft.com/office/drawing/2014/main" xmlns="" id="{A027DDA4-FE27-4C29-8905-9D8F79665941}"/>
+                <a16:creationId xmlns:a16="http://schemas.microsoft.com/office/drawing/2014/main" id="{C17AAB30-90EC-4972-A3ED-751970E02A5F}"/>
               </a:ext>
             </a:extLst>
           </p:cNvPr>
@@ -13978,17 +13863,89 @@
         </p:blipFill>
         <p:spPr>
           <a:xfrm>
-            <a:off x="1442731" y="1240969"/>
-            <a:ext cx="9229639" cy="5084013"/>
+            <a:off x="1379415" y="1224501"/>
+            <a:ext cx="9323618" cy="5125095"/>
           </a:xfrm>
+        </p:spPr>
+      </p:pic>
+      <p:pic>
+        <p:nvPicPr>
+          <p:cNvPr id="14" name="Рисунок 13">
+            <a:extLst>
+              <a:ext uri="{FF2B5EF4-FFF2-40B4-BE49-F238E27FC236}">
+                <a16:creationId xmlns:a16="http://schemas.microsoft.com/office/drawing/2014/main" id="{9A06C28A-6EB4-4125-BAD4-2FE08FC819A6}"/>
+              </a:ext>
+            </a:extLst>
+          </p:cNvPr>
+          <p:cNvPicPr>
+            <a:picLocks noChangeAspect="1"/>
+          </p:cNvPicPr>
+          <p:nvPr/>
+        </p:nvPicPr>
+        <p:blipFill>
+          <a:blip r:embed="rId3">
+            <a:extLst>
+              <a:ext uri="{28A0092B-C50C-407E-A947-70E740481C1C}">
+                <a14:useLocalDpi xmlns:a14="http://schemas.microsoft.com/office/drawing/2010/main" val="0"/>
+              </a:ext>
+            </a:extLst>
+          </a:blip>
+          <a:stretch>
+            <a:fillRect/>
+          </a:stretch>
+        </p:blipFill>
+        <p:spPr>
+          <a:xfrm>
+            <a:off x="11303935" y="278699"/>
+            <a:ext cx="544664" cy="544664"/>
+          </a:xfrm>
+          <a:prstGeom prst="rect">
+            <a:avLst/>
+          </a:prstGeom>
+        </p:spPr>
+      </p:pic>
+      <p:pic>
+        <p:nvPicPr>
+          <p:cNvPr id="15" name="Рисунок 14">
+            <a:extLst>
+              <a:ext uri="{FF2B5EF4-FFF2-40B4-BE49-F238E27FC236}">
+                <a16:creationId xmlns:a16="http://schemas.microsoft.com/office/drawing/2014/main" id="{F39F1364-504C-43E3-8763-20779022DD37}"/>
+              </a:ext>
+            </a:extLst>
+          </p:cNvPr>
+          <p:cNvPicPr>
+            <a:picLocks noChangeAspect="1"/>
+          </p:cNvPicPr>
+          <p:nvPr/>
+        </p:nvPicPr>
+        <p:blipFill>
+          <a:blip r:embed="rId4">
+            <a:extLst>
+              <a:ext uri="{28A0092B-C50C-407E-A947-70E740481C1C}">
+                <a14:useLocalDpi xmlns:a14="http://schemas.microsoft.com/office/drawing/2010/main" val="0"/>
+              </a:ext>
+            </a:extLst>
+          </a:blip>
+          <a:stretch>
+            <a:fillRect/>
+          </a:stretch>
+        </p:blipFill>
+        <p:spPr>
+          <a:xfrm>
+            <a:off x="346051" y="278699"/>
+            <a:ext cx="1325995" cy="304826"/>
+          </a:xfrm>
+          <a:prstGeom prst="rect">
+            <a:avLst/>
+          </a:prstGeom>
         </p:spPr>
       </p:pic>
       <p:graphicFrame>
         <p:nvGraphicFramePr>
-          <p:cNvPr id="9" name="Таблица 8">
+          <p:cNvPr id="16" name="Таблица 15">
             <a:extLst>
               <a:ext uri="{FF2B5EF4-FFF2-40B4-BE49-F238E27FC236}">
-                <a16:creationId xmlns:a16="http://schemas.microsoft.com/office/drawing/2014/main" xmlns="" id="{06D43F49-0DB6-4344-BCC8-DDB9388852C6}"/>
+                <a16:creationId xmlns:a16="http://schemas.microsoft.com/office/drawing/2014/main" id="{558ADAA6-EA9A-4BAE-A63B-48D220C75817}"/>
               </a:ext>
             </a:extLst>
           </p:cNvPr>
@@ -13998,14 +13955,14 @@
           <p:nvPr>
             <p:extLst>
               <p:ext uri="{D42A27DB-BD31-4B8C-83A1-F6EECF244321}">
-                <p14:modId xmlns:p14="http://schemas.microsoft.com/office/powerpoint/2010/main" val="842735641"/>
+                <p14:modId xmlns:p14="http://schemas.microsoft.com/office/powerpoint/2010/main" val="346322459"/>
               </p:ext>
             </p:extLst>
           </p:nvPr>
         </p:nvGraphicFramePr>
         <p:xfrm>
-          <a:off x="653332" y="6329045"/>
-          <a:ext cx="10430786" cy="527495"/>
+          <a:off x="0" y="6329045"/>
+          <a:ext cx="12192000" cy="528955"/>
         </p:xfrm>
         <a:graphic>
           <a:graphicData uri="http://schemas.openxmlformats.org/drawingml/2006/table">
@@ -14014,10 +13971,10 @@
                 <a:tableStyleId>{5C22544A-7EE6-4342-B048-85BDC9FD1C3A}</a:tableStyleId>
               </a:tblPr>
               <a:tblGrid>
-                <a:gridCol w="10430786">
+                <a:gridCol w="12192000">
                   <a:extLst>
                     <a:ext uri="{9D8B030D-6E8A-4147-A177-3AD203B41FA5}">
-                      <a16:colId xmlns:a16="http://schemas.microsoft.com/office/drawing/2014/main" xmlns="" val="3945925805"/>
+                      <a16:colId xmlns:a16="http://schemas.microsoft.com/office/drawing/2014/main" val="3945925805"/>
                     </a:ext>
                   </a:extLst>
                 </a:gridCol>
@@ -14028,7 +13985,7 @@
                     <a:bodyPr/>
                     <a:lstStyle/>
                     <a:p>
-                      <a:pPr lvl="1" algn="ctr">
+                      <a:pPr lvl="0" algn="ctr">
                         <a:lnSpc>
                           <a:spcPct val="250000"/>
                         </a:lnSpc>
@@ -14055,7 +14012,13 @@
                           <a:effectLst/>
                           <a:latin typeface="Arial" panose="020B0604020202020204" pitchFamily="34" charset="0"/>
                           <a:cs typeface="Arial" panose="020B0604020202020204" pitchFamily="34" charset="0"/>
-                          <a:hlinkClick r:id="rId3"/>
+                          <a:hlinkClick r:id="rId5">
+                            <a:extLst>
+                              <a:ext uri="{A12FA001-AC4F-418D-AE19-62706E023703}">
+                                <ahyp:hlinkClr xmlns:ahyp="http://schemas.microsoft.com/office/drawing/2018/hyperlinkcolor" val="tx"/>
+                              </a:ext>
+                            </a:extLst>
+                          </a:hlinkClick>
                         </a:rPr>
                         <a:t>+</a:t>
                       </a:r>
@@ -14068,10 +14031,10 @@
                           <a:latin typeface="Arial" panose="020B0604020202020204" pitchFamily="34" charset="0"/>
                           <a:ea typeface="+mn-ea"/>
                           <a:cs typeface="Arial" panose="020B0604020202020204" pitchFamily="34" charset="0"/>
-                          <a:hlinkClick r:id="rId3">
+                          <a:hlinkClick r:id="rId5">
                             <a:extLst>
                               <a:ext uri="{A12FA001-AC4F-418D-AE19-62706E023703}">
-                                <ahyp:hlinkClr xmlns:ahyp="http://schemas.microsoft.com/office/drawing/2018/hyperlinkcolor" xmlns="" val="tx"/>
+                                <ahyp:hlinkClr xmlns:ahyp="http://schemas.microsoft.com/office/drawing/2018/hyperlinkcolor" val="tx"/>
                               </a:ext>
                             </a:extLst>
                           </a:hlinkClick>
@@ -14099,10 +14062,10 @@
                           <a:latin typeface="Arial" panose="020B0604020202020204" pitchFamily="34" charset="0"/>
                           <a:ea typeface="+mn-ea"/>
                           <a:cs typeface="Arial" panose="020B0604020202020204" pitchFamily="34" charset="0"/>
-                          <a:hlinkClick r:id="rId4">
+                          <a:hlinkClick r:id="rId6">
                             <a:extLst>
                               <a:ext uri="{A12FA001-AC4F-418D-AE19-62706E023703}">
-                                <ahyp:hlinkClr xmlns:ahyp="http://schemas.microsoft.com/office/drawing/2018/hyperlinkcolor" xmlns="" val="tx"/>
+                                <ahyp:hlinkClr xmlns:ahyp="http://schemas.microsoft.com/office/drawing/2018/hyperlinkcolor" val="tx"/>
                               </a:ext>
                             </a:extLst>
                           </a:hlinkClick>
@@ -14118,10 +14081,10 @@
                           <a:latin typeface="Arial" panose="020B0604020202020204" pitchFamily="34" charset="0"/>
                           <a:ea typeface="+mn-ea"/>
                           <a:cs typeface="Arial" panose="020B0604020202020204" pitchFamily="34" charset="0"/>
-                          <a:hlinkClick r:id="rId4">
+                          <a:hlinkClick r:id="rId6">
                             <a:extLst>
                               <a:ext uri="{A12FA001-AC4F-418D-AE19-62706E023703}">
-                                <ahyp:hlinkClr xmlns:ahyp="http://schemas.microsoft.com/office/drawing/2018/hyperlinkcolor" xmlns="" val="tx"/>
+                                <ahyp:hlinkClr xmlns:ahyp="http://schemas.microsoft.com/office/drawing/2018/hyperlinkcolor" val="tx"/>
                               </a:ext>
                             </a:extLst>
                           </a:hlinkClick>
@@ -14137,10 +14100,10 @@
                           <a:latin typeface="Arial" panose="020B0604020202020204" pitchFamily="34" charset="0"/>
                           <a:ea typeface="+mn-ea"/>
                           <a:cs typeface="Arial" panose="020B0604020202020204" pitchFamily="34" charset="0"/>
-                          <a:hlinkClick r:id="rId4">
+                          <a:hlinkClick r:id="rId6">
                             <a:extLst>
                               <a:ext uri="{A12FA001-AC4F-418D-AE19-62706E023703}">
-                                <ahyp:hlinkClr xmlns:ahyp="http://schemas.microsoft.com/office/drawing/2018/hyperlinkcolor" xmlns="" val="tx"/>
+                                <ahyp:hlinkClr xmlns:ahyp="http://schemas.microsoft.com/office/drawing/2018/hyperlinkcolor" val="tx"/>
                               </a:ext>
                             </a:extLst>
                           </a:hlinkClick>
@@ -14204,10 +14167,10 @@
                           <a:latin typeface="Arial" panose="020B0604020202020204" pitchFamily="34" charset="0"/>
                           <a:ea typeface="+mn-ea"/>
                           <a:cs typeface="Arial" panose="020B0604020202020204" pitchFamily="34" charset="0"/>
-                          <a:hlinkClick r:id="rId5">
+                          <a:hlinkClick r:id="rId7">
                             <a:extLst>
                               <a:ext uri="{A12FA001-AC4F-418D-AE19-62706E023703}">
-                                <ahyp:hlinkClr xmlns:ahyp="http://schemas.microsoft.com/office/drawing/2018/hyperlinkcolor" xmlns="" val="tx"/>
+                                <ahyp:hlinkClr xmlns:ahyp="http://schemas.microsoft.com/office/drawing/2018/hyperlinkcolor" val="tx"/>
                               </a:ext>
                             </a:extLst>
                           </a:hlinkClick>
@@ -14223,10 +14186,10 @@
                           <a:latin typeface="Arial" panose="020B0604020202020204" pitchFamily="34" charset="0"/>
                           <a:ea typeface="+mn-ea"/>
                           <a:cs typeface="Arial" panose="020B0604020202020204" pitchFamily="34" charset="0"/>
-                          <a:hlinkClick r:id="rId5">
+                          <a:hlinkClick r:id="rId7">
                             <a:extLst>
                               <a:ext uri="{A12FA001-AC4F-418D-AE19-62706E023703}">
-                                <ahyp:hlinkClr xmlns:ahyp="http://schemas.microsoft.com/office/drawing/2018/hyperlinkcolor" xmlns="" val="tx"/>
+                                <ahyp:hlinkClr xmlns:ahyp="http://schemas.microsoft.com/office/drawing/2018/hyperlinkcolor" val="tx"/>
                               </a:ext>
                             </a:extLst>
                           </a:hlinkClick>
@@ -14242,10 +14205,10 @@
                           <a:latin typeface="Arial" panose="020B0604020202020204" pitchFamily="34" charset="0"/>
                           <a:ea typeface="+mn-ea"/>
                           <a:cs typeface="Arial" panose="020B0604020202020204" pitchFamily="34" charset="0"/>
-                          <a:hlinkClick r:id="rId5">
+                          <a:hlinkClick r:id="rId7">
                             <a:extLst>
                               <a:ext uri="{A12FA001-AC4F-418D-AE19-62706E023703}">
-                                <ahyp:hlinkClr xmlns:ahyp="http://schemas.microsoft.com/office/drawing/2018/hyperlinkcolor" xmlns="" val="tx"/>
+                                <ahyp:hlinkClr xmlns:ahyp="http://schemas.microsoft.com/office/drawing/2018/hyperlinkcolor" val="tx"/>
                               </a:ext>
                             </a:extLst>
                           </a:hlinkClick>
@@ -14261,10 +14224,10 @@
                           <a:latin typeface="Arial" panose="020B0604020202020204" pitchFamily="34" charset="0"/>
                           <a:ea typeface="+mn-ea"/>
                           <a:cs typeface="Arial" panose="020B0604020202020204" pitchFamily="34" charset="0"/>
-                          <a:hlinkClick r:id="rId5">
+                          <a:hlinkClick r:id="rId7">
                             <a:extLst>
                               <a:ext uri="{A12FA001-AC4F-418D-AE19-62706E023703}">
-                                <ahyp:hlinkClr xmlns:ahyp="http://schemas.microsoft.com/office/drawing/2018/hyperlinkcolor" xmlns="" val="tx"/>
+                                <ahyp:hlinkClr xmlns:ahyp="http://schemas.microsoft.com/office/drawing/2018/hyperlinkcolor" val="tx"/>
                               </a:ext>
                             </a:extLst>
                           </a:hlinkClick>
@@ -14280,10 +14243,10 @@
                           <a:latin typeface="Arial" panose="020B0604020202020204" pitchFamily="34" charset="0"/>
                           <a:ea typeface="+mn-ea"/>
                           <a:cs typeface="Arial" panose="020B0604020202020204" pitchFamily="34" charset="0"/>
-                          <a:hlinkClick r:id="rId5">
+                          <a:hlinkClick r:id="rId7">
                             <a:extLst>
                               <a:ext uri="{A12FA001-AC4F-418D-AE19-62706E023703}">
-                                <ahyp:hlinkClr xmlns:ahyp="http://schemas.microsoft.com/office/drawing/2018/hyperlinkcolor" xmlns="" val="tx"/>
+                                <ahyp:hlinkClr xmlns:ahyp="http://schemas.microsoft.com/office/drawing/2018/hyperlinkcolor" val="tx"/>
                               </a:ext>
                             </a:extLst>
                           </a:hlinkClick>
@@ -14307,7 +14270,7 @@
                 </a:tc>
                 <a:extLst>
                   <a:ext uri="{0D108BD9-81ED-4DB2-BD59-A6C34878D82A}">
-                    <a16:rowId xmlns:a16="http://schemas.microsoft.com/office/drawing/2014/main" xmlns="" val="2829935568"/>
+                    <a16:rowId xmlns:a16="http://schemas.microsoft.com/office/drawing/2014/main" val="2829935568"/>
                   </a:ext>
                 </a:extLst>
               </a:tr>
@@ -14317,10 +14280,10 @@
       </p:graphicFrame>
       <p:pic>
         <p:nvPicPr>
-          <p:cNvPr id="10" name="Рисунок 1" descr="skype-logo-png-5a3a1a4934c5d5">
+          <p:cNvPr id="17" name="Рисунок 1" descr="skype-logo-png-5a3a1a4934c5d5">
             <a:extLst>
               <a:ext uri="{FF2B5EF4-FFF2-40B4-BE49-F238E27FC236}">
-                <a16:creationId xmlns:a16="http://schemas.microsoft.com/office/drawing/2014/main" xmlns="" id="{EE91CBE2-D7CD-4129-9E2C-B07DDA38AF84}"/>
+                <a16:creationId xmlns:a16="http://schemas.microsoft.com/office/drawing/2014/main" id="{371C6738-2C90-4C66-825B-A98A9976F4A6}"/>
               </a:ext>
             </a:extLst>
           </p:cNvPr>
@@ -14330,7 +14293,7 @@
           <p:nvPr/>
         </p:nvPicPr>
         <p:blipFill>
-          <a:blip r:embed="rId6">
+          <a:blip r:embed="rId8">
             <a:extLst>
               <a:ext uri="{28A0092B-C50C-407E-A947-70E740481C1C}">
                 <a14:useLocalDpi xmlns:a14="http://schemas.microsoft.com/office/drawing/2010/main" val="0"/>
@@ -14344,7 +14307,7 @@
         </p:blipFill>
         <p:spPr bwMode="auto">
           <a:xfrm>
-            <a:off x="6767950" y="6509219"/>
+            <a:off x="6785355" y="6509219"/>
             <a:ext cx="294735" cy="189158"/>
           </a:xfrm>
           <a:prstGeom prst="rect">
@@ -14362,76 +14325,10 @@
           </a:extLst>
         </p:spPr>
       </p:pic>
-      <p:pic>
-        <p:nvPicPr>
-          <p:cNvPr id="11" name="Рисунок 10">
-            <a:extLst>
-              <a:ext uri="{FF2B5EF4-FFF2-40B4-BE49-F238E27FC236}">
-                <a16:creationId xmlns:a16="http://schemas.microsoft.com/office/drawing/2014/main" xmlns="" id="{14388FA5-BC16-4D85-AAFF-C811168E0AC5}"/>
-              </a:ext>
-            </a:extLst>
-          </p:cNvPr>
-          <p:cNvPicPr>
-            <a:picLocks noChangeAspect="1"/>
-          </p:cNvPicPr>
-          <p:nvPr/>
-        </p:nvPicPr>
-        <p:blipFill>
-          <a:blip r:embed="rId7">
-            <a:extLst>
-              <a:ext uri="{28A0092B-C50C-407E-A947-70E740481C1C}">
-                <a14:useLocalDpi xmlns:a14="http://schemas.microsoft.com/office/drawing/2010/main" val="0"/>
-              </a:ext>
-            </a:extLst>
-          </a:blip>
-          <a:stretch>
-            <a:fillRect/>
-          </a:stretch>
-        </p:blipFill>
-        <p:spPr>
-          <a:xfrm>
-            <a:off x="653332" y="6329238"/>
-            <a:ext cx="544664" cy="544664"/>
-          </a:xfrm>
-          <a:prstGeom prst="rect">
-            <a:avLst/>
-          </a:prstGeom>
-        </p:spPr>
-      </p:pic>
-      <p:pic>
-        <p:nvPicPr>
-          <p:cNvPr id="8" name="Рисунок 7"/>
-          <p:cNvPicPr>
-            <a:picLocks noChangeAspect="1"/>
-          </p:cNvPicPr>
-          <p:nvPr/>
-        </p:nvPicPr>
-        <p:blipFill>
-          <a:blip r:embed="rId8">
-            <a:extLst>
-              <a:ext uri="{28A0092B-C50C-407E-A947-70E740481C1C}">
-                <a14:useLocalDpi xmlns:a14="http://schemas.microsoft.com/office/drawing/2010/main" val="0"/>
-              </a:ext>
-            </a:extLst>
-          </a:blip>
-          <a:stretch>
-            <a:fillRect/>
-          </a:stretch>
-        </p:blipFill>
-        <p:spPr>
-          <a:xfrm>
-            <a:off x="198005" y="182321"/>
-            <a:ext cx="1325995" cy="304826"/>
-          </a:xfrm>
-          <a:prstGeom prst="rect">
-            <a:avLst/>
-          </a:prstGeom>
-        </p:spPr>
-      </p:pic>
     </p:spTree>
     <p:extLst>
       <p:ext uri="{BB962C8B-B14F-4D97-AF65-F5344CB8AC3E}">
-        <p14:creationId xmlns:p14="http://schemas.microsoft.com/office/powerpoint/2010/main" val="1510516811"/>
+        <p14:creationId xmlns:p14="http://schemas.microsoft.com/office/powerpoint/2010/main" val="130726259"/>
       </p:ext>
     </p:extLst>
   </p:cSld>
@@ -14441,14 +14338,136 @@
   <p:timing>
     <p:tnLst>
       <p:par>
-        <p:cTn id="1" dur="indefinite" restart="never" nodeType="tmRoot"/>
+        <p:cTn id="1" dur="indefinite" restart="never" nodeType="tmRoot">
+          <p:childTnLst>
+            <p:seq concurrent="1" nextAc="seek">
+              <p:cTn id="2" dur="indefinite" nodeType="mainSeq">
+                <p:childTnLst>
+                  <p:par>
+                    <p:cTn id="3" fill="hold">
+                      <p:stCondLst>
+                        <p:cond delay="indefinite"/>
+                      </p:stCondLst>
+                      <p:childTnLst>
+                        <p:par>
+                          <p:cTn id="4" fill="hold">
+                            <p:stCondLst>
+                              <p:cond delay="0"/>
+                            </p:stCondLst>
+                            <p:childTnLst>
+                              <p:par>
+                                <p:cTn id="5" presetID="45" presetClass="entr" presetSubtype="0" fill="hold" nodeType="clickEffect">
+                                  <p:stCondLst>
+                                    <p:cond delay="0"/>
+                                  </p:stCondLst>
+                                  <p:childTnLst>
+                                    <p:set>
+                                      <p:cBhvr>
+                                        <p:cTn id="6" dur="1" fill="hold">
+                                          <p:stCondLst>
+                                            <p:cond delay="0"/>
+                                          </p:stCondLst>
+                                        </p:cTn>
+                                        <p:tgtEl>
+                                          <p:spTgt spid="14"/>
+                                        </p:tgtEl>
+                                        <p:attrNameLst>
+                                          <p:attrName>style.visibility</p:attrName>
+                                        </p:attrNameLst>
+                                      </p:cBhvr>
+                                      <p:to>
+                                        <p:strVal val="visible"/>
+                                      </p:to>
+                                    </p:set>
+                                    <p:animEffect transition="in" filter="fade">
+                                      <p:cBhvr>
+                                        <p:cTn id="7" dur="2000"/>
+                                        <p:tgtEl>
+                                          <p:spTgt spid="14"/>
+                                        </p:tgtEl>
+                                      </p:cBhvr>
+                                    </p:animEffect>
+                                    <p:anim calcmode="lin" valueType="num">
+                                      <p:cBhvr>
+                                        <p:cTn id="8" dur="2000" fill="hold"/>
+                                        <p:tgtEl>
+                                          <p:spTgt spid="14"/>
+                                        </p:tgtEl>
+                                        <p:attrNameLst>
+                                          <p:attrName>ppt_w</p:attrName>
+                                        </p:attrNameLst>
+                                      </p:cBhvr>
+                                      <p:tavLst>
+                                        <p:tav tm="0" fmla="#ppt_w*sin(2.5*pi*$)">
+                                          <p:val>
+                                            <p:fltVal val="0"/>
+                                          </p:val>
+                                        </p:tav>
+                                        <p:tav tm="100000">
+                                          <p:val>
+                                            <p:fltVal val="1"/>
+                                          </p:val>
+                                        </p:tav>
+                                      </p:tavLst>
+                                    </p:anim>
+                                    <p:anim calcmode="lin" valueType="num">
+                                      <p:cBhvr>
+                                        <p:cTn id="9" dur="2000" fill="hold"/>
+                                        <p:tgtEl>
+                                          <p:spTgt spid="14"/>
+                                        </p:tgtEl>
+                                        <p:attrNameLst>
+                                          <p:attrName>ppt_h</p:attrName>
+                                        </p:attrNameLst>
+                                      </p:cBhvr>
+                                      <p:tavLst>
+                                        <p:tav tm="0">
+                                          <p:val>
+                                            <p:strVal val="#ppt_h"/>
+                                          </p:val>
+                                        </p:tav>
+                                        <p:tav tm="100000">
+                                          <p:val>
+                                            <p:strVal val="#ppt_h"/>
+                                          </p:val>
+                                        </p:tav>
+                                      </p:tavLst>
+                                    </p:anim>
+                                  </p:childTnLst>
+                                </p:cTn>
+                              </p:par>
+                            </p:childTnLst>
+                          </p:cTn>
+                        </p:par>
+                      </p:childTnLst>
+                    </p:cTn>
+                  </p:par>
+                </p:childTnLst>
+              </p:cTn>
+              <p:prevCondLst>
+                <p:cond evt="onPrev" delay="0">
+                  <p:tgtEl>
+                    <p:sldTgt/>
+                  </p:tgtEl>
+                </p:cond>
+              </p:prevCondLst>
+              <p:nextCondLst>
+                <p:cond evt="onNext" delay="0">
+                  <p:tgtEl>
+                    <p:sldTgt/>
+                  </p:tgtEl>
+                </p:cond>
+              </p:nextCondLst>
+            </p:seq>
+          </p:childTnLst>
+        </p:cTn>
       </p:par>
     </p:tnLst>
   </p:timing>
 </p:sld>
 </file>
 
-<file path=ppt/slides/slide8.xml><?xml version="1.0" encoding="utf-8"?>
+<file path=ppt/slides/slide7.xml><?xml version="1.0" encoding="utf-8"?>
 <p:sld xmlns:a="http://schemas.openxmlformats.org/drawingml/2006/main" xmlns:r="http://schemas.openxmlformats.org/officeDocument/2006/relationships" xmlns:p="http://schemas.openxmlformats.org/presentationml/2006/main">
   <p:cSld>
     <p:spTree>
@@ -14470,7 +14489,7 @@
           <p:cNvPr id="2" name="Заголовок 1">
             <a:extLst>
               <a:ext uri="{FF2B5EF4-FFF2-40B4-BE49-F238E27FC236}">
-                <a16:creationId xmlns:a16="http://schemas.microsoft.com/office/drawing/2014/main" xmlns="" id="{29C8EB21-282D-47A7-BABA-6D9619069A1E}"/>
+                <a16:creationId xmlns:a16="http://schemas.microsoft.com/office/drawing/2014/main" id="{29C8EB21-282D-47A7-BABA-6D9619069A1E}"/>
               </a:ext>
             </a:extLst>
           </p:cNvPr>
@@ -14483,8 +14502,8 @@
         </p:nvSpPr>
         <p:spPr>
           <a:xfrm>
-            <a:off x="3502481" y="365125"/>
-            <a:ext cx="7070270" cy="851425"/>
+            <a:off x="3502479" y="365125"/>
+            <a:ext cx="7184571" cy="851425"/>
           </a:xfrm>
         </p:spPr>
         <p:txBody>
@@ -14495,22 +14514,15 @@
           <a:p>
             <a:pPr algn="r"/>
             <a:r>
-              <a:rPr lang="ru-RU" sz="3600" b="1" dirty="0" smtClean="0">
+              <a:rPr lang="ru-RU" sz="3600" b="1" dirty="0">
                 <a:solidFill>
                   <a:srgbClr val="006699"/>
                 </a:solidFill>
                 <a:latin typeface="Arial" panose="020B0604020202020204" pitchFamily="34" charset="0"/>
                 <a:cs typeface="Arial" panose="020B0604020202020204" pitchFamily="34" charset="0"/>
               </a:rPr>
-              <a:t>Управление задачами</a:t>
+              <a:t>Управление автотранспортом</a:t>
             </a:r>
-            <a:endParaRPr lang="ru-RU" sz="3600" b="1" dirty="0">
-              <a:solidFill>
-                <a:srgbClr val="006699"/>
-              </a:solidFill>
-              <a:latin typeface="Arial" panose="020B0604020202020204" pitchFamily="34" charset="0"/>
-              <a:cs typeface="Arial" panose="020B0604020202020204" pitchFamily="34" charset="0"/>
-            </a:endParaRPr>
           </a:p>
         </p:txBody>
       </p:sp>
@@ -14519,7 +14531,7 @@
           <p:cNvPr id="6" name="Объект 5">
             <a:extLst>
               <a:ext uri="{FF2B5EF4-FFF2-40B4-BE49-F238E27FC236}">
-                <a16:creationId xmlns:a16="http://schemas.microsoft.com/office/drawing/2014/main" xmlns="" id="{A027DDA4-FE27-4C29-8905-9D8F79665941}"/>
+                <a16:creationId xmlns:a16="http://schemas.microsoft.com/office/drawing/2014/main" id="{A027DDA4-FE27-4C29-8905-9D8F79665941}"/>
               </a:ext>
             </a:extLst>
           </p:cNvPr>
@@ -14544,17 +14556,89 @@
         </p:blipFill>
         <p:spPr>
           <a:xfrm>
-            <a:off x="1538428" y="1240969"/>
-            <a:ext cx="9038245" cy="5084013"/>
+            <a:off x="1442731" y="1240969"/>
+            <a:ext cx="9229639" cy="5084013"/>
           </a:xfrm>
+        </p:spPr>
+      </p:pic>
+      <p:pic>
+        <p:nvPicPr>
+          <p:cNvPr id="14" name="Рисунок 13">
+            <a:extLst>
+              <a:ext uri="{FF2B5EF4-FFF2-40B4-BE49-F238E27FC236}">
+                <a16:creationId xmlns:a16="http://schemas.microsoft.com/office/drawing/2014/main" id="{CFEF1580-9A6E-4F8F-8E5E-DE2E6A7981BD}"/>
+              </a:ext>
+            </a:extLst>
+          </p:cNvPr>
+          <p:cNvPicPr>
+            <a:picLocks noChangeAspect="1"/>
+          </p:cNvPicPr>
+          <p:nvPr/>
+        </p:nvPicPr>
+        <p:blipFill>
+          <a:blip r:embed="rId3">
+            <a:extLst>
+              <a:ext uri="{28A0092B-C50C-407E-A947-70E740481C1C}">
+                <a14:useLocalDpi xmlns:a14="http://schemas.microsoft.com/office/drawing/2010/main" val="0"/>
+              </a:ext>
+            </a:extLst>
+          </a:blip>
+          <a:stretch>
+            <a:fillRect/>
+          </a:stretch>
+        </p:blipFill>
+        <p:spPr>
+          <a:xfrm>
+            <a:off x="11303935" y="278699"/>
+            <a:ext cx="544664" cy="544664"/>
+          </a:xfrm>
+          <a:prstGeom prst="rect">
+            <a:avLst/>
+          </a:prstGeom>
+        </p:spPr>
+      </p:pic>
+      <p:pic>
+        <p:nvPicPr>
+          <p:cNvPr id="15" name="Рисунок 14">
+            <a:extLst>
+              <a:ext uri="{FF2B5EF4-FFF2-40B4-BE49-F238E27FC236}">
+                <a16:creationId xmlns:a16="http://schemas.microsoft.com/office/drawing/2014/main" id="{BF974F21-1C4E-4ED1-81CF-AD53394F9336}"/>
+              </a:ext>
+            </a:extLst>
+          </p:cNvPr>
+          <p:cNvPicPr>
+            <a:picLocks noChangeAspect="1"/>
+          </p:cNvPicPr>
+          <p:nvPr/>
+        </p:nvPicPr>
+        <p:blipFill>
+          <a:blip r:embed="rId4">
+            <a:extLst>
+              <a:ext uri="{28A0092B-C50C-407E-A947-70E740481C1C}">
+                <a14:useLocalDpi xmlns:a14="http://schemas.microsoft.com/office/drawing/2010/main" val="0"/>
+              </a:ext>
+            </a:extLst>
+          </a:blip>
+          <a:stretch>
+            <a:fillRect/>
+          </a:stretch>
+        </p:blipFill>
+        <p:spPr>
+          <a:xfrm>
+            <a:off x="346051" y="278699"/>
+            <a:ext cx="1325995" cy="304826"/>
+          </a:xfrm>
+          <a:prstGeom prst="rect">
+            <a:avLst/>
+          </a:prstGeom>
         </p:spPr>
       </p:pic>
       <p:graphicFrame>
         <p:nvGraphicFramePr>
-          <p:cNvPr id="9" name="Таблица 8">
+          <p:cNvPr id="16" name="Таблица 15">
             <a:extLst>
               <a:ext uri="{FF2B5EF4-FFF2-40B4-BE49-F238E27FC236}">
-                <a16:creationId xmlns:a16="http://schemas.microsoft.com/office/drawing/2014/main" xmlns="" id="{06D43F49-0DB6-4344-BCC8-DDB9388852C6}"/>
+                <a16:creationId xmlns:a16="http://schemas.microsoft.com/office/drawing/2014/main" id="{8C0704C6-C82A-40A2-8708-625E00810396}"/>
               </a:ext>
             </a:extLst>
           </p:cNvPr>
@@ -14564,14 +14648,14 @@
           <p:nvPr>
             <p:extLst>
               <p:ext uri="{D42A27DB-BD31-4B8C-83A1-F6EECF244321}">
-                <p14:modId xmlns:p14="http://schemas.microsoft.com/office/powerpoint/2010/main" val="4254012485"/>
+                <p14:modId xmlns:p14="http://schemas.microsoft.com/office/powerpoint/2010/main" val="346322459"/>
               </p:ext>
             </p:extLst>
           </p:nvPr>
         </p:nvGraphicFramePr>
         <p:xfrm>
-          <a:off x="653332" y="6329045"/>
-          <a:ext cx="10430786" cy="601980"/>
+          <a:off x="0" y="6329045"/>
+          <a:ext cx="12192000" cy="528955"/>
         </p:xfrm>
         <a:graphic>
           <a:graphicData uri="http://schemas.openxmlformats.org/drawingml/2006/table">
@@ -14580,10 +14664,10 @@
                 <a:tableStyleId>{5C22544A-7EE6-4342-B048-85BDC9FD1C3A}</a:tableStyleId>
               </a:tblPr>
               <a:tblGrid>
-                <a:gridCol w="10430786">
+                <a:gridCol w="12192000">
                   <a:extLst>
                     <a:ext uri="{9D8B030D-6E8A-4147-A177-3AD203B41FA5}">
-                      <a16:colId xmlns:a16="http://schemas.microsoft.com/office/drawing/2014/main" xmlns="" val="3945925805"/>
+                      <a16:colId xmlns:a16="http://schemas.microsoft.com/office/drawing/2014/main" val="3945925805"/>
                     </a:ext>
                   </a:extLst>
                 </a:gridCol>
@@ -14594,7 +14678,7 @@
                     <a:bodyPr/>
                     <a:lstStyle/>
                     <a:p>
-                      <a:pPr lvl="1" algn="ctr">
+                      <a:pPr lvl="0" algn="ctr">
                         <a:lnSpc>
                           <a:spcPct val="250000"/>
                         </a:lnSpc>
@@ -14621,7 +14705,13 @@
                           <a:effectLst/>
                           <a:latin typeface="Arial" panose="020B0604020202020204" pitchFamily="34" charset="0"/>
                           <a:cs typeface="Arial" panose="020B0604020202020204" pitchFamily="34" charset="0"/>
-                          <a:hlinkClick r:id="rId3"/>
+                          <a:hlinkClick r:id="rId5">
+                            <a:extLst>
+                              <a:ext uri="{A12FA001-AC4F-418D-AE19-62706E023703}">
+                                <ahyp:hlinkClr xmlns:ahyp="http://schemas.microsoft.com/office/drawing/2018/hyperlinkcolor" val="tx"/>
+                              </a:ext>
+                            </a:extLst>
+                          </a:hlinkClick>
                         </a:rPr>
                         <a:t>+</a:t>
                       </a:r>
@@ -14634,10 +14724,10 @@
                           <a:latin typeface="Arial" panose="020B0604020202020204" pitchFamily="34" charset="0"/>
                           <a:ea typeface="+mn-ea"/>
                           <a:cs typeface="Arial" panose="020B0604020202020204" pitchFamily="34" charset="0"/>
-                          <a:hlinkClick r:id="rId3">
+                          <a:hlinkClick r:id="rId5">
                             <a:extLst>
                               <a:ext uri="{A12FA001-AC4F-418D-AE19-62706E023703}">
-                                <ahyp:hlinkClr xmlns:ahyp="http://schemas.microsoft.com/office/drawing/2018/hyperlinkcolor" xmlns="" val="tx"/>
+                                <ahyp:hlinkClr xmlns:ahyp="http://schemas.microsoft.com/office/drawing/2018/hyperlinkcolor" val="tx"/>
                               </a:ext>
                             </a:extLst>
                           </a:hlinkClick>
@@ -14665,10 +14755,10 @@
                           <a:latin typeface="Arial" panose="020B0604020202020204" pitchFamily="34" charset="0"/>
                           <a:ea typeface="+mn-ea"/>
                           <a:cs typeface="Arial" panose="020B0604020202020204" pitchFamily="34" charset="0"/>
-                          <a:hlinkClick r:id="rId4">
+                          <a:hlinkClick r:id="rId6">
                             <a:extLst>
                               <a:ext uri="{A12FA001-AC4F-418D-AE19-62706E023703}">
-                                <ahyp:hlinkClr xmlns:ahyp="http://schemas.microsoft.com/office/drawing/2018/hyperlinkcolor" xmlns="" val="tx"/>
+                                <ahyp:hlinkClr xmlns:ahyp="http://schemas.microsoft.com/office/drawing/2018/hyperlinkcolor" val="tx"/>
                               </a:ext>
                             </a:extLst>
                           </a:hlinkClick>
@@ -14684,10 +14774,10 @@
                           <a:latin typeface="Arial" panose="020B0604020202020204" pitchFamily="34" charset="0"/>
                           <a:ea typeface="+mn-ea"/>
                           <a:cs typeface="Arial" panose="020B0604020202020204" pitchFamily="34" charset="0"/>
-                          <a:hlinkClick r:id="rId4">
+                          <a:hlinkClick r:id="rId6">
                             <a:extLst>
                               <a:ext uri="{A12FA001-AC4F-418D-AE19-62706E023703}">
-                                <ahyp:hlinkClr xmlns:ahyp="http://schemas.microsoft.com/office/drawing/2018/hyperlinkcolor" xmlns="" val="tx"/>
+                                <ahyp:hlinkClr xmlns:ahyp="http://schemas.microsoft.com/office/drawing/2018/hyperlinkcolor" val="tx"/>
                               </a:ext>
                             </a:extLst>
                           </a:hlinkClick>
@@ -14703,10 +14793,10 @@
                           <a:latin typeface="Arial" panose="020B0604020202020204" pitchFamily="34" charset="0"/>
                           <a:ea typeface="+mn-ea"/>
                           <a:cs typeface="Arial" panose="020B0604020202020204" pitchFamily="34" charset="0"/>
-                          <a:hlinkClick r:id="rId4">
+                          <a:hlinkClick r:id="rId6">
                             <a:extLst>
                               <a:ext uri="{A12FA001-AC4F-418D-AE19-62706E023703}">
-                                <ahyp:hlinkClr xmlns:ahyp="http://schemas.microsoft.com/office/drawing/2018/hyperlinkcolor" xmlns="" val="tx"/>
+                                <ahyp:hlinkClr xmlns:ahyp="http://schemas.microsoft.com/office/drawing/2018/hyperlinkcolor" val="tx"/>
                               </a:ext>
                             </a:extLst>
                           </a:hlinkClick>
@@ -14770,10 +14860,10 @@
                           <a:latin typeface="Arial" panose="020B0604020202020204" pitchFamily="34" charset="0"/>
                           <a:ea typeface="+mn-ea"/>
                           <a:cs typeface="Arial" panose="020B0604020202020204" pitchFamily="34" charset="0"/>
-                          <a:hlinkClick r:id="rId5">
+                          <a:hlinkClick r:id="rId7">
                             <a:extLst>
                               <a:ext uri="{A12FA001-AC4F-418D-AE19-62706E023703}">
-                                <ahyp:hlinkClr xmlns:ahyp="http://schemas.microsoft.com/office/drawing/2018/hyperlinkcolor" xmlns="" val="tx"/>
+                                <ahyp:hlinkClr xmlns:ahyp="http://schemas.microsoft.com/office/drawing/2018/hyperlinkcolor" val="tx"/>
                               </a:ext>
                             </a:extLst>
                           </a:hlinkClick>
@@ -14789,10 +14879,10 @@
                           <a:latin typeface="Arial" panose="020B0604020202020204" pitchFamily="34" charset="0"/>
                           <a:ea typeface="+mn-ea"/>
                           <a:cs typeface="Arial" panose="020B0604020202020204" pitchFamily="34" charset="0"/>
-                          <a:hlinkClick r:id="rId5">
+                          <a:hlinkClick r:id="rId7">
                             <a:extLst>
                               <a:ext uri="{A12FA001-AC4F-418D-AE19-62706E023703}">
-                                <ahyp:hlinkClr xmlns:ahyp="http://schemas.microsoft.com/office/drawing/2018/hyperlinkcolor" xmlns="" val="tx"/>
+                                <ahyp:hlinkClr xmlns:ahyp="http://schemas.microsoft.com/office/drawing/2018/hyperlinkcolor" val="tx"/>
                               </a:ext>
                             </a:extLst>
                           </a:hlinkClick>
@@ -14808,10 +14898,10 @@
                           <a:latin typeface="Arial" panose="020B0604020202020204" pitchFamily="34" charset="0"/>
                           <a:ea typeface="+mn-ea"/>
                           <a:cs typeface="Arial" panose="020B0604020202020204" pitchFamily="34" charset="0"/>
-                          <a:hlinkClick r:id="rId5">
+                          <a:hlinkClick r:id="rId7">
                             <a:extLst>
                               <a:ext uri="{A12FA001-AC4F-418D-AE19-62706E023703}">
-                                <ahyp:hlinkClr xmlns:ahyp="http://schemas.microsoft.com/office/drawing/2018/hyperlinkcolor" xmlns="" val="tx"/>
+                                <ahyp:hlinkClr xmlns:ahyp="http://schemas.microsoft.com/office/drawing/2018/hyperlinkcolor" val="tx"/>
                               </a:ext>
                             </a:extLst>
                           </a:hlinkClick>
@@ -14827,10 +14917,10 @@
                           <a:latin typeface="Arial" panose="020B0604020202020204" pitchFamily="34" charset="0"/>
                           <a:ea typeface="+mn-ea"/>
                           <a:cs typeface="Arial" panose="020B0604020202020204" pitchFamily="34" charset="0"/>
-                          <a:hlinkClick r:id="rId5">
+                          <a:hlinkClick r:id="rId7">
                             <a:extLst>
                               <a:ext uri="{A12FA001-AC4F-418D-AE19-62706E023703}">
-                                <ahyp:hlinkClr xmlns:ahyp="http://schemas.microsoft.com/office/drawing/2018/hyperlinkcolor" xmlns="" val="tx"/>
+                                <ahyp:hlinkClr xmlns:ahyp="http://schemas.microsoft.com/office/drawing/2018/hyperlinkcolor" val="tx"/>
                               </a:ext>
                             </a:extLst>
                           </a:hlinkClick>
@@ -14846,10 +14936,10 @@
                           <a:latin typeface="Arial" panose="020B0604020202020204" pitchFamily="34" charset="0"/>
                           <a:ea typeface="+mn-ea"/>
                           <a:cs typeface="Arial" panose="020B0604020202020204" pitchFamily="34" charset="0"/>
-                          <a:hlinkClick r:id="rId5">
+                          <a:hlinkClick r:id="rId7">
                             <a:extLst>
                               <a:ext uri="{A12FA001-AC4F-418D-AE19-62706E023703}">
-                                <ahyp:hlinkClr xmlns:ahyp="http://schemas.microsoft.com/office/drawing/2018/hyperlinkcolor" xmlns="" val="tx"/>
+                                <ahyp:hlinkClr xmlns:ahyp="http://schemas.microsoft.com/office/drawing/2018/hyperlinkcolor" val="tx"/>
                               </a:ext>
                             </a:extLst>
                           </a:hlinkClick>
@@ -14873,7 +14963,7 @@
                 </a:tc>
                 <a:extLst>
                   <a:ext uri="{0D108BD9-81ED-4DB2-BD59-A6C34878D82A}">
-                    <a16:rowId xmlns:a16="http://schemas.microsoft.com/office/drawing/2014/main" xmlns="" val="2829935568"/>
+                    <a16:rowId xmlns:a16="http://schemas.microsoft.com/office/drawing/2014/main" val="2829935568"/>
                   </a:ext>
                 </a:extLst>
               </a:tr>
@@ -14883,10 +14973,10 @@
       </p:graphicFrame>
       <p:pic>
         <p:nvPicPr>
-          <p:cNvPr id="10" name="Рисунок 1" descr="skype-logo-png-5a3a1a4934c5d5">
+          <p:cNvPr id="17" name="Рисунок 1" descr="skype-logo-png-5a3a1a4934c5d5">
             <a:extLst>
               <a:ext uri="{FF2B5EF4-FFF2-40B4-BE49-F238E27FC236}">
-                <a16:creationId xmlns:a16="http://schemas.microsoft.com/office/drawing/2014/main" xmlns="" id="{EE91CBE2-D7CD-4129-9E2C-B07DDA38AF84}"/>
+                <a16:creationId xmlns:a16="http://schemas.microsoft.com/office/drawing/2014/main" id="{60F8ECE1-A9AE-41EF-8749-E02ECDD42065}"/>
               </a:ext>
             </a:extLst>
           </p:cNvPr>
@@ -14896,7 +14986,7 @@
           <p:nvPr/>
         </p:nvPicPr>
         <p:blipFill>
-          <a:blip r:embed="rId6">
+          <a:blip r:embed="rId8">
             <a:extLst>
               <a:ext uri="{28A0092B-C50C-407E-A947-70E740481C1C}">
                 <a14:useLocalDpi xmlns:a14="http://schemas.microsoft.com/office/drawing/2010/main" val="0"/>
@@ -14910,7 +15000,7 @@
         </p:blipFill>
         <p:spPr bwMode="auto">
           <a:xfrm>
-            <a:off x="6767950" y="6509219"/>
+            <a:off x="6785355" y="6509219"/>
             <a:ext cx="294735" cy="189158"/>
           </a:xfrm>
           <a:prstGeom prst="rect">
@@ -14928,76 +15018,10 @@
           </a:extLst>
         </p:spPr>
       </p:pic>
-      <p:pic>
-        <p:nvPicPr>
-          <p:cNvPr id="11" name="Рисунок 10">
-            <a:extLst>
-              <a:ext uri="{FF2B5EF4-FFF2-40B4-BE49-F238E27FC236}">
-                <a16:creationId xmlns:a16="http://schemas.microsoft.com/office/drawing/2014/main" xmlns="" id="{14388FA5-BC16-4D85-AAFF-C811168E0AC5}"/>
-              </a:ext>
-            </a:extLst>
-          </p:cNvPr>
-          <p:cNvPicPr>
-            <a:picLocks noChangeAspect="1"/>
-          </p:cNvPicPr>
-          <p:nvPr/>
-        </p:nvPicPr>
-        <p:blipFill>
-          <a:blip r:embed="rId7">
-            <a:extLst>
-              <a:ext uri="{28A0092B-C50C-407E-A947-70E740481C1C}">
-                <a14:useLocalDpi xmlns:a14="http://schemas.microsoft.com/office/drawing/2010/main" val="0"/>
-              </a:ext>
-            </a:extLst>
-          </a:blip>
-          <a:stretch>
-            <a:fillRect/>
-          </a:stretch>
-        </p:blipFill>
-        <p:spPr>
-          <a:xfrm>
-            <a:off x="653332" y="6329238"/>
-            <a:ext cx="544664" cy="544664"/>
-          </a:xfrm>
-          <a:prstGeom prst="rect">
-            <a:avLst/>
-          </a:prstGeom>
-        </p:spPr>
-      </p:pic>
-      <p:pic>
-        <p:nvPicPr>
-          <p:cNvPr id="8" name="Рисунок 7"/>
-          <p:cNvPicPr>
-            <a:picLocks noChangeAspect="1"/>
-          </p:cNvPicPr>
-          <p:nvPr/>
-        </p:nvPicPr>
-        <p:blipFill>
-          <a:blip r:embed="rId8">
-            <a:extLst>
-              <a:ext uri="{28A0092B-C50C-407E-A947-70E740481C1C}">
-                <a14:useLocalDpi xmlns:a14="http://schemas.microsoft.com/office/drawing/2010/main" val="0"/>
-              </a:ext>
-            </a:extLst>
-          </a:blip>
-          <a:stretch>
-            <a:fillRect/>
-          </a:stretch>
-        </p:blipFill>
-        <p:spPr>
-          <a:xfrm>
-            <a:off x="198005" y="182321"/>
-            <a:ext cx="1325995" cy="304826"/>
-          </a:xfrm>
-          <a:prstGeom prst="rect">
-            <a:avLst/>
-          </a:prstGeom>
-        </p:spPr>
-      </p:pic>
     </p:spTree>
     <p:extLst>
       <p:ext uri="{BB962C8B-B14F-4D97-AF65-F5344CB8AC3E}">
-        <p14:creationId xmlns:p14="http://schemas.microsoft.com/office/powerpoint/2010/main" val="3168035940"/>
+        <p14:creationId xmlns:p14="http://schemas.microsoft.com/office/powerpoint/2010/main" val="1510516811"/>
       </p:ext>
     </p:extLst>
   </p:cSld>
@@ -15007,14 +15031,136 @@
   <p:timing>
     <p:tnLst>
       <p:par>
-        <p:cTn id="1" dur="indefinite" restart="never" nodeType="tmRoot"/>
+        <p:cTn id="1" dur="indefinite" restart="never" nodeType="tmRoot">
+          <p:childTnLst>
+            <p:seq concurrent="1" nextAc="seek">
+              <p:cTn id="2" dur="indefinite" nodeType="mainSeq">
+                <p:childTnLst>
+                  <p:par>
+                    <p:cTn id="3" fill="hold">
+                      <p:stCondLst>
+                        <p:cond delay="indefinite"/>
+                      </p:stCondLst>
+                      <p:childTnLst>
+                        <p:par>
+                          <p:cTn id="4" fill="hold">
+                            <p:stCondLst>
+                              <p:cond delay="0"/>
+                            </p:stCondLst>
+                            <p:childTnLst>
+                              <p:par>
+                                <p:cTn id="5" presetID="45" presetClass="entr" presetSubtype="0" fill="hold" nodeType="clickEffect">
+                                  <p:stCondLst>
+                                    <p:cond delay="0"/>
+                                  </p:stCondLst>
+                                  <p:childTnLst>
+                                    <p:set>
+                                      <p:cBhvr>
+                                        <p:cTn id="6" dur="1" fill="hold">
+                                          <p:stCondLst>
+                                            <p:cond delay="0"/>
+                                          </p:stCondLst>
+                                        </p:cTn>
+                                        <p:tgtEl>
+                                          <p:spTgt spid="14"/>
+                                        </p:tgtEl>
+                                        <p:attrNameLst>
+                                          <p:attrName>style.visibility</p:attrName>
+                                        </p:attrNameLst>
+                                      </p:cBhvr>
+                                      <p:to>
+                                        <p:strVal val="visible"/>
+                                      </p:to>
+                                    </p:set>
+                                    <p:animEffect transition="in" filter="fade">
+                                      <p:cBhvr>
+                                        <p:cTn id="7" dur="2000"/>
+                                        <p:tgtEl>
+                                          <p:spTgt spid="14"/>
+                                        </p:tgtEl>
+                                      </p:cBhvr>
+                                    </p:animEffect>
+                                    <p:anim calcmode="lin" valueType="num">
+                                      <p:cBhvr>
+                                        <p:cTn id="8" dur="2000" fill="hold"/>
+                                        <p:tgtEl>
+                                          <p:spTgt spid="14"/>
+                                        </p:tgtEl>
+                                        <p:attrNameLst>
+                                          <p:attrName>ppt_w</p:attrName>
+                                        </p:attrNameLst>
+                                      </p:cBhvr>
+                                      <p:tavLst>
+                                        <p:tav tm="0" fmla="#ppt_w*sin(2.5*pi*$)">
+                                          <p:val>
+                                            <p:fltVal val="0"/>
+                                          </p:val>
+                                        </p:tav>
+                                        <p:tav tm="100000">
+                                          <p:val>
+                                            <p:fltVal val="1"/>
+                                          </p:val>
+                                        </p:tav>
+                                      </p:tavLst>
+                                    </p:anim>
+                                    <p:anim calcmode="lin" valueType="num">
+                                      <p:cBhvr>
+                                        <p:cTn id="9" dur="2000" fill="hold"/>
+                                        <p:tgtEl>
+                                          <p:spTgt spid="14"/>
+                                        </p:tgtEl>
+                                        <p:attrNameLst>
+                                          <p:attrName>ppt_h</p:attrName>
+                                        </p:attrNameLst>
+                                      </p:cBhvr>
+                                      <p:tavLst>
+                                        <p:tav tm="0">
+                                          <p:val>
+                                            <p:strVal val="#ppt_h"/>
+                                          </p:val>
+                                        </p:tav>
+                                        <p:tav tm="100000">
+                                          <p:val>
+                                            <p:strVal val="#ppt_h"/>
+                                          </p:val>
+                                        </p:tav>
+                                      </p:tavLst>
+                                    </p:anim>
+                                  </p:childTnLst>
+                                </p:cTn>
+                              </p:par>
+                            </p:childTnLst>
+                          </p:cTn>
+                        </p:par>
+                      </p:childTnLst>
+                    </p:cTn>
+                  </p:par>
+                </p:childTnLst>
+              </p:cTn>
+              <p:prevCondLst>
+                <p:cond evt="onPrev" delay="0">
+                  <p:tgtEl>
+                    <p:sldTgt/>
+                  </p:tgtEl>
+                </p:cond>
+              </p:prevCondLst>
+              <p:nextCondLst>
+                <p:cond evt="onNext" delay="0">
+                  <p:tgtEl>
+                    <p:sldTgt/>
+                  </p:tgtEl>
+                </p:cond>
+              </p:nextCondLst>
+            </p:seq>
+          </p:childTnLst>
+        </p:cTn>
       </p:par>
     </p:tnLst>
   </p:timing>
 </p:sld>
 </file>
 
-<file path=ppt/slides/slide9.xml><?xml version="1.0" encoding="utf-8"?>
+<file path=ppt/slides/slide8.xml><?xml version="1.0" encoding="utf-8"?>
 <p:sld xmlns:a="http://schemas.openxmlformats.org/drawingml/2006/main" xmlns:r="http://schemas.openxmlformats.org/officeDocument/2006/relationships" xmlns:p="http://schemas.openxmlformats.org/presentationml/2006/main">
   <p:cSld>
     <p:spTree>
@@ -15036,7 +15182,7 @@
           <p:cNvPr id="2" name="Заголовок 1">
             <a:extLst>
               <a:ext uri="{FF2B5EF4-FFF2-40B4-BE49-F238E27FC236}">
-                <a16:creationId xmlns:a16="http://schemas.microsoft.com/office/drawing/2014/main" xmlns="" id="{25F692A8-803A-41A1-AB91-078148637459}"/>
+                <a16:creationId xmlns:a16="http://schemas.microsoft.com/office/drawing/2014/main" id="{29C8EB21-282D-47A7-BABA-6D9619069A1E}"/>
               </a:ext>
             </a:extLst>
           </p:cNvPr>
@@ -15049,13 +15195,13 @@
         </p:nvSpPr>
         <p:spPr>
           <a:xfrm>
-            <a:off x="5965372" y="365126"/>
-            <a:ext cx="3544388" cy="883229"/>
+            <a:off x="3502481" y="365125"/>
+            <a:ext cx="7070270" cy="851425"/>
           </a:xfrm>
         </p:spPr>
         <p:txBody>
           <a:bodyPr>
-            <a:normAutofit/>
+            <a:noAutofit/>
           </a:bodyPr>
           <a:lstStyle/>
           <a:p>
@@ -15068,58 +15214,29 @@
                 <a:latin typeface="Arial" panose="020B0604020202020204" pitchFamily="34" charset="0"/>
                 <a:cs typeface="Arial" panose="020B0604020202020204" pitchFamily="34" charset="0"/>
               </a:rPr>
-              <a:t>Объекты</a:t>
+              <a:t>Управление задачами</a:t>
             </a:r>
           </a:p>
         </p:txBody>
       </p:sp>
-      <p:graphicFrame>
-        <p:nvGraphicFramePr>
-          <p:cNvPr id="5" name="Объект 4">
+      <p:pic>
+        <p:nvPicPr>
+          <p:cNvPr id="6" name="Объект 5">
             <a:extLst>
               <a:ext uri="{FF2B5EF4-FFF2-40B4-BE49-F238E27FC236}">
-                <a16:creationId xmlns:a16="http://schemas.microsoft.com/office/drawing/2014/main" xmlns="" id="{22A8E864-5F8E-48AD-BCBD-1533E62310C2}"/>
-              </a:ext>
-            </a:extLst>
-          </p:cNvPr>
-          <p:cNvGraphicFramePr>
-            <a:graphicFrameLocks noGrp="1"/>
-          </p:cNvGraphicFramePr>
-          <p:nvPr>
-            <p:ph idx="1"/>
-            <p:extLst>
-              <p:ext uri="{D42A27DB-BD31-4B8C-83A1-F6EECF244321}">
-                <p14:modId xmlns:p14="http://schemas.microsoft.com/office/powerpoint/2010/main" val="3690820846"/>
-              </p:ext>
-            </p:extLst>
-          </p:nvPr>
-        </p:nvGraphicFramePr>
-        <p:xfrm>
-          <a:off x="838200" y="1248355"/>
-          <a:ext cx="10515600" cy="5080690"/>
-        </p:xfrm>
-        <a:graphic>
-          <a:graphicData uri="http://schemas.openxmlformats.org/drawingml/2006/diagram">
-            <dgm:relIds xmlns:dgm="http://schemas.openxmlformats.org/drawingml/2006/diagram" xmlns:r="http://schemas.openxmlformats.org/officeDocument/2006/relationships" r:dm="rId2" r:lo="rId3" r:qs="rId4" r:cs="rId5"/>
-          </a:graphicData>
-        </a:graphic>
-      </p:graphicFrame>
-      <p:pic>
-        <p:nvPicPr>
-          <p:cNvPr id="6" name="Рисунок 5">
-            <a:extLst>
-              <a:ext uri="{FF2B5EF4-FFF2-40B4-BE49-F238E27FC236}">
-                <a16:creationId xmlns:a16="http://schemas.microsoft.com/office/drawing/2014/main" xmlns="" id="{68E2C515-0C58-44CD-8521-E0149E4D2268}"/>
+                <a16:creationId xmlns:a16="http://schemas.microsoft.com/office/drawing/2014/main" id="{A027DDA4-FE27-4C29-8905-9D8F79665941}"/>
               </a:ext>
             </a:extLst>
           </p:cNvPr>
           <p:cNvPicPr>
-            <a:picLocks noChangeAspect="1"/>
+            <a:picLocks noGrp="1" noChangeAspect="1"/>
           </p:cNvPicPr>
-          <p:nvPr/>
+          <p:nvPr>
+            <p:ph idx="1"/>
+          </p:nvPr>
         </p:nvPicPr>
         <p:blipFill>
-          <a:blip r:embed="rId7" cstate="print">
+          <a:blip r:embed="rId2">
             <a:extLst>
               <a:ext uri="{28A0092B-C50C-407E-A947-70E740481C1C}">
                 <a14:useLocalDpi xmlns:a14="http://schemas.microsoft.com/office/drawing/2010/main" val="0"/>
@@ -15132,8 +15249,77 @@
         </p:blipFill>
         <p:spPr>
           <a:xfrm>
-            <a:off x="9693946" y="540688"/>
-            <a:ext cx="819693" cy="455728"/>
+            <a:off x="1538428" y="1240969"/>
+            <a:ext cx="9038245" cy="5084013"/>
+          </a:xfrm>
+        </p:spPr>
+      </p:pic>
+      <p:pic>
+        <p:nvPicPr>
+          <p:cNvPr id="14" name="Рисунок 13">
+            <a:extLst>
+              <a:ext uri="{FF2B5EF4-FFF2-40B4-BE49-F238E27FC236}">
+                <a16:creationId xmlns:a16="http://schemas.microsoft.com/office/drawing/2014/main" id="{A83688F3-F447-42A9-ABD3-0787E44266F8}"/>
+              </a:ext>
+            </a:extLst>
+          </p:cNvPr>
+          <p:cNvPicPr>
+            <a:picLocks noChangeAspect="1"/>
+          </p:cNvPicPr>
+          <p:nvPr/>
+        </p:nvPicPr>
+        <p:blipFill>
+          <a:blip r:embed="rId3">
+            <a:extLst>
+              <a:ext uri="{28A0092B-C50C-407E-A947-70E740481C1C}">
+                <a14:useLocalDpi xmlns:a14="http://schemas.microsoft.com/office/drawing/2010/main" val="0"/>
+              </a:ext>
+            </a:extLst>
+          </a:blip>
+          <a:stretch>
+            <a:fillRect/>
+          </a:stretch>
+        </p:blipFill>
+        <p:spPr>
+          <a:xfrm>
+            <a:off x="11303935" y="278699"/>
+            <a:ext cx="544664" cy="544664"/>
+          </a:xfrm>
+          <a:prstGeom prst="rect">
+            <a:avLst/>
+          </a:prstGeom>
+        </p:spPr>
+      </p:pic>
+      <p:pic>
+        <p:nvPicPr>
+          <p:cNvPr id="15" name="Рисунок 14">
+            <a:extLst>
+              <a:ext uri="{FF2B5EF4-FFF2-40B4-BE49-F238E27FC236}">
+                <a16:creationId xmlns:a16="http://schemas.microsoft.com/office/drawing/2014/main" id="{F4DE3A16-BA18-422C-826E-8F13E929EF88}"/>
+              </a:ext>
+            </a:extLst>
+          </p:cNvPr>
+          <p:cNvPicPr>
+            <a:picLocks noChangeAspect="1"/>
+          </p:cNvPicPr>
+          <p:nvPr/>
+        </p:nvPicPr>
+        <p:blipFill>
+          <a:blip r:embed="rId4">
+            <a:extLst>
+              <a:ext uri="{28A0092B-C50C-407E-A947-70E740481C1C}">
+                <a14:useLocalDpi xmlns:a14="http://schemas.microsoft.com/office/drawing/2010/main" val="0"/>
+              </a:ext>
+            </a:extLst>
+          </a:blip>
+          <a:stretch>
+            <a:fillRect/>
+          </a:stretch>
+        </p:blipFill>
+        <p:spPr>
+          <a:xfrm>
+            <a:off x="346051" y="278699"/>
+            <a:ext cx="1325995" cy="304826"/>
           </a:xfrm>
           <a:prstGeom prst="rect">
             <a:avLst/>
@@ -15142,10 +15328,10 @@
       </p:pic>
       <p:graphicFrame>
         <p:nvGraphicFramePr>
-          <p:cNvPr id="7" name="Таблица 6">
+          <p:cNvPr id="16" name="Таблица 15">
             <a:extLst>
               <a:ext uri="{FF2B5EF4-FFF2-40B4-BE49-F238E27FC236}">
-                <a16:creationId xmlns:a16="http://schemas.microsoft.com/office/drawing/2014/main" xmlns="" id="{00CB1236-4BF2-45F4-8654-78E3918E8CA1}"/>
+                <a16:creationId xmlns:a16="http://schemas.microsoft.com/office/drawing/2014/main" id="{D21E8B57-3184-4478-882E-477749883452}"/>
               </a:ext>
             </a:extLst>
           </p:cNvPr>
@@ -15155,14 +15341,14 @@
           <p:nvPr>
             <p:extLst>
               <p:ext uri="{D42A27DB-BD31-4B8C-83A1-F6EECF244321}">
-                <p14:modId xmlns:p14="http://schemas.microsoft.com/office/powerpoint/2010/main" val="3253273117"/>
+                <p14:modId xmlns:p14="http://schemas.microsoft.com/office/powerpoint/2010/main" val="346322459"/>
               </p:ext>
             </p:extLst>
           </p:nvPr>
         </p:nvGraphicFramePr>
         <p:xfrm>
-          <a:off x="653332" y="6329045"/>
-          <a:ext cx="10430786" cy="527495"/>
+          <a:off x="0" y="6329045"/>
+          <a:ext cx="12192000" cy="528955"/>
         </p:xfrm>
         <a:graphic>
           <a:graphicData uri="http://schemas.openxmlformats.org/drawingml/2006/table">
@@ -15171,10 +15357,10 @@
                 <a:tableStyleId>{5C22544A-7EE6-4342-B048-85BDC9FD1C3A}</a:tableStyleId>
               </a:tblPr>
               <a:tblGrid>
-                <a:gridCol w="10430786">
+                <a:gridCol w="12192000">
                   <a:extLst>
                     <a:ext uri="{9D8B030D-6E8A-4147-A177-3AD203B41FA5}">
-                      <a16:colId xmlns:a16="http://schemas.microsoft.com/office/drawing/2014/main" xmlns="" val="3945925805"/>
+                      <a16:colId xmlns:a16="http://schemas.microsoft.com/office/drawing/2014/main" val="3945925805"/>
                     </a:ext>
                   </a:extLst>
                 </a:gridCol>
@@ -15185,7 +15371,7 @@
                     <a:bodyPr/>
                     <a:lstStyle/>
                     <a:p>
-                      <a:pPr lvl="1" algn="ctr">
+                      <a:pPr lvl="0" algn="ctr">
                         <a:lnSpc>
                           <a:spcPct val="250000"/>
                         </a:lnSpc>
@@ -15212,7 +15398,13 @@
                           <a:effectLst/>
                           <a:latin typeface="Arial" panose="020B0604020202020204" pitchFamily="34" charset="0"/>
                           <a:cs typeface="Arial" panose="020B0604020202020204" pitchFamily="34" charset="0"/>
-                          <a:hlinkClick r:id="rId8"/>
+                          <a:hlinkClick r:id="rId5">
+                            <a:extLst>
+                              <a:ext uri="{A12FA001-AC4F-418D-AE19-62706E023703}">
+                                <ahyp:hlinkClr xmlns:ahyp="http://schemas.microsoft.com/office/drawing/2018/hyperlinkcolor" val="tx"/>
+                              </a:ext>
+                            </a:extLst>
+                          </a:hlinkClick>
                         </a:rPr>
                         <a:t>+</a:t>
                       </a:r>
@@ -15225,10 +15417,10 @@
                           <a:latin typeface="Arial" panose="020B0604020202020204" pitchFamily="34" charset="0"/>
                           <a:ea typeface="+mn-ea"/>
                           <a:cs typeface="Arial" panose="020B0604020202020204" pitchFamily="34" charset="0"/>
-                          <a:hlinkClick r:id="rId8">
+                          <a:hlinkClick r:id="rId5">
                             <a:extLst>
                               <a:ext uri="{A12FA001-AC4F-418D-AE19-62706E023703}">
-                                <ahyp:hlinkClr xmlns:ahyp="http://schemas.microsoft.com/office/drawing/2018/hyperlinkcolor" xmlns="" val="tx"/>
+                                <ahyp:hlinkClr xmlns:ahyp="http://schemas.microsoft.com/office/drawing/2018/hyperlinkcolor" val="tx"/>
                               </a:ext>
                             </a:extLst>
                           </a:hlinkClick>
@@ -15256,10 +15448,10 @@
                           <a:latin typeface="Arial" panose="020B0604020202020204" pitchFamily="34" charset="0"/>
                           <a:ea typeface="+mn-ea"/>
                           <a:cs typeface="Arial" panose="020B0604020202020204" pitchFamily="34" charset="0"/>
-                          <a:hlinkClick r:id="rId9">
+                          <a:hlinkClick r:id="rId6">
                             <a:extLst>
                               <a:ext uri="{A12FA001-AC4F-418D-AE19-62706E023703}">
-                                <ahyp:hlinkClr xmlns:ahyp="http://schemas.microsoft.com/office/drawing/2018/hyperlinkcolor" xmlns="" val="tx"/>
+                                <ahyp:hlinkClr xmlns:ahyp="http://schemas.microsoft.com/office/drawing/2018/hyperlinkcolor" val="tx"/>
                               </a:ext>
                             </a:extLst>
                           </a:hlinkClick>
@@ -15275,10 +15467,10 @@
                           <a:latin typeface="Arial" panose="020B0604020202020204" pitchFamily="34" charset="0"/>
                           <a:ea typeface="+mn-ea"/>
                           <a:cs typeface="Arial" panose="020B0604020202020204" pitchFamily="34" charset="0"/>
-                          <a:hlinkClick r:id="rId9">
+                          <a:hlinkClick r:id="rId6">
                             <a:extLst>
                               <a:ext uri="{A12FA001-AC4F-418D-AE19-62706E023703}">
-                                <ahyp:hlinkClr xmlns:ahyp="http://schemas.microsoft.com/office/drawing/2018/hyperlinkcolor" xmlns="" val="tx"/>
+                                <ahyp:hlinkClr xmlns:ahyp="http://schemas.microsoft.com/office/drawing/2018/hyperlinkcolor" val="tx"/>
                               </a:ext>
                             </a:extLst>
                           </a:hlinkClick>
@@ -15294,10 +15486,10 @@
                           <a:latin typeface="Arial" panose="020B0604020202020204" pitchFamily="34" charset="0"/>
                           <a:ea typeface="+mn-ea"/>
                           <a:cs typeface="Arial" panose="020B0604020202020204" pitchFamily="34" charset="0"/>
-                          <a:hlinkClick r:id="rId9">
+                          <a:hlinkClick r:id="rId6">
                             <a:extLst>
                               <a:ext uri="{A12FA001-AC4F-418D-AE19-62706E023703}">
-                                <ahyp:hlinkClr xmlns:ahyp="http://schemas.microsoft.com/office/drawing/2018/hyperlinkcolor" xmlns="" val="tx"/>
+                                <ahyp:hlinkClr xmlns:ahyp="http://schemas.microsoft.com/office/drawing/2018/hyperlinkcolor" val="tx"/>
                               </a:ext>
                             </a:extLst>
                           </a:hlinkClick>
@@ -15361,10 +15553,10 @@
                           <a:latin typeface="Arial" panose="020B0604020202020204" pitchFamily="34" charset="0"/>
                           <a:ea typeface="+mn-ea"/>
                           <a:cs typeface="Arial" panose="020B0604020202020204" pitchFamily="34" charset="0"/>
-                          <a:hlinkClick r:id="rId10">
+                          <a:hlinkClick r:id="rId7">
                             <a:extLst>
                               <a:ext uri="{A12FA001-AC4F-418D-AE19-62706E023703}">
-                                <ahyp:hlinkClr xmlns:ahyp="http://schemas.microsoft.com/office/drawing/2018/hyperlinkcolor" xmlns="" val="tx"/>
+                                <ahyp:hlinkClr xmlns:ahyp="http://schemas.microsoft.com/office/drawing/2018/hyperlinkcolor" val="tx"/>
                               </a:ext>
                             </a:extLst>
                           </a:hlinkClick>
@@ -15380,10 +15572,10 @@
                           <a:latin typeface="Arial" panose="020B0604020202020204" pitchFamily="34" charset="0"/>
                           <a:ea typeface="+mn-ea"/>
                           <a:cs typeface="Arial" panose="020B0604020202020204" pitchFamily="34" charset="0"/>
-                          <a:hlinkClick r:id="rId10">
+                          <a:hlinkClick r:id="rId7">
                             <a:extLst>
                               <a:ext uri="{A12FA001-AC4F-418D-AE19-62706E023703}">
-                                <ahyp:hlinkClr xmlns:ahyp="http://schemas.microsoft.com/office/drawing/2018/hyperlinkcolor" xmlns="" val="tx"/>
+                                <ahyp:hlinkClr xmlns:ahyp="http://schemas.microsoft.com/office/drawing/2018/hyperlinkcolor" val="tx"/>
                               </a:ext>
                             </a:extLst>
                           </a:hlinkClick>
@@ -15399,10 +15591,10 @@
                           <a:latin typeface="Arial" panose="020B0604020202020204" pitchFamily="34" charset="0"/>
                           <a:ea typeface="+mn-ea"/>
                           <a:cs typeface="Arial" panose="020B0604020202020204" pitchFamily="34" charset="0"/>
-                          <a:hlinkClick r:id="rId10">
+                          <a:hlinkClick r:id="rId7">
                             <a:extLst>
                               <a:ext uri="{A12FA001-AC4F-418D-AE19-62706E023703}">
-                                <ahyp:hlinkClr xmlns:ahyp="http://schemas.microsoft.com/office/drawing/2018/hyperlinkcolor" xmlns="" val="tx"/>
+                                <ahyp:hlinkClr xmlns:ahyp="http://schemas.microsoft.com/office/drawing/2018/hyperlinkcolor" val="tx"/>
                               </a:ext>
                             </a:extLst>
                           </a:hlinkClick>
@@ -15418,10 +15610,10 @@
                           <a:latin typeface="Arial" panose="020B0604020202020204" pitchFamily="34" charset="0"/>
                           <a:ea typeface="+mn-ea"/>
                           <a:cs typeface="Arial" panose="020B0604020202020204" pitchFamily="34" charset="0"/>
-                          <a:hlinkClick r:id="rId10">
+                          <a:hlinkClick r:id="rId7">
                             <a:extLst>
                               <a:ext uri="{A12FA001-AC4F-418D-AE19-62706E023703}">
-                                <ahyp:hlinkClr xmlns:ahyp="http://schemas.microsoft.com/office/drawing/2018/hyperlinkcolor" xmlns="" val="tx"/>
+                                <ahyp:hlinkClr xmlns:ahyp="http://schemas.microsoft.com/office/drawing/2018/hyperlinkcolor" val="tx"/>
                               </a:ext>
                             </a:extLst>
                           </a:hlinkClick>
@@ -15437,10 +15629,10 @@
                           <a:latin typeface="Arial" panose="020B0604020202020204" pitchFamily="34" charset="0"/>
                           <a:ea typeface="+mn-ea"/>
                           <a:cs typeface="Arial" panose="020B0604020202020204" pitchFamily="34" charset="0"/>
-                          <a:hlinkClick r:id="rId10">
+                          <a:hlinkClick r:id="rId7">
                             <a:extLst>
                               <a:ext uri="{A12FA001-AC4F-418D-AE19-62706E023703}">
-                                <ahyp:hlinkClr xmlns:ahyp="http://schemas.microsoft.com/office/drawing/2018/hyperlinkcolor" xmlns="" val="tx"/>
+                                <ahyp:hlinkClr xmlns:ahyp="http://schemas.microsoft.com/office/drawing/2018/hyperlinkcolor" val="tx"/>
                               </a:ext>
                             </a:extLst>
                           </a:hlinkClick>
@@ -15464,7 +15656,7 @@
                 </a:tc>
                 <a:extLst>
                   <a:ext uri="{0D108BD9-81ED-4DB2-BD59-A6C34878D82A}">
-                    <a16:rowId xmlns:a16="http://schemas.microsoft.com/office/drawing/2014/main" xmlns="" val="2829935568"/>
+                    <a16:rowId xmlns:a16="http://schemas.microsoft.com/office/drawing/2014/main" val="2829935568"/>
                   </a:ext>
                 </a:extLst>
               </a:tr>
@@ -15474,10 +15666,10 @@
       </p:graphicFrame>
       <p:pic>
         <p:nvPicPr>
-          <p:cNvPr id="8" name="Рисунок 1" descr="skype-logo-png-5a3a1a4934c5d5">
+          <p:cNvPr id="17" name="Рисунок 1" descr="skype-logo-png-5a3a1a4934c5d5">
             <a:extLst>
               <a:ext uri="{FF2B5EF4-FFF2-40B4-BE49-F238E27FC236}">
-                <a16:creationId xmlns:a16="http://schemas.microsoft.com/office/drawing/2014/main" xmlns="" id="{BAD04BC7-7785-4F55-A8F4-59A0B356E52B}"/>
+                <a16:creationId xmlns:a16="http://schemas.microsoft.com/office/drawing/2014/main" id="{B4DCA175-EE17-404D-AF66-A84C3BCA0ADB}"/>
               </a:ext>
             </a:extLst>
           </p:cNvPr>
@@ -15487,7 +15679,7 @@
           <p:nvPr/>
         </p:nvPicPr>
         <p:blipFill>
-          <a:blip r:embed="rId11">
+          <a:blip r:embed="rId8">
             <a:extLst>
               <a:ext uri="{28A0092B-C50C-407E-A947-70E740481C1C}">
                 <a14:useLocalDpi xmlns:a14="http://schemas.microsoft.com/office/drawing/2010/main" val="0"/>
@@ -15501,7 +15693,7 @@
         </p:blipFill>
         <p:spPr bwMode="auto">
           <a:xfrm>
-            <a:off x="6767950" y="6509219"/>
+            <a:off x="6785355" y="6509219"/>
             <a:ext cx="294735" cy="189158"/>
           </a:xfrm>
           <a:prstGeom prst="rect">
@@ -15519,12 +15711,244 @@
           </a:extLst>
         </p:spPr>
       </p:pic>
+    </p:spTree>
+    <p:extLst>
+      <p:ext uri="{BB962C8B-B14F-4D97-AF65-F5344CB8AC3E}">
+        <p14:creationId xmlns:p14="http://schemas.microsoft.com/office/powerpoint/2010/main" val="3168035940"/>
+      </p:ext>
+    </p:extLst>
+  </p:cSld>
+  <p:clrMapOvr>
+    <a:masterClrMapping/>
+  </p:clrMapOvr>
+  <p:timing>
+    <p:tnLst>
+      <p:par>
+        <p:cTn id="1" dur="indefinite" restart="never" nodeType="tmRoot">
+          <p:childTnLst>
+            <p:seq concurrent="1" nextAc="seek">
+              <p:cTn id="2" dur="indefinite" nodeType="mainSeq">
+                <p:childTnLst>
+                  <p:par>
+                    <p:cTn id="3" fill="hold">
+                      <p:stCondLst>
+                        <p:cond delay="indefinite"/>
+                      </p:stCondLst>
+                      <p:childTnLst>
+                        <p:par>
+                          <p:cTn id="4" fill="hold">
+                            <p:stCondLst>
+                              <p:cond delay="0"/>
+                            </p:stCondLst>
+                            <p:childTnLst>
+                              <p:par>
+                                <p:cTn id="5" presetID="45" presetClass="entr" presetSubtype="0" fill="hold" nodeType="clickEffect">
+                                  <p:stCondLst>
+                                    <p:cond delay="0"/>
+                                  </p:stCondLst>
+                                  <p:childTnLst>
+                                    <p:set>
+                                      <p:cBhvr>
+                                        <p:cTn id="6" dur="1" fill="hold">
+                                          <p:stCondLst>
+                                            <p:cond delay="0"/>
+                                          </p:stCondLst>
+                                        </p:cTn>
+                                        <p:tgtEl>
+                                          <p:spTgt spid="14"/>
+                                        </p:tgtEl>
+                                        <p:attrNameLst>
+                                          <p:attrName>style.visibility</p:attrName>
+                                        </p:attrNameLst>
+                                      </p:cBhvr>
+                                      <p:to>
+                                        <p:strVal val="visible"/>
+                                      </p:to>
+                                    </p:set>
+                                    <p:animEffect transition="in" filter="fade">
+                                      <p:cBhvr>
+                                        <p:cTn id="7" dur="2000"/>
+                                        <p:tgtEl>
+                                          <p:spTgt spid="14"/>
+                                        </p:tgtEl>
+                                      </p:cBhvr>
+                                    </p:animEffect>
+                                    <p:anim calcmode="lin" valueType="num">
+                                      <p:cBhvr>
+                                        <p:cTn id="8" dur="2000" fill="hold"/>
+                                        <p:tgtEl>
+                                          <p:spTgt spid="14"/>
+                                        </p:tgtEl>
+                                        <p:attrNameLst>
+                                          <p:attrName>ppt_w</p:attrName>
+                                        </p:attrNameLst>
+                                      </p:cBhvr>
+                                      <p:tavLst>
+                                        <p:tav tm="0" fmla="#ppt_w*sin(2.5*pi*$)">
+                                          <p:val>
+                                            <p:fltVal val="0"/>
+                                          </p:val>
+                                        </p:tav>
+                                        <p:tav tm="100000">
+                                          <p:val>
+                                            <p:fltVal val="1"/>
+                                          </p:val>
+                                        </p:tav>
+                                      </p:tavLst>
+                                    </p:anim>
+                                    <p:anim calcmode="lin" valueType="num">
+                                      <p:cBhvr>
+                                        <p:cTn id="9" dur="2000" fill="hold"/>
+                                        <p:tgtEl>
+                                          <p:spTgt spid="14"/>
+                                        </p:tgtEl>
+                                        <p:attrNameLst>
+                                          <p:attrName>ppt_h</p:attrName>
+                                        </p:attrNameLst>
+                                      </p:cBhvr>
+                                      <p:tavLst>
+                                        <p:tav tm="0">
+                                          <p:val>
+                                            <p:strVal val="#ppt_h"/>
+                                          </p:val>
+                                        </p:tav>
+                                        <p:tav tm="100000">
+                                          <p:val>
+                                            <p:strVal val="#ppt_h"/>
+                                          </p:val>
+                                        </p:tav>
+                                      </p:tavLst>
+                                    </p:anim>
+                                  </p:childTnLst>
+                                </p:cTn>
+                              </p:par>
+                            </p:childTnLst>
+                          </p:cTn>
+                        </p:par>
+                      </p:childTnLst>
+                    </p:cTn>
+                  </p:par>
+                </p:childTnLst>
+              </p:cTn>
+              <p:prevCondLst>
+                <p:cond evt="onPrev" delay="0">
+                  <p:tgtEl>
+                    <p:sldTgt/>
+                  </p:tgtEl>
+                </p:cond>
+              </p:prevCondLst>
+              <p:nextCondLst>
+                <p:cond evt="onNext" delay="0">
+                  <p:tgtEl>
+                    <p:sldTgt/>
+                  </p:tgtEl>
+                </p:cond>
+              </p:nextCondLst>
+            </p:seq>
+          </p:childTnLst>
+        </p:cTn>
+      </p:par>
+    </p:tnLst>
+  </p:timing>
+</p:sld>
+</file>
+
+<file path=ppt/slides/slide9.xml><?xml version="1.0" encoding="utf-8"?>
+<p:sld xmlns:a="http://schemas.openxmlformats.org/drawingml/2006/main" xmlns:r="http://schemas.openxmlformats.org/officeDocument/2006/relationships" xmlns:p="http://schemas.openxmlformats.org/presentationml/2006/main">
+  <p:cSld>
+    <p:spTree>
+      <p:nvGrpSpPr>
+        <p:cNvPr id="1" name=""/>
+        <p:cNvGrpSpPr/>
+        <p:nvPr/>
+      </p:nvGrpSpPr>
+      <p:grpSpPr>
+        <a:xfrm>
+          <a:off x="0" y="0"/>
+          <a:ext cx="0" cy="0"/>
+          <a:chOff x="0" y="0"/>
+          <a:chExt cx="0" cy="0"/>
+        </a:xfrm>
+      </p:grpSpPr>
+      <p:sp>
+        <p:nvSpPr>
+          <p:cNvPr id="2" name="Заголовок 1">
+            <a:extLst>
+              <a:ext uri="{FF2B5EF4-FFF2-40B4-BE49-F238E27FC236}">
+                <a16:creationId xmlns:a16="http://schemas.microsoft.com/office/drawing/2014/main" id="{25F692A8-803A-41A1-AB91-078148637459}"/>
+              </a:ext>
+            </a:extLst>
+          </p:cNvPr>
+          <p:cNvSpPr>
+            <a:spLocks noGrp="1"/>
+          </p:cNvSpPr>
+          <p:nvPr>
+            <p:ph type="title"/>
+          </p:nvPr>
+        </p:nvSpPr>
+        <p:spPr>
+          <a:xfrm>
+            <a:off x="5965372" y="365126"/>
+            <a:ext cx="3544388" cy="883229"/>
+          </a:xfrm>
+        </p:spPr>
+        <p:txBody>
+          <a:bodyPr>
+            <a:normAutofit/>
+          </a:bodyPr>
+          <a:lstStyle/>
+          <a:p>
+            <a:pPr algn="r"/>
+            <a:r>
+              <a:rPr lang="ru-RU" sz="3600" b="1" dirty="0">
+                <a:solidFill>
+                  <a:srgbClr val="006699"/>
+                </a:solidFill>
+                <a:latin typeface="Arial" panose="020B0604020202020204" pitchFamily="34" charset="0"/>
+                <a:cs typeface="Arial" panose="020B0604020202020204" pitchFamily="34" charset="0"/>
+              </a:rPr>
+              <a:t>Объекты</a:t>
+            </a:r>
+          </a:p>
+        </p:txBody>
+      </p:sp>
+      <p:graphicFrame>
+        <p:nvGraphicFramePr>
+          <p:cNvPr id="5" name="Объект 4">
+            <a:extLst>
+              <a:ext uri="{FF2B5EF4-FFF2-40B4-BE49-F238E27FC236}">
+                <a16:creationId xmlns:a16="http://schemas.microsoft.com/office/drawing/2014/main" id="{22A8E864-5F8E-48AD-BCBD-1533E62310C2}"/>
+              </a:ext>
+            </a:extLst>
+          </p:cNvPr>
+          <p:cNvGraphicFramePr>
+            <a:graphicFrameLocks noGrp="1"/>
+          </p:cNvGraphicFramePr>
+          <p:nvPr>
+            <p:ph idx="1"/>
+            <p:extLst>
+              <p:ext uri="{D42A27DB-BD31-4B8C-83A1-F6EECF244321}">
+                <p14:modId xmlns:p14="http://schemas.microsoft.com/office/powerpoint/2010/main" val="3690820846"/>
+              </p:ext>
+            </p:extLst>
+          </p:nvPr>
+        </p:nvGraphicFramePr>
+        <p:xfrm>
+          <a:off x="838200" y="1248355"/>
+          <a:ext cx="10515600" cy="5080690"/>
+        </p:xfrm>
+        <a:graphic>
+          <a:graphicData uri="http://schemas.openxmlformats.org/drawingml/2006/diagram">
+            <dgm:relIds xmlns:dgm="http://schemas.openxmlformats.org/drawingml/2006/diagram" xmlns:r="http://schemas.openxmlformats.org/officeDocument/2006/relationships" r:dm="rId2" r:lo="rId3" r:qs="rId4" r:cs="rId5"/>
+          </a:graphicData>
+        </a:graphic>
+      </p:graphicFrame>
       <p:pic>
         <p:nvPicPr>
-          <p:cNvPr id="9" name="Рисунок 8">
+          <p:cNvPr id="6" name="Рисунок 5">
             <a:extLst>
               <a:ext uri="{FF2B5EF4-FFF2-40B4-BE49-F238E27FC236}">
-                <a16:creationId xmlns:a16="http://schemas.microsoft.com/office/drawing/2014/main" xmlns="" id="{4A269E61-8200-42CB-BA6A-C49DBE96CA1F}"/>
+                <a16:creationId xmlns:a16="http://schemas.microsoft.com/office/drawing/2014/main" id="{68E2C515-0C58-44CD-8521-E0149E4D2268}"/>
               </a:ext>
             </a:extLst>
           </p:cNvPr>
@@ -15534,7 +15958,7 @@
           <p:nvPr/>
         </p:nvPicPr>
         <p:blipFill>
-          <a:blip r:embed="rId12">
+          <a:blip r:embed="rId7" cstate="print">
             <a:extLst>
               <a:ext uri="{28A0092B-C50C-407E-A947-70E740481C1C}">
                 <a14:useLocalDpi xmlns:a14="http://schemas.microsoft.com/office/drawing/2010/main" val="0"/>
@@ -15547,8 +15971,8 @@
         </p:blipFill>
         <p:spPr>
           <a:xfrm>
-            <a:off x="653332" y="6329238"/>
-            <a:ext cx="544664" cy="544664"/>
+            <a:off x="9693946" y="540688"/>
+            <a:ext cx="819693" cy="455728"/>
           </a:xfrm>
           <a:prstGeom prst="rect">
             <a:avLst/>
@@ -15557,14 +15981,20 @@
       </p:pic>
       <p:pic>
         <p:nvPicPr>
-          <p:cNvPr id="10" name="Рисунок 9"/>
+          <p:cNvPr id="13" name="Рисунок 12">
+            <a:extLst>
+              <a:ext uri="{FF2B5EF4-FFF2-40B4-BE49-F238E27FC236}">
+                <a16:creationId xmlns:a16="http://schemas.microsoft.com/office/drawing/2014/main" id="{014C42D6-6776-470F-9E15-C626BFF467B6}"/>
+              </a:ext>
+            </a:extLst>
+          </p:cNvPr>
           <p:cNvPicPr>
             <a:picLocks noChangeAspect="1"/>
           </p:cNvPicPr>
           <p:nvPr/>
         </p:nvPicPr>
         <p:blipFill>
-          <a:blip r:embed="rId13">
+          <a:blip r:embed="rId8">
             <a:extLst>
               <a:ext uri="{28A0092B-C50C-407E-A947-70E740481C1C}">
                 <a14:useLocalDpi xmlns:a14="http://schemas.microsoft.com/office/drawing/2010/main" val="0"/>
@@ -15577,12 +16007,433 @@
         </p:blipFill>
         <p:spPr>
           <a:xfrm>
-            <a:off x="198005" y="182321"/>
+            <a:off x="11303935" y="278699"/>
+            <a:ext cx="544664" cy="544664"/>
+          </a:xfrm>
+          <a:prstGeom prst="rect">
+            <a:avLst/>
+          </a:prstGeom>
+        </p:spPr>
+      </p:pic>
+      <p:pic>
+        <p:nvPicPr>
+          <p:cNvPr id="14" name="Рисунок 13">
+            <a:extLst>
+              <a:ext uri="{FF2B5EF4-FFF2-40B4-BE49-F238E27FC236}">
+                <a16:creationId xmlns:a16="http://schemas.microsoft.com/office/drawing/2014/main" id="{8E077327-5900-4444-B2C0-6B547B8522F5}"/>
+              </a:ext>
+            </a:extLst>
+          </p:cNvPr>
+          <p:cNvPicPr>
+            <a:picLocks noChangeAspect="1"/>
+          </p:cNvPicPr>
+          <p:nvPr/>
+        </p:nvPicPr>
+        <p:blipFill>
+          <a:blip r:embed="rId9">
+            <a:extLst>
+              <a:ext uri="{28A0092B-C50C-407E-A947-70E740481C1C}">
+                <a14:useLocalDpi xmlns:a14="http://schemas.microsoft.com/office/drawing/2010/main" val="0"/>
+              </a:ext>
+            </a:extLst>
+          </a:blip>
+          <a:stretch>
+            <a:fillRect/>
+          </a:stretch>
+        </p:blipFill>
+        <p:spPr>
+          <a:xfrm>
+            <a:off x="346051" y="278699"/>
             <a:ext cx="1325995" cy="304826"/>
           </a:xfrm>
           <a:prstGeom prst="rect">
             <a:avLst/>
           </a:prstGeom>
+        </p:spPr>
+      </p:pic>
+      <p:graphicFrame>
+        <p:nvGraphicFramePr>
+          <p:cNvPr id="15" name="Таблица 14">
+            <a:extLst>
+              <a:ext uri="{FF2B5EF4-FFF2-40B4-BE49-F238E27FC236}">
+                <a16:creationId xmlns:a16="http://schemas.microsoft.com/office/drawing/2014/main" id="{1838AC8C-2DDC-4A70-90A5-F829CD12E242}"/>
+              </a:ext>
+            </a:extLst>
+          </p:cNvPr>
+          <p:cNvGraphicFramePr>
+            <a:graphicFrameLocks noGrp="1"/>
+          </p:cNvGraphicFramePr>
+          <p:nvPr>
+            <p:extLst>
+              <p:ext uri="{D42A27DB-BD31-4B8C-83A1-F6EECF244321}">
+                <p14:modId xmlns:p14="http://schemas.microsoft.com/office/powerpoint/2010/main" val="346322459"/>
+              </p:ext>
+            </p:extLst>
+          </p:nvPr>
+        </p:nvGraphicFramePr>
+        <p:xfrm>
+          <a:off x="0" y="6329045"/>
+          <a:ext cx="12192000" cy="528955"/>
+        </p:xfrm>
+        <a:graphic>
+          <a:graphicData uri="http://schemas.openxmlformats.org/drawingml/2006/table">
+            <a:tbl>
+              <a:tblPr>
+                <a:tableStyleId>{5C22544A-7EE6-4342-B048-85BDC9FD1C3A}</a:tableStyleId>
+              </a:tblPr>
+              <a:tblGrid>
+                <a:gridCol w="12192000">
+                  <a:extLst>
+                    <a:ext uri="{9D8B030D-6E8A-4147-A177-3AD203B41FA5}">
+                      <a16:colId xmlns:a16="http://schemas.microsoft.com/office/drawing/2014/main" val="3945925805"/>
+                    </a:ext>
+                  </a:extLst>
+                </a:gridCol>
+              </a:tblGrid>
+              <a:tr h="261544">
+                <a:tc>
+                  <a:txBody>
+                    <a:bodyPr/>
+                    <a:lstStyle/>
+                    <a:p>
+                      <a:pPr lvl="0" algn="ctr">
+                        <a:lnSpc>
+                          <a:spcPct val="250000"/>
+                        </a:lnSpc>
+                        <a:spcAft>
+                          <a:spcPts val="0"/>
+                        </a:spcAft>
+                      </a:pPr>
+                      <a:r>
+                        <a:rPr lang="ru-RU" sz="1100" b="1" cap="all" spc="150" dirty="0">
+                          <a:solidFill>
+                            <a:srgbClr val="006699"/>
+                          </a:solidFill>
+                          <a:effectLst/>
+                          <a:latin typeface="Arial" panose="020B0604020202020204" pitchFamily="34" charset="0"/>
+                          <a:cs typeface="Arial" panose="020B0604020202020204" pitchFamily="34" charset="0"/>
+                        </a:rPr>
+                        <a:t>🌍 г. Харьков, ул. Пермская, 15/56  ☎</a:t>
+                      </a:r>
+                      <a:r>
+                        <a:rPr lang="ru-RU" sz="1100" b="1" u="sng" cap="all" spc="150" dirty="0">
+                          <a:solidFill>
+                            <a:srgbClr val="006699"/>
+                          </a:solidFill>
+                          <a:effectLst/>
+                          <a:latin typeface="Arial" panose="020B0604020202020204" pitchFamily="34" charset="0"/>
+                          <a:cs typeface="Arial" panose="020B0604020202020204" pitchFamily="34" charset="0"/>
+                          <a:hlinkClick r:id="rId10">
+                            <a:extLst>
+                              <a:ext uri="{A12FA001-AC4F-418D-AE19-62706E023703}">
+                                <ahyp:hlinkClr xmlns:ahyp="http://schemas.microsoft.com/office/drawing/2018/hyperlinkcolor" val="tx"/>
+                              </a:ext>
+                            </a:extLst>
+                          </a:hlinkClick>
+                        </a:rPr>
+                        <a:t>+</a:t>
+                      </a:r>
+                      <a:r>
+                        <a:rPr lang="ru-RU" sz="1100" b="1" kern="1200" cap="all" spc="150" dirty="0">
+                          <a:solidFill>
+                            <a:srgbClr val="006699"/>
+                          </a:solidFill>
+                          <a:effectLst/>
+                          <a:latin typeface="Arial" panose="020B0604020202020204" pitchFamily="34" charset="0"/>
+                          <a:ea typeface="+mn-ea"/>
+                          <a:cs typeface="Arial" panose="020B0604020202020204" pitchFamily="34" charset="0"/>
+                          <a:hlinkClick r:id="rId10">
+                            <a:extLst>
+                              <a:ext uri="{A12FA001-AC4F-418D-AE19-62706E023703}">
+                                <ahyp:hlinkClr xmlns:ahyp="http://schemas.microsoft.com/office/drawing/2018/hyperlinkcolor" val="tx"/>
+                              </a:ext>
+                            </a:extLst>
+                          </a:hlinkClick>
+                        </a:rPr>
+                        <a:t>38(093)5820327</a:t>
+                      </a:r>
+                      <a:r>
+                        <a:rPr lang="ru-RU" sz="1100" b="1" kern="1200" cap="all" spc="150" dirty="0">
+                          <a:solidFill>
+                            <a:srgbClr val="006699"/>
+                          </a:solidFill>
+                          <a:effectLst/>
+                          <a:latin typeface="Arial" panose="020B0604020202020204" pitchFamily="34" charset="0"/>
+                          <a:ea typeface="+mn-ea"/>
+                          <a:cs typeface="Arial" panose="020B0604020202020204" pitchFamily="34" charset="0"/>
+                        </a:rPr>
+                        <a:t>        </a:t>
+                      </a:r>
+                      <a:r>
+                        <a:rPr lang="en-US" sz="1100" b="1" kern="1200" cap="all" spc="150" dirty="0" err="1">
+                          <a:solidFill>
+                            <a:srgbClr val="006699"/>
+                          </a:solidFill>
+                          <a:effectLst/>
+                          <a:latin typeface="Arial" panose="020B0604020202020204" pitchFamily="34" charset="0"/>
+                          <a:ea typeface="+mn-ea"/>
+                          <a:cs typeface="Arial" panose="020B0604020202020204" pitchFamily="34" charset="0"/>
+                          <a:hlinkClick r:id="rId11">
+                            <a:extLst>
+                              <a:ext uri="{A12FA001-AC4F-418D-AE19-62706E023703}">
+                                <ahyp:hlinkClr xmlns:ahyp="http://schemas.microsoft.com/office/drawing/2018/hyperlinkcolor" val="tx"/>
+                              </a:ext>
+                            </a:extLst>
+                          </a:hlinkClick>
+                        </a:rPr>
+                        <a:t>valery</a:t>
+                      </a:r>
+                      <a:r>
+                        <a:rPr lang="ru-RU" sz="1100" b="1" kern="1200" cap="all" spc="150" dirty="0">
+                          <a:solidFill>
+                            <a:srgbClr val="006699"/>
+                          </a:solidFill>
+                          <a:effectLst/>
+                          <a:latin typeface="Arial" panose="020B0604020202020204" pitchFamily="34" charset="0"/>
+                          <a:ea typeface="+mn-ea"/>
+                          <a:cs typeface="Arial" panose="020B0604020202020204" pitchFamily="34" charset="0"/>
+                          <a:hlinkClick r:id="rId11">
+                            <a:extLst>
+                              <a:ext uri="{A12FA001-AC4F-418D-AE19-62706E023703}">
+                                <ahyp:hlinkClr xmlns:ahyp="http://schemas.microsoft.com/office/drawing/2018/hyperlinkcolor" val="tx"/>
+                              </a:ext>
+                            </a:extLst>
+                          </a:hlinkClick>
+                        </a:rPr>
+                        <a:t>_</a:t>
+                      </a:r>
+                      <a:r>
+                        <a:rPr lang="en-US" sz="1100" b="1" kern="1200" cap="all" spc="150" dirty="0" err="1">
+                          <a:solidFill>
+                            <a:srgbClr val="006699"/>
+                          </a:solidFill>
+                          <a:effectLst/>
+                          <a:latin typeface="Arial" panose="020B0604020202020204" pitchFamily="34" charset="0"/>
+                          <a:ea typeface="+mn-ea"/>
+                          <a:cs typeface="Arial" panose="020B0604020202020204" pitchFamily="34" charset="0"/>
+                          <a:hlinkClick r:id="rId11">
+                            <a:extLst>
+                              <a:ext uri="{A12FA001-AC4F-418D-AE19-62706E023703}">
+                                <ahyp:hlinkClr xmlns:ahyp="http://schemas.microsoft.com/office/drawing/2018/hyperlinkcolor" val="tx"/>
+                              </a:ext>
+                            </a:extLst>
+                          </a:hlinkClick>
+                        </a:rPr>
+                        <a:t>mobil</a:t>
+                      </a:r>
+                      <a:r>
+                        <a:rPr lang="en-US" sz="1100" b="1" kern="1200" cap="all" spc="150" dirty="0">
+                          <a:solidFill>
+                            <a:srgbClr val="006699"/>
+                          </a:solidFill>
+                          <a:effectLst/>
+                          <a:latin typeface="Arial" panose="020B0604020202020204" pitchFamily="34" charset="0"/>
+                          <a:ea typeface="+mn-ea"/>
+                          <a:cs typeface="Arial" panose="020B0604020202020204" pitchFamily="34" charset="0"/>
+                        </a:rPr>
+                        <a:t> </a:t>
+                      </a:r>
+                      <a:r>
+                        <a:rPr lang="ru-RU" sz="1100" b="1" kern="1200" cap="all" spc="150" dirty="0">
+                          <a:solidFill>
+                            <a:srgbClr val="006699"/>
+                          </a:solidFill>
+                          <a:effectLst/>
+                          <a:latin typeface="Arial" panose="020B0604020202020204" pitchFamily="34" charset="0"/>
+                          <a:ea typeface="+mn-ea"/>
+                          <a:cs typeface="Arial" panose="020B0604020202020204" pitchFamily="34" charset="0"/>
+                        </a:rPr>
+                        <a:t>  </a:t>
+                      </a:r>
+                      <a:r>
+                        <a:rPr lang="en-US" sz="1100" b="1" kern="1200" cap="all" spc="150" dirty="0">
+                          <a:solidFill>
+                            <a:srgbClr val="006699"/>
+                          </a:solidFill>
+                          <a:effectLst/>
+                          <a:latin typeface="Arial" panose="020B0604020202020204" pitchFamily="34" charset="0"/>
+                          <a:ea typeface="+mn-ea"/>
+                          <a:cs typeface="Arial" panose="020B0604020202020204" pitchFamily="34" charset="0"/>
+                        </a:rPr>
+                        <a:t>📧</a:t>
+                      </a:r>
+                      <a:r>
+                        <a:rPr lang="ru-RU" sz="1100" b="1" kern="1200" cap="all" spc="150" dirty="0">
+                          <a:solidFill>
+                            <a:srgbClr val="006699"/>
+                          </a:solidFill>
+                          <a:effectLst/>
+                          <a:latin typeface="Arial" panose="020B0604020202020204" pitchFamily="34" charset="0"/>
+                          <a:ea typeface="+mn-ea"/>
+                          <a:cs typeface="Arial" panose="020B0604020202020204" pitchFamily="34" charset="0"/>
+                        </a:rPr>
+                        <a:t> </a:t>
+                      </a:r>
+                      <a:r>
+                        <a:rPr lang="en-US" sz="1100" b="1" kern="1200" cap="all" spc="150" dirty="0" err="1">
+                          <a:solidFill>
+                            <a:srgbClr val="006699"/>
+                          </a:solidFill>
+                          <a:effectLst/>
+                          <a:latin typeface="Arial" panose="020B0604020202020204" pitchFamily="34" charset="0"/>
+                          <a:ea typeface="+mn-ea"/>
+                          <a:cs typeface="Arial" panose="020B0604020202020204" pitchFamily="34" charset="0"/>
+                          <a:hlinkClick r:id="rId12">
+                            <a:extLst>
+                              <a:ext uri="{A12FA001-AC4F-418D-AE19-62706E023703}">
+                                <ahyp:hlinkClr xmlns:ahyp="http://schemas.microsoft.com/office/drawing/2018/hyperlinkcolor" val="tx"/>
+                              </a:ext>
+                            </a:extLst>
+                          </a:hlinkClick>
+                        </a:rPr>
+                        <a:t>mvn</a:t>
+                      </a:r>
+                      <a:r>
+                        <a:rPr lang="ru-RU" sz="1100" b="1" kern="1200" cap="all" spc="150" dirty="0">
+                          <a:solidFill>
+                            <a:srgbClr val="006699"/>
+                          </a:solidFill>
+                          <a:effectLst/>
+                          <a:latin typeface="Arial" panose="020B0604020202020204" pitchFamily="34" charset="0"/>
+                          <a:ea typeface="+mn-ea"/>
+                          <a:cs typeface="Arial" panose="020B0604020202020204" pitchFamily="34" charset="0"/>
+                          <a:hlinkClick r:id="rId12">
+                            <a:extLst>
+                              <a:ext uri="{A12FA001-AC4F-418D-AE19-62706E023703}">
+                                <ahyp:hlinkClr xmlns:ahyp="http://schemas.microsoft.com/office/drawing/2018/hyperlinkcolor" val="tx"/>
+                              </a:ext>
+                            </a:extLst>
+                          </a:hlinkClick>
+                        </a:rPr>
+                        <a:t>2004@</a:t>
+                      </a:r>
+                      <a:r>
+                        <a:rPr lang="en-US" sz="1100" b="1" kern="1200" cap="all" spc="150" dirty="0">
+                          <a:solidFill>
+                            <a:srgbClr val="006699"/>
+                          </a:solidFill>
+                          <a:effectLst/>
+                          <a:latin typeface="Arial" panose="020B0604020202020204" pitchFamily="34" charset="0"/>
+                          <a:ea typeface="+mn-ea"/>
+                          <a:cs typeface="Arial" panose="020B0604020202020204" pitchFamily="34" charset="0"/>
+                          <a:hlinkClick r:id="rId12">
+                            <a:extLst>
+                              <a:ext uri="{A12FA001-AC4F-418D-AE19-62706E023703}">
+                                <ahyp:hlinkClr xmlns:ahyp="http://schemas.microsoft.com/office/drawing/2018/hyperlinkcolor" val="tx"/>
+                              </a:ext>
+                            </a:extLst>
+                          </a:hlinkClick>
+                        </a:rPr>
+                        <a:t>mail</a:t>
+                      </a:r>
+                      <a:r>
+                        <a:rPr lang="ru-RU" sz="1100" b="1" kern="1200" cap="all" spc="150" dirty="0">
+                          <a:solidFill>
+                            <a:srgbClr val="006699"/>
+                          </a:solidFill>
+                          <a:effectLst/>
+                          <a:latin typeface="Arial" panose="020B0604020202020204" pitchFamily="34" charset="0"/>
+                          <a:ea typeface="+mn-ea"/>
+                          <a:cs typeface="Arial" panose="020B0604020202020204" pitchFamily="34" charset="0"/>
+                          <a:hlinkClick r:id="rId12">
+                            <a:extLst>
+                              <a:ext uri="{A12FA001-AC4F-418D-AE19-62706E023703}">
+                                <ahyp:hlinkClr xmlns:ahyp="http://schemas.microsoft.com/office/drawing/2018/hyperlinkcolor" val="tx"/>
+                              </a:ext>
+                            </a:extLst>
+                          </a:hlinkClick>
+                        </a:rPr>
+                        <a:t>.</a:t>
+                      </a:r>
+                      <a:r>
+                        <a:rPr lang="en-US" sz="1100" b="1" kern="1200" cap="all" spc="150" dirty="0" err="1">
+                          <a:solidFill>
+                            <a:srgbClr val="006699"/>
+                          </a:solidFill>
+                          <a:effectLst/>
+                          <a:latin typeface="Arial" panose="020B0604020202020204" pitchFamily="34" charset="0"/>
+                          <a:ea typeface="+mn-ea"/>
+                          <a:cs typeface="Arial" panose="020B0604020202020204" pitchFamily="34" charset="0"/>
+                          <a:hlinkClick r:id="rId12">
+                            <a:extLst>
+                              <a:ext uri="{A12FA001-AC4F-418D-AE19-62706E023703}">
+                                <ahyp:hlinkClr xmlns:ahyp="http://schemas.microsoft.com/office/drawing/2018/hyperlinkcolor" val="tx"/>
+                              </a:ext>
+                            </a:extLst>
+                          </a:hlinkClick>
+                        </a:rPr>
+                        <a:t>ru</a:t>
+                      </a:r>
+                      <a:endParaRPr lang="ru-RU" sz="1100" b="1" kern="1200" cap="all" spc="150" dirty="0">
+                        <a:solidFill>
+                          <a:srgbClr val="006699"/>
+                        </a:solidFill>
+                        <a:effectLst/>
+                        <a:latin typeface="Arial" panose="020B0604020202020204" pitchFamily="34" charset="0"/>
+                        <a:ea typeface="+mn-ea"/>
+                        <a:cs typeface="Arial" panose="020B0604020202020204" pitchFamily="34" charset="0"/>
+                      </a:endParaRPr>
+                    </a:p>
+                  </a:txBody>
+                  <a:tcPr marL="68580" marR="68580" marT="0" marB="182880" anchor="ctr">
+                    <a:noFill/>
+                  </a:tcPr>
+                </a:tc>
+                <a:extLst>
+                  <a:ext uri="{0D108BD9-81ED-4DB2-BD59-A6C34878D82A}">
+                    <a16:rowId xmlns:a16="http://schemas.microsoft.com/office/drawing/2014/main" val="2829935568"/>
+                  </a:ext>
+                </a:extLst>
+              </a:tr>
+            </a:tbl>
+          </a:graphicData>
+        </a:graphic>
+      </p:graphicFrame>
+      <p:pic>
+        <p:nvPicPr>
+          <p:cNvPr id="16" name="Рисунок 1" descr="skype-logo-png-5a3a1a4934c5d5">
+            <a:extLst>
+              <a:ext uri="{FF2B5EF4-FFF2-40B4-BE49-F238E27FC236}">
+                <a16:creationId xmlns:a16="http://schemas.microsoft.com/office/drawing/2014/main" id="{6596BAEC-F3A0-4CBB-9E4F-92868856B935}"/>
+              </a:ext>
+            </a:extLst>
+          </p:cNvPr>
+          <p:cNvPicPr>
+            <a:picLocks noChangeAspect="1" noChangeArrowheads="1"/>
+          </p:cNvPicPr>
+          <p:nvPr/>
+        </p:nvPicPr>
+        <p:blipFill>
+          <a:blip r:embed="rId13">
+            <a:extLst>
+              <a:ext uri="{28A0092B-C50C-407E-A947-70E740481C1C}">
+                <a14:useLocalDpi xmlns:a14="http://schemas.microsoft.com/office/drawing/2010/main" val="0"/>
+              </a:ext>
+            </a:extLst>
+          </a:blip>
+          <a:srcRect/>
+          <a:stretch>
+            <a:fillRect/>
+          </a:stretch>
+        </p:blipFill>
+        <p:spPr bwMode="auto">
+          <a:xfrm>
+            <a:off x="6785355" y="6509219"/>
+            <a:ext cx="294735" cy="189158"/>
+          </a:xfrm>
+          <a:prstGeom prst="rect">
+            <a:avLst/>
+          </a:prstGeom>
+          <a:noFill/>
+          <a:extLst>
+            <a:ext uri="{909E8E84-426E-40DD-AFC4-6F175D3DCCD1}">
+              <a14:hiddenFill xmlns:a14="http://schemas.microsoft.com/office/drawing/2010/main">
+                <a:solidFill>
+                  <a:srgbClr val="FFFFFF"/>
+                </a:solidFill>
+              </a14:hiddenFill>
+            </a:ext>
+          </a:extLst>
         </p:spPr>
       </p:pic>
     </p:spTree>
@@ -15598,7 +16449,129 @@
   <p:timing>
     <p:tnLst>
       <p:par>
-        <p:cTn id="1" dur="indefinite" restart="never" nodeType="tmRoot"/>
+        <p:cTn id="1" dur="indefinite" restart="never" nodeType="tmRoot">
+          <p:childTnLst>
+            <p:seq concurrent="1" nextAc="seek">
+              <p:cTn id="2" dur="indefinite" nodeType="mainSeq">
+                <p:childTnLst>
+                  <p:par>
+                    <p:cTn id="3" fill="hold">
+                      <p:stCondLst>
+                        <p:cond delay="indefinite"/>
+                      </p:stCondLst>
+                      <p:childTnLst>
+                        <p:par>
+                          <p:cTn id="4" fill="hold">
+                            <p:stCondLst>
+                              <p:cond delay="0"/>
+                            </p:stCondLst>
+                            <p:childTnLst>
+                              <p:par>
+                                <p:cTn id="5" presetID="45" presetClass="entr" presetSubtype="0" fill="hold" nodeType="clickEffect">
+                                  <p:stCondLst>
+                                    <p:cond delay="0"/>
+                                  </p:stCondLst>
+                                  <p:childTnLst>
+                                    <p:set>
+                                      <p:cBhvr>
+                                        <p:cTn id="6" dur="1" fill="hold">
+                                          <p:stCondLst>
+                                            <p:cond delay="0"/>
+                                          </p:stCondLst>
+                                        </p:cTn>
+                                        <p:tgtEl>
+                                          <p:spTgt spid="13"/>
+                                        </p:tgtEl>
+                                        <p:attrNameLst>
+                                          <p:attrName>style.visibility</p:attrName>
+                                        </p:attrNameLst>
+                                      </p:cBhvr>
+                                      <p:to>
+                                        <p:strVal val="visible"/>
+                                      </p:to>
+                                    </p:set>
+                                    <p:animEffect transition="in" filter="fade">
+                                      <p:cBhvr>
+                                        <p:cTn id="7" dur="2000"/>
+                                        <p:tgtEl>
+                                          <p:spTgt spid="13"/>
+                                        </p:tgtEl>
+                                      </p:cBhvr>
+                                    </p:animEffect>
+                                    <p:anim calcmode="lin" valueType="num">
+                                      <p:cBhvr>
+                                        <p:cTn id="8" dur="2000" fill="hold"/>
+                                        <p:tgtEl>
+                                          <p:spTgt spid="13"/>
+                                        </p:tgtEl>
+                                        <p:attrNameLst>
+                                          <p:attrName>ppt_w</p:attrName>
+                                        </p:attrNameLst>
+                                      </p:cBhvr>
+                                      <p:tavLst>
+                                        <p:tav tm="0" fmla="#ppt_w*sin(2.5*pi*$)">
+                                          <p:val>
+                                            <p:fltVal val="0"/>
+                                          </p:val>
+                                        </p:tav>
+                                        <p:tav tm="100000">
+                                          <p:val>
+                                            <p:fltVal val="1"/>
+                                          </p:val>
+                                        </p:tav>
+                                      </p:tavLst>
+                                    </p:anim>
+                                    <p:anim calcmode="lin" valueType="num">
+                                      <p:cBhvr>
+                                        <p:cTn id="9" dur="2000" fill="hold"/>
+                                        <p:tgtEl>
+                                          <p:spTgt spid="13"/>
+                                        </p:tgtEl>
+                                        <p:attrNameLst>
+                                          <p:attrName>ppt_h</p:attrName>
+                                        </p:attrNameLst>
+                                      </p:cBhvr>
+                                      <p:tavLst>
+                                        <p:tav tm="0">
+                                          <p:val>
+                                            <p:strVal val="#ppt_h"/>
+                                          </p:val>
+                                        </p:tav>
+                                        <p:tav tm="100000">
+                                          <p:val>
+                                            <p:strVal val="#ppt_h"/>
+                                          </p:val>
+                                        </p:tav>
+                                      </p:tavLst>
+                                    </p:anim>
+                                  </p:childTnLst>
+                                </p:cTn>
+                              </p:par>
+                            </p:childTnLst>
+                          </p:cTn>
+                        </p:par>
+                      </p:childTnLst>
+                    </p:cTn>
+                  </p:par>
+                </p:childTnLst>
+              </p:cTn>
+              <p:prevCondLst>
+                <p:cond evt="onPrev" delay="0">
+                  <p:tgtEl>
+                    <p:sldTgt/>
+                  </p:tgtEl>
+                </p:cond>
+              </p:prevCondLst>
+              <p:nextCondLst>
+                <p:cond evt="onNext" delay="0">
+                  <p:tgtEl>
+                    <p:sldTgt/>
+                  </p:tgtEl>
+                </p:cond>
+              </p:nextCondLst>
+            </p:seq>
+          </p:childTnLst>
+        </p:cTn>
       </p:par>
     </p:tnLst>
   </p:timing>
@@ -15894,7 +16867,7 @@
   <a:extraClrSchemeLst/>
   <a:extLst>
     <a:ext uri="{05A4C25C-085E-4340-85A3-A5531E510DB2}">
-      <thm15:themeFamily xmlns:thm15="http://schemas.microsoft.com/office/thememl/2012/main" xmlns="" name="Office Theme" id="{62F939B6-93AF-4DB8-9C6B-D6C7DFDC589F}" vid="{4A3C46E8-61CC-4603-A589-7422A47A8E4A}"/>
+      <thm15:themeFamily xmlns:thm15="http://schemas.microsoft.com/office/thememl/2012/main" name="Office Theme" id="{62F939B6-93AF-4DB8-9C6B-D6C7DFDC589F}" vid="{4A3C46E8-61CC-4603-A589-7422A47A8E4A}"/>
     </a:ext>
   </a:extLst>
 </a:theme>

--- a/files/Development1CAVEC.pptx
+++ b/files/Development1CAVEC.pptx
@@ -1985,7 +1985,64 @@
     </dgm:pt>
     <dgm:pt modelId="{45F98D66-9802-47DF-A22E-EA0CE47FD900}">
       <dgm:prSet phldrT="[Текст]" custT="1"/>
-      <dgm:spPr/>
+      <dgm:spPr>
+        <a:gradFill flip="none" rotWithShape="0">
+          <a:gsLst>
+            <a:gs pos="0">
+              <a:schemeClr val="accent2">
+                <a:hueOff val="0"/>
+                <a:satOff val="0"/>
+                <a:lumOff val="0"/>
+                <a:shade val="30000"/>
+                <a:satMod val="115000"/>
+              </a:schemeClr>
+            </a:gs>
+            <a:gs pos="50000">
+              <a:schemeClr val="accent2">
+                <a:hueOff val="0"/>
+                <a:satOff val="0"/>
+                <a:lumOff val="0"/>
+                <a:shade val="67500"/>
+                <a:satMod val="115000"/>
+              </a:schemeClr>
+            </a:gs>
+            <a:gs pos="100000">
+              <a:schemeClr val="accent2">
+                <a:hueOff val="0"/>
+                <a:satOff val="0"/>
+                <a:lumOff val="0"/>
+                <a:shade val="100000"/>
+                <a:satMod val="115000"/>
+              </a:schemeClr>
+            </a:gs>
+          </a:gsLst>
+          <a:path path="circle">
+            <a:fillToRect t="100000" r="100000"/>
+          </a:path>
+          <a:tileRect l="-100000" b="-100000"/>
+        </a:gradFill>
+        <a:ln>
+          <a:noFill/>
+        </a:ln>
+        <a:effectLst>
+          <a:outerShdw blurRad="149987" dist="250190" dir="8460000" algn="ctr">
+            <a:srgbClr val="000000">
+              <a:alpha val="28000"/>
+            </a:srgbClr>
+          </a:outerShdw>
+        </a:effectLst>
+        <a:scene3d>
+          <a:camera prst="orthographicFront">
+            <a:rot lat="0" lon="0" rev="0"/>
+          </a:camera>
+          <a:lightRig rig="contrasting" dir="t">
+            <a:rot lat="0" lon="0" rev="1500000"/>
+          </a:lightRig>
+        </a:scene3d>
+        <a:sp3d prstMaterial="metal">
+          <a:bevelT w="88900" h="88900"/>
+        </a:sp3d>
+      </dgm:spPr>
       <dgm:t>
         <a:bodyPr/>
         <a:lstStyle/>
@@ -2024,7 +2081,64 @@
     </dgm:pt>
     <dgm:pt modelId="{80C85C55-B790-449F-BDE8-6365A6A5725A}">
       <dgm:prSet phldrT="[Текст]" custT="1"/>
-      <dgm:spPr/>
+      <dgm:spPr>
+        <a:gradFill flip="none" rotWithShape="0">
+          <a:gsLst>
+            <a:gs pos="0">
+              <a:schemeClr val="accent3">
+                <a:hueOff val="0"/>
+                <a:satOff val="0"/>
+                <a:lumOff val="0"/>
+                <a:shade val="30000"/>
+                <a:satMod val="115000"/>
+              </a:schemeClr>
+            </a:gs>
+            <a:gs pos="50000">
+              <a:schemeClr val="accent3">
+                <a:hueOff val="0"/>
+                <a:satOff val="0"/>
+                <a:lumOff val="0"/>
+                <a:shade val="67500"/>
+                <a:satMod val="115000"/>
+              </a:schemeClr>
+            </a:gs>
+            <a:gs pos="100000">
+              <a:schemeClr val="accent3">
+                <a:hueOff val="0"/>
+                <a:satOff val="0"/>
+                <a:lumOff val="0"/>
+                <a:shade val="100000"/>
+                <a:satMod val="115000"/>
+              </a:schemeClr>
+            </a:gs>
+          </a:gsLst>
+          <a:path path="circle">
+            <a:fillToRect t="100000" r="100000"/>
+          </a:path>
+          <a:tileRect l="-100000" b="-100000"/>
+        </a:gradFill>
+        <a:ln>
+          <a:noFill/>
+        </a:ln>
+        <a:effectLst>
+          <a:outerShdw blurRad="149987" dist="250190" dir="8460000" algn="ctr">
+            <a:srgbClr val="000000">
+              <a:alpha val="28000"/>
+            </a:srgbClr>
+          </a:outerShdw>
+        </a:effectLst>
+        <a:scene3d>
+          <a:camera prst="orthographicFront">
+            <a:rot lat="0" lon="0" rev="0"/>
+          </a:camera>
+          <a:lightRig rig="contrasting" dir="t">
+            <a:rot lat="0" lon="0" rev="1500000"/>
+          </a:lightRig>
+        </a:scene3d>
+        <a:sp3d prstMaterial="metal">
+          <a:bevelT w="88900" h="88900"/>
+        </a:sp3d>
+      </dgm:spPr>
       <dgm:t>
         <a:bodyPr/>
         <a:lstStyle/>
@@ -2074,7 +2188,64 @@
     </dgm:pt>
     <dgm:pt modelId="{DAD11457-03D3-4C9D-BE27-E354FDD1E2E8}">
       <dgm:prSet phldrT="[Текст]" custT="1"/>
-      <dgm:spPr/>
+      <dgm:spPr>
+        <a:gradFill flip="none" rotWithShape="0">
+          <a:gsLst>
+            <a:gs pos="0">
+              <a:schemeClr val="accent4">
+                <a:hueOff val="0"/>
+                <a:satOff val="0"/>
+                <a:lumOff val="0"/>
+                <a:shade val="30000"/>
+                <a:satMod val="115000"/>
+              </a:schemeClr>
+            </a:gs>
+            <a:gs pos="50000">
+              <a:schemeClr val="accent4">
+                <a:hueOff val="0"/>
+                <a:satOff val="0"/>
+                <a:lumOff val="0"/>
+                <a:shade val="67500"/>
+                <a:satMod val="115000"/>
+              </a:schemeClr>
+            </a:gs>
+            <a:gs pos="100000">
+              <a:schemeClr val="accent4">
+                <a:hueOff val="0"/>
+                <a:satOff val="0"/>
+                <a:lumOff val="0"/>
+                <a:shade val="100000"/>
+                <a:satMod val="115000"/>
+              </a:schemeClr>
+            </a:gs>
+          </a:gsLst>
+          <a:path path="circle">
+            <a:fillToRect t="100000" r="100000"/>
+          </a:path>
+          <a:tileRect l="-100000" b="-100000"/>
+        </a:gradFill>
+        <a:ln>
+          <a:noFill/>
+        </a:ln>
+        <a:effectLst>
+          <a:outerShdw blurRad="149987" dist="250190" dir="8460000" algn="ctr">
+            <a:srgbClr val="000000">
+              <a:alpha val="28000"/>
+            </a:srgbClr>
+          </a:outerShdw>
+        </a:effectLst>
+        <a:scene3d>
+          <a:camera prst="orthographicFront">
+            <a:rot lat="0" lon="0" rev="0"/>
+          </a:camera>
+          <a:lightRig rig="contrasting" dir="t">
+            <a:rot lat="0" lon="0" rev="1500000"/>
+          </a:lightRig>
+        </a:scene3d>
+        <a:sp3d prstMaterial="metal">
+          <a:bevelT w="88900" h="88900"/>
+        </a:sp3d>
+      </dgm:spPr>
       <dgm:t>
         <a:bodyPr/>
         <a:lstStyle/>
@@ -2113,7 +2284,64 @@
     </dgm:pt>
     <dgm:pt modelId="{C0C1A9F8-7A16-4150-B46D-D92389F35EA0}">
       <dgm:prSet phldrT="[Текст]" custT="1"/>
-      <dgm:spPr/>
+      <dgm:spPr>
+        <a:gradFill flip="none" rotWithShape="0">
+          <a:gsLst>
+            <a:gs pos="0">
+              <a:schemeClr val="accent5">
+                <a:hueOff val="0"/>
+                <a:satOff val="0"/>
+                <a:lumOff val="0"/>
+                <a:shade val="30000"/>
+                <a:satMod val="115000"/>
+              </a:schemeClr>
+            </a:gs>
+            <a:gs pos="50000">
+              <a:schemeClr val="accent5">
+                <a:hueOff val="0"/>
+                <a:satOff val="0"/>
+                <a:lumOff val="0"/>
+                <a:shade val="67500"/>
+                <a:satMod val="115000"/>
+              </a:schemeClr>
+            </a:gs>
+            <a:gs pos="100000">
+              <a:schemeClr val="accent5">
+                <a:hueOff val="0"/>
+                <a:satOff val="0"/>
+                <a:lumOff val="0"/>
+                <a:shade val="100000"/>
+                <a:satMod val="115000"/>
+              </a:schemeClr>
+            </a:gs>
+          </a:gsLst>
+          <a:path path="circle">
+            <a:fillToRect t="100000" r="100000"/>
+          </a:path>
+          <a:tileRect l="-100000" b="-100000"/>
+        </a:gradFill>
+        <a:ln>
+          <a:noFill/>
+        </a:ln>
+        <a:effectLst>
+          <a:outerShdw blurRad="149987" dist="250190" dir="8460000" algn="ctr">
+            <a:srgbClr val="000000">
+              <a:alpha val="28000"/>
+            </a:srgbClr>
+          </a:outerShdw>
+        </a:effectLst>
+        <a:scene3d>
+          <a:camera prst="orthographicFront">
+            <a:rot lat="0" lon="0" rev="0"/>
+          </a:camera>
+          <a:lightRig rig="contrasting" dir="t">
+            <a:rot lat="0" lon="0" rev="1500000"/>
+          </a:lightRig>
+        </a:scene3d>
+        <a:sp3d prstMaterial="metal">
+          <a:bevelT w="88900" h="88900"/>
+        </a:sp3d>
+      </dgm:spPr>
       <dgm:t>
         <a:bodyPr/>
         <a:lstStyle/>
@@ -2156,7 +2384,64 @@
     </dgm:pt>
     <dgm:pt modelId="{7143FC7C-1A6B-4071-80B5-883473B5C7D0}">
       <dgm:prSet phldrT="[Текст]" custT="1"/>
-      <dgm:spPr/>
+      <dgm:spPr>
+        <a:gradFill flip="none" rotWithShape="0">
+          <a:gsLst>
+            <a:gs pos="0">
+              <a:schemeClr val="accent6">
+                <a:hueOff val="0"/>
+                <a:satOff val="0"/>
+                <a:lumOff val="0"/>
+                <a:shade val="30000"/>
+                <a:satMod val="115000"/>
+              </a:schemeClr>
+            </a:gs>
+            <a:gs pos="50000">
+              <a:schemeClr val="accent6">
+                <a:hueOff val="0"/>
+                <a:satOff val="0"/>
+                <a:lumOff val="0"/>
+                <a:shade val="67500"/>
+                <a:satMod val="115000"/>
+              </a:schemeClr>
+            </a:gs>
+            <a:gs pos="100000">
+              <a:schemeClr val="accent6">
+                <a:hueOff val="0"/>
+                <a:satOff val="0"/>
+                <a:lumOff val="0"/>
+                <a:shade val="100000"/>
+                <a:satMod val="115000"/>
+              </a:schemeClr>
+            </a:gs>
+          </a:gsLst>
+          <a:path path="circle">
+            <a:fillToRect t="100000" r="100000"/>
+          </a:path>
+          <a:tileRect l="-100000" b="-100000"/>
+        </a:gradFill>
+        <a:ln>
+          <a:noFill/>
+        </a:ln>
+        <a:effectLst>
+          <a:outerShdw blurRad="149987" dist="250190" dir="8460000" algn="ctr">
+            <a:srgbClr val="000000">
+              <a:alpha val="28000"/>
+            </a:srgbClr>
+          </a:outerShdw>
+        </a:effectLst>
+        <a:scene3d>
+          <a:camera prst="orthographicFront">
+            <a:rot lat="0" lon="0" rev="0"/>
+          </a:camera>
+          <a:lightRig rig="contrasting" dir="t">
+            <a:rot lat="0" lon="0" rev="1500000"/>
+          </a:lightRig>
+        </a:scene3d>
+        <a:sp3d prstMaterial="metal">
+          <a:bevelT w="88900" h="88900"/>
+        </a:sp3d>
+      </dgm:spPr>
       <dgm:t>
         <a:bodyPr/>
         <a:lstStyle/>
@@ -2307,7 +2592,55 @@
     </dgm:pt>
     <dgm:pt modelId="{ED91F051-8592-47BE-8DBC-C7B3E3D4EC85}">
       <dgm:prSet phldrT="[Текст]"/>
-      <dgm:spPr/>
+      <dgm:spPr>
+        <a:gradFill flip="none" rotWithShape="0">
+          <a:gsLst>
+            <a:gs pos="0">
+              <a:srgbClr val="C00000">
+                <a:shade val="30000"/>
+                <a:satMod val="115000"/>
+              </a:srgbClr>
+            </a:gs>
+            <a:gs pos="50000">
+              <a:srgbClr val="C00000">
+                <a:shade val="67500"/>
+                <a:satMod val="115000"/>
+              </a:srgbClr>
+            </a:gs>
+            <a:gs pos="100000">
+              <a:srgbClr val="C00000">
+                <a:shade val="100000"/>
+                <a:satMod val="115000"/>
+              </a:srgbClr>
+            </a:gs>
+          </a:gsLst>
+          <a:path path="circle">
+            <a:fillToRect t="100000" r="100000"/>
+          </a:path>
+          <a:tileRect l="-100000" b="-100000"/>
+        </a:gradFill>
+        <a:ln>
+          <a:noFill/>
+        </a:ln>
+        <a:effectLst>
+          <a:outerShdw blurRad="149987" dist="250190" dir="8460000" algn="ctr">
+            <a:srgbClr val="000000">
+              <a:alpha val="28000"/>
+            </a:srgbClr>
+          </a:outerShdw>
+        </a:effectLst>
+        <a:scene3d>
+          <a:camera prst="orthographicFront">
+            <a:rot lat="0" lon="0" rev="0"/>
+          </a:camera>
+          <a:lightRig rig="contrasting" dir="t">
+            <a:rot lat="0" lon="0" rev="1500000"/>
+          </a:lightRig>
+        </a:scene3d>
+        <a:sp3d prstMaterial="metal">
+          <a:bevelT w="88900" h="88900"/>
+        </a:sp3d>
+      </dgm:spPr>
       <dgm:t>
         <a:bodyPr/>
         <a:lstStyle/>
@@ -2335,7 +2668,55 @@
     </dgm:pt>
     <dgm:pt modelId="{745EC707-1B17-492F-9A4C-3DFA39AFEDE0}" type="sibTrans" cxnId="{3808E39E-74B7-4C23-AFE4-63041415536B}">
       <dgm:prSet/>
-      <dgm:spPr/>
+      <dgm:spPr>
+        <a:gradFill flip="none" rotWithShape="0">
+          <a:gsLst>
+            <a:gs pos="0">
+              <a:srgbClr val="C00000">
+                <a:shade val="30000"/>
+                <a:satMod val="115000"/>
+              </a:srgbClr>
+            </a:gs>
+            <a:gs pos="50000">
+              <a:srgbClr val="C00000">
+                <a:shade val="67500"/>
+                <a:satMod val="115000"/>
+              </a:srgbClr>
+            </a:gs>
+            <a:gs pos="100000">
+              <a:srgbClr val="C00000">
+                <a:shade val="100000"/>
+                <a:satMod val="115000"/>
+              </a:srgbClr>
+            </a:gs>
+          </a:gsLst>
+          <a:path path="circle">
+            <a:fillToRect t="100000" r="100000"/>
+          </a:path>
+          <a:tileRect l="-100000" b="-100000"/>
+        </a:gradFill>
+        <a:ln>
+          <a:noFill/>
+        </a:ln>
+        <a:effectLst>
+          <a:outerShdw blurRad="149987" dist="250190" dir="8460000" algn="ctr">
+            <a:srgbClr val="000000">
+              <a:alpha val="28000"/>
+            </a:srgbClr>
+          </a:outerShdw>
+        </a:effectLst>
+        <a:scene3d>
+          <a:camera prst="orthographicFront">
+            <a:rot lat="0" lon="0" rev="0"/>
+          </a:camera>
+          <a:lightRig rig="contrasting" dir="t">
+            <a:rot lat="0" lon="0" rev="1500000"/>
+          </a:lightRig>
+        </a:scene3d>
+        <a:sp3d prstMaterial="metal">
+          <a:bevelT w="88900" h="88900"/>
+        </a:sp3d>
+      </dgm:spPr>
       <dgm:t>
         <a:bodyPr/>
         <a:lstStyle/>
@@ -2346,7 +2727,55 @@
     </dgm:pt>
     <dgm:pt modelId="{2D47AA27-BC66-4035-9695-D35FAF8FF36A}">
       <dgm:prSet phldrT="[Текст]"/>
-      <dgm:spPr/>
+      <dgm:spPr>
+        <a:gradFill flip="none" rotWithShape="0">
+          <a:gsLst>
+            <a:gs pos="0">
+              <a:srgbClr val="FF0000">
+                <a:shade val="30000"/>
+                <a:satMod val="115000"/>
+              </a:srgbClr>
+            </a:gs>
+            <a:gs pos="50000">
+              <a:srgbClr val="FF0000">
+                <a:shade val="67500"/>
+                <a:satMod val="115000"/>
+              </a:srgbClr>
+            </a:gs>
+            <a:gs pos="100000">
+              <a:srgbClr val="FF0000">
+                <a:shade val="100000"/>
+                <a:satMod val="115000"/>
+              </a:srgbClr>
+            </a:gs>
+          </a:gsLst>
+          <a:path path="circle">
+            <a:fillToRect t="100000" r="100000"/>
+          </a:path>
+          <a:tileRect l="-100000" b="-100000"/>
+        </a:gradFill>
+        <a:ln>
+          <a:noFill/>
+        </a:ln>
+        <a:effectLst>
+          <a:outerShdw blurRad="149987" dist="250190" dir="8460000" algn="ctr">
+            <a:srgbClr val="000000">
+              <a:alpha val="28000"/>
+            </a:srgbClr>
+          </a:outerShdw>
+        </a:effectLst>
+        <a:scene3d>
+          <a:camera prst="orthographicFront">
+            <a:rot lat="0" lon="0" rev="0"/>
+          </a:camera>
+          <a:lightRig rig="contrasting" dir="t">
+            <a:rot lat="0" lon="0" rev="1500000"/>
+          </a:lightRig>
+        </a:scene3d>
+        <a:sp3d prstMaterial="metal">
+          <a:bevelT w="88900" h="88900"/>
+        </a:sp3d>
+      </dgm:spPr>
       <dgm:t>
         <a:bodyPr/>
         <a:lstStyle/>
@@ -2374,7 +2803,55 @@
     </dgm:pt>
     <dgm:pt modelId="{8A14D7F0-FA14-420F-8021-725688B3CB96}" type="sibTrans" cxnId="{F4D97FC6-D5C9-46BA-9DD5-BEF91642B43F}">
       <dgm:prSet/>
-      <dgm:spPr/>
+      <dgm:spPr>
+        <a:gradFill flip="none" rotWithShape="0">
+          <a:gsLst>
+            <a:gs pos="0">
+              <a:srgbClr val="FF0000">
+                <a:shade val="30000"/>
+                <a:satMod val="115000"/>
+              </a:srgbClr>
+            </a:gs>
+            <a:gs pos="50000">
+              <a:srgbClr val="FF0000">
+                <a:shade val="67500"/>
+                <a:satMod val="115000"/>
+              </a:srgbClr>
+            </a:gs>
+            <a:gs pos="100000">
+              <a:srgbClr val="FF0000">
+                <a:shade val="100000"/>
+                <a:satMod val="115000"/>
+              </a:srgbClr>
+            </a:gs>
+          </a:gsLst>
+          <a:path path="circle">
+            <a:fillToRect t="100000" r="100000"/>
+          </a:path>
+          <a:tileRect l="-100000" b="-100000"/>
+        </a:gradFill>
+        <a:ln>
+          <a:noFill/>
+        </a:ln>
+        <a:effectLst>
+          <a:outerShdw blurRad="149987" dist="250190" dir="8460000" algn="ctr">
+            <a:srgbClr val="000000">
+              <a:alpha val="28000"/>
+            </a:srgbClr>
+          </a:outerShdw>
+        </a:effectLst>
+        <a:scene3d>
+          <a:camera prst="orthographicFront">
+            <a:rot lat="0" lon="0" rev="0"/>
+          </a:camera>
+          <a:lightRig rig="contrasting" dir="t">
+            <a:rot lat="0" lon="0" rev="1500000"/>
+          </a:lightRig>
+        </a:scene3d>
+        <a:sp3d prstMaterial="metal">
+          <a:bevelT w="88900" h="88900"/>
+        </a:sp3d>
+      </dgm:spPr>
       <dgm:t>
         <a:bodyPr/>
         <a:lstStyle/>
@@ -2385,7 +2862,55 @@
     </dgm:pt>
     <dgm:pt modelId="{DFB03E44-D359-495B-8ADD-CA5961CD5FF3}">
       <dgm:prSet phldrT="[Текст]"/>
-      <dgm:spPr/>
+      <dgm:spPr>
+        <a:gradFill flip="none" rotWithShape="0">
+          <a:gsLst>
+            <a:gs pos="0">
+              <a:srgbClr val="FFC000">
+                <a:shade val="30000"/>
+                <a:satMod val="115000"/>
+              </a:srgbClr>
+            </a:gs>
+            <a:gs pos="50000">
+              <a:srgbClr val="FFC000">
+                <a:shade val="67500"/>
+                <a:satMod val="115000"/>
+              </a:srgbClr>
+            </a:gs>
+            <a:gs pos="100000">
+              <a:srgbClr val="FFC000">
+                <a:shade val="100000"/>
+                <a:satMod val="115000"/>
+              </a:srgbClr>
+            </a:gs>
+          </a:gsLst>
+          <a:path path="circle">
+            <a:fillToRect t="100000" r="100000"/>
+          </a:path>
+          <a:tileRect l="-100000" b="-100000"/>
+        </a:gradFill>
+        <a:ln>
+          <a:noFill/>
+        </a:ln>
+        <a:effectLst>
+          <a:outerShdw blurRad="149987" dist="250190" dir="8460000" algn="ctr">
+            <a:srgbClr val="000000">
+              <a:alpha val="28000"/>
+            </a:srgbClr>
+          </a:outerShdw>
+        </a:effectLst>
+        <a:scene3d>
+          <a:camera prst="orthographicFront">
+            <a:rot lat="0" lon="0" rev="0"/>
+          </a:camera>
+          <a:lightRig rig="contrasting" dir="t">
+            <a:rot lat="0" lon="0" rev="1500000"/>
+          </a:lightRig>
+        </a:scene3d>
+        <a:sp3d prstMaterial="metal">
+          <a:bevelT w="88900" h="88900"/>
+        </a:sp3d>
+      </dgm:spPr>
       <dgm:t>
         <a:bodyPr/>
         <a:lstStyle/>
@@ -2413,7 +2938,55 @@
     </dgm:pt>
     <dgm:pt modelId="{6860E388-4226-4065-AE40-B262A565B478}" type="sibTrans" cxnId="{E7FA14E2-FFAC-448C-A8B1-96F3B00787C1}">
       <dgm:prSet/>
-      <dgm:spPr/>
+      <dgm:spPr>
+        <a:gradFill flip="none" rotWithShape="0">
+          <a:gsLst>
+            <a:gs pos="0">
+              <a:srgbClr val="FFC000">
+                <a:shade val="30000"/>
+                <a:satMod val="115000"/>
+              </a:srgbClr>
+            </a:gs>
+            <a:gs pos="50000">
+              <a:srgbClr val="FFC000">
+                <a:shade val="67500"/>
+                <a:satMod val="115000"/>
+              </a:srgbClr>
+            </a:gs>
+            <a:gs pos="100000">
+              <a:srgbClr val="FFC000">
+                <a:shade val="100000"/>
+                <a:satMod val="115000"/>
+              </a:srgbClr>
+            </a:gs>
+          </a:gsLst>
+          <a:path path="circle">
+            <a:fillToRect t="100000" r="100000"/>
+          </a:path>
+          <a:tileRect l="-100000" b="-100000"/>
+        </a:gradFill>
+        <a:ln>
+          <a:noFill/>
+        </a:ln>
+        <a:effectLst>
+          <a:outerShdw blurRad="149987" dist="250190" dir="8460000" algn="ctr">
+            <a:srgbClr val="000000">
+              <a:alpha val="28000"/>
+            </a:srgbClr>
+          </a:outerShdw>
+        </a:effectLst>
+        <a:scene3d>
+          <a:camera prst="orthographicFront">
+            <a:rot lat="0" lon="0" rev="0"/>
+          </a:camera>
+          <a:lightRig rig="contrasting" dir="t">
+            <a:rot lat="0" lon="0" rev="1500000"/>
+          </a:lightRig>
+        </a:scene3d>
+        <a:sp3d prstMaterial="metal">
+          <a:bevelT w="88900" h="88900"/>
+        </a:sp3d>
+      </dgm:spPr>
       <dgm:t>
         <a:bodyPr/>
         <a:lstStyle/>
@@ -2424,7 +2997,55 @@
     </dgm:pt>
     <dgm:pt modelId="{2A36C5A1-A57F-429C-A987-9BEA472F4728}">
       <dgm:prSet phldrT="[Текст]"/>
-      <dgm:spPr/>
+      <dgm:spPr>
+        <a:gradFill flip="none" rotWithShape="0">
+          <a:gsLst>
+            <a:gs pos="0">
+              <a:srgbClr val="FFFF00">
+                <a:shade val="30000"/>
+                <a:satMod val="115000"/>
+              </a:srgbClr>
+            </a:gs>
+            <a:gs pos="50000">
+              <a:srgbClr val="FFFF00">
+                <a:shade val="67500"/>
+                <a:satMod val="115000"/>
+              </a:srgbClr>
+            </a:gs>
+            <a:gs pos="100000">
+              <a:srgbClr val="FFFF00">
+                <a:shade val="100000"/>
+                <a:satMod val="115000"/>
+              </a:srgbClr>
+            </a:gs>
+          </a:gsLst>
+          <a:path path="circle">
+            <a:fillToRect t="100000" r="100000"/>
+          </a:path>
+          <a:tileRect l="-100000" b="-100000"/>
+        </a:gradFill>
+        <a:ln>
+          <a:noFill/>
+        </a:ln>
+        <a:effectLst>
+          <a:outerShdw blurRad="149987" dist="250190" dir="8460000" algn="ctr">
+            <a:srgbClr val="000000">
+              <a:alpha val="28000"/>
+            </a:srgbClr>
+          </a:outerShdw>
+        </a:effectLst>
+        <a:scene3d>
+          <a:camera prst="orthographicFront">
+            <a:rot lat="0" lon="0" rev="0"/>
+          </a:camera>
+          <a:lightRig rig="contrasting" dir="t">
+            <a:rot lat="0" lon="0" rev="1500000"/>
+          </a:lightRig>
+        </a:scene3d>
+        <a:sp3d prstMaterial="metal">
+          <a:bevelT w="88900" h="88900"/>
+        </a:sp3d>
+      </dgm:spPr>
       <dgm:t>
         <a:bodyPr/>
         <a:lstStyle/>
@@ -2452,7 +3073,55 @@
     </dgm:pt>
     <dgm:pt modelId="{81F084DD-59C0-4051-A0A9-3F344E03F9F9}" type="sibTrans" cxnId="{69A2450F-E797-4DD8-8451-3F0D2EE9DE3F}">
       <dgm:prSet/>
-      <dgm:spPr/>
+      <dgm:spPr>
+        <a:gradFill flip="none" rotWithShape="0">
+          <a:gsLst>
+            <a:gs pos="0">
+              <a:srgbClr val="FFFF00">
+                <a:shade val="30000"/>
+                <a:satMod val="115000"/>
+              </a:srgbClr>
+            </a:gs>
+            <a:gs pos="50000">
+              <a:srgbClr val="FFFF00">
+                <a:shade val="67500"/>
+                <a:satMod val="115000"/>
+              </a:srgbClr>
+            </a:gs>
+            <a:gs pos="100000">
+              <a:srgbClr val="FFFF00">
+                <a:shade val="100000"/>
+                <a:satMod val="115000"/>
+              </a:srgbClr>
+            </a:gs>
+          </a:gsLst>
+          <a:path path="circle">
+            <a:fillToRect t="100000" r="100000"/>
+          </a:path>
+          <a:tileRect l="-100000" b="-100000"/>
+        </a:gradFill>
+        <a:ln>
+          <a:noFill/>
+        </a:ln>
+        <a:effectLst>
+          <a:outerShdw blurRad="149987" dist="250190" dir="8460000" algn="ctr">
+            <a:srgbClr val="000000">
+              <a:alpha val="28000"/>
+            </a:srgbClr>
+          </a:outerShdw>
+        </a:effectLst>
+        <a:scene3d>
+          <a:camera prst="orthographicFront">
+            <a:rot lat="0" lon="0" rev="0"/>
+          </a:camera>
+          <a:lightRig rig="contrasting" dir="t">
+            <a:rot lat="0" lon="0" rev="1500000"/>
+          </a:lightRig>
+        </a:scene3d>
+        <a:sp3d prstMaterial="metal">
+          <a:bevelT w="88900" h="88900"/>
+        </a:sp3d>
+      </dgm:spPr>
       <dgm:t>
         <a:bodyPr/>
         <a:lstStyle/>
@@ -2463,7 +3132,55 @@
     </dgm:pt>
     <dgm:pt modelId="{D426F72B-C302-4A4C-A828-2C4FF1ED2697}">
       <dgm:prSet phldrT="[Текст]"/>
-      <dgm:spPr/>
+      <dgm:spPr>
+        <a:gradFill flip="none" rotWithShape="0">
+          <a:gsLst>
+            <a:gs pos="0">
+              <a:srgbClr val="92D050">
+                <a:shade val="30000"/>
+                <a:satMod val="115000"/>
+              </a:srgbClr>
+            </a:gs>
+            <a:gs pos="50000">
+              <a:srgbClr val="92D050">
+                <a:shade val="67500"/>
+                <a:satMod val="115000"/>
+              </a:srgbClr>
+            </a:gs>
+            <a:gs pos="100000">
+              <a:srgbClr val="92D050">
+                <a:shade val="100000"/>
+                <a:satMod val="115000"/>
+              </a:srgbClr>
+            </a:gs>
+          </a:gsLst>
+          <a:path path="circle">
+            <a:fillToRect t="100000" r="100000"/>
+          </a:path>
+          <a:tileRect l="-100000" b="-100000"/>
+        </a:gradFill>
+        <a:ln>
+          <a:noFill/>
+        </a:ln>
+        <a:effectLst>
+          <a:outerShdw blurRad="149987" dist="250190" dir="8460000" algn="ctr">
+            <a:srgbClr val="000000">
+              <a:alpha val="28000"/>
+            </a:srgbClr>
+          </a:outerShdw>
+        </a:effectLst>
+        <a:scene3d>
+          <a:camera prst="orthographicFront">
+            <a:rot lat="0" lon="0" rev="0"/>
+          </a:camera>
+          <a:lightRig rig="contrasting" dir="t">
+            <a:rot lat="0" lon="0" rev="1500000"/>
+          </a:lightRig>
+        </a:scene3d>
+        <a:sp3d prstMaterial="metal">
+          <a:bevelT w="88900" h="88900"/>
+        </a:sp3d>
+      </dgm:spPr>
       <dgm:t>
         <a:bodyPr/>
         <a:lstStyle/>
@@ -2491,7 +3208,55 @@
     </dgm:pt>
     <dgm:pt modelId="{88617056-1BC7-4D45-B5A8-2D79DD79B9BE}" type="sibTrans" cxnId="{A8D65FAF-ADC8-4F43-9D09-F1F5E31E88CB}">
       <dgm:prSet/>
-      <dgm:spPr/>
+      <dgm:spPr>
+        <a:gradFill flip="none" rotWithShape="0">
+          <a:gsLst>
+            <a:gs pos="0">
+              <a:srgbClr val="92D050">
+                <a:shade val="30000"/>
+                <a:satMod val="115000"/>
+              </a:srgbClr>
+            </a:gs>
+            <a:gs pos="50000">
+              <a:srgbClr val="92D050">
+                <a:shade val="67500"/>
+                <a:satMod val="115000"/>
+              </a:srgbClr>
+            </a:gs>
+            <a:gs pos="100000">
+              <a:srgbClr val="92D050">
+                <a:shade val="100000"/>
+                <a:satMod val="115000"/>
+              </a:srgbClr>
+            </a:gs>
+          </a:gsLst>
+          <a:path path="circle">
+            <a:fillToRect t="100000" r="100000"/>
+          </a:path>
+          <a:tileRect l="-100000" b="-100000"/>
+        </a:gradFill>
+        <a:ln>
+          <a:noFill/>
+        </a:ln>
+        <a:effectLst>
+          <a:outerShdw blurRad="149987" dist="250190" dir="8460000" algn="ctr">
+            <a:srgbClr val="000000">
+              <a:alpha val="28000"/>
+            </a:srgbClr>
+          </a:outerShdw>
+        </a:effectLst>
+        <a:scene3d>
+          <a:camera prst="orthographicFront">
+            <a:rot lat="0" lon="0" rev="0"/>
+          </a:camera>
+          <a:lightRig rig="contrasting" dir="t">
+            <a:rot lat="0" lon="0" rev="1500000"/>
+          </a:lightRig>
+        </a:scene3d>
+        <a:sp3d prstMaterial="metal">
+          <a:bevelT w="88900" h="88900"/>
+        </a:sp3d>
+      </dgm:spPr>
       <dgm:t>
         <a:bodyPr/>
         <a:lstStyle/>
@@ -2502,7 +3267,55 @@
     </dgm:pt>
     <dgm:pt modelId="{11682877-4C00-4D07-94CA-592F0FC92E53}">
       <dgm:prSet phldrT="[Текст]"/>
-      <dgm:spPr/>
+      <dgm:spPr>
+        <a:gradFill flip="none" rotWithShape="0">
+          <a:gsLst>
+            <a:gs pos="0">
+              <a:srgbClr val="00B050">
+                <a:shade val="30000"/>
+                <a:satMod val="115000"/>
+              </a:srgbClr>
+            </a:gs>
+            <a:gs pos="50000">
+              <a:srgbClr val="00B050">
+                <a:shade val="67500"/>
+                <a:satMod val="115000"/>
+              </a:srgbClr>
+            </a:gs>
+            <a:gs pos="100000">
+              <a:srgbClr val="00B050">
+                <a:shade val="100000"/>
+                <a:satMod val="115000"/>
+              </a:srgbClr>
+            </a:gs>
+          </a:gsLst>
+          <a:path path="circle">
+            <a:fillToRect t="100000" r="100000"/>
+          </a:path>
+          <a:tileRect l="-100000" b="-100000"/>
+        </a:gradFill>
+        <a:ln>
+          <a:noFill/>
+        </a:ln>
+        <a:effectLst>
+          <a:outerShdw blurRad="149987" dist="250190" dir="8460000" algn="ctr">
+            <a:srgbClr val="000000">
+              <a:alpha val="28000"/>
+            </a:srgbClr>
+          </a:outerShdw>
+        </a:effectLst>
+        <a:scene3d>
+          <a:camera prst="orthographicFront">
+            <a:rot lat="0" lon="0" rev="0"/>
+          </a:camera>
+          <a:lightRig rig="contrasting" dir="t">
+            <a:rot lat="0" lon="0" rev="1500000"/>
+          </a:lightRig>
+        </a:scene3d>
+        <a:sp3d prstMaterial="metal">
+          <a:bevelT w="88900" h="88900"/>
+        </a:sp3d>
+      </dgm:spPr>
       <dgm:t>
         <a:bodyPr/>
         <a:lstStyle/>
@@ -2530,7 +3343,55 @@
     </dgm:pt>
     <dgm:pt modelId="{9F7C795B-1608-41F0-88AB-664D9BA9DF50}" type="sibTrans" cxnId="{312A833E-F410-48EB-904E-CD8830546855}">
       <dgm:prSet/>
-      <dgm:spPr/>
+      <dgm:spPr>
+        <a:gradFill flip="none" rotWithShape="0">
+          <a:gsLst>
+            <a:gs pos="0">
+              <a:srgbClr val="00B050">
+                <a:shade val="30000"/>
+                <a:satMod val="115000"/>
+              </a:srgbClr>
+            </a:gs>
+            <a:gs pos="50000">
+              <a:srgbClr val="00B050">
+                <a:shade val="67500"/>
+                <a:satMod val="115000"/>
+              </a:srgbClr>
+            </a:gs>
+            <a:gs pos="100000">
+              <a:srgbClr val="00B050">
+                <a:shade val="100000"/>
+                <a:satMod val="115000"/>
+              </a:srgbClr>
+            </a:gs>
+          </a:gsLst>
+          <a:path path="circle">
+            <a:fillToRect t="100000" r="100000"/>
+          </a:path>
+          <a:tileRect l="-100000" b="-100000"/>
+        </a:gradFill>
+        <a:ln>
+          <a:noFill/>
+        </a:ln>
+        <a:effectLst>
+          <a:outerShdw blurRad="149987" dist="250190" dir="8460000" algn="ctr">
+            <a:srgbClr val="000000">
+              <a:alpha val="28000"/>
+            </a:srgbClr>
+          </a:outerShdw>
+        </a:effectLst>
+        <a:scene3d>
+          <a:camera prst="orthographicFront">
+            <a:rot lat="0" lon="0" rev="0"/>
+          </a:camera>
+          <a:lightRig rig="contrasting" dir="t">
+            <a:rot lat="0" lon="0" rev="1500000"/>
+          </a:lightRig>
+        </a:scene3d>
+        <a:sp3d prstMaterial="metal">
+          <a:bevelT w="88900" h="88900"/>
+        </a:sp3d>
+      </dgm:spPr>
       <dgm:t>
         <a:bodyPr/>
         <a:lstStyle/>
@@ -2541,7 +3402,55 @@
     </dgm:pt>
     <dgm:pt modelId="{06AB3622-27DD-4776-8657-2A003A8E2725}">
       <dgm:prSet phldrT="[Текст]"/>
-      <dgm:spPr/>
+      <dgm:spPr>
+        <a:gradFill flip="none" rotWithShape="0">
+          <a:gsLst>
+            <a:gs pos="0">
+              <a:srgbClr val="00B0F0">
+                <a:shade val="30000"/>
+                <a:satMod val="115000"/>
+              </a:srgbClr>
+            </a:gs>
+            <a:gs pos="50000">
+              <a:srgbClr val="00B0F0">
+                <a:shade val="67500"/>
+                <a:satMod val="115000"/>
+              </a:srgbClr>
+            </a:gs>
+            <a:gs pos="100000">
+              <a:srgbClr val="00B0F0">
+                <a:shade val="100000"/>
+                <a:satMod val="115000"/>
+              </a:srgbClr>
+            </a:gs>
+          </a:gsLst>
+          <a:path path="circle">
+            <a:fillToRect t="100000" r="100000"/>
+          </a:path>
+          <a:tileRect l="-100000" b="-100000"/>
+        </a:gradFill>
+        <a:ln>
+          <a:noFill/>
+        </a:ln>
+        <a:effectLst>
+          <a:outerShdw blurRad="149987" dist="250190" dir="8460000" algn="ctr">
+            <a:srgbClr val="000000">
+              <a:alpha val="28000"/>
+            </a:srgbClr>
+          </a:outerShdw>
+        </a:effectLst>
+        <a:scene3d>
+          <a:camera prst="orthographicFront">
+            <a:rot lat="0" lon="0" rev="0"/>
+          </a:camera>
+          <a:lightRig rig="contrasting" dir="t">
+            <a:rot lat="0" lon="0" rev="1500000"/>
+          </a:lightRig>
+        </a:scene3d>
+        <a:sp3d prstMaterial="metal">
+          <a:bevelT w="88900" h="88900"/>
+        </a:sp3d>
+      </dgm:spPr>
       <dgm:t>
         <a:bodyPr/>
         <a:lstStyle/>
@@ -2569,7 +3478,55 @@
     </dgm:pt>
     <dgm:pt modelId="{F7AC82E0-C433-47CF-9228-F1A9DBCF319B}" type="sibTrans" cxnId="{C9C189A9-A62A-4B09-8228-8251697B0F01}">
       <dgm:prSet/>
-      <dgm:spPr/>
+      <dgm:spPr>
+        <a:gradFill flip="none" rotWithShape="0">
+          <a:gsLst>
+            <a:gs pos="0">
+              <a:srgbClr val="00B0F0">
+                <a:shade val="30000"/>
+                <a:satMod val="115000"/>
+              </a:srgbClr>
+            </a:gs>
+            <a:gs pos="50000">
+              <a:srgbClr val="00B0F0">
+                <a:shade val="67500"/>
+                <a:satMod val="115000"/>
+              </a:srgbClr>
+            </a:gs>
+            <a:gs pos="100000">
+              <a:srgbClr val="00B0F0">
+                <a:shade val="100000"/>
+                <a:satMod val="115000"/>
+              </a:srgbClr>
+            </a:gs>
+          </a:gsLst>
+          <a:path path="circle">
+            <a:fillToRect t="100000" r="100000"/>
+          </a:path>
+          <a:tileRect l="-100000" b="-100000"/>
+        </a:gradFill>
+        <a:ln>
+          <a:noFill/>
+        </a:ln>
+        <a:effectLst>
+          <a:outerShdw blurRad="149987" dist="250190" dir="8460000" algn="ctr">
+            <a:srgbClr val="000000">
+              <a:alpha val="28000"/>
+            </a:srgbClr>
+          </a:outerShdw>
+        </a:effectLst>
+        <a:scene3d>
+          <a:camera prst="orthographicFront">
+            <a:rot lat="0" lon="0" rev="0"/>
+          </a:camera>
+          <a:lightRig rig="contrasting" dir="t">
+            <a:rot lat="0" lon="0" rev="1500000"/>
+          </a:lightRig>
+        </a:scene3d>
+        <a:sp3d prstMaterial="metal">
+          <a:bevelT w="88900" h="88900"/>
+        </a:sp3d>
+      </dgm:spPr>
       <dgm:t>
         <a:bodyPr/>
         <a:lstStyle/>
@@ -2580,7 +3537,55 @@
     </dgm:pt>
     <dgm:pt modelId="{8CBFFA8B-90AF-4380-889D-7AE8992E6521}">
       <dgm:prSet phldrT="[Текст]"/>
-      <dgm:spPr/>
+      <dgm:spPr>
+        <a:gradFill flip="none" rotWithShape="0">
+          <a:gsLst>
+            <a:gs pos="0">
+              <a:srgbClr val="0070C0">
+                <a:shade val="30000"/>
+                <a:satMod val="115000"/>
+              </a:srgbClr>
+            </a:gs>
+            <a:gs pos="50000">
+              <a:srgbClr val="0070C0">
+                <a:shade val="67500"/>
+                <a:satMod val="115000"/>
+              </a:srgbClr>
+            </a:gs>
+            <a:gs pos="100000">
+              <a:srgbClr val="0070C0">
+                <a:shade val="100000"/>
+                <a:satMod val="115000"/>
+              </a:srgbClr>
+            </a:gs>
+          </a:gsLst>
+          <a:path path="circle">
+            <a:fillToRect t="100000" r="100000"/>
+          </a:path>
+          <a:tileRect l="-100000" b="-100000"/>
+        </a:gradFill>
+        <a:ln>
+          <a:noFill/>
+        </a:ln>
+        <a:effectLst>
+          <a:outerShdw blurRad="149987" dist="250190" dir="8460000" algn="ctr">
+            <a:srgbClr val="000000">
+              <a:alpha val="28000"/>
+            </a:srgbClr>
+          </a:outerShdw>
+        </a:effectLst>
+        <a:scene3d>
+          <a:camera prst="orthographicFront">
+            <a:rot lat="0" lon="0" rev="0"/>
+          </a:camera>
+          <a:lightRig rig="contrasting" dir="t">
+            <a:rot lat="0" lon="0" rev="1500000"/>
+          </a:lightRig>
+        </a:scene3d>
+        <a:sp3d prstMaterial="metal">
+          <a:bevelT w="88900" h="88900"/>
+        </a:sp3d>
+      </dgm:spPr>
       <dgm:t>
         <a:bodyPr/>
         <a:lstStyle/>
@@ -2608,7 +3613,55 @@
     </dgm:pt>
     <dgm:pt modelId="{0AA99090-DB50-40B9-AB6C-2DD42C8C827C}" type="sibTrans" cxnId="{9B285510-615D-484A-8AEF-5166E8A222D3}">
       <dgm:prSet/>
-      <dgm:spPr/>
+      <dgm:spPr>
+        <a:gradFill flip="none" rotWithShape="0">
+          <a:gsLst>
+            <a:gs pos="0">
+              <a:srgbClr val="0070C0">
+                <a:shade val="30000"/>
+                <a:satMod val="115000"/>
+              </a:srgbClr>
+            </a:gs>
+            <a:gs pos="50000">
+              <a:srgbClr val="0070C0">
+                <a:shade val="67500"/>
+                <a:satMod val="115000"/>
+              </a:srgbClr>
+            </a:gs>
+            <a:gs pos="100000">
+              <a:srgbClr val="0070C0">
+                <a:shade val="100000"/>
+                <a:satMod val="115000"/>
+              </a:srgbClr>
+            </a:gs>
+          </a:gsLst>
+          <a:path path="circle">
+            <a:fillToRect t="100000" r="100000"/>
+          </a:path>
+          <a:tileRect l="-100000" b="-100000"/>
+        </a:gradFill>
+        <a:ln>
+          <a:noFill/>
+        </a:ln>
+        <a:effectLst>
+          <a:outerShdw blurRad="149987" dist="250190" dir="8460000" algn="ctr">
+            <a:srgbClr val="000000">
+              <a:alpha val="28000"/>
+            </a:srgbClr>
+          </a:outerShdw>
+        </a:effectLst>
+        <a:scene3d>
+          <a:camera prst="orthographicFront">
+            <a:rot lat="0" lon="0" rev="0"/>
+          </a:camera>
+          <a:lightRig rig="contrasting" dir="t">
+            <a:rot lat="0" lon="0" rev="1500000"/>
+          </a:lightRig>
+        </a:scene3d>
+        <a:sp3d prstMaterial="metal">
+          <a:bevelT w="88900" h="88900"/>
+        </a:sp3d>
+      </dgm:spPr>
       <dgm:t>
         <a:bodyPr/>
         <a:lstStyle/>
@@ -2619,7 +3672,55 @@
     </dgm:pt>
     <dgm:pt modelId="{B2B07C10-D2A3-4A1B-8834-A8F4F2A1A26F}">
       <dgm:prSet phldrT="[Текст]"/>
-      <dgm:spPr/>
+      <dgm:spPr>
+        <a:gradFill flip="none" rotWithShape="0">
+          <a:gsLst>
+            <a:gs pos="0">
+              <a:srgbClr val="002060">
+                <a:tint val="66000"/>
+                <a:satMod val="160000"/>
+              </a:srgbClr>
+            </a:gs>
+            <a:gs pos="50000">
+              <a:srgbClr val="002060">
+                <a:tint val="44500"/>
+                <a:satMod val="160000"/>
+              </a:srgbClr>
+            </a:gs>
+            <a:gs pos="100000">
+              <a:srgbClr val="002060">
+                <a:tint val="23500"/>
+                <a:satMod val="160000"/>
+              </a:srgbClr>
+            </a:gs>
+          </a:gsLst>
+          <a:path path="circle">
+            <a:fillToRect t="100000" r="100000"/>
+          </a:path>
+          <a:tileRect l="-100000" b="-100000"/>
+        </a:gradFill>
+        <a:ln>
+          <a:noFill/>
+        </a:ln>
+        <a:effectLst>
+          <a:outerShdw blurRad="149987" dist="250190" dir="8460000" algn="ctr">
+            <a:srgbClr val="000000">
+              <a:alpha val="28000"/>
+            </a:srgbClr>
+          </a:outerShdw>
+        </a:effectLst>
+        <a:scene3d>
+          <a:camera prst="orthographicFront">
+            <a:rot lat="0" lon="0" rev="0"/>
+          </a:camera>
+          <a:lightRig rig="contrasting" dir="t">
+            <a:rot lat="0" lon="0" rev="1500000"/>
+          </a:lightRig>
+        </a:scene3d>
+        <a:sp3d prstMaterial="metal">
+          <a:bevelT w="88900" h="88900"/>
+        </a:sp3d>
+      </dgm:spPr>
       <dgm:t>
         <a:bodyPr/>
         <a:lstStyle/>
@@ -2629,19 +3730,8 @@
               <a:latin typeface="Arial" panose="020B0604020202020204" pitchFamily="34" charset="0"/>
               <a:cs typeface="Arial" panose="020B0604020202020204" pitchFamily="34" charset="0"/>
             </a:rPr>
-            <a:t>Бизнес-</a:t>
+            <a:t>Бизнес-процессы</a:t>
           </a:r>
-          <a:r>
-            <a:rPr lang="ru-RU" dirty="0" err="1">
-              <a:latin typeface="Arial" panose="020B0604020202020204" pitchFamily="34" charset="0"/>
-              <a:cs typeface="Arial" panose="020B0604020202020204" pitchFamily="34" charset="0"/>
-            </a:rPr>
-            <a:t>процесы</a:t>
-          </a:r>
-          <a:endParaRPr lang="ru-RU" dirty="0">
-            <a:latin typeface="Arial" panose="020B0604020202020204" pitchFamily="34" charset="0"/>
-            <a:cs typeface="Arial" panose="020B0604020202020204" pitchFamily="34" charset="0"/>
-          </a:endParaRPr>
         </a:p>
       </dgm:t>
     </dgm:pt>
@@ -2705,7 +3795,7 @@
       <dgm:spPr/>
     </dgm:pt>
     <dgm:pt modelId="{DD2E1E03-E34D-4E1E-8374-10A0B7B6DDDF}" type="pres">
-      <dgm:prSet presAssocID="{2D47AA27-BC66-4035-9695-D35FAF8FF36A}" presName="node" presStyleLbl="node1" presStyleIdx="1" presStyleCnt="9">
+      <dgm:prSet presAssocID="{2D47AA27-BC66-4035-9695-D35FAF8FF36A}" presName="node" presStyleLbl="node1" presStyleIdx="1" presStyleCnt="9" custLinFactNeighborX="70">
         <dgm:presLayoutVars>
           <dgm:bulletEnabled val="1"/>
         </dgm:presLayoutVars>
@@ -2948,27 +4038,64 @@
         <a:prstGeom prst="rect">
           <a:avLst/>
         </a:prstGeom>
-        <a:solidFill>
-          <a:schemeClr val="accent2">
-            <a:hueOff val="0"/>
-            <a:satOff val="0"/>
-            <a:lumOff val="0"/>
-            <a:alphaOff val="0"/>
-          </a:schemeClr>
-        </a:solidFill>
+        <a:gradFill flip="none" rotWithShape="0">
+          <a:gsLst>
+            <a:gs pos="0">
+              <a:schemeClr val="accent2">
+                <a:hueOff val="0"/>
+                <a:satOff val="0"/>
+                <a:lumOff val="0"/>
+                <a:shade val="30000"/>
+                <a:satMod val="115000"/>
+              </a:schemeClr>
+            </a:gs>
+            <a:gs pos="50000">
+              <a:schemeClr val="accent2">
+                <a:hueOff val="0"/>
+                <a:satOff val="0"/>
+                <a:lumOff val="0"/>
+                <a:shade val="67500"/>
+                <a:satMod val="115000"/>
+              </a:schemeClr>
+            </a:gs>
+            <a:gs pos="100000">
+              <a:schemeClr val="accent2">
+                <a:hueOff val="0"/>
+                <a:satOff val="0"/>
+                <a:lumOff val="0"/>
+                <a:shade val="100000"/>
+                <a:satMod val="115000"/>
+              </a:schemeClr>
+            </a:gs>
+          </a:gsLst>
+          <a:path path="circle">
+            <a:fillToRect t="100000" r="100000"/>
+          </a:path>
+          <a:tileRect l="-100000" b="-100000"/>
+        </a:gradFill>
         <a:ln w="12700" cap="flat" cmpd="sng" algn="ctr">
-          <a:solidFill>
-            <a:schemeClr val="lt1">
-              <a:hueOff val="0"/>
-              <a:satOff val="0"/>
-              <a:lumOff val="0"/>
-              <a:alphaOff val="0"/>
-            </a:schemeClr>
-          </a:solidFill>
+          <a:noFill/>
           <a:prstDash val="solid"/>
           <a:miter lim="800000"/>
         </a:ln>
-        <a:effectLst/>
+        <a:effectLst>
+          <a:outerShdw blurRad="149987" dist="250190" dir="8460000" algn="ctr" rotWithShape="0">
+            <a:srgbClr val="000000">
+              <a:alpha val="28000"/>
+            </a:srgbClr>
+          </a:outerShdw>
+        </a:effectLst>
+        <a:scene3d>
+          <a:camera prst="orthographicFront">
+            <a:rot lat="0" lon="0" rev="0"/>
+          </a:camera>
+          <a:lightRig rig="contrasting" dir="t">
+            <a:rot lat="0" lon="0" rev="1500000"/>
+          </a:lightRig>
+        </a:scene3d>
+        <a:sp3d prstMaterial="metal">
+          <a:bevelT w="88900" h="88900"/>
+        </a:sp3d>
       </dsp:spPr>
       <dsp:style>
         <a:lnRef idx="2">
@@ -3029,27 +4156,64 @@
         <a:prstGeom prst="rect">
           <a:avLst/>
         </a:prstGeom>
-        <a:solidFill>
-          <a:schemeClr val="accent3">
-            <a:hueOff val="0"/>
-            <a:satOff val="0"/>
-            <a:lumOff val="0"/>
-            <a:alphaOff val="0"/>
-          </a:schemeClr>
-        </a:solidFill>
+        <a:gradFill flip="none" rotWithShape="0">
+          <a:gsLst>
+            <a:gs pos="0">
+              <a:schemeClr val="accent3">
+                <a:hueOff val="0"/>
+                <a:satOff val="0"/>
+                <a:lumOff val="0"/>
+                <a:shade val="30000"/>
+                <a:satMod val="115000"/>
+              </a:schemeClr>
+            </a:gs>
+            <a:gs pos="50000">
+              <a:schemeClr val="accent3">
+                <a:hueOff val="0"/>
+                <a:satOff val="0"/>
+                <a:lumOff val="0"/>
+                <a:shade val="67500"/>
+                <a:satMod val="115000"/>
+              </a:schemeClr>
+            </a:gs>
+            <a:gs pos="100000">
+              <a:schemeClr val="accent3">
+                <a:hueOff val="0"/>
+                <a:satOff val="0"/>
+                <a:lumOff val="0"/>
+                <a:shade val="100000"/>
+                <a:satMod val="115000"/>
+              </a:schemeClr>
+            </a:gs>
+          </a:gsLst>
+          <a:path path="circle">
+            <a:fillToRect t="100000" r="100000"/>
+          </a:path>
+          <a:tileRect l="-100000" b="-100000"/>
+        </a:gradFill>
         <a:ln w="12700" cap="flat" cmpd="sng" algn="ctr">
-          <a:solidFill>
-            <a:schemeClr val="lt1">
-              <a:hueOff val="0"/>
-              <a:satOff val="0"/>
-              <a:lumOff val="0"/>
-              <a:alphaOff val="0"/>
-            </a:schemeClr>
-          </a:solidFill>
+          <a:noFill/>
           <a:prstDash val="solid"/>
           <a:miter lim="800000"/>
         </a:ln>
-        <a:effectLst/>
+        <a:effectLst>
+          <a:outerShdw blurRad="149987" dist="250190" dir="8460000" algn="ctr" rotWithShape="0">
+            <a:srgbClr val="000000">
+              <a:alpha val="28000"/>
+            </a:srgbClr>
+          </a:outerShdw>
+        </a:effectLst>
+        <a:scene3d>
+          <a:camera prst="orthographicFront">
+            <a:rot lat="0" lon="0" rev="0"/>
+          </a:camera>
+          <a:lightRig rig="contrasting" dir="t">
+            <a:rot lat="0" lon="0" rev="1500000"/>
+          </a:lightRig>
+        </a:scene3d>
+        <a:sp3d prstMaterial="metal">
+          <a:bevelT w="88900" h="88900"/>
+        </a:sp3d>
       </dsp:spPr>
       <dsp:style>
         <a:lnRef idx="2">
@@ -3121,27 +4285,64 @@
         <a:prstGeom prst="rect">
           <a:avLst/>
         </a:prstGeom>
-        <a:solidFill>
-          <a:schemeClr val="accent4">
-            <a:hueOff val="0"/>
-            <a:satOff val="0"/>
-            <a:lumOff val="0"/>
-            <a:alphaOff val="0"/>
-          </a:schemeClr>
-        </a:solidFill>
+        <a:gradFill flip="none" rotWithShape="0">
+          <a:gsLst>
+            <a:gs pos="0">
+              <a:schemeClr val="accent4">
+                <a:hueOff val="0"/>
+                <a:satOff val="0"/>
+                <a:lumOff val="0"/>
+                <a:shade val="30000"/>
+                <a:satMod val="115000"/>
+              </a:schemeClr>
+            </a:gs>
+            <a:gs pos="50000">
+              <a:schemeClr val="accent4">
+                <a:hueOff val="0"/>
+                <a:satOff val="0"/>
+                <a:lumOff val="0"/>
+                <a:shade val="67500"/>
+                <a:satMod val="115000"/>
+              </a:schemeClr>
+            </a:gs>
+            <a:gs pos="100000">
+              <a:schemeClr val="accent4">
+                <a:hueOff val="0"/>
+                <a:satOff val="0"/>
+                <a:lumOff val="0"/>
+                <a:shade val="100000"/>
+                <a:satMod val="115000"/>
+              </a:schemeClr>
+            </a:gs>
+          </a:gsLst>
+          <a:path path="circle">
+            <a:fillToRect t="100000" r="100000"/>
+          </a:path>
+          <a:tileRect l="-100000" b="-100000"/>
+        </a:gradFill>
         <a:ln w="12700" cap="flat" cmpd="sng" algn="ctr">
-          <a:solidFill>
-            <a:schemeClr val="lt1">
-              <a:hueOff val="0"/>
-              <a:satOff val="0"/>
-              <a:lumOff val="0"/>
-              <a:alphaOff val="0"/>
-            </a:schemeClr>
-          </a:solidFill>
+          <a:noFill/>
           <a:prstDash val="solid"/>
           <a:miter lim="800000"/>
         </a:ln>
-        <a:effectLst/>
+        <a:effectLst>
+          <a:outerShdw blurRad="149987" dist="250190" dir="8460000" algn="ctr" rotWithShape="0">
+            <a:srgbClr val="000000">
+              <a:alpha val="28000"/>
+            </a:srgbClr>
+          </a:outerShdw>
+        </a:effectLst>
+        <a:scene3d>
+          <a:camera prst="orthographicFront">
+            <a:rot lat="0" lon="0" rev="0"/>
+          </a:camera>
+          <a:lightRig rig="contrasting" dir="t">
+            <a:rot lat="0" lon="0" rev="1500000"/>
+          </a:lightRig>
+        </a:scene3d>
+        <a:sp3d prstMaterial="metal">
+          <a:bevelT w="88900" h="88900"/>
+        </a:sp3d>
       </dsp:spPr>
       <dsp:style>
         <a:lnRef idx="2">
@@ -3202,27 +4403,64 @@
         <a:prstGeom prst="rect">
           <a:avLst/>
         </a:prstGeom>
-        <a:solidFill>
-          <a:schemeClr val="accent5">
-            <a:hueOff val="0"/>
-            <a:satOff val="0"/>
-            <a:lumOff val="0"/>
-            <a:alphaOff val="0"/>
-          </a:schemeClr>
-        </a:solidFill>
+        <a:gradFill flip="none" rotWithShape="0">
+          <a:gsLst>
+            <a:gs pos="0">
+              <a:schemeClr val="accent5">
+                <a:hueOff val="0"/>
+                <a:satOff val="0"/>
+                <a:lumOff val="0"/>
+                <a:shade val="30000"/>
+                <a:satMod val="115000"/>
+              </a:schemeClr>
+            </a:gs>
+            <a:gs pos="50000">
+              <a:schemeClr val="accent5">
+                <a:hueOff val="0"/>
+                <a:satOff val="0"/>
+                <a:lumOff val="0"/>
+                <a:shade val="67500"/>
+                <a:satMod val="115000"/>
+              </a:schemeClr>
+            </a:gs>
+            <a:gs pos="100000">
+              <a:schemeClr val="accent5">
+                <a:hueOff val="0"/>
+                <a:satOff val="0"/>
+                <a:lumOff val="0"/>
+                <a:shade val="100000"/>
+                <a:satMod val="115000"/>
+              </a:schemeClr>
+            </a:gs>
+          </a:gsLst>
+          <a:path path="circle">
+            <a:fillToRect t="100000" r="100000"/>
+          </a:path>
+          <a:tileRect l="-100000" b="-100000"/>
+        </a:gradFill>
         <a:ln w="12700" cap="flat" cmpd="sng" algn="ctr">
-          <a:solidFill>
-            <a:schemeClr val="lt1">
-              <a:hueOff val="0"/>
-              <a:satOff val="0"/>
-              <a:lumOff val="0"/>
-              <a:alphaOff val="0"/>
-            </a:schemeClr>
-          </a:solidFill>
+          <a:noFill/>
           <a:prstDash val="solid"/>
           <a:miter lim="800000"/>
         </a:ln>
-        <a:effectLst/>
+        <a:effectLst>
+          <a:outerShdw blurRad="149987" dist="250190" dir="8460000" algn="ctr" rotWithShape="0">
+            <a:srgbClr val="000000">
+              <a:alpha val="28000"/>
+            </a:srgbClr>
+          </a:outerShdw>
+        </a:effectLst>
+        <a:scene3d>
+          <a:camera prst="orthographicFront">
+            <a:rot lat="0" lon="0" rev="0"/>
+          </a:camera>
+          <a:lightRig rig="contrasting" dir="t">
+            <a:rot lat="0" lon="0" rev="1500000"/>
+          </a:lightRig>
+        </a:scene3d>
+        <a:sp3d prstMaterial="metal">
+          <a:bevelT w="88900" h="88900"/>
+        </a:sp3d>
       </dsp:spPr>
       <dsp:style>
         <a:lnRef idx="2">
@@ -3287,27 +4525,64 @@
         <a:prstGeom prst="rect">
           <a:avLst/>
         </a:prstGeom>
-        <a:solidFill>
-          <a:schemeClr val="accent6">
-            <a:hueOff val="0"/>
-            <a:satOff val="0"/>
-            <a:lumOff val="0"/>
-            <a:alphaOff val="0"/>
-          </a:schemeClr>
-        </a:solidFill>
+        <a:gradFill flip="none" rotWithShape="0">
+          <a:gsLst>
+            <a:gs pos="0">
+              <a:schemeClr val="accent6">
+                <a:hueOff val="0"/>
+                <a:satOff val="0"/>
+                <a:lumOff val="0"/>
+                <a:shade val="30000"/>
+                <a:satMod val="115000"/>
+              </a:schemeClr>
+            </a:gs>
+            <a:gs pos="50000">
+              <a:schemeClr val="accent6">
+                <a:hueOff val="0"/>
+                <a:satOff val="0"/>
+                <a:lumOff val="0"/>
+                <a:shade val="67500"/>
+                <a:satMod val="115000"/>
+              </a:schemeClr>
+            </a:gs>
+            <a:gs pos="100000">
+              <a:schemeClr val="accent6">
+                <a:hueOff val="0"/>
+                <a:satOff val="0"/>
+                <a:lumOff val="0"/>
+                <a:shade val="100000"/>
+                <a:satMod val="115000"/>
+              </a:schemeClr>
+            </a:gs>
+          </a:gsLst>
+          <a:path path="circle">
+            <a:fillToRect t="100000" r="100000"/>
+          </a:path>
+          <a:tileRect l="-100000" b="-100000"/>
+        </a:gradFill>
         <a:ln w="12700" cap="flat" cmpd="sng" algn="ctr">
-          <a:solidFill>
-            <a:schemeClr val="lt1">
-              <a:hueOff val="0"/>
-              <a:satOff val="0"/>
-              <a:lumOff val="0"/>
-              <a:alphaOff val="0"/>
-            </a:schemeClr>
-          </a:solidFill>
+          <a:noFill/>
           <a:prstDash val="solid"/>
           <a:miter lim="800000"/>
         </a:ln>
-        <a:effectLst/>
+        <a:effectLst>
+          <a:outerShdw blurRad="149987" dist="250190" dir="8460000" algn="ctr" rotWithShape="0">
+            <a:srgbClr val="000000">
+              <a:alpha val="28000"/>
+            </a:srgbClr>
+          </a:outerShdw>
+        </a:effectLst>
+        <a:scene3d>
+          <a:camera prst="orthographicFront">
+            <a:rot lat="0" lon="0" rev="0"/>
+          </a:camera>
+          <a:lightRig rig="contrasting" dir="t">
+            <a:rot lat="0" lon="0" rev="1500000"/>
+          </a:lightRig>
+        </a:scene3d>
+        <a:sp3d prstMaterial="metal">
+          <a:bevelT w="88900" h="88900"/>
+        </a:sp3d>
       </dsp:spPr>
       <dsp:style>
         <a:lnRef idx="2">
@@ -3373,25 +4648,60 @@
         <dsp:cNvSpPr/>
       </dsp:nvSpPr>
       <dsp:spPr>
-        <a:xfrm rot="5400000">
-          <a:off x="417222" y="1153914"/>
-          <a:ext cx="1805507" cy="217654"/>
+        <a:xfrm rot="5396777">
+          <a:off x="418068" y="1153914"/>
+          <a:ext cx="1805508" cy="217654"/>
         </a:xfrm>
         <a:prstGeom prst="rect">
           <a:avLst/>
         </a:prstGeom>
-        <a:solidFill>
-          <a:schemeClr val="accent2">
-            <a:hueOff val="0"/>
-            <a:satOff val="0"/>
-            <a:lumOff val="0"/>
-            <a:alphaOff val="0"/>
-          </a:schemeClr>
-        </a:solidFill>
+        <a:gradFill flip="none" rotWithShape="0">
+          <a:gsLst>
+            <a:gs pos="0">
+              <a:srgbClr val="C00000">
+                <a:shade val="30000"/>
+                <a:satMod val="115000"/>
+              </a:srgbClr>
+            </a:gs>
+            <a:gs pos="50000">
+              <a:srgbClr val="C00000">
+                <a:shade val="67500"/>
+                <a:satMod val="115000"/>
+              </a:srgbClr>
+            </a:gs>
+            <a:gs pos="100000">
+              <a:srgbClr val="C00000">
+                <a:shade val="100000"/>
+                <a:satMod val="115000"/>
+              </a:srgbClr>
+            </a:gs>
+          </a:gsLst>
+          <a:path path="circle">
+            <a:fillToRect t="100000" r="100000"/>
+          </a:path>
+          <a:tileRect l="-100000" b="-100000"/>
+        </a:gradFill>
         <a:ln>
           <a:noFill/>
         </a:ln>
-        <a:effectLst/>
+        <a:effectLst>
+          <a:outerShdw blurRad="149987" dist="250190" dir="8460000" algn="ctr" rotWithShape="0">
+            <a:srgbClr val="000000">
+              <a:alpha val="28000"/>
+            </a:srgbClr>
+          </a:outerShdw>
+        </a:effectLst>
+        <a:scene3d>
+          <a:camera prst="orthographicFront">
+            <a:rot lat="0" lon="0" rev="0"/>
+          </a:camera>
+          <a:lightRig rig="contrasting" dir="t">
+            <a:rot lat="0" lon="0" rev="1500000"/>
+          </a:lightRig>
+        </a:scene3d>
+        <a:sp3d prstMaterial="metal">
+          <a:bevelT w="88900" h="88900"/>
+        </a:sp3d>
       </dsp:spPr>
       <dsp:style>
         <a:lnRef idx="0">
@@ -3423,27 +4733,55 @@
             <a:gd name="adj" fmla="val 10000"/>
           </a:avLst>
         </a:prstGeom>
-        <a:solidFill>
-          <a:schemeClr val="accent2">
-            <a:hueOff val="0"/>
-            <a:satOff val="0"/>
-            <a:lumOff val="0"/>
-            <a:alphaOff val="0"/>
-          </a:schemeClr>
-        </a:solidFill>
+        <a:gradFill flip="none" rotWithShape="0">
+          <a:gsLst>
+            <a:gs pos="0">
+              <a:srgbClr val="C00000">
+                <a:shade val="30000"/>
+                <a:satMod val="115000"/>
+              </a:srgbClr>
+            </a:gs>
+            <a:gs pos="50000">
+              <a:srgbClr val="C00000">
+                <a:shade val="67500"/>
+                <a:satMod val="115000"/>
+              </a:srgbClr>
+            </a:gs>
+            <a:gs pos="100000">
+              <a:srgbClr val="C00000">
+                <a:shade val="100000"/>
+                <a:satMod val="115000"/>
+              </a:srgbClr>
+            </a:gs>
+          </a:gsLst>
+          <a:path path="circle">
+            <a:fillToRect t="100000" r="100000"/>
+          </a:path>
+          <a:tileRect l="-100000" b="-100000"/>
+        </a:gradFill>
         <a:ln w="12700" cap="flat" cmpd="sng" algn="ctr">
-          <a:solidFill>
-            <a:schemeClr val="lt1">
-              <a:hueOff val="0"/>
-              <a:satOff val="0"/>
-              <a:lumOff val="0"/>
-              <a:alphaOff val="0"/>
-            </a:schemeClr>
-          </a:solidFill>
+          <a:noFill/>
           <a:prstDash val="solid"/>
           <a:miter lim="800000"/>
         </a:ln>
-        <a:effectLst/>
+        <a:effectLst>
+          <a:outerShdw blurRad="149987" dist="250190" dir="8460000" algn="ctr" rotWithShape="0">
+            <a:srgbClr val="000000">
+              <a:alpha val="28000"/>
+            </a:srgbClr>
+          </a:outerShdw>
+        </a:effectLst>
+        <a:scene3d>
+          <a:camera prst="orthographicFront">
+            <a:rot lat="0" lon="0" rev="0"/>
+          </a:camera>
+          <a:lightRig rig="contrasting" dir="t">
+            <a:rot lat="0" lon="0" rev="1500000"/>
+          </a:lightRig>
+        </a:scene3d>
+        <a:sp3d prstMaterial="metal">
+          <a:bevelT w="88900" h="88900"/>
+        </a:sp3d>
       </dsp:spPr>
       <dsp:style>
         <a:lnRef idx="2">
@@ -3497,25 +4835,60 @@
         <dsp:cNvSpPr/>
       </dsp:nvSpPr>
       <dsp:spPr>
-        <a:xfrm rot="5400000">
-          <a:off x="417222" y="2967701"/>
-          <a:ext cx="1805507" cy="217654"/>
+        <a:xfrm rot="5403223">
+          <a:off x="418068" y="2967701"/>
+          <a:ext cx="1805508" cy="217654"/>
         </a:xfrm>
         <a:prstGeom prst="rect">
           <a:avLst/>
         </a:prstGeom>
-        <a:solidFill>
-          <a:schemeClr val="accent3">
-            <a:hueOff val="0"/>
-            <a:satOff val="0"/>
-            <a:lumOff val="0"/>
-            <a:alphaOff val="0"/>
-          </a:schemeClr>
-        </a:solidFill>
+        <a:gradFill flip="none" rotWithShape="0">
+          <a:gsLst>
+            <a:gs pos="0">
+              <a:srgbClr val="FF0000">
+                <a:shade val="30000"/>
+                <a:satMod val="115000"/>
+              </a:srgbClr>
+            </a:gs>
+            <a:gs pos="50000">
+              <a:srgbClr val="FF0000">
+                <a:shade val="67500"/>
+                <a:satMod val="115000"/>
+              </a:srgbClr>
+            </a:gs>
+            <a:gs pos="100000">
+              <a:srgbClr val="FF0000">
+                <a:shade val="100000"/>
+                <a:satMod val="115000"/>
+              </a:srgbClr>
+            </a:gs>
+          </a:gsLst>
+          <a:path path="circle">
+            <a:fillToRect t="100000" r="100000"/>
+          </a:path>
+          <a:tileRect l="-100000" b="-100000"/>
+        </a:gradFill>
         <a:ln>
           <a:noFill/>
         </a:ln>
-        <a:effectLst/>
+        <a:effectLst>
+          <a:outerShdw blurRad="149987" dist="250190" dir="8460000" algn="ctr" rotWithShape="0">
+            <a:srgbClr val="000000">
+              <a:alpha val="28000"/>
+            </a:srgbClr>
+          </a:outerShdw>
+        </a:effectLst>
+        <a:scene3d>
+          <a:camera prst="orthographicFront">
+            <a:rot lat="0" lon="0" rev="0"/>
+          </a:camera>
+          <a:lightRig rig="contrasting" dir="t">
+            <a:rot lat="0" lon="0" rev="1500000"/>
+          </a:lightRig>
+        </a:scene3d>
+        <a:sp3d prstMaterial="metal">
+          <a:bevelT w="88900" h="88900"/>
+        </a:sp3d>
       </dsp:spPr>
       <dsp:style>
         <a:lnRef idx="0">
@@ -3539,7 +4912,7 @@
       </dsp:nvSpPr>
       <dsp:spPr>
         <a:xfrm>
-          <a:off x="832159" y="1814830"/>
+          <a:off x="833852" y="1814830"/>
           <a:ext cx="2418382" cy="1451029"/>
         </a:xfrm>
         <a:prstGeom prst="roundRect">
@@ -3547,27 +4920,55 @@
             <a:gd name="adj" fmla="val 10000"/>
           </a:avLst>
         </a:prstGeom>
-        <a:solidFill>
-          <a:schemeClr val="accent3">
-            <a:hueOff val="0"/>
-            <a:satOff val="0"/>
-            <a:lumOff val="0"/>
-            <a:alphaOff val="0"/>
-          </a:schemeClr>
-        </a:solidFill>
+        <a:gradFill flip="none" rotWithShape="0">
+          <a:gsLst>
+            <a:gs pos="0">
+              <a:srgbClr val="FF0000">
+                <a:shade val="30000"/>
+                <a:satMod val="115000"/>
+              </a:srgbClr>
+            </a:gs>
+            <a:gs pos="50000">
+              <a:srgbClr val="FF0000">
+                <a:shade val="67500"/>
+                <a:satMod val="115000"/>
+              </a:srgbClr>
+            </a:gs>
+            <a:gs pos="100000">
+              <a:srgbClr val="FF0000">
+                <a:shade val="100000"/>
+                <a:satMod val="115000"/>
+              </a:srgbClr>
+            </a:gs>
+          </a:gsLst>
+          <a:path path="circle">
+            <a:fillToRect t="100000" r="100000"/>
+          </a:path>
+          <a:tileRect l="-100000" b="-100000"/>
+        </a:gradFill>
         <a:ln w="12700" cap="flat" cmpd="sng" algn="ctr">
-          <a:solidFill>
-            <a:schemeClr val="lt1">
-              <a:hueOff val="0"/>
-              <a:satOff val="0"/>
-              <a:lumOff val="0"/>
-              <a:alphaOff val="0"/>
-            </a:schemeClr>
-          </a:solidFill>
+          <a:noFill/>
           <a:prstDash val="solid"/>
           <a:miter lim="800000"/>
         </a:ln>
-        <a:effectLst/>
+        <a:effectLst>
+          <a:outerShdw blurRad="149987" dist="250190" dir="8460000" algn="ctr" rotWithShape="0">
+            <a:srgbClr val="000000">
+              <a:alpha val="28000"/>
+            </a:srgbClr>
+          </a:outerShdw>
+        </a:effectLst>
+        <a:scene3d>
+          <a:camera prst="orthographicFront">
+            <a:rot lat="0" lon="0" rev="0"/>
+          </a:camera>
+          <a:lightRig rig="contrasting" dir="t">
+            <a:rot lat="0" lon="0" rev="1500000"/>
+          </a:lightRig>
+        </a:scene3d>
+        <a:sp3d prstMaterial="metal">
+          <a:bevelT w="88900" h="88900"/>
+        </a:sp3d>
       </dsp:spPr>
       <dsp:style>
         <a:lnRef idx="2">
@@ -3611,7 +5012,7 @@
         </a:p>
       </dsp:txBody>
       <dsp:txXfrm>
-        <a:off x="874658" y="1857329"/>
+        <a:off x="876351" y="1857329"/>
         <a:ext cx="2333384" cy="1366031"/>
       </dsp:txXfrm>
     </dsp:sp>
@@ -3628,18 +5029,53 @@
         <a:prstGeom prst="rect">
           <a:avLst/>
         </a:prstGeom>
-        <a:solidFill>
-          <a:schemeClr val="accent4">
-            <a:hueOff val="0"/>
-            <a:satOff val="0"/>
-            <a:lumOff val="0"/>
-            <a:alphaOff val="0"/>
-          </a:schemeClr>
-        </a:solidFill>
+        <a:gradFill flip="none" rotWithShape="0">
+          <a:gsLst>
+            <a:gs pos="0">
+              <a:srgbClr val="FFC000">
+                <a:shade val="30000"/>
+                <a:satMod val="115000"/>
+              </a:srgbClr>
+            </a:gs>
+            <a:gs pos="50000">
+              <a:srgbClr val="FFC000">
+                <a:shade val="67500"/>
+                <a:satMod val="115000"/>
+              </a:srgbClr>
+            </a:gs>
+            <a:gs pos="100000">
+              <a:srgbClr val="FFC000">
+                <a:shade val="100000"/>
+                <a:satMod val="115000"/>
+              </a:srgbClr>
+            </a:gs>
+          </a:gsLst>
+          <a:path path="circle">
+            <a:fillToRect t="100000" r="100000"/>
+          </a:path>
+          <a:tileRect l="-100000" b="-100000"/>
+        </a:gradFill>
         <a:ln>
           <a:noFill/>
         </a:ln>
-        <a:effectLst/>
+        <a:effectLst>
+          <a:outerShdw blurRad="149987" dist="250190" dir="8460000" algn="ctr" rotWithShape="0">
+            <a:srgbClr val="000000">
+              <a:alpha val="28000"/>
+            </a:srgbClr>
+          </a:outerShdw>
+        </a:effectLst>
+        <a:scene3d>
+          <a:camera prst="orthographicFront">
+            <a:rot lat="0" lon="0" rev="0"/>
+          </a:camera>
+          <a:lightRig rig="contrasting" dir="t">
+            <a:rot lat="0" lon="0" rev="1500000"/>
+          </a:lightRig>
+        </a:scene3d>
+        <a:sp3d prstMaterial="metal">
+          <a:bevelT w="88900" h="88900"/>
+        </a:sp3d>
       </dsp:spPr>
       <dsp:style>
         <a:lnRef idx="0">
@@ -3671,27 +5107,55 @@
             <a:gd name="adj" fmla="val 10000"/>
           </a:avLst>
         </a:prstGeom>
-        <a:solidFill>
-          <a:schemeClr val="accent4">
-            <a:hueOff val="0"/>
-            <a:satOff val="0"/>
-            <a:lumOff val="0"/>
-            <a:alphaOff val="0"/>
-          </a:schemeClr>
-        </a:solidFill>
+        <a:gradFill flip="none" rotWithShape="0">
+          <a:gsLst>
+            <a:gs pos="0">
+              <a:srgbClr val="FFC000">
+                <a:shade val="30000"/>
+                <a:satMod val="115000"/>
+              </a:srgbClr>
+            </a:gs>
+            <a:gs pos="50000">
+              <a:srgbClr val="FFC000">
+                <a:shade val="67500"/>
+                <a:satMod val="115000"/>
+              </a:srgbClr>
+            </a:gs>
+            <a:gs pos="100000">
+              <a:srgbClr val="FFC000">
+                <a:shade val="100000"/>
+                <a:satMod val="115000"/>
+              </a:srgbClr>
+            </a:gs>
+          </a:gsLst>
+          <a:path path="circle">
+            <a:fillToRect t="100000" r="100000"/>
+          </a:path>
+          <a:tileRect l="-100000" b="-100000"/>
+        </a:gradFill>
         <a:ln w="12700" cap="flat" cmpd="sng" algn="ctr">
-          <a:solidFill>
-            <a:schemeClr val="lt1">
-              <a:hueOff val="0"/>
-              <a:satOff val="0"/>
-              <a:lumOff val="0"/>
-              <a:alphaOff val="0"/>
-            </a:schemeClr>
-          </a:solidFill>
+          <a:noFill/>
           <a:prstDash val="solid"/>
           <a:miter lim="800000"/>
         </a:ln>
-        <a:effectLst/>
+        <a:effectLst>
+          <a:outerShdw blurRad="149987" dist="250190" dir="8460000" algn="ctr" rotWithShape="0">
+            <a:srgbClr val="000000">
+              <a:alpha val="28000"/>
+            </a:srgbClr>
+          </a:outerShdw>
+        </a:effectLst>
+        <a:scene3d>
+          <a:camera prst="orthographicFront">
+            <a:rot lat="0" lon="0" rev="0"/>
+          </a:camera>
+          <a:lightRig rig="contrasting" dir="t">
+            <a:rot lat="0" lon="0" rev="1500000"/>
+          </a:lightRig>
+        </a:scene3d>
+        <a:sp3d prstMaterial="metal">
+          <a:bevelT w="88900" h="88900"/>
+        </a:sp3d>
       </dsp:spPr>
       <dsp:style>
         <a:lnRef idx="2">
@@ -3752,18 +5216,53 @@
         <a:prstGeom prst="rect">
           <a:avLst/>
         </a:prstGeom>
-        <a:solidFill>
-          <a:schemeClr val="accent5">
-            <a:hueOff val="0"/>
-            <a:satOff val="0"/>
-            <a:lumOff val="0"/>
-            <a:alphaOff val="0"/>
-          </a:schemeClr>
-        </a:solidFill>
+        <a:gradFill flip="none" rotWithShape="0">
+          <a:gsLst>
+            <a:gs pos="0">
+              <a:srgbClr val="FFFF00">
+                <a:shade val="30000"/>
+                <a:satMod val="115000"/>
+              </a:srgbClr>
+            </a:gs>
+            <a:gs pos="50000">
+              <a:srgbClr val="FFFF00">
+                <a:shade val="67500"/>
+                <a:satMod val="115000"/>
+              </a:srgbClr>
+            </a:gs>
+            <a:gs pos="100000">
+              <a:srgbClr val="FFFF00">
+                <a:shade val="100000"/>
+                <a:satMod val="115000"/>
+              </a:srgbClr>
+            </a:gs>
+          </a:gsLst>
+          <a:path path="circle">
+            <a:fillToRect t="100000" r="100000"/>
+          </a:path>
+          <a:tileRect l="-100000" b="-100000"/>
+        </a:gradFill>
         <a:ln>
           <a:noFill/>
         </a:ln>
-        <a:effectLst/>
+        <a:effectLst>
+          <a:outerShdw blurRad="149987" dist="250190" dir="8460000" algn="ctr" rotWithShape="0">
+            <a:srgbClr val="000000">
+              <a:alpha val="28000"/>
+            </a:srgbClr>
+          </a:outerShdw>
+        </a:effectLst>
+        <a:scene3d>
+          <a:camera prst="orthographicFront">
+            <a:rot lat="0" lon="0" rev="0"/>
+          </a:camera>
+          <a:lightRig rig="contrasting" dir="t">
+            <a:rot lat="0" lon="0" rev="1500000"/>
+          </a:lightRig>
+        </a:scene3d>
+        <a:sp3d prstMaterial="metal">
+          <a:bevelT w="88900" h="88900"/>
+        </a:sp3d>
       </dsp:spPr>
       <dsp:style>
         <a:lnRef idx="0">
@@ -3795,27 +5294,55 @@
             <a:gd name="adj" fmla="val 10000"/>
           </a:avLst>
         </a:prstGeom>
-        <a:solidFill>
-          <a:schemeClr val="accent5">
-            <a:hueOff val="0"/>
-            <a:satOff val="0"/>
-            <a:lumOff val="0"/>
-            <a:alphaOff val="0"/>
-          </a:schemeClr>
-        </a:solidFill>
+        <a:gradFill flip="none" rotWithShape="0">
+          <a:gsLst>
+            <a:gs pos="0">
+              <a:srgbClr val="FFFF00">
+                <a:shade val="30000"/>
+                <a:satMod val="115000"/>
+              </a:srgbClr>
+            </a:gs>
+            <a:gs pos="50000">
+              <a:srgbClr val="FFFF00">
+                <a:shade val="67500"/>
+                <a:satMod val="115000"/>
+              </a:srgbClr>
+            </a:gs>
+            <a:gs pos="100000">
+              <a:srgbClr val="FFFF00">
+                <a:shade val="100000"/>
+                <a:satMod val="115000"/>
+              </a:srgbClr>
+            </a:gs>
+          </a:gsLst>
+          <a:path path="circle">
+            <a:fillToRect t="100000" r="100000"/>
+          </a:path>
+          <a:tileRect l="-100000" b="-100000"/>
+        </a:gradFill>
         <a:ln w="12700" cap="flat" cmpd="sng" algn="ctr">
-          <a:solidFill>
-            <a:schemeClr val="lt1">
-              <a:hueOff val="0"/>
-              <a:satOff val="0"/>
-              <a:lumOff val="0"/>
-              <a:alphaOff val="0"/>
-            </a:schemeClr>
-          </a:solidFill>
+          <a:noFill/>
           <a:prstDash val="solid"/>
           <a:miter lim="800000"/>
         </a:ln>
-        <a:effectLst/>
+        <a:effectLst>
+          <a:outerShdw blurRad="149987" dist="250190" dir="8460000" algn="ctr" rotWithShape="0">
+            <a:srgbClr val="000000">
+              <a:alpha val="28000"/>
+            </a:srgbClr>
+          </a:outerShdw>
+        </a:effectLst>
+        <a:scene3d>
+          <a:camera prst="orthographicFront">
+            <a:rot lat="0" lon="0" rev="0"/>
+          </a:camera>
+          <a:lightRig rig="contrasting" dir="t">
+            <a:rot lat="0" lon="0" rev="1500000"/>
+          </a:lightRig>
+        </a:scene3d>
+        <a:sp3d prstMaterial="metal">
+          <a:bevelT w="88900" h="88900"/>
+        </a:sp3d>
       </dsp:spPr>
       <dsp:style>
         <a:lnRef idx="2">
@@ -3876,18 +5403,53 @@
         <a:prstGeom prst="rect">
           <a:avLst/>
         </a:prstGeom>
-        <a:solidFill>
-          <a:schemeClr val="accent6">
-            <a:hueOff val="0"/>
-            <a:satOff val="0"/>
-            <a:lumOff val="0"/>
-            <a:alphaOff val="0"/>
-          </a:schemeClr>
-        </a:solidFill>
+        <a:gradFill flip="none" rotWithShape="0">
+          <a:gsLst>
+            <a:gs pos="0">
+              <a:srgbClr val="92D050">
+                <a:shade val="30000"/>
+                <a:satMod val="115000"/>
+              </a:srgbClr>
+            </a:gs>
+            <a:gs pos="50000">
+              <a:srgbClr val="92D050">
+                <a:shade val="67500"/>
+                <a:satMod val="115000"/>
+              </a:srgbClr>
+            </a:gs>
+            <a:gs pos="100000">
+              <a:srgbClr val="92D050">
+                <a:shade val="100000"/>
+                <a:satMod val="115000"/>
+              </a:srgbClr>
+            </a:gs>
+          </a:gsLst>
+          <a:path path="circle">
+            <a:fillToRect t="100000" r="100000"/>
+          </a:path>
+          <a:tileRect l="-100000" b="-100000"/>
+        </a:gradFill>
         <a:ln>
           <a:noFill/>
         </a:ln>
-        <a:effectLst/>
+        <a:effectLst>
+          <a:outerShdw blurRad="149987" dist="250190" dir="8460000" algn="ctr" rotWithShape="0">
+            <a:srgbClr val="000000">
+              <a:alpha val="28000"/>
+            </a:srgbClr>
+          </a:outerShdw>
+        </a:effectLst>
+        <a:scene3d>
+          <a:camera prst="orthographicFront">
+            <a:rot lat="0" lon="0" rev="0"/>
+          </a:camera>
+          <a:lightRig rig="contrasting" dir="t">
+            <a:rot lat="0" lon="0" rev="1500000"/>
+          </a:lightRig>
+        </a:scene3d>
+        <a:sp3d prstMaterial="metal">
+          <a:bevelT w="88900" h="88900"/>
+        </a:sp3d>
       </dsp:spPr>
       <dsp:style>
         <a:lnRef idx="0">
@@ -3919,27 +5481,55 @@
             <a:gd name="adj" fmla="val 10000"/>
           </a:avLst>
         </a:prstGeom>
-        <a:solidFill>
-          <a:schemeClr val="accent6">
-            <a:hueOff val="0"/>
-            <a:satOff val="0"/>
-            <a:lumOff val="0"/>
-            <a:alphaOff val="0"/>
-          </a:schemeClr>
-        </a:solidFill>
+        <a:gradFill flip="none" rotWithShape="0">
+          <a:gsLst>
+            <a:gs pos="0">
+              <a:srgbClr val="92D050">
+                <a:shade val="30000"/>
+                <a:satMod val="115000"/>
+              </a:srgbClr>
+            </a:gs>
+            <a:gs pos="50000">
+              <a:srgbClr val="92D050">
+                <a:shade val="67500"/>
+                <a:satMod val="115000"/>
+              </a:srgbClr>
+            </a:gs>
+            <a:gs pos="100000">
+              <a:srgbClr val="92D050">
+                <a:shade val="100000"/>
+                <a:satMod val="115000"/>
+              </a:srgbClr>
+            </a:gs>
+          </a:gsLst>
+          <a:path path="circle">
+            <a:fillToRect t="100000" r="100000"/>
+          </a:path>
+          <a:tileRect l="-100000" b="-100000"/>
+        </a:gradFill>
         <a:ln w="12700" cap="flat" cmpd="sng" algn="ctr">
-          <a:solidFill>
-            <a:schemeClr val="lt1">
-              <a:hueOff val="0"/>
-              <a:satOff val="0"/>
-              <a:lumOff val="0"/>
-              <a:alphaOff val="0"/>
-            </a:schemeClr>
-          </a:solidFill>
+          <a:noFill/>
           <a:prstDash val="solid"/>
           <a:miter lim="800000"/>
         </a:ln>
-        <a:effectLst/>
+        <a:effectLst>
+          <a:outerShdw blurRad="149987" dist="250190" dir="8460000" algn="ctr" rotWithShape="0">
+            <a:srgbClr val="000000">
+              <a:alpha val="28000"/>
+            </a:srgbClr>
+          </a:outerShdw>
+        </a:effectLst>
+        <a:scene3d>
+          <a:camera prst="orthographicFront">
+            <a:rot lat="0" lon="0" rev="0"/>
+          </a:camera>
+          <a:lightRig rig="contrasting" dir="t">
+            <a:rot lat="0" lon="0" rev="1500000"/>
+          </a:lightRig>
+        </a:scene3d>
+        <a:sp3d prstMaterial="metal">
+          <a:bevelT w="88900" h="88900"/>
+        </a:sp3d>
       </dsp:spPr>
       <dsp:style>
         <a:lnRef idx="2">
@@ -4000,18 +5590,53 @@
         <a:prstGeom prst="rect">
           <a:avLst/>
         </a:prstGeom>
-        <a:solidFill>
-          <a:schemeClr val="accent2">
-            <a:hueOff val="0"/>
-            <a:satOff val="0"/>
-            <a:lumOff val="0"/>
-            <a:alphaOff val="0"/>
-          </a:schemeClr>
-        </a:solidFill>
+        <a:gradFill flip="none" rotWithShape="0">
+          <a:gsLst>
+            <a:gs pos="0">
+              <a:srgbClr val="00B050">
+                <a:shade val="30000"/>
+                <a:satMod val="115000"/>
+              </a:srgbClr>
+            </a:gs>
+            <a:gs pos="50000">
+              <a:srgbClr val="00B050">
+                <a:shade val="67500"/>
+                <a:satMod val="115000"/>
+              </a:srgbClr>
+            </a:gs>
+            <a:gs pos="100000">
+              <a:srgbClr val="00B050">
+                <a:shade val="100000"/>
+                <a:satMod val="115000"/>
+              </a:srgbClr>
+            </a:gs>
+          </a:gsLst>
+          <a:path path="circle">
+            <a:fillToRect t="100000" r="100000"/>
+          </a:path>
+          <a:tileRect l="-100000" b="-100000"/>
+        </a:gradFill>
         <a:ln>
           <a:noFill/>
         </a:ln>
-        <a:effectLst/>
+        <a:effectLst>
+          <a:outerShdw blurRad="149987" dist="250190" dir="8460000" algn="ctr" rotWithShape="0">
+            <a:srgbClr val="000000">
+              <a:alpha val="28000"/>
+            </a:srgbClr>
+          </a:outerShdw>
+        </a:effectLst>
+        <a:scene3d>
+          <a:camera prst="orthographicFront">
+            <a:rot lat="0" lon="0" rev="0"/>
+          </a:camera>
+          <a:lightRig rig="contrasting" dir="t">
+            <a:rot lat="0" lon="0" rev="1500000"/>
+          </a:lightRig>
+        </a:scene3d>
+        <a:sp3d prstMaterial="metal">
+          <a:bevelT w="88900" h="88900"/>
+        </a:sp3d>
       </dsp:spPr>
       <dsp:style>
         <a:lnRef idx="0">
@@ -4043,27 +5668,55 @@
             <a:gd name="adj" fmla="val 10000"/>
           </a:avLst>
         </a:prstGeom>
-        <a:solidFill>
-          <a:schemeClr val="accent2">
-            <a:hueOff val="0"/>
-            <a:satOff val="0"/>
-            <a:lumOff val="0"/>
-            <a:alphaOff val="0"/>
-          </a:schemeClr>
-        </a:solidFill>
+        <a:gradFill flip="none" rotWithShape="0">
+          <a:gsLst>
+            <a:gs pos="0">
+              <a:srgbClr val="00B050">
+                <a:shade val="30000"/>
+                <a:satMod val="115000"/>
+              </a:srgbClr>
+            </a:gs>
+            <a:gs pos="50000">
+              <a:srgbClr val="00B050">
+                <a:shade val="67500"/>
+                <a:satMod val="115000"/>
+              </a:srgbClr>
+            </a:gs>
+            <a:gs pos="100000">
+              <a:srgbClr val="00B050">
+                <a:shade val="100000"/>
+                <a:satMod val="115000"/>
+              </a:srgbClr>
+            </a:gs>
+          </a:gsLst>
+          <a:path path="circle">
+            <a:fillToRect t="100000" r="100000"/>
+          </a:path>
+          <a:tileRect l="-100000" b="-100000"/>
+        </a:gradFill>
         <a:ln w="12700" cap="flat" cmpd="sng" algn="ctr">
-          <a:solidFill>
-            <a:schemeClr val="lt1">
-              <a:hueOff val="0"/>
-              <a:satOff val="0"/>
-              <a:lumOff val="0"/>
-              <a:alphaOff val="0"/>
-            </a:schemeClr>
-          </a:solidFill>
+          <a:noFill/>
           <a:prstDash val="solid"/>
           <a:miter lim="800000"/>
         </a:ln>
-        <a:effectLst/>
+        <a:effectLst>
+          <a:outerShdw blurRad="149987" dist="250190" dir="8460000" algn="ctr" rotWithShape="0">
+            <a:srgbClr val="000000">
+              <a:alpha val="28000"/>
+            </a:srgbClr>
+          </a:outerShdw>
+        </a:effectLst>
+        <a:scene3d>
+          <a:camera prst="orthographicFront">
+            <a:rot lat="0" lon="0" rev="0"/>
+          </a:camera>
+          <a:lightRig rig="contrasting" dir="t">
+            <a:rot lat="0" lon="0" rev="1500000"/>
+          </a:lightRig>
+        </a:scene3d>
+        <a:sp3d prstMaterial="metal">
+          <a:bevelT w="88900" h="88900"/>
+        </a:sp3d>
       </dsp:spPr>
       <dsp:style>
         <a:lnRef idx="2">
@@ -4124,18 +5777,53 @@
         <a:prstGeom prst="rect">
           <a:avLst/>
         </a:prstGeom>
-        <a:solidFill>
-          <a:schemeClr val="accent3">
-            <a:hueOff val="0"/>
-            <a:satOff val="0"/>
-            <a:lumOff val="0"/>
-            <a:alphaOff val="0"/>
-          </a:schemeClr>
-        </a:solidFill>
+        <a:gradFill flip="none" rotWithShape="0">
+          <a:gsLst>
+            <a:gs pos="0">
+              <a:srgbClr val="00B0F0">
+                <a:shade val="30000"/>
+                <a:satMod val="115000"/>
+              </a:srgbClr>
+            </a:gs>
+            <a:gs pos="50000">
+              <a:srgbClr val="00B0F0">
+                <a:shade val="67500"/>
+                <a:satMod val="115000"/>
+              </a:srgbClr>
+            </a:gs>
+            <a:gs pos="100000">
+              <a:srgbClr val="00B0F0">
+                <a:shade val="100000"/>
+                <a:satMod val="115000"/>
+              </a:srgbClr>
+            </a:gs>
+          </a:gsLst>
+          <a:path path="circle">
+            <a:fillToRect t="100000" r="100000"/>
+          </a:path>
+          <a:tileRect l="-100000" b="-100000"/>
+        </a:gradFill>
         <a:ln>
           <a:noFill/>
         </a:ln>
-        <a:effectLst/>
+        <a:effectLst>
+          <a:outerShdw blurRad="149987" dist="250190" dir="8460000" algn="ctr" rotWithShape="0">
+            <a:srgbClr val="000000">
+              <a:alpha val="28000"/>
+            </a:srgbClr>
+          </a:outerShdw>
+        </a:effectLst>
+        <a:scene3d>
+          <a:camera prst="orthographicFront">
+            <a:rot lat="0" lon="0" rev="0"/>
+          </a:camera>
+          <a:lightRig rig="contrasting" dir="t">
+            <a:rot lat="0" lon="0" rev="1500000"/>
+          </a:lightRig>
+        </a:scene3d>
+        <a:sp3d prstMaterial="metal">
+          <a:bevelT w="88900" h="88900"/>
+        </a:sp3d>
       </dsp:spPr>
       <dsp:style>
         <a:lnRef idx="0">
@@ -4167,27 +5855,55 @@
             <a:gd name="adj" fmla="val 10000"/>
           </a:avLst>
         </a:prstGeom>
-        <a:solidFill>
-          <a:schemeClr val="accent3">
-            <a:hueOff val="0"/>
-            <a:satOff val="0"/>
-            <a:lumOff val="0"/>
-            <a:alphaOff val="0"/>
-          </a:schemeClr>
-        </a:solidFill>
+        <a:gradFill flip="none" rotWithShape="0">
+          <a:gsLst>
+            <a:gs pos="0">
+              <a:srgbClr val="00B0F0">
+                <a:shade val="30000"/>
+                <a:satMod val="115000"/>
+              </a:srgbClr>
+            </a:gs>
+            <a:gs pos="50000">
+              <a:srgbClr val="00B0F0">
+                <a:shade val="67500"/>
+                <a:satMod val="115000"/>
+              </a:srgbClr>
+            </a:gs>
+            <a:gs pos="100000">
+              <a:srgbClr val="00B0F0">
+                <a:shade val="100000"/>
+                <a:satMod val="115000"/>
+              </a:srgbClr>
+            </a:gs>
+          </a:gsLst>
+          <a:path path="circle">
+            <a:fillToRect t="100000" r="100000"/>
+          </a:path>
+          <a:tileRect l="-100000" b="-100000"/>
+        </a:gradFill>
         <a:ln w="12700" cap="flat" cmpd="sng" algn="ctr">
-          <a:solidFill>
-            <a:schemeClr val="lt1">
-              <a:hueOff val="0"/>
-              <a:satOff val="0"/>
-              <a:lumOff val="0"/>
-              <a:alphaOff val="0"/>
-            </a:schemeClr>
-          </a:solidFill>
+          <a:noFill/>
           <a:prstDash val="solid"/>
           <a:miter lim="800000"/>
         </a:ln>
-        <a:effectLst/>
+        <a:effectLst>
+          <a:outerShdw blurRad="149987" dist="250190" dir="8460000" algn="ctr" rotWithShape="0">
+            <a:srgbClr val="000000">
+              <a:alpha val="28000"/>
+            </a:srgbClr>
+          </a:outerShdw>
+        </a:effectLst>
+        <a:scene3d>
+          <a:camera prst="orthographicFront">
+            <a:rot lat="0" lon="0" rev="0"/>
+          </a:camera>
+          <a:lightRig rig="contrasting" dir="t">
+            <a:rot lat="0" lon="0" rev="1500000"/>
+          </a:lightRig>
+        </a:scene3d>
+        <a:sp3d prstMaterial="metal">
+          <a:bevelT w="88900" h="88900"/>
+        </a:sp3d>
       </dsp:spPr>
       <dsp:style>
         <a:lnRef idx="2">
@@ -4248,18 +5964,53 @@
         <a:prstGeom prst="rect">
           <a:avLst/>
         </a:prstGeom>
-        <a:solidFill>
-          <a:schemeClr val="accent4">
-            <a:hueOff val="0"/>
-            <a:satOff val="0"/>
-            <a:lumOff val="0"/>
-            <a:alphaOff val="0"/>
-          </a:schemeClr>
-        </a:solidFill>
+        <a:gradFill flip="none" rotWithShape="0">
+          <a:gsLst>
+            <a:gs pos="0">
+              <a:srgbClr val="0070C0">
+                <a:shade val="30000"/>
+                <a:satMod val="115000"/>
+              </a:srgbClr>
+            </a:gs>
+            <a:gs pos="50000">
+              <a:srgbClr val="0070C0">
+                <a:shade val="67500"/>
+                <a:satMod val="115000"/>
+              </a:srgbClr>
+            </a:gs>
+            <a:gs pos="100000">
+              <a:srgbClr val="0070C0">
+                <a:shade val="100000"/>
+                <a:satMod val="115000"/>
+              </a:srgbClr>
+            </a:gs>
+          </a:gsLst>
+          <a:path path="circle">
+            <a:fillToRect t="100000" r="100000"/>
+          </a:path>
+          <a:tileRect l="-100000" b="-100000"/>
+        </a:gradFill>
         <a:ln>
           <a:noFill/>
         </a:ln>
-        <a:effectLst/>
+        <a:effectLst>
+          <a:outerShdw blurRad="149987" dist="250190" dir="8460000" algn="ctr" rotWithShape="0">
+            <a:srgbClr val="000000">
+              <a:alpha val="28000"/>
+            </a:srgbClr>
+          </a:outerShdw>
+        </a:effectLst>
+        <a:scene3d>
+          <a:camera prst="orthographicFront">
+            <a:rot lat="0" lon="0" rev="0"/>
+          </a:camera>
+          <a:lightRig rig="contrasting" dir="t">
+            <a:rot lat="0" lon="0" rev="1500000"/>
+          </a:lightRig>
+        </a:scene3d>
+        <a:sp3d prstMaterial="metal">
+          <a:bevelT w="88900" h="88900"/>
+        </a:sp3d>
       </dsp:spPr>
       <dsp:style>
         <a:lnRef idx="0">
@@ -4291,27 +6042,55 @@
             <a:gd name="adj" fmla="val 10000"/>
           </a:avLst>
         </a:prstGeom>
-        <a:solidFill>
-          <a:schemeClr val="accent4">
-            <a:hueOff val="0"/>
-            <a:satOff val="0"/>
-            <a:lumOff val="0"/>
-            <a:alphaOff val="0"/>
-          </a:schemeClr>
-        </a:solidFill>
+        <a:gradFill flip="none" rotWithShape="0">
+          <a:gsLst>
+            <a:gs pos="0">
+              <a:srgbClr val="0070C0">
+                <a:shade val="30000"/>
+                <a:satMod val="115000"/>
+              </a:srgbClr>
+            </a:gs>
+            <a:gs pos="50000">
+              <a:srgbClr val="0070C0">
+                <a:shade val="67500"/>
+                <a:satMod val="115000"/>
+              </a:srgbClr>
+            </a:gs>
+            <a:gs pos="100000">
+              <a:srgbClr val="0070C0">
+                <a:shade val="100000"/>
+                <a:satMod val="115000"/>
+              </a:srgbClr>
+            </a:gs>
+          </a:gsLst>
+          <a:path path="circle">
+            <a:fillToRect t="100000" r="100000"/>
+          </a:path>
+          <a:tileRect l="-100000" b="-100000"/>
+        </a:gradFill>
         <a:ln w="12700" cap="flat" cmpd="sng" algn="ctr">
-          <a:solidFill>
-            <a:schemeClr val="lt1">
-              <a:hueOff val="0"/>
-              <a:satOff val="0"/>
-              <a:lumOff val="0"/>
-              <a:alphaOff val="0"/>
-            </a:schemeClr>
-          </a:solidFill>
+          <a:noFill/>
           <a:prstDash val="solid"/>
           <a:miter lim="800000"/>
         </a:ln>
-        <a:effectLst/>
+        <a:effectLst>
+          <a:outerShdw blurRad="149987" dist="250190" dir="8460000" algn="ctr" rotWithShape="0">
+            <a:srgbClr val="000000">
+              <a:alpha val="28000"/>
+            </a:srgbClr>
+          </a:outerShdw>
+        </a:effectLst>
+        <a:scene3d>
+          <a:camera prst="orthographicFront">
+            <a:rot lat="0" lon="0" rev="0"/>
+          </a:camera>
+          <a:lightRig rig="contrasting" dir="t">
+            <a:rot lat="0" lon="0" rev="1500000"/>
+          </a:lightRig>
+        </a:scene3d>
+        <a:sp3d prstMaterial="metal">
+          <a:bevelT w="88900" h="88900"/>
+        </a:sp3d>
       </dsp:spPr>
       <dsp:style>
         <a:lnRef idx="2">
@@ -4374,27 +6153,55 @@
             <a:gd name="adj" fmla="val 10000"/>
           </a:avLst>
         </a:prstGeom>
-        <a:solidFill>
-          <a:schemeClr val="accent5">
-            <a:hueOff val="0"/>
-            <a:satOff val="0"/>
-            <a:lumOff val="0"/>
-            <a:alphaOff val="0"/>
-          </a:schemeClr>
-        </a:solidFill>
+        <a:gradFill flip="none" rotWithShape="0">
+          <a:gsLst>
+            <a:gs pos="0">
+              <a:srgbClr val="002060">
+                <a:tint val="66000"/>
+                <a:satMod val="160000"/>
+              </a:srgbClr>
+            </a:gs>
+            <a:gs pos="50000">
+              <a:srgbClr val="002060">
+                <a:tint val="44500"/>
+                <a:satMod val="160000"/>
+              </a:srgbClr>
+            </a:gs>
+            <a:gs pos="100000">
+              <a:srgbClr val="002060">
+                <a:tint val="23500"/>
+                <a:satMod val="160000"/>
+              </a:srgbClr>
+            </a:gs>
+          </a:gsLst>
+          <a:path path="circle">
+            <a:fillToRect t="100000" r="100000"/>
+          </a:path>
+          <a:tileRect l="-100000" b="-100000"/>
+        </a:gradFill>
         <a:ln w="12700" cap="flat" cmpd="sng" algn="ctr">
-          <a:solidFill>
-            <a:schemeClr val="lt1">
-              <a:hueOff val="0"/>
-              <a:satOff val="0"/>
-              <a:lumOff val="0"/>
-              <a:alphaOff val="0"/>
-            </a:schemeClr>
-          </a:solidFill>
+          <a:noFill/>
           <a:prstDash val="solid"/>
           <a:miter lim="800000"/>
         </a:ln>
-        <a:effectLst/>
+        <a:effectLst>
+          <a:outerShdw blurRad="149987" dist="250190" dir="8460000" algn="ctr" rotWithShape="0">
+            <a:srgbClr val="000000">
+              <a:alpha val="28000"/>
+            </a:srgbClr>
+          </a:outerShdw>
+        </a:effectLst>
+        <a:scene3d>
+          <a:camera prst="orthographicFront">
+            <a:rot lat="0" lon="0" rev="0"/>
+          </a:camera>
+          <a:lightRig rig="contrasting" dir="t">
+            <a:rot lat="0" lon="0" rev="1500000"/>
+          </a:lightRig>
+        </a:scene3d>
+        <a:sp3d prstMaterial="metal">
+          <a:bevelT w="88900" h="88900"/>
+        </a:sp3d>
       </dsp:spPr>
       <dsp:style>
         <a:lnRef idx="2">
@@ -4433,19 +6240,8 @@
               <a:latin typeface="Arial" panose="020B0604020202020204" pitchFamily="34" charset="0"/>
               <a:cs typeface="Arial" panose="020B0604020202020204" pitchFamily="34" charset="0"/>
             </a:rPr>
-            <a:t>Бизнес-</a:t>
+            <a:t>Бизнес-процессы</a:t>
           </a:r>
-          <a:r>
-            <a:rPr lang="ru-RU" sz="2500" kern="1200" dirty="0" err="1">
-              <a:latin typeface="Arial" panose="020B0604020202020204" pitchFamily="34" charset="0"/>
-              <a:cs typeface="Arial" panose="020B0604020202020204" pitchFamily="34" charset="0"/>
-            </a:rPr>
-            <a:t>процесы</a:t>
-          </a:r>
-          <a:endParaRPr lang="ru-RU" sz="2500" kern="1200" dirty="0">
-            <a:latin typeface="Arial" panose="020B0604020202020204" pitchFamily="34" charset="0"/>
-            <a:cs typeface="Arial" panose="020B0604020202020204" pitchFamily="34" charset="0"/>
-          </a:endParaRPr>
         </a:p>
       </dsp:txBody>
       <dsp:txXfrm>
@@ -7051,7 +8847,7 @@
           <a:p>
             <a:fld id="{ED21298E-1584-4BFF-A14E-BBA9BE444C70}" type="datetimeFigureOut">
               <a:rPr lang="ru-RU" smtClean="0"/>
-              <a:t>09.02.2020</a:t>
+              <a:t>04.08.2020</a:t>
             </a:fld>
             <a:endParaRPr lang="ru-RU"/>
           </a:p>
@@ -7249,7 +9045,7 @@
           <a:p>
             <a:fld id="{ED21298E-1584-4BFF-A14E-BBA9BE444C70}" type="datetimeFigureOut">
               <a:rPr lang="ru-RU" smtClean="0"/>
-              <a:t>09.02.2020</a:t>
+              <a:t>04.08.2020</a:t>
             </a:fld>
             <a:endParaRPr lang="ru-RU"/>
           </a:p>
@@ -7457,7 +9253,7 @@
           <a:p>
             <a:fld id="{ED21298E-1584-4BFF-A14E-BBA9BE444C70}" type="datetimeFigureOut">
               <a:rPr lang="ru-RU" smtClean="0"/>
-              <a:t>09.02.2020</a:t>
+              <a:t>04.08.2020</a:t>
             </a:fld>
             <a:endParaRPr lang="ru-RU"/>
           </a:p>
@@ -7655,7 +9451,7 @@
           <a:p>
             <a:fld id="{ED21298E-1584-4BFF-A14E-BBA9BE444C70}" type="datetimeFigureOut">
               <a:rPr lang="ru-RU" smtClean="0"/>
-              <a:t>09.02.2020</a:t>
+              <a:t>04.08.2020</a:t>
             </a:fld>
             <a:endParaRPr lang="ru-RU"/>
           </a:p>
@@ -7930,7 +9726,7 @@
           <a:p>
             <a:fld id="{ED21298E-1584-4BFF-A14E-BBA9BE444C70}" type="datetimeFigureOut">
               <a:rPr lang="ru-RU" smtClean="0"/>
-              <a:t>09.02.2020</a:t>
+              <a:t>04.08.2020</a:t>
             </a:fld>
             <a:endParaRPr lang="ru-RU"/>
           </a:p>
@@ -8195,7 +9991,7 @@
           <a:p>
             <a:fld id="{ED21298E-1584-4BFF-A14E-BBA9BE444C70}" type="datetimeFigureOut">
               <a:rPr lang="ru-RU" smtClean="0"/>
-              <a:t>09.02.2020</a:t>
+              <a:t>04.08.2020</a:t>
             </a:fld>
             <a:endParaRPr lang="ru-RU"/>
           </a:p>
@@ -8607,7 +10403,7 @@
           <a:p>
             <a:fld id="{ED21298E-1584-4BFF-A14E-BBA9BE444C70}" type="datetimeFigureOut">
               <a:rPr lang="ru-RU" smtClean="0"/>
-              <a:t>09.02.2020</a:t>
+              <a:t>04.08.2020</a:t>
             </a:fld>
             <a:endParaRPr lang="ru-RU"/>
           </a:p>
@@ -8748,7 +10544,7 @@
           <a:p>
             <a:fld id="{ED21298E-1584-4BFF-A14E-BBA9BE444C70}" type="datetimeFigureOut">
               <a:rPr lang="ru-RU" smtClean="0"/>
-              <a:t>09.02.2020</a:t>
+              <a:t>04.08.2020</a:t>
             </a:fld>
             <a:endParaRPr lang="ru-RU"/>
           </a:p>
@@ -8861,7 +10657,7 @@
           <a:p>
             <a:fld id="{ED21298E-1584-4BFF-A14E-BBA9BE444C70}" type="datetimeFigureOut">
               <a:rPr lang="ru-RU" smtClean="0"/>
-              <a:t>09.02.2020</a:t>
+              <a:t>04.08.2020</a:t>
             </a:fld>
             <a:endParaRPr lang="ru-RU"/>
           </a:p>
@@ -9172,7 +10968,7 @@
           <a:p>
             <a:fld id="{ED21298E-1584-4BFF-A14E-BBA9BE444C70}" type="datetimeFigureOut">
               <a:rPr lang="ru-RU" smtClean="0"/>
-              <a:t>09.02.2020</a:t>
+              <a:t>04.08.2020</a:t>
             </a:fld>
             <a:endParaRPr lang="ru-RU"/>
           </a:p>
@@ -9460,7 +11256,7 @@
           <a:p>
             <a:fld id="{ED21298E-1584-4BFF-A14E-BBA9BE444C70}" type="datetimeFigureOut">
               <a:rPr lang="ru-RU" smtClean="0"/>
-              <a:t>09.02.2020</a:t>
+              <a:t>04.08.2020</a:t>
             </a:fld>
             <a:endParaRPr lang="ru-RU"/>
           </a:p>
@@ -9701,7 +11497,7 @@
           <a:p>
             <a:fld id="{ED21298E-1584-4BFF-A14E-BBA9BE444C70}" type="datetimeFigureOut">
               <a:rPr lang="ru-RU" smtClean="0"/>
-              <a:t>09.02.2020</a:t>
+              <a:t>04.08.2020</a:t>
             </a:fld>
             <a:endParaRPr lang="ru-RU"/>
           </a:p>
@@ -10139,6 +11935,27 @@
             <a:off x="518160" y="1519719"/>
             <a:ext cx="11155680" cy="2387600"/>
           </a:xfrm>
+          <a:ln>
+            <a:noFill/>
+          </a:ln>
+          <a:effectLst>
+            <a:outerShdw blurRad="149987" dist="250190" dir="8460000" algn="ctr">
+              <a:srgbClr val="000000">
+                <a:alpha val="28000"/>
+              </a:srgbClr>
+            </a:outerShdw>
+          </a:effectLst>
+          <a:scene3d>
+            <a:camera prst="orthographicFront">
+              <a:rot lat="0" lon="0" rev="0"/>
+            </a:camera>
+            <a:lightRig rig="contrasting" dir="t">
+              <a:rot lat="0" lon="0" rev="1500000"/>
+            </a:lightRig>
+          </a:scene3d>
+          <a:sp3d prstMaterial="metal">
+            <a:bevelT w="88900" h="88900"/>
+          </a:sp3d>
         </p:spPr>
         <p:txBody>
           <a:bodyPr>
@@ -10180,6 +11997,27 @@
             <a:off x="1524000" y="4448854"/>
             <a:ext cx="9144000" cy="465053"/>
           </a:xfrm>
+          <a:ln>
+            <a:noFill/>
+          </a:ln>
+          <a:effectLst>
+            <a:outerShdw blurRad="149987" dist="250190" dir="8460000" algn="ctr">
+              <a:srgbClr val="000000">
+                <a:alpha val="28000"/>
+              </a:srgbClr>
+            </a:outerShdw>
+          </a:effectLst>
+          <a:scene3d>
+            <a:camera prst="orthographicFront">
+              <a:rot lat="0" lon="0" rev="0"/>
+            </a:camera>
+            <a:lightRig rig="contrasting" dir="t">
+              <a:rot lat="0" lon="0" rev="1500000"/>
+            </a:lightRig>
+          </a:scene3d>
+          <a:sp3d prstMaterial="metal">
+            <a:bevelT w="88900" h="88900"/>
+          </a:sp3d>
         </p:spPr>
         <p:txBody>
           <a:bodyPr>
@@ -10861,6 +12699,27 @@
             <a:off x="2914650" y="601186"/>
             <a:ext cx="4724399" cy="1098268"/>
           </a:xfrm>
+          <a:ln>
+            <a:noFill/>
+          </a:ln>
+          <a:effectLst>
+            <a:outerShdw blurRad="149987" dist="250190" dir="8460000" algn="ctr">
+              <a:srgbClr val="000000">
+                <a:alpha val="28000"/>
+              </a:srgbClr>
+            </a:outerShdw>
+          </a:effectLst>
+          <a:scene3d>
+            <a:camera prst="orthographicFront">
+              <a:rot lat="0" lon="0" rev="0"/>
+            </a:camera>
+            <a:lightRig rig="contrasting" dir="t">
+              <a:rot lat="0" lon="0" rev="1500000"/>
+            </a:lightRig>
+          </a:scene3d>
+          <a:sp3d prstMaterial="metal">
+            <a:bevelT w="88900" h="88900"/>
+          </a:sp3d>
         </p:spPr>
         <p:txBody>
           <a:bodyPr>
@@ -10902,7 +12761,7 @@
           <p:nvPr>
             <p:extLst>
               <p:ext uri="{D42A27DB-BD31-4B8C-83A1-F6EECF244321}">
-                <p14:modId xmlns:p14="http://schemas.microsoft.com/office/powerpoint/2010/main" val="1416485839"/>
+                <p14:modId xmlns:p14="http://schemas.microsoft.com/office/powerpoint/2010/main" val="137407981"/>
               </p:ext>
             </p:extLst>
           </p:nvPr>
@@ -10951,6 +12810,27 @@
           <a:prstGeom prst="rect">
             <a:avLst/>
           </a:prstGeom>
+          <a:ln>
+            <a:noFill/>
+          </a:ln>
+          <a:effectLst>
+            <a:outerShdw blurRad="149987" dist="250190" dir="8460000" algn="ctr">
+              <a:srgbClr val="000000">
+                <a:alpha val="28000"/>
+              </a:srgbClr>
+            </a:outerShdw>
+          </a:effectLst>
+          <a:scene3d>
+            <a:camera prst="orthographicFront">
+              <a:rot lat="0" lon="0" rev="0"/>
+            </a:camera>
+            <a:lightRig rig="contrasting" dir="t">
+              <a:rot lat="0" lon="0" rev="1500000"/>
+            </a:lightRig>
+          </a:scene3d>
+          <a:sp3d prstMaterial="metal">
+            <a:bevelT w="88900" h="88900"/>
+          </a:sp3d>
         </p:spPr>
       </p:pic>
       <p:grpSp>
@@ -10969,6 +12849,21 @@
           <a:solidFill>
             <a:srgbClr val="7030A0"/>
           </a:solidFill>
+          <a:effectLst>
+            <a:outerShdw blurRad="50800" dist="38100" dir="2700000" algn="tl" rotWithShape="0">
+              <a:prstClr val="black">
+                <a:alpha val="40000"/>
+              </a:prstClr>
+            </a:outerShdw>
+          </a:effectLst>
+          <a:scene3d>
+            <a:camera prst="orthographicFront">
+              <a:rot lat="0" lon="0" rev="0"/>
+            </a:camera>
+            <a:lightRig rig="contrasting" dir="t">
+              <a:rot lat="0" lon="0" rev="1500000"/>
+            </a:lightRig>
+          </a:scene3d>
         </p:grpSpPr>
         <p:sp>
           <p:nvSpPr>
@@ -10985,6 +12880,19 @@
               <a:avLst/>
             </a:prstGeom>
             <a:grpFill/>
+            <a:ln>
+              <a:noFill/>
+            </a:ln>
+            <a:effectLst>
+              <a:outerShdw blurRad="149987" dist="250190" dir="8460000" algn="ctr">
+                <a:srgbClr val="000000">
+                  <a:alpha val="28000"/>
+                </a:srgbClr>
+              </a:outerShdw>
+            </a:effectLst>
+            <a:sp3d prstMaterial="metal">
+              <a:bevelT w="88900" h="88900"/>
+            </a:sp3d>
           </p:spPr>
           <p:style>
             <a:lnRef idx="2">
@@ -11030,7 +12938,45 @@
             <a:prstGeom prst="rect">
               <a:avLst/>
             </a:prstGeom>
-            <a:grpFill/>
+            <a:gradFill flip="none" rotWithShape="1">
+              <a:gsLst>
+                <a:gs pos="0">
+                  <a:schemeClr val="accent1">
+                    <a:shade val="30000"/>
+                    <a:satMod val="115000"/>
+                  </a:schemeClr>
+                </a:gs>
+                <a:gs pos="50000">
+                  <a:schemeClr val="accent1">
+                    <a:shade val="67500"/>
+                    <a:satMod val="115000"/>
+                  </a:schemeClr>
+                </a:gs>
+                <a:gs pos="100000">
+                  <a:schemeClr val="accent1">
+                    <a:shade val="100000"/>
+                    <a:satMod val="115000"/>
+                  </a:schemeClr>
+                </a:gs>
+              </a:gsLst>
+              <a:path path="circle">
+                <a:fillToRect t="100000" r="100000"/>
+              </a:path>
+              <a:tileRect l="-100000" b="-100000"/>
+            </a:gradFill>
+            <a:ln>
+              <a:noFill/>
+            </a:ln>
+            <a:effectLst>
+              <a:outerShdw blurRad="149987" dist="250190" dir="8460000" algn="ctr">
+                <a:srgbClr val="000000">
+                  <a:alpha val="28000"/>
+                </a:srgbClr>
+              </a:outerShdw>
+            </a:effectLst>
+            <a:sp3d prstMaterial="metal">
+              <a:bevelT w="88900" h="88900"/>
+            </a:sp3d>
           </p:spPr>
           <p:style>
             <a:lnRef idx="0">
@@ -11068,7 +13014,7 @@
                   <a:latin typeface="Arial" panose="020B0604020202020204" pitchFamily="34" charset="0"/>
                   <a:cs typeface="Arial" panose="020B0604020202020204" pitchFamily="34" charset="0"/>
                 </a:rPr>
-                <a:t>Управление задачами</a:t>
+                <a:t>Управление  задачами</a:t>
               </a:r>
             </a:p>
           </p:txBody>
@@ -11711,6 +13657,27 @@
             <a:off x="5617031" y="365125"/>
             <a:ext cx="4785954" cy="880201"/>
           </a:xfrm>
+          <a:ln>
+            <a:noFill/>
+          </a:ln>
+          <a:effectLst>
+            <a:outerShdw blurRad="149987" dist="250190" dir="8460000" algn="ctr">
+              <a:srgbClr val="000000">
+                <a:alpha val="28000"/>
+              </a:srgbClr>
+            </a:outerShdw>
+          </a:effectLst>
+          <a:scene3d>
+            <a:camera prst="orthographicFront">
+              <a:rot lat="0" lon="0" rev="0"/>
+            </a:camera>
+            <a:lightRig rig="contrasting" dir="t">
+              <a:rot lat="0" lon="0" rev="1500000"/>
+            </a:lightRig>
+          </a:scene3d>
+          <a:sp3d prstMaterial="metal">
+            <a:bevelT w="88900" h="88900"/>
+          </a:sp3d>
         </p:spPr>
         <p:txBody>
           <a:bodyPr>
@@ -11770,6 +13737,27 @@
             <a:off x="1843193" y="1245327"/>
             <a:ext cx="8559792" cy="5104270"/>
           </a:xfrm>
+          <a:ln>
+            <a:noFill/>
+          </a:ln>
+          <a:effectLst>
+            <a:outerShdw blurRad="149987" dist="250190" dir="8460000" algn="ctr">
+              <a:srgbClr val="000000">
+                <a:alpha val="28000"/>
+              </a:srgbClr>
+            </a:outerShdw>
+          </a:effectLst>
+          <a:scene3d>
+            <a:camera prst="orthographicFront">
+              <a:rot lat="0" lon="0" rev="0"/>
+            </a:camera>
+            <a:lightRig rig="contrasting" dir="t">
+              <a:rot lat="0" lon="0" rev="1500000"/>
+            </a:lightRig>
+          </a:scene3d>
+          <a:sp3d prstMaterial="metal">
+            <a:bevelT w="88900" h="88900"/>
+          </a:sp3d>
         </p:spPr>
       </p:pic>
       <p:pic>
@@ -12409,6 +14397,27 @@
             <a:off x="6055180" y="334734"/>
             <a:ext cx="4476131" cy="906327"/>
           </a:xfrm>
+          <a:ln>
+            <a:noFill/>
+          </a:ln>
+          <a:effectLst>
+            <a:outerShdw blurRad="149987" dist="250190" dir="8460000" algn="ctr">
+              <a:srgbClr val="000000">
+                <a:alpha val="28000"/>
+              </a:srgbClr>
+            </a:outerShdw>
+          </a:effectLst>
+          <a:scene3d>
+            <a:camera prst="orthographicFront">
+              <a:rot lat="0" lon="0" rev="0"/>
+            </a:camera>
+            <a:lightRig rig="contrasting" dir="t">
+              <a:rot lat="0" lon="0" rev="1500000"/>
+            </a:lightRig>
+          </a:scene3d>
+          <a:sp3d prstMaterial="metal">
+            <a:bevelT w="88900" h="88900"/>
+          </a:sp3d>
         </p:spPr>
         <p:txBody>
           <a:bodyPr>
@@ -12480,6 +14489,27 @@
             <a:off x="1832840" y="1271452"/>
             <a:ext cx="8698471" cy="5057593"/>
           </a:xfrm>
+          <a:ln>
+            <a:noFill/>
+          </a:ln>
+          <a:effectLst>
+            <a:outerShdw blurRad="149987" dist="250190" dir="8460000" algn="ctr">
+              <a:srgbClr val="000000">
+                <a:alpha val="28000"/>
+              </a:srgbClr>
+            </a:outerShdw>
+          </a:effectLst>
+          <a:scene3d>
+            <a:camera prst="orthographicFront">
+              <a:rot lat="0" lon="0" rev="0"/>
+            </a:camera>
+            <a:lightRig rig="contrasting" dir="t">
+              <a:rot lat="0" lon="0" rev="1500000"/>
+            </a:lightRig>
+          </a:scene3d>
+          <a:sp3d prstMaterial="metal">
+            <a:bevelT w="88900" h="88900"/>
+          </a:sp3d>
         </p:spPr>
       </p:pic>
       <p:pic>
@@ -13119,6 +15149,27 @@
             <a:off x="5965372" y="365126"/>
             <a:ext cx="4974771" cy="836658"/>
           </a:xfrm>
+          <a:ln>
+            <a:noFill/>
+          </a:ln>
+          <a:effectLst>
+            <a:outerShdw blurRad="149987" dist="250190" dir="8460000" algn="ctr">
+              <a:srgbClr val="000000">
+                <a:alpha val="28000"/>
+              </a:srgbClr>
+            </a:outerShdw>
+          </a:effectLst>
+          <a:scene3d>
+            <a:camera prst="orthographicFront">
+              <a:rot lat="0" lon="0" rev="0"/>
+            </a:camera>
+            <a:lightRig rig="contrasting" dir="t">
+              <a:rot lat="0" lon="0" rev="1500000"/>
+            </a:lightRig>
+          </a:scene3d>
+          <a:sp3d prstMaterial="metal">
+            <a:bevelT w="88900" h="88900"/>
+          </a:sp3d>
         </p:spPr>
         <p:txBody>
           <a:bodyPr>
@@ -13173,6 +15224,27 @@
             <a:off x="1228897" y="1208314"/>
             <a:ext cx="9714894" cy="5120924"/>
           </a:xfrm>
+          <a:ln>
+            <a:noFill/>
+          </a:ln>
+          <a:effectLst>
+            <a:outerShdw blurRad="149987" dist="250190" dir="8460000" algn="ctr">
+              <a:srgbClr val="000000">
+                <a:alpha val="28000"/>
+              </a:srgbClr>
+            </a:outerShdw>
+          </a:effectLst>
+          <a:scene3d>
+            <a:camera prst="orthographicFront">
+              <a:rot lat="0" lon="0" rev="0"/>
+            </a:camera>
+            <a:lightRig rig="contrasting" dir="t">
+              <a:rot lat="0" lon="0" rev="1500000"/>
+            </a:lightRig>
+          </a:scene3d>
+          <a:sp3d prstMaterial="metal">
+            <a:bevelT w="88900" h="88900"/>
+          </a:sp3d>
         </p:spPr>
       </p:pic>
       <p:pic>
@@ -13812,6 +15884,27 @@
             <a:off x="5965373" y="365126"/>
             <a:ext cx="4729842" cy="859376"/>
           </a:xfrm>
+          <a:ln>
+            <a:noFill/>
+          </a:ln>
+          <a:effectLst>
+            <a:outerShdw blurRad="149987" dist="250190" dir="8460000" algn="ctr">
+              <a:srgbClr val="000000">
+                <a:alpha val="28000"/>
+              </a:srgbClr>
+            </a:outerShdw>
+          </a:effectLst>
+          <a:scene3d>
+            <a:camera prst="orthographicFront">
+              <a:rot lat="0" lon="0" rev="0"/>
+            </a:camera>
+            <a:lightRig rig="contrasting" dir="t">
+              <a:rot lat="0" lon="0" rev="1500000"/>
+            </a:lightRig>
+          </a:scene3d>
+          <a:sp3d prstMaterial="metal">
+            <a:bevelT w="88900" h="88900"/>
+          </a:sp3d>
         </p:spPr>
         <p:txBody>
           <a:bodyPr>
@@ -13866,6 +15959,27 @@
             <a:off x="1379415" y="1224501"/>
             <a:ext cx="9323618" cy="5125095"/>
           </a:xfrm>
+          <a:ln>
+            <a:noFill/>
+          </a:ln>
+          <a:effectLst>
+            <a:outerShdw blurRad="149987" dist="250190" dir="8460000" algn="ctr">
+              <a:srgbClr val="000000">
+                <a:alpha val="28000"/>
+              </a:srgbClr>
+            </a:outerShdw>
+          </a:effectLst>
+          <a:scene3d>
+            <a:camera prst="orthographicFront">
+              <a:rot lat="0" lon="0" rev="0"/>
+            </a:camera>
+            <a:lightRig rig="contrasting" dir="t">
+              <a:rot lat="0" lon="0" rev="1500000"/>
+            </a:lightRig>
+          </a:scene3d>
+          <a:sp3d prstMaterial="metal">
+            <a:bevelT w="88900" h="88900"/>
+          </a:sp3d>
         </p:spPr>
       </p:pic>
       <p:pic>
@@ -14505,6 +16619,27 @@
             <a:off x="3502479" y="365125"/>
             <a:ext cx="7184571" cy="851425"/>
           </a:xfrm>
+          <a:ln>
+            <a:noFill/>
+          </a:ln>
+          <a:effectLst>
+            <a:outerShdw blurRad="149987" dist="250190" dir="8460000" algn="ctr">
+              <a:srgbClr val="000000">
+                <a:alpha val="28000"/>
+              </a:srgbClr>
+            </a:outerShdw>
+          </a:effectLst>
+          <a:scene3d>
+            <a:camera prst="orthographicFront">
+              <a:rot lat="0" lon="0" rev="0"/>
+            </a:camera>
+            <a:lightRig rig="contrasting" dir="t">
+              <a:rot lat="0" lon="0" rev="1500000"/>
+            </a:lightRig>
+          </a:scene3d>
+          <a:sp3d prstMaterial="metal">
+            <a:bevelT w="88900" h="88900"/>
+          </a:sp3d>
         </p:spPr>
         <p:txBody>
           <a:bodyPr>
@@ -14559,6 +16694,27 @@
             <a:off x="1442731" y="1240969"/>
             <a:ext cx="9229639" cy="5084013"/>
           </a:xfrm>
+          <a:ln>
+            <a:noFill/>
+          </a:ln>
+          <a:effectLst>
+            <a:outerShdw blurRad="149987" dist="250190" dir="8460000" algn="ctr">
+              <a:srgbClr val="000000">
+                <a:alpha val="28000"/>
+              </a:srgbClr>
+            </a:outerShdw>
+          </a:effectLst>
+          <a:scene3d>
+            <a:camera prst="orthographicFront">
+              <a:rot lat="0" lon="0" rev="0"/>
+            </a:camera>
+            <a:lightRig rig="contrasting" dir="t">
+              <a:rot lat="0" lon="0" rev="1500000"/>
+            </a:lightRig>
+          </a:scene3d>
+          <a:sp3d prstMaterial="metal">
+            <a:bevelT w="88900" h="88900"/>
+          </a:sp3d>
         </p:spPr>
       </p:pic>
       <p:pic>
@@ -15198,6 +17354,27 @@
             <a:off x="3502481" y="365125"/>
             <a:ext cx="7070270" cy="851425"/>
           </a:xfrm>
+          <a:ln>
+            <a:noFill/>
+          </a:ln>
+          <a:effectLst>
+            <a:outerShdw blurRad="149987" dist="250190" dir="8460000" algn="ctr">
+              <a:srgbClr val="000000">
+                <a:alpha val="28000"/>
+              </a:srgbClr>
+            </a:outerShdw>
+          </a:effectLst>
+          <a:scene3d>
+            <a:camera prst="orthographicFront">
+              <a:rot lat="0" lon="0" rev="0"/>
+            </a:camera>
+            <a:lightRig rig="contrasting" dir="t">
+              <a:rot lat="0" lon="0" rev="1500000"/>
+            </a:lightRig>
+          </a:scene3d>
+          <a:sp3d prstMaterial="metal">
+            <a:bevelT w="88900" h="88900"/>
+          </a:sp3d>
         </p:spPr>
         <p:txBody>
           <a:bodyPr>
@@ -15252,6 +17429,27 @@
             <a:off x="1538428" y="1240969"/>
             <a:ext cx="9038245" cy="5084013"/>
           </a:xfrm>
+          <a:ln>
+            <a:noFill/>
+          </a:ln>
+          <a:effectLst>
+            <a:outerShdw blurRad="149987" dist="250190" dir="8460000" algn="ctr">
+              <a:srgbClr val="000000">
+                <a:alpha val="28000"/>
+              </a:srgbClr>
+            </a:outerShdw>
+          </a:effectLst>
+          <a:scene3d>
+            <a:camera prst="orthographicFront">
+              <a:rot lat="0" lon="0" rev="0"/>
+            </a:camera>
+            <a:lightRig rig="contrasting" dir="t">
+              <a:rot lat="0" lon="0" rev="1500000"/>
+            </a:lightRig>
+          </a:scene3d>
+          <a:sp3d prstMaterial="metal">
+            <a:bevelT w="88900" h="88900"/>
+          </a:sp3d>
         </p:spPr>
       </p:pic>
       <p:pic>
@@ -15891,6 +18089,27 @@
             <a:off x="5965372" y="365126"/>
             <a:ext cx="3544388" cy="883229"/>
           </a:xfrm>
+          <a:ln>
+            <a:noFill/>
+          </a:ln>
+          <a:effectLst>
+            <a:outerShdw blurRad="149987" dist="250190" dir="8460000" algn="ctr">
+              <a:srgbClr val="000000">
+                <a:alpha val="28000"/>
+              </a:srgbClr>
+            </a:outerShdw>
+          </a:effectLst>
+          <a:scene3d>
+            <a:camera prst="orthographicFront">
+              <a:rot lat="0" lon="0" rev="0"/>
+            </a:camera>
+            <a:lightRig rig="contrasting" dir="t">
+              <a:rot lat="0" lon="0" rev="1500000"/>
+            </a:lightRig>
+          </a:scene3d>
+          <a:sp3d prstMaterial="metal">
+            <a:bevelT w="88900" h="88900"/>
+          </a:sp3d>
         </p:spPr>
         <p:txBody>
           <a:bodyPr>
@@ -15928,7 +18147,7 @@
             <p:ph idx="1"/>
             <p:extLst>
               <p:ext uri="{D42A27DB-BD31-4B8C-83A1-F6EECF244321}">
-                <p14:modId xmlns:p14="http://schemas.microsoft.com/office/powerpoint/2010/main" val="3690820846"/>
+                <p14:modId xmlns:p14="http://schemas.microsoft.com/office/powerpoint/2010/main" val="2582302926"/>
               </p:ext>
             </p:extLst>
           </p:nvPr>
@@ -15977,6 +18196,27 @@
           <a:prstGeom prst="rect">
             <a:avLst/>
           </a:prstGeom>
+          <a:ln>
+            <a:noFill/>
+          </a:ln>
+          <a:effectLst>
+            <a:outerShdw blurRad="149987" dist="250190" dir="8460000" algn="ctr">
+              <a:srgbClr val="000000">
+                <a:alpha val="28000"/>
+              </a:srgbClr>
+            </a:outerShdw>
+          </a:effectLst>
+          <a:scene3d>
+            <a:camera prst="orthographicFront">
+              <a:rot lat="0" lon="0" rev="0"/>
+            </a:camera>
+            <a:lightRig rig="contrasting" dir="t">
+              <a:rot lat="0" lon="0" rev="1500000"/>
+            </a:lightRig>
+          </a:scene3d>
+          <a:sp3d prstMaterial="metal">
+            <a:bevelT w="88900" h="88900"/>
+          </a:sp3d>
         </p:spPr>
       </p:pic>
       <p:pic>
